--- a/project_presention.pptx
+++ b/project_presention.pptx
@@ -8,18 +8,19 @@
     <p:sldId id="256" r:id="rId2"/>
     <p:sldId id="257" r:id="rId3"/>
     <p:sldId id="258" r:id="rId4"/>
-    <p:sldId id="259" r:id="rId5"/>
-    <p:sldId id="260" r:id="rId6"/>
-    <p:sldId id="261" r:id="rId7"/>
-    <p:sldId id="262" r:id="rId8"/>
-    <p:sldId id="276" r:id="rId9"/>
-    <p:sldId id="271" r:id="rId10"/>
-    <p:sldId id="272" r:id="rId11"/>
-    <p:sldId id="274" r:id="rId12"/>
-    <p:sldId id="275" r:id="rId13"/>
-    <p:sldId id="273" r:id="rId14"/>
-    <p:sldId id="278" r:id="rId15"/>
-    <p:sldId id="279" r:id="rId16"/>
+    <p:sldId id="280" r:id="rId5"/>
+    <p:sldId id="259" r:id="rId6"/>
+    <p:sldId id="260" r:id="rId7"/>
+    <p:sldId id="261" r:id="rId8"/>
+    <p:sldId id="262" r:id="rId9"/>
+    <p:sldId id="276" r:id="rId10"/>
+    <p:sldId id="271" r:id="rId11"/>
+    <p:sldId id="272" r:id="rId12"/>
+    <p:sldId id="274" r:id="rId13"/>
+    <p:sldId id="275" r:id="rId14"/>
+    <p:sldId id="273" r:id="rId15"/>
+    <p:sldId id="278" r:id="rId16"/>
+    <p:sldId id="279" r:id="rId17"/>
   </p:sldIdLst>
   <p:sldSz cx="12192000" cy="6858000"/>
   <p:notesSz cx="6858000" cy="9144000"/>
@@ -118,6 +119,11 @@
       </a:defRPr>
     </a:lvl9pPr>
   </p:defaultTextStyle>
+  <p:extLst>
+    <p:ext uri="{EFAFB233-063F-42B5-8137-9DF3F51BA10A}">
+      <p15:sldGuideLst xmlns:p15="http://schemas.microsoft.com/office/powerpoint/2012/main"/>
+    </p:ext>
+  </p:extLst>
 </p:presentation>
 </file>
 
@@ -848,7 +854,7 @@
             <a:fld id="{B61BEF0D-F0BB-DE4B-95CE-6DB70DBA9567}" type="datetimeFigureOut">
               <a:rPr lang="en-US" smtClean="0"/>
               <a:pPr/>
-              <a:t>3/17/19</a:t>
+              <a:t>3/18/19</a:t>
             </a:fld>
             <a:endParaRPr lang="en-US" dirty="0"/>
           </a:p>
@@ -1101,7 +1107,7 @@
             <a:fld id="{B61BEF0D-F0BB-DE4B-95CE-6DB70DBA9567}" type="datetimeFigureOut">
               <a:rPr lang="en-US" smtClean="0"/>
               <a:pPr/>
-              <a:t>3/17/19</a:t>
+              <a:t>3/18/19</a:t>
             </a:fld>
             <a:endParaRPr lang="en-US" dirty="0"/>
           </a:p>
@@ -1417,7 +1423,7 @@
             <a:fld id="{B61BEF0D-F0BB-DE4B-95CE-6DB70DBA9567}" type="datetimeFigureOut">
               <a:rPr lang="en-US" smtClean="0"/>
               <a:pPr/>
-              <a:t>3/17/19</a:t>
+              <a:t>3/18/19</a:t>
             </a:fld>
             <a:endParaRPr lang="en-US" dirty="0"/>
           </a:p>
@@ -1746,7 +1752,7 @@
             <a:fld id="{B61BEF0D-F0BB-DE4B-95CE-6DB70DBA9567}" type="datetimeFigureOut">
               <a:rPr lang="en-US" smtClean="0"/>
               <a:pPr/>
-              <a:t>3/17/19</a:t>
+              <a:t>3/18/19</a:t>
             </a:fld>
             <a:endParaRPr lang="en-US" dirty="0"/>
           </a:p>
@@ -2062,7 +2068,7 @@
             <a:fld id="{B61BEF0D-F0BB-DE4B-95CE-6DB70DBA9567}" type="datetimeFigureOut">
               <a:rPr lang="en-US" smtClean="0"/>
               <a:pPr/>
-              <a:t>3/17/19</a:t>
+              <a:t>3/18/19</a:t>
             </a:fld>
             <a:endParaRPr lang="en-US" dirty="0"/>
           </a:p>
@@ -2451,7 +2457,7 @@
             <a:fld id="{B61BEF0D-F0BB-DE4B-95CE-6DB70DBA9567}" type="datetimeFigureOut">
               <a:rPr lang="en-US" smtClean="0"/>
               <a:pPr/>
-              <a:t>3/17/19</a:t>
+              <a:t>3/18/19</a:t>
             </a:fld>
             <a:endParaRPr lang="en-US" dirty="0"/>
           </a:p>
@@ -2622,7 +2628,7 @@
           <a:p>
             <a:fld id="{55C6B4A9-1611-4792-9094-5F34BCA07E0B}" type="datetimeFigureOut">
               <a:rPr lang="en-US" smtClean="0"/>
-              <a:t>3/17/19</a:t>
+              <a:t>3/18/19</a:t>
             </a:fld>
             <a:endParaRPr lang="en-US" dirty="0"/>
           </a:p>
@@ -2803,7 +2809,7 @@
             <a:fld id="{B61BEF0D-F0BB-DE4B-95CE-6DB70DBA9567}" type="datetimeFigureOut">
               <a:rPr lang="en-US" smtClean="0"/>
               <a:pPr/>
-              <a:t>3/17/19</a:t>
+              <a:t>3/18/19</a:t>
             </a:fld>
             <a:endParaRPr lang="en-US" dirty="0"/>
           </a:p>
@@ -2975,7 +2981,7 @@
             <a:fld id="{B61BEF0D-F0BB-DE4B-95CE-6DB70DBA9567}" type="datetimeFigureOut">
               <a:rPr lang="en-US" smtClean="0"/>
               <a:pPr/>
-              <a:t>3/17/19</a:t>
+              <a:t>3/18/19</a:t>
             </a:fld>
             <a:endParaRPr lang="en-US" dirty="0"/>
           </a:p>
@@ -3224,7 +3230,7 @@
             <a:fld id="{B61BEF0D-F0BB-DE4B-95CE-6DB70DBA9567}" type="datetimeFigureOut">
               <a:rPr lang="en-US" smtClean="0"/>
               <a:pPr/>
-              <a:t>3/17/19</a:t>
+              <a:t>3/18/19</a:t>
             </a:fld>
             <a:endParaRPr lang="en-US" dirty="0"/>
           </a:p>
@@ -3457,7 +3463,7 @@
           <a:p>
             <a:fld id="{EB712588-04B1-427B-82EE-E8DB90309F08}" type="datetimeFigureOut">
               <a:rPr lang="en-US" smtClean="0"/>
-              <a:t>3/17/19</a:t>
+              <a:t>3/18/19</a:t>
             </a:fld>
             <a:endParaRPr lang="en-US" dirty="0"/>
           </a:p>
@@ -3832,7 +3838,7 @@
             <a:fld id="{B61BEF0D-F0BB-DE4B-95CE-6DB70DBA9567}" type="datetimeFigureOut">
               <a:rPr lang="en-US" smtClean="0"/>
               <a:pPr/>
-              <a:t>3/17/19</a:t>
+              <a:t>3/18/19</a:t>
             </a:fld>
             <a:endParaRPr lang="en-US" dirty="0"/>
           </a:p>
@@ -3957,7 +3963,7 @@
             <a:fld id="{B61BEF0D-F0BB-DE4B-95CE-6DB70DBA9567}" type="datetimeFigureOut">
               <a:rPr lang="en-US" smtClean="0"/>
               <a:pPr/>
-              <a:t>3/17/19</a:t>
+              <a:t>3/18/19</a:t>
             </a:fld>
             <a:endParaRPr lang="en-US" dirty="0"/>
           </a:p>
@@ -4054,7 +4060,7 @@
             <a:fld id="{B61BEF0D-F0BB-DE4B-95CE-6DB70DBA9567}" type="datetimeFigureOut">
               <a:rPr lang="en-US" smtClean="0"/>
               <a:pPr/>
-              <a:t>3/17/19</a:t>
+              <a:t>3/18/19</a:t>
             </a:fld>
             <a:endParaRPr lang="en-US" dirty="0"/>
           </a:p>
@@ -4310,7 +4316,7 @@
           <a:p>
             <a:fld id="{42A54C80-263E-416B-A8E0-580EDEADCBDC}" type="datetimeFigureOut">
               <a:rPr lang="en-US" smtClean="0"/>
-              <a:t>3/17/19</a:t>
+              <a:t>3/18/19</a:t>
             </a:fld>
             <a:endParaRPr lang="en-US" dirty="0"/>
           </a:p>
@@ -4574,7 +4580,7 @@
             <a:fld id="{B61BEF0D-F0BB-DE4B-95CE-6DB70DBA9567}" type="datetimeFigureOut">
               <a:rPr lang="en-US" smtClean="0"/>
               <a:pPr/>
-              <a:t>3/17/19</a:t>
+              <a:t>3/18/19</a:t>
             </a:fld>
             <a:endParaRPr lang="en-US" dirty="0"/>
           </a:p>
@@ -5321,7 +5327,7 @@
             <a:fld id="{B61BEF0D-F0BB-DE4B-95CE-6DB70DBA9567}" type="datetimeFigureOut">
               <a:rPr lang="en-US" smtClean="0"/>
               <a:pPr/>
-              <a:t>3/17/19</a:t>
+              <a:t>3/18/19</a:t>
             </a:fld>
             <a:endParaRPr lang="en-US" dirty="0"/>
           </a:p>
@@ -7500,6 +7506,1598 @@
         </p:blipFill>
         <p:spPr>
           <a:xfrm>
+            <a:off x="1942742" y="1185150"/>
+            <a:ext cx="8308393" cy="4484072"/>
+          </a:xfrm>
+          <a:prstGeom prst="rect">
+            <a:avLst/>
+          </a:prstGeom>
+        </p:spPr>
+      </p:pic>
+      <p:sp>
+        <p:nvSpPr>
+          <p:cNvPr id="6" name="TextBox 5">
+            <a:extLst>
+              <a:ext uri="{FF2B5EF4-FFF2-40B4-BE49-F238E27FC236}">
+                <a16:creationId xmlns:a16="http://schemas.microsoft.com/office/drawing/2014/main" id="{9B833DF5-00C9-DD41-9E78-F689CB28F99E}"/>
+              </a:ext>
+            </a:extLst>
+          </p:cNvPr>
+          <p:cNvSpPr txBox="1"/>
+          <p:nvPr/>
+        </p:nvSpPr>
+        <p:spPr>
+          <a:xfrm>
+            <a:off x="1211498" y="539565"/>
+            <a:ext cx="8512368" cy="830997"/>
+          </a:xfrm>
+          <a:prstGeom prst="rect">
+            <a:avLst/>
+          </a:prstGeom>
+          <a:noFill/>
+        </p:spPr>
+        <p:txBody>
+          <a:bodyPr wrap="square" rtlCol="0">
+            <a:spAutoFit/>
+          </a:bodyPr>
+          <a:lstStyle/>
+          <a:p>
+            <a:pPr algn="ctr"/>
+            <a:r>
+              <a:rPr lang="en-US" sz="2400" dirty="0"/>
+              <a:t>Colorado Net Democratic Political Contributions by County </a:t>
+            </a:r>
+          </a:p>
+          <a:p>
+            <a:pPr algn="ctr"/>
+            <a:r>
+              <a:rPr lang="en-US" sz="2400" dirty="0"/>
+              <a:t>2000</a:t>
+            </a:r>
+            <a:r>
+              <a:rPr lang="en-US" dirty="0"/>
+              <a:t> </a:t>
+            </a:r>
+          </a:p>
+        </p:txBody>
+      </p:sp>
+    </p:spTree>
+    <p:extLst>
+      <p:ext uri="{BB962C8B-B14F-4D97-AF65-F5344CB8AC3E}">
+        <p14:creationId xmlns:p14="http://schemas.microsoft.com/office/powerpoint/2010/main" val="4091447532"/>
+      </p:ext>
+    </p:extLst>
+  </p:cSld>
+  <p:clrMapOvr>
+    <a:masterClrMapping/>
+  </p:clrMapOvr>
+</p:sld>
+</file>
+
+<file path=ppt/slides/slide11.xml><?xml version="1.0" encoding="utf-8"?>
+<p:sld xmlns:a="http://schemas.openxmlformats.org/drawingml/2006/main" xmlns:r="http://schemas.openxmlformats.org/officeDocument/2006/relationships" xmlns:p="http://schemas.openxmlformats.org/presentationml/2006/main">
+  <p:cSld>
+    <p:bg>
+      <p:bgPr>
+        <a:solidFill>
+          <a:schemeClr val="bg2"/>
+        </a:solidFill>
+        <a:effectLst/>
+      </p:bgPr>
+    </p:bg>
+    <p:spTree>
+      <p:nvGrpSpPr>
+        <p:cNvPr id="1" name=""/>
+        <p:cNvGrpSpPr/>
+        <p:nvPr/>
+      </p:nvGrpSpPr>
+      <p:grpSpPr>
+        <a:xfrm>
+          <a:off x="0" y="0"/>
+          <a:ext cx="0" cy="0"/>
+          <a:chOff x="0" y="0"/>
+          <a:chExt cx="0" cy="0"/>
+        </a:xfrm>
+      </p:grpSpPr>
+      <p:grpSp>
+        <p:nvGrpSpPr>
+          <p:cNvPr id="10" name="Group 9">
+            <a:extLst>
+              <a:ext uri="{FF2B5EF4-FFF2-40B4-BE49-F238E27FC236}">
+                <a16:creationId xmlns:a16="http://schemas.microsoft.com/office/drawing/2014/main" id="{5F054EF5-EFE6-45A2-834C-0F0931F39F1E}"/>
+              </a:ext>
+              <a:ext uri="{C183D7F6-B498-43B3-948B-1728B52AA6E4}">
+                <adec:decorative xmlns:adec="http://schemas.microsoft.com/office/drawing/2017/decorative" val="1"/>
+              </a:ext>
+            </a:extLst>
+          </p:cNvPr>
+          <p:cNvGrpSpPr>
+            <a:grpSpLocks noGrp="1" noUngrp="1" noRot="1" noChangeAspect="1" noMove="1" noResize="1"/>
+          </p:cNvGrpSpPr>
+          <p:nvPr>
+            <p:extLst>
+              <p:ext uri="{386F3935-93C4-4BCD-93E2-E3B085C9AB24}">
+                <p16:designElem xmlns:p16="http://schemas.microsoft.com/office/powerpoint/2015/main" val="1"/>
+              </p:ext>
+            </p:extLst>
+          </p:nvPr>
+        </p:nvGrpSpPr>
+        <p:grpSpPr>
+          <a:xfrm>
+            <a:off x="0" y="-8467"/>
+            <a:ext cx="12192000" cy="6866467"/>
+            <a:chOff x="0" y="-8467"/>
+            <a:chExt cx="12192000" cy="6866467"/>
+          </a:xfrm>
+        </p:grpSpPr>
+        <p:cxnSp>
+          <p:nvCxnSpPr>
+            <p:cNvPr id="11" name="Straight Connector 10">
+              <a:extLst>
+                <a:ext uri="{FF2B5EF4-FFF2-40B4-BE49-F238E27FC236}">
+                  <a16:creationId xmlns:a16="http://schemas.microsoft.com/office/drawing/2014/main" id="{CFE3C88A-FEDB-4B9C-94EE-5026B326B3EB}"/>
+                </a:ext>
+                <a:ext uri="{C183D7F6-B498-43B3-948B-1728B52AA6E4}">
+                  <adec:decorative xmlns:adec="http://schemas.microsoft.com/office/drawing/2017/decorative" val="1"/>
+                </a:ext>
+              </a:extLst>
+            </p:cNvPr>
+            <p:cNvCxnSpPr/>
+            <p:nvPr>
+              <p:extLst>
+                <p:ext uri="{386F3935-93C4-4BCD-93E2-E3B085C9AB24}">
+                  <p16:designElem xmlns:p16="http://schemas.microsoft.com/office/powerpoint/2015/main" val="1"/>
+                </p:ext>
+              </p:extLst>
+            </p:nvPr>
+          </p:nvCxnSpPr>
+          <p:spPr>
+            <a:xfrm>
+              <a:off x="9371012" y="0"/>
+              <a:ext cx="1219200" cy="6858000"/>
+            </a:xfrm>
+            <a:prstGeom prst="line">
+              <a:avLst/>
+            </a:prstGeom>
+            <a:ln w="9525">
+              <a:solidFill>
+                <a:schemeClr val="bg1">
+                  <a:lumMod val="85000"/>
+                  <a:lumOff val="15000"/>
+                </a:schemeClr>
+              </a:solidFill>
+            </a:ln>
+          </p:spPr>
+          <p:style>
+            <a:lnRef idx="2">
+              <a:schemeClr val="accent1"/>
+            </a:lnRef>
+            <a:fillRef idx="0">
+              <a:schemeClr val="accent1"/>
+            </a:fillRef>
+            <a:effectRef idx="1">
+              <a:schemeClr val="accent1"/>
+            </a:effectRef>
+            <a:fontRef idx="minor">
+              <a:schemeClr val="tx1"/>
+            </a:fontRef>
+          </p:style>
+        </p:cxnSp>
+        <p:cxnSp>
+          <p:nvCxnSpPr>
+            <p:cNvPr id="12" name="Straight Connector 11">
+              <a:extLst>
+                <a:ext uri="{FF2B5EF4-FFF2-40B4-BE49-F238E27FC236}">
+                  <a16:creationId xmlns:a16="http://schemas.microsoft.com/office/drawing/2014/main" id="{B5D51D9B-0E7C-44D3-9215-81F9915232E9}"/>
+                </a:ext>
+                <a:ext uri="{C183D7F6-B498-43B3-948B-1728B52AA6E4}">
+                  <adec:decorative xmlns:adec="http://schemas.microsoft.com/office/drawing/2017/decorative" val="1"/>
+                </a:ext>
+              </a:extLst>
+            </p:cNvPr>
+            <p:cNvCxnSpPr/>
+            <p:nvPr>
+              <p:extLst>
+                <p:ext uri="{386F3935-93C4-4BCD-93E2-E3B085C9AB24}">
+                  <p16:designElem xmlns:p16="http://schemas.microsoft.com/office/powerpoint/2015/main" val="1"/>
+                </p:ext>
+              </p:extLst>
+            </p:nvPr>
+          </p:nvCxnSpPr>
+          <p:spPr>
+            <a:xfrm flipH="1">
+              <a:off x="7425267" y="3681413"/>
+              <a:ext cx="4763558" cy="3176587"/>
+            </a:xfrm>
+            <a:prstGeom prst="line">
+              <a:avLst/>
+            </a:prstGeom>
+            <a:ln w="9525">
+              <a:solidFill>
+                <a:schemeClr val="bg1">
+                  <a:lumMod val="85000"/>
+                  <a:lumOff val="15000"/>
+                </a:schemeClr>
+              </a:solidFill>
+            </a:ln>
+          </p:spPr>
+          <p:style>
+            <a:lnRef idx="2">
+              <a:schemeClr val="accent1"/>
+            </a:lnRef>
+            <a:fillRef idx="0">
+              <a:schemeClr val="accent1"/>
+            </a:fillRef>
+            <a:effectRef idx="1">
+              <a:schemeClr val="accent1"/>
+            </a:effectRef>
+            <a:fontRef idx="minor">
+              <a:schemeClr val="tx1"/>
+            </a:fontRef>
+          </p:style>
+        </p:cxnSp>
+        <p:sp>
+          <p:nvSpPr>
+            <p:cNvPr id="13" name="Rectangle 23">
+              <a:extLst>
+                <a:ext uri="{FF2B5EF4-FFF2-40B4-BE49-F238E27FC236}">
+                  <a16:creationId xmlns:a16="http://schemas.microsoft.com/office/drawing/2014/main" id="{16EFB339-1D4E-4824-A20B-AF30D07CF73A}"/>
+                </a:ext>
+                <a:ext uri="{C183D7F6-B498-43B3-948B-1728B52AA6E4}">
+                  <adec:decorative xmlns:adec="http://schemas.microsoft.com/office/drawing/2017/decorative" val="1"/>
+                </a:ext>
+              </a:extLst>
+            </p:cNvPr>
+            <p:cNvSpPr/>
+            <p:nvPr>
+              <p:extLst>
+                <p:ext uri="{386F3935-93C4-4BCD-93E2-E3B085C9AB24}">
+                  <p16:designElem xmlns:p16="http://schemas.microsoft.com/office/powerpoint/2015/main" val="1"/>
+                </p:ext>
+              </p:extLst>
+            </p:nvPr>
+          </p:nvSpPr>
+          <p:spPr>
+            <a:xfrm>
+              <a:off x="9181476" y="-8467"/>
+              <a:ext cx="3007349" cy="6866467"/>
+            </a:xfrm>
+            <a:custGeom>
+              <a:avLst/>
+              <a:gdLst/>
+              <a:ahLst/>
+              <a:cxnLst/>
+              <a:rect l="l" t="t" r="r" b="b"/>
+              <a:pathLst>
+                <a:path w="3007349" h="6866467">
+                  <a:moveTo>
+                    <a:pt x="2045532" y="0"/>
+                  </a:moveTo>
+                  <a:lnTo>
+                    <a:pt x="3007349" y="0"/>
+                  </a:lnTo>
+                  <a:lnTo>
+                    <a:pt x="3007349" y="6866467"/>
+                  </a:lnTo>
+                  <a:lnTo>
+                    <a:pt x="0" y="6866467"/>
+                  </a:lnTo>
+                  <a:lnTo>
+                    <a:pt x="2045532" y="0"/>
+                  </a:lnTo>
+                  <a:close/>
+                </a:path>
+              </a:pathLst>
+            </a:custGeom>
+            <a:solidFill>
+              <a:schemeClr val="accent1">
+                <a:alpha val="30000"/>
+              </a:schemeClr>
+            </a:solidFill>
+            <a:ln>
+              <a:noFill/>
+            </a:ln>
+            <a:effectLst/>
+          </p:spPr>
+          <p:style>
+            <a:lnRef idx="1">
+              <a:schemeClr val="accent1"/>
+            </a:lnRef>
+            <a:fillRef idx="3">
+              <a:schemeClr val="accent1"/>
+            </a:fillRef>
+            <a:effectRef idx="2">
+              <a:schemeClr val="accent1"/>
+            </a:effectRef>
+            <a:fontRef idx="minor">
+              <a:schemeClr val="lt1"/>
+            </a:fontRef>
+          </p:style>
+        </p:sp>
+        <p:sp>
+          <p:nvSpPr>
+            <p:cNvPr id="14" name="Rectangle 25">
+              <a:extLst>
+                <a:ext uri="{FF2B5EF4-FFF2-40B4-BE49-F238E27FC236}">
+                  <a16:creationId xmlns:a16="http://schemas.microsoft.com/office/drawing/2014/main" id="{00030831-8136-4C61-8F00-6F190C5AEBEA}"/>
+                </a:ext>
+                <a:ext uri="{C183D7F6-B498-43B3-948B-1728B52AA6E4}">
+                  <adec:decorative xmlns:adec="http://schemas.microsoft.com/office/drawing/2017/decorative" val="1"/>
+                </a:ext>
+              </a:extLst>
+            </p:cNvPr>
+            <p:cNvSpPr/>
+            <p:nvPr>
+              <p:extLst>
+                <p:ext uri="{386F3935-93C4-4BCD-93E2-E3B085C9AB24}">
+                  <p16:designElem xmlns:p16="http://schemas.microsoft.com/office/powerpoint/2015/main" val="1"/>
+                </p:ext>
+              </p:extLst>
+            </p:nvPr>
+          </p:nvSpPr>
+          <p:spPr>
+            <a:xfrm>
+              <a:off x="9603442" y="-8467"/>
+              <a:ext cx="2588558" cy="6866467"/>
+            </a:xfrm>
+            <a:custGeom>
+              <a:avLst/>
+              <a:gdLst/>
+              <a:ahLst/>
+              <a:cxnLst/>
+              <a:rect l="l" t="t" r="r" b="b"/>
+              <a:pathLst>
+                <a:path w="2573311" h="6866467">
+                  <a:moveTo>
+                    <a:pt x="0" y="0"/>
+                  </a:moveTo>
+                  <a:lnTo>
+                    <a:pt x="2573311" y="0"/>
+                  </a:lnTo>
+                  <a:lnTo>
+                    <a:pt x="2573311" y="6866467"/>
+                  </a:lnTo>
+                  <a:lnTo>
+                    <a:pt x="1202336" y="6866467"/>
+                  </a:lnTo>
+                  <a:lnTo>
+                    <a:pt x="0" y="0"/>
+                  </a:lnTo>
+                  <a:close/>
+                </a:path>
+              </a:pathLst>
+            </a:custGeom>
+            <a:solidFill>
+              <a:schemeClr val="accent1">
+                <a:alpha val="20000"/>
+              </a:schemeClr>
+            </a:solidFill>
+            <a:ln>
+              <a:noFill/>
+            </a:ln>
+            <a:effectLst/>
+          </p:spPr>
+          <p:style>
+            <a:lnRef idx="1">
+              <a:schemeClr val="accent1"/>
+            </a:lnRef>
+            <a:fillRef idx="3">
+              <a:schemeClr val="accent1"/>
+            </a:fillRef>
+            <a:effectRef idx="2">
+              <a:schemeClr val="accent1"/>
+            </a:effectRef>
+            <a:fontRef idx="minor">
+              <a:schemeClr val="lt1"/>
+            </a:fontRef>
+          </p:style>
+        </p:sp>
+        <p:sp>
+          <p:nvSpPr>
+            <p:cNvPr id="15" name="Isosceles Triangle 14">
+              <a:extLst>
+                <a:ext uri="{FF2B5EF4-FFF2-40B4-BE49-F238E27FC236}">
+                  <a16:creationId xmlns:a16="http://schemas.microsoft.com/office/drawing/2014/main" id="{9B14B360-4798-467E-ADE9-756959EC521D}"/>
+                </a:ext>
+                <a:ext uri="{C183D7F6-B498-43B3-948B-1728B52AA6E4}">
+                  <adec:decorative xmlns:adec="http://schemas.microsoft.com/office/drawing/2017/decorative" val="1"/>
+                </a:ext>
+              </a:extLst>
+            </p:cNvPr>
+            <p:cNvSpPr/>
+            <p:nvPr>
+              <p:extLst>
+                <p:ext uri="{386F3935-93C4-4BCD-93E2-E3B085C9AB24}">
+                  <p16:designElem xmlns:p16="http://schemas.microsoft.com/office/powerpoint/2015/main" val="1"/>
+                </p:ext>
+              </p:extLst>
+            </p:nvPr>
+          </p:nvSpPr>
+          <p:spPr>
+            <a:xfrm>
+              <a:off x="8932333" y="3048000"/>
+              <a:ext cx="3259667" cy="3810000"/>
+            </a:xfrm>
+            <a:prstGeom prst="triangle">
+              <a:avLst>
+                <a:gd name="adj" fmla="val 100000"/>
+              </a:avLst>
+            </a:prstGeom>
+            <a:solidFill>
+              <a:schemeClr val="accent2">
+                <a:alpha val="72000"/>
+              </a:schemeClr>
+            </a:solidFill>
+            <a:ln>
+              <a:noFill/>
+            </a:ln>
+            <a:effectLst/>
+          </p:spPr>
+          <p:style>
+            <a:lnRef idx="1">
+              <a:schemeClr val="accent1"/>
+            </a:lnRef>
+            <a:fillRef idx="3">
+              <a:schemeClr val="accent1"/>
+            </a:fillRef>
+            <a:effectRef idx="2">
+              <a:schemeClr val="accent1"/>
+            </a:effectRef>
+            <a:fontRef idx="minor">
+              <a:schemeClr val="lt1"/>
+            </a:fontRef>
+          </p:style>
+        </p:sp>
+        <p:sp>
+          <p:nvSpPr>
+            <p:cNvPr id="16" name="Rectangle 27">
+              <a:extLst>
+                <a:ext uri="{FF2B5EF4-FFF2-40B4-BE49-F238E27FC236}">
+                  <a16:creationId xmlns:a16="http://schemas.microsoft.com/office/drawing/2014/main" id="{9433F2F7-DA21-430A-A31C-D529D9C6A186}"/>
+                </a:ext>
+                <a:ext uri="{C183D7F6-B498-43B3-948B-1728B52AA6E4}">
+                  <adec:decorative xmlns:adec="http://schemas.microsoft.com/office/drawing/2017/decorative" val="1"/>
+                </a:ext>
+              </a:extLst>
+            </p:cNvPr>
+            <p:cNvSpPr/>
+            <p:nvPr>
+              <p:extLst>
+                <p:ext uri="{386F3935-93C4-4BCD-93E2-E3B085C9AB24}">
+                  <p16:designElem xmlns:p16="http://schemas.microsoft.com/office/powerpoint/2015/main" val="1"/>
+                </p:ext>
+              </p:extLst>
+            </p:nvPr>
+          </p:nvSpPr>
+          <p:spPr>
+            <a:xfrm>
+              <a:off x="9334500" y="-8467"/>
+              <a:ext cx="2854326" cy="6866467"/>
+            </a:xfrm>
+            <a:custGeom>
+              <a:avLst/>
+              <a:gdLst/>
+              <a:ahLst/>
+              <a:cxnLst/>
+              <a:rect l="l" t="t" r="r" b="b"/>
+              <a:pathLst>
+                <a:path w="2858013" h="6866467">
+                  <a:moveTo>
+                    <a:pt x="0" y="0"/>
+                  </a:moveTo>
+                  <a:lnTo>
+                    <a:pt x="2858013" y="0"/>
+                  </a:lnTo>
+                  <a:lnTo>
+                    <a:pt x="2858013" y="6866467"/>
+                  </a:lnTo>
+                  <a:lnTo>
+                    <a:pt x="2473942" y="6866467"/>
+                  </a:lnTo>
+                  <a:lnTo>
+                    <a:pt x="0" y="0"/>
+                  </a:lnTo>
+                  <a:close/>
+                </a:path>
+              </a:pathLst>
+            </a:custGeom>
+            <a:solidFill>
+              <a:schemeClr val="accent2">
+                <a:lumMod val="75000"/>
+                <a:alpha val="70000"/>
+              </a:schemeClr>
+            </a:solidFill>
+            <a:ln>
+              <a:noFill/>
+            </a:ln>
+            <a:effectLst/>
+          </p:spPr>
+          <p:style>
+            <a:lnRef idx="1">
+              <a:schemeClr val="accent1"/>
+            </a:lnRef>
+            <a:fillRef idx="3">
+              <a:schemeClr val="accent1"/>
+            </a:fillRef>
+            <a:effectRef idx="2">
+              <a:schemeClr val="accent1"/>
+            </a:effectRef>
+            <a:fontRef idx="minor">
+              <a:schemeClr val="lt1"/>
+            </a:fontRef>
+          </p:style>
+        </p:sp>
+        <p:sp>
+          <p:nvSpPr>
+            <p:cNvPr id="17" name="Rectangle 28">
+              <a:extLst>
+                <a:ext uri="{FF2B5EF4-FFF2-40B4-BE49-F238E27FC236}">
+                  <a16:creationId xmlns:a16="http://schemas.microsoft.com/office/drawing/2014/main" id="{0B24FFF9-F75D-4A88-90F8-D2D7BBB8E89E}"/>
+                </a:ext>
+                <a:ext uri="{C183D7F6-B498-43B3-948B-1728B52AA6E4}">
+                  <adec:decorative xmlns:adec="http://schemas.microsoft.com/office/drawing/2017/decorative" val="1"/>
+                </a:ext>
+              </a:extLst>
+            </p:cNvPr>
+            <p:cNvSpPr/>
+            <p:nvPr>
+              <p:extLst>
+                <p:ext uri="{386F3935-93C4-4BCD-93E2-E3B085C9AB24}">
+                  <p16:designElem xmlns:p16="http://schemas.microsoft.com/office/powerpoint/2015/main" val="1"/>
+                </p:ext>
+              </p:extLst>
+            </p:nvPr>
+          </p:nvSpPr>
+          <p:spPr>
+            <a:xfrm>
+              <a:off x="10898730" y="-8467"/>
+              <a:ext cx="1290094" cy="6866467"/>
+            </a:xfrm>
+            <a:custGeom>
+              <a:avLst/>
+              <a:gdLst/>
+              <a:ahLst/>
+              <a:cxnLst/>
+              <a:rect l="l" t="t" r="r" b="b"/>
+              <a:pathLst>
+                <a:path w="1290094" h="6858000">
+                  <a:moveTo>
+                    <a:pt x="1019735" y="0"/>
+                  </a:moveTo>
+                  <a:lnTo>
+                    <a:pt x="1290094" y="0"/>
+                  </a:lnTo>
+                  <a:lnTo>
+                    <a:pt x="1290094" y="6858000"/>
+                  </a:lnTo>
+                  <a:lnTo>
+                    <a:pt x="0" y="6858000"/>
+                  </a:lnTo>
+                  <a:lnTo>
+                    <a:pt x="1019735" y="0"/>
+                  </a:lnTo>
+                  <a:close/>
+                </a:path>
+              </a:pathLst>
+            </a:custGeom>
+            <a:solidFill>
+              <a:schemeClr val="accent1">
+                <a:lumMod val="60000"/>
+                <a:lumOff val="40000"/>
+                <a:alpha val="70000"/>
+              </a:schemeClr>
+            </a:solidFill>
+            <a:ln>
+              <a:noFill/>
+            </a:ln>
+            <a:effectLst/>
+          </p:spPr>
+          <p:style>
+            <a:lnRef idx="1">
+              <a:schemeClr val="accent1"/>
+            </a:lnRef>
+            <a:fillRef idx="3">
+              <a:schemeClr val="accent1"/>
+            </a:fillRef>
+            <a:effectRef idx="2">
+              <a:schemeClr val="accent1"/>
+            </a:effectRef>
+            <a:fontRef idx="minor">
+              <a:schemeClr val="lt1"/>
+            </a:fontRef>
+          </p:style>
+        </p:sp>
+        <p:sp>
+          <p:nvSpPr>
+            <p:cNvPr id="18" name="Rectangle 29">
+              <a:extLst>
+                <a:ext uri="{FF2B5EF4-FFF2-40B4-BE49-F238E27FC236}">
+                  <a16:creationId xmlns:a16="http://schemas.microsoft.com/office/drawing/2014/main" id="{A0A2A2C4-404D-431C-8F9A-227932A42E45}"/>
+                </a:ext>
+                <a:ext uri="{C183D7F6-B498-43B3-948B-1728B52AA6E4}">
+                  <adec:decorative xmlns:adec="http://schemas.microsoft.com/office/drawing/2017/decorative" val="1"/>
+                </a:ext>
+              </a:extLst>
+            </p:cNvPr>
+            <p:cNvSpPr/>
+            <p:nvPr>
+              <p:extLst>
+                <p:ext uri="{386F3935-93C4-4BCD-93E2-E3B085C9AB24}">
+                  <p16:designElem xmlns:p16="http://schemas.microsoft.com/office/powerpoint/2015/main" val="1"/>
+                </p:ext>
+              </p:extLst>
+            </p:nvPr>
+          </p:nvSpPr>
+          <p:spPr>
+            <a:xfrm>
+              <a:off x="10938999" y="-8467"/>
+              <a:ext cx="1249825" cy="6866467"/>
+            </a:xfrm>
+            <a:custGeom>
+              <a:avLst/>
+              <a:gdLst/>
+              <a:ahLst/>
+              <a:cxnLst/>
+              <a:rect l="l" t="t" r="r" b="b"/>
+              <a:pathLst>
+                <a:path w="1249825" h="6858000">
+                  <a:moveTo>
+                    <a:pt x="0" y="0"/>
+                  </a:moveTo>
+                  <a:lnTo>
+                    <a:pt x="1249825" y="0"/>
+                  </a:lnTo>
+                  <a:lnTo>
+                    <a:pt x="1249825" y="6858000"/>
+                  </a:lnTo>
+                  <a:lnTo>
+                    <a:pt x="1109382" y="6858000"/>
+                  </a:lnTo>
+                  <a:lnTo>
+                    <a:pt x="0" y="0"/>
+                  </a:lnTo>
+                  <a:close/>
+                </a:path>
+              </a:pathLst>
+            </a:custGeom>
+            <a:solidFill>
+              <a:schemeClr val="accent1">
+                <a:alpha val="65000"/>
+              </a:schemeClr>
+            </a:solidFill>
+            <a:ln>
+              <a:noFill/>
+            </a:ln>
+            <a:effectLst/>
+          </p:spPr>
+          <p:style>
+            <a:lnRef idx="1">
+              <a:schemeClr val="accent1"/>
+            </a:lnRef>
+            <a:fillRef idx="3">
+              <a:schemeClr val="accent1"/>
+            </a:fillRef>
+            <a:effectRef idx="2">
+              <a:schemeClr val="accent1"/>
+            </a:effectRef>
+            <a:fontRef idx="minor">
+              <a:schemeClr val="lt1"/>
+            </a:fontRef>
+          </p:style>
+        </p:sp>
+        <p:sp>
+          <p:nvSpPr>
+            <p:cNvPr id="19" name="Isosceles Triangle 18">
+              <a:extLst>
+                <a:ext uri="{FF2B5EF4-FFF2-40B4-BE49-F238E27FC236}">
+                  <a16:creationId xmlns:a16="http://schemas.microsoft.com/office/drawing/2014/main" id="{4661DBE2-1BC5-463F-BBB8-199B890D1C4E}"/>
+                </a:ext>
+                <a:ext uri="{C183D7F6-B498-43B3-948B-1728B52AA6E4}">
+                  <adec:decorative xmlns:adec="http://schemas.microsoft.com/office/drawing/2017/decorative" val="1"/>
+                </a:ext>
+              </a:extLst>
+            </p:cNvPr>
+            <p:cNvSpPr/>
+            <p:nvPr>
+              <p:extLst>
+                <p:ext uri="{386F3935-93C4-4BCD-93E2-E3B085C9AB24}">
+                  <p16:designElem xmlns:p16="http://schemas.microsoft.com/office/powerpoint/2015/main" val="1"/>
+                </p:ext>
+              </p:extLst>
+            </p:nvPr>
+          </p:nvSpPr>
+          <p:spPr>
+            <a:xfrm>
+              <a:off x="10371666" y="3589867"/>
+              <a:ext cx="1817159" cy="3268133"/>
+            </a:xfrm>
+            <a:prstGeom prst="triangle">
+              <a:avLst>
+                <a:gd name="adj" fmla="val 100000"/>
+              </a:avLst>
+            </a:prstGeom>
+            <a:solidFill>
+              <a:schemeClr val="accent1">
+                <a:alpha val="80000"/>
+              </a:schemeClr>
+            </a:solidFill>
+            <a:ln>
+              <a:noFill/>
+            </a:ln>
+            <a:effectLst/>
+          </p:spPr>
+          <p:style>
+            <a:lnRef idx="1">
+              <a:schemeClr val="accent1"/>
+            </a:lnRef>
+            <a:fillRef idx="3">
+              <a:schemeClr val="accent1"/>
+            </a:fillRef>
+            <a:effectRef idx="2">
+              <a:schemeClr val="accent1"/>
+            </a:effectRef>
+            <a:fontRef idx="minor">
+              <a:schemeClr val="lt1"/>
+            </a:fontRef>
+          </p:style>
+        </p:sp>
+        <p:sp>
+          <p:nvSpPr>
+            <p:cNvPr id="20" name="Isosceles Triangle 19">
+              <a:extLst>
+                <a:ext uri="{FF2B5EF4-FFF2-40B4-BE49-F238E27FC236}">
+                  <a16:creationId xmlns:a16="http://schemas.microsoft.com/office/drawing/2014/main" id="{710A6E70-F0B9-4E3D-9A78-2D2FEE5DF3C5}"/>
+                </a:ext>
+                <a:ext uri="{C183D7F6-B498-43B3-948B-1728B52AA6E4}">
+                  <adec:decorative xmlns:adec="http://schemas.microsoft.com/office/drawing/2017/decorative" val="1"/>
+                </a:ext>
+              </a:extLst>
+            </p:cNvPr>
+            <p:cNvSpPr/>
+            <p:nvPr>
+              <p:extLst>
+                <p:ext uri="{386F3935-93C4-4BCD-93E2-E3B085C9AB24}">
+                  <p16:designElem xmlns:p16="http://schemas.microsoft.com/office/powerpoint/2015/main" val="1"/>
+                </p:ext>
+              </p:extLst>
+            </p:nvPr>
+          </p:nvSpPr>
+          <p:spPr>
+            <a:xfrm>
+              <a:off x="0" y="4013200"/>
+              <a:ext cx="448733" cy="2844800"/>
+            </a:xfrm>
+            <a:prstGeom prst="triangle">
+              <a:avLst>
+                <a:gd name="adj" fmla="val 0"/>
+              </a:avLst>
+            </a:prstGeom>
+            <a:solidFill>
+              <a:schemeClr val="accent1">
+                <a:alpha val="85000"/>
+              </a:schemeClr>
+            </a:solidFill>
+            <a:ln>
+              <a:noFill/>
+            </a:ln>
+            <a:effectLst/>
+          </p:spPr>
+          <p:style>
+            <a:lnRef idx="1">
+              <a:schemeClr val="accent1"/>
+            </a:lnRef>
+            <a:fillRef idx="3">
+              <a:schemeClr val="accent1"/>
+            </a:fillRef>
+            <a:effectRef idx="2">
+              <a:schemeClr val="accent1"/>
+            </a:effectRef>
+            <a:fontRef idx="minor">
+              <a:schemeClr val="lt1"/>
+            </a:fontRef>
+          </p:style>
+        </p:sp>
+      </p:grpSp>
+      <p:sp>
+        <p:nvSpPr>
+          <p:cNvPr id="22" name="Rectangle 21">
+            <a:extLst>
+              <a:ext uri="{FF2B5EF4-FFF2-40B4-BE49-F238E27FC236}">
+                <a16:creationId xmlns:a16="http://schemas.microsoft.com/office/drawing/2014/main" id="{03E8462A-FEBA-4848-81CC-3F8DA3E477BE}"/>
+              </a:ext>
+              <a:ext uri="{C183D7F6-B498-43B3-948B-1728B52AA6E4}">
+                <adec:decorative xmlns:adec="http://schemas.microsoft.com/office/drawing/2017/decorative" val="1"/>
+              </a:ext>
+            </a:extLst>
+          </p:cNvPr>
+          <p:cNvSpPr>
+            <a:spLocks noGrp="1" noRot="1" noChangeAspect="1" noMove="1" noResize="1" noEditPoints="1" noAdjustHandles="1" noChangeArrowheads="1" noChangeShapeType="1" noTextEdit="1"/>
+          </p:cNvSpPr>
+          <p:nvPr>
+            <p:extLst>
+              <p:ext uri="{386F3935-93C4-4BCD-93E2-E3B085C9AB24}">
+                <p16:designElem xmlns:p16="http://schemas.microsoft.com/office/powerpoint/2015/main" val="1"/>
+              </p:ext>
+            </p:extLst>
+          </p:nvPr>
+        </p:nvSpPr>
+        <p:spPr>
+          <a:xfrm>
+            <a:off x="0" y="0"/>
+            <a:ext cx="12188952" cy="6858000"/>
+          </a:xfrm>
+          <a:prstGeom prst="rect">
+            <a:avLst/>
+          </a:prstGeom>
+          <a:solidFill>
+            <a:schemeClr val="accent2"/>
+          </a:solidFill>
+          <a:ln>
+            <a:noFill/>
+          </a:ln>
+        </p:spPr>
+        <p:style>
+          <a:lnRef idx="2">
+            <a:schemeClr val="accent1">
+              <a:shade val="50000"/>
+            </a:schemeClr>
+          </a:lnRef>
+          <a:fillRef idx="1">
+            <a:schemeClr val="accent1"/>
+          </a:fillRef>
+          <a:effectRef idx="0">
+            <a:schemeClr val="accent1"/>
+          </a:effectRef>
+          <a:fontRef idx="minor">
+            <a:schemeClr val="lt1"/>
+          </a:fontRef>
+        </p:style>
+        <p:txBody>
+          <a:bodyPr rtlCol="0" anchor="ctr"/>
+          <a:lstStyle/>
+          <a:p>
+            <a:pPr algn="ctr"/>
+            <a:endParaRPr lang="en-US"/>
+          </a:p>
+        </p:txBody>
+      </p:sp>
+      <p:grpSp>
+        <p:nvGrpSpPr>
+          <p:cNvPr id="24" name="Group 23">
+            <a:extLst>
+              <a:ext uri="{FF2B5EF4-FFF2-40B4-BE49-F238E27FC236}">
+                <a16:creationId xmlns:a16="http://schemas.microsoft.com/office/drawing/2014/main" id="{2109F83F-40FE-4DB3-84CC-09FB3340D06D}"/>
+              </a:ext>
+              <a:ext uri="{C183D7F6-B498-43B3-948B-1728B52AA6E4}">
+                <adec:decorative xmlns:adec="http://schemas.microsoft.com/office/drawing/2017/decorative" val="1"/>
+              </a:ext>
+            </a:extLst>
+          </p:cNvPr>
+          <p:cNvGrpSpPr>
+            <a:grpSpLocks noGrp="1" noUngrp="1" noRot="1" noChangeAspect="1" noMove="1" noResize="1"/>
+          </p:cNvGrpSpPr>
+          <p:nvPr>
+            <p:extLst>
+              <p:ext uri="{386F3935-93C4-4BCD-93E2-E3B085C9AB24}">
+                <p16:designElem xmlns:p16="http://schemas.microsoft.com/office/powerpoint/2015/main" val="1"/>
+              </p:ext>
+            </p:extLst>
+          </p:nvPr>
+        </p:nvGrpSpPr>
+        <p:grpSpPr>
+          <a:xfrm>
+            <a:off x="0" y="-8467"/>
+            <a:ext cx="12192000" cy="6866467"/>
+            <a:chOff x="0" y="-8467"/>
+            <a:chExt cx="12192000" cy="6866467"/>
+          </a:xfrm>
+        </p:grpSpPr>
+        <p:cxnSp>
+          <p:nvCxnSpPr>
+            <p:cNvPr id="25" name="Straight Connector 24">
+              <a:extLst>
+                <a:ext uri="{FF2B5EF4-FFF2-40B4-BE49-F238E27FC236}">
+                  <a16:creationId xmlns:a16="http://schemas.microsoft.com/office/drawing/2014/main" id="{1DE492D7-C3C3-48FF-80C8-37021EA0262F}"/>
+                </a:ext>
+                <a:ext uri="{C183D7F6-B498-43B3-948B-1728B52AA6E4}">
+                  <adec:decorative xmlns:adec="http://schemas.microsoft.com/office/drawing/2017/decorative" val="1"/>
+                </a:ext>
+              </a:extLst>
+            </p:cNvPr>
+            <p:cNvCxnSpPr/>
+            <p:nvPr>
+              <p:extLst>
+                <p:ext uri="{386F3935-93C4-4BCD-93E2-E3B085C9AB24}">
+                  <p16:designElem xmlns:p16="http://schemas.microsoft.com/office/powerpoint/2015/main" val="1"/>
+                </p:ext>
+              </p:extLst>
+            </p:nvPr>
+          </p:nvCxnSpPr>
+          <p:spPr>
+            <a:xfrm flipH="1">
+              <a:off x="7425267" y="3681413"/>
+              <a:ext cx="4763558" cy="3176587"/>
+            </a:xfrm>
+            <a:prstGeom prst="line">
+              <a:avLst/>
+            </a:prstGeom>
+            <a:ln w="9525">
+              <a:solidFill>
+                <a:schemeClr val="bg1">
+                  <a:lumMod val="85000"/>
+                </a:schemeClr>
+              </a:solidFill>
+            </a:ln>
+          </p:spPr>
+          <p:style>
+            <a:lnRef idx="2">
+              <a:schemeClr val="accent1"/>
+            </a:lnRef>
+            <a:fillRef idx="0">
+              <a:schemeClr val="accent1"/>
+            </a:fillRef>
+            <a:effectRef idx="1">
+              <a:schemeClr val="accent1"/>
+            </a:effectRef>
+            <a:fontRef idx="minor">
+              <a:schemeClr val="tx1"/>
+            </a:fontRef>
+          </p:style>
+        </p:cxnSp>
+        <p:sp>
+          <p:nvSpPr>
+            <p:cNvPr id="26" name="Rectangle 23">
+              <a:extLst>
+                <a:ext uri="{FF2B5EF4-FFF2-40B4-BE49-F238E27FC236}">
+                  <a16:creationId xmlns:a16="http://schemas.microsoft.com/office/drawing/2014/main" id="{0B30FF97-2E9A-490A-AED2-90BA2E0EC17F}"/>
+                </a:ext>
+                <a:ext uri="{C183D7F6-B498-43B3-948B-1728B52AA6E4}">
+                  <adec:decorative xmlns:adec="http://schemas.microsoft.com/office/drawing/2017/decorative" val="1"/>
+                </a:ext>
+              </a:extLst>
+            </p:cNvPr>
+            <p:cNvSpPr/>
+            <p:nvPr>
+              <p:extLst>
+                <p:ext uri="{386F3935-93C4-4BCD-93E2-E3B085C9AB24}">
+                  <p16:designElem xmlns:p16="http://schemas.microsoft.com/office/powerpoint/2015/main" val="1"/>
+                </p:ext>
+              </p:extLst>
+            </p:nvPr>
+          </p:nvSpPr>
+          <p:spPr>
+            <a:xfrm>
+              <a:off x="9181476" y="-8467"/>
+              <a:ext cx="3007349" cy="6866467"/>
+            </a:xfrm>
+            <a:custGeom>
+              <a:avLst/>
+              <a:gdLst/>
+              <a:ahLst/>
+              <a:cxnLst/>
+              <a:rect l="l" t="t" r="r" b="b"/>
+              <a:pathLst>
+                <a:path w="3007349" h="6866467">
+                  <a:moveTo>
+                    <a:pt x="2045532" y="0"/>
+                  </a:moveTo>
+                  <a:lnTo>
+                    <a:pt x="3007349" y="0"/>
+                  </a:lnTo>
+                  <a:lnTo>
+                    <a:pt x="3007349" y="6866467"/>
+                  </a:lnTo>
+                  <a:lnTo>
+                    <a:pt x="0" y="6866467"/>
+                  </a:lnTo>
+                  <a:lnTo>
+                    <a:pt x="2045532" y="0"/>
+                  </a:lnTo>
+                  <a:close/>
+                </a:path>
+              </a:pathLst>
+            </a:custGeom>
+            <a:solidFill>
+              <a:schemeClr val="accent1">
+                <a:alpha val="30000"/>
+              </a:schemeClr>
+            </a:solidFill>
+            <a:ln>
+              <a:noFill/>
+            </a:ln>
+            <a:effectLst/>
+          </p:spPr>
+          <p:style>
+            <a:lnRef idx="1">
+              <a:schemeClr val="accent1"/>
+            </a:lnRef>
+            <a:fillRef idx="3">
+              <a:schemeClr val="accent1"/>
+            </a:fillRef>
+            <a:effectRef idx="2">
+              <a:schemeClr val="accent1"/>
+            </a:effectRef>
+            <a:fontRef idx="minor">
+              <a:schemeClr val="lt1"/>
+            </a:fontRef>
+          </p:style>
+        </p:sp>
+        <p:sp>
+          <p:nvSpPr>
+            <p:cNvPr id="27" name="Rectangle 25">
+              <a:extLst>
+                <a:ext uri="{FF2B5EF4-FFF2-40B4-BE49-F238E27FC236}">
+                  <a16:creationId xmlns:a16="http://schemas.microsoft.com/office/drawing/2014/main" id="{B6D53C7D-A312-47B6-A66A-230A19CFACA6}"/>
+                </a:ext>
+                <a:ext uri="{C183D7F6-B498-43B3-948B-1728B52AA6E4}">
+                  <adec:decorative xmlns:adec="http://schemas.microsoft.com/office/drawing/2017/decorative" val="1"/>
+                </a:ext>
+              </a:extLst>
+            </p:cNvPr>
+            <p:cNvSpPr/>
+            <p:nvPr>
+              <p:extLst>
+                <p:ext uri="{386F3935-93C4-4BCD-93E2-E3B085C9AB24}">
+                  <p16:designElem xmlns:p16="http://schemas.microsoft.com/office/powerpoint/2015/main" val="1"/>
+                </p:ext>
+              </p:extLst>
+            </p:nvPr>
+          </p:nvSpPr>
+          <p:spPr>
+            <a:xfrm>
+              <a:off x="9603442" y="-8467"/>
+              <a:ext cx="2588558" cy="6866467"/>
+            </a:xfrm>
+            <a:custGeom>
+              <a:avLst/>
+              <a:gdLst/>
+              <a:ahLst/>
+              <a:cxnLst/>
+              <a:rect l="l" t="t" r="r" b="b"/>
+              <a:pathLst>
+                <a:path w="2573311" h="6866467">
+                  <a:moveTo>
+                    <a:pt x="0" y="0"/>
+                  </a:moveTo>
+                  <a:lnTo>
+                    <a:pt x="2573311" y="0"/>
+                  </a:lnTo>
+                  <a:lnTo>
+                    <a:pt x="2573311" y="6866467"/>
+                  </a:lnTo>
+                  <a:lnTo>
+                    <a:pt x="1202336" y="6866467"/>
+                  </a:lnTo>
+                  <a:lnTo>
+                    <a:pt x="0" y="0"/>
+                  </a:lnTo>
+                  <a:close/>
+                </a:path>
+              </a:pathLst>
+            </a:custGeom>
+            <a:solidFill>
+              <a:schemeClr val="accent1">
+                <a:alpha val="20000"/>
+              </a:schemeClr>
+            </a:solidFill>
+            <a:ln>
+              <a:noFill/>
+            </a:ln>
+            <a:effectLst/>
+          </p:spPr>
+          <p:style>
+            <a:lnRef idx="1">
+              <a:schemeClr val="accent1"/>
+            </a:lnRef>
+            <a:fillRef idx="3">
+              <a:schemeClr val="accent1"/>
+            </a:fillRef>
+            <a:effectRef idx="2">
+              <a:schemeClr val="accent1"/>
+            </a:effectRef>
+            <a:fontRef idx="minor">
+              <a:schemeClr val="lt1"/>
+            </a:fontRef>
+          </p:style>
+        </p:sp>
+        <p:sp>
+          <p:nvSpPr>
+            <p:cNvPr id="28" name="Isosceles Triangle 27">
+              <a:extLst>
+                <a:ext uri="{FF2B5EF4-FFF2-40B4-BE49-F238E27FC236}">
+                  <a16:creationId xmlns:a16="http://schemas.microsoft.com/office/drawing/2014/main" id="{9329D58C-0D2E-4A2B-AD6A-9CEE506784A8}"/>
+                </a:ext>
+                <a:ext uri="{C183D7F6-B498-43B3-948B-1728B52AA6E4}">
+                  <adec:decorative xmlns:adec="http://schemas.microsoft.com/office/drawing/2017/decorative" val="1"/>
+                </a:ext>
+              </a:extLst>
+            </p:cNvPr>
+            <p:cNvSpPr/>
+            <p:nvPr>
+              <p:extLst>
+                <p:ext uri="{386F3935-93C4-4BCD-93E2-E3B085C9AB24}">
+                  <p16:designElem xmlns:p16="http://schemas.microsoft.com/office/powerpoint/2015/main" val="1"/>
+                </p:ext>
+              </p:extLst>
+            </p:nvPr>
+          </p:nvSpPr>
+          <p:spPr>
+            <a:xfrm>
+              <a:off x="8932333" y="3048000"/>
+              <a:ext cx="3259667" cy="3810000"/>
+            </a:xfrm>
+            <a:prstGeom prst="triangle">
+              <a:avLst>
+                <a:gd name="adj" fmla="val 100000"/>
+              </a:avLst>
+            </a:prstGeom>
+            <a:solidFill>
+              <a:schemeClr val="accent2">
+                <a:alpha val="72000"/>
+              </a:schemeClr>
+            </a:solidFill>
+            <a:ln>
+              <a:noFill/>
+            </a:ln>
+            <a:effectLst/>
+          </p:spPr>
+          <p:style>
+            <a:lnRef idx="1">
+              <a:schemeClr val="accent1"/>
+            </a:lnRef>
+            <a:fillRef idx="3">
+              <a:schemeClr val="accent1"/>
+            </a:fillRef>
+            <a:effectRef idx="2">
+              <a:schemeClr val="accent1"/>
+            </a:effectRef>
+            <a:fontRef idx="minor">
+              <a:schemeClr val="lt1"/>
+            </a:fontRef>
+          </p:style>
+        </p:sp>
+        <p:sp>
+          <p:nvSpPr>
+            <p:cNvPr id="29" name="Rectangle 27">
+              <a:extLst>
+                <a:ext uri="{FF2B5EF4-FFF2-40B4-BE49-F238E27FC236}">
+                  <a16:creationId xmlns:a16="http://schemas.microsoft.com/office/drawing/2014/main" id="{9D446EDE-C690-4461-8BF2-7634808FC8B4}"/>
+                </a:ext>
+                <a:ext uri="{C183D7F6-B498-43B3-948B-1728B52AA6E4}">
+                  <adec:decorative xmlns:adec="http://schemas.microsoft.com/office/drawing/2017/decorative" val="1"/>
+                </a:ext>
+              </a:extLst>
+            </p:cNvPr>
+            <p:cNvSpPr/>
+            <p:nvPr>
+              <p:extLst>
+                <p:ext uri="{386F3935-93C4-4BCD-93E2-E3B085C9AB24}">
+                  <p16:designElem xmlns:p16="http://schemas.microsoft.com/office/powerpoint/2015/main" val="1"/>
+                </p:ext>
+              </p:extLst>
+            </p:nvPr>
+          </p:nvSpPr>
+          <p:spPr>
+            <a:xfrm>
+              <a:off x="9334500" y="-8467"/>
+              <a:ext cx="2854326" cy="6866467"/>
+            </a:xfrm>
+            <a:custGeom>
+              <a:avLst/>
+              <a:gdLst/>
+              <a:ahLst/>
+              <a:cxnLst/>
+              <a:rect l="l" t="t" r="r" b="b"/>
+              <a:pathLst>
+                <a:path w="2858013" h="6866467">
+                  <a:moveTo>
+                    <a:pt x="0" y="0"/>
+                  </a:moveTo>
+                  <a:lnTo>
+                    <a:pt x="2858013" y="0"/>
+                  </a:lnTo>
+                  <a:lnTo>
+                    <a:pt x="2858013" y="6866467"/>
+                  </a:lnTo>
+                  <a:lnTo>
+                    <a:pt x="2473942" y="6866467"/>
+                  </a:lnTo>
+                  <a:lnTo>
+                    <a:pt x="0" y="0"/>
+                  </a:lnTo>
+                  <a:close/>
+                </a:path>
+              </a:pathLst>
+            </a:custGeom>
+            <a:solidFill>
+              <a:schemeClr val="accent2">
+                <a:lumMod val="75000"/>
+                <a:alpha val="70000"/>
+              </a:schemeClr>
+            </a:solidFill>
+            <a:ln>
+              <a:noFill/>
+            </a:ln>
+            <a:effectLst/>
+          </p:spPr>
+          <p:style>
+            <a:lnRef idx="1">
+              <a:schemeClr val="accent1"/>
+            </a:lnRef>
+            <a:fillRef idx="3">
+              <a:schemeClr val="accent1"/>
+            </a:fillRef>
+            <a:effectRef idx="2">
+              <a:schemeClr val="accent1"/>
+            </a:effectRef>
+            <a:fontRef idx="minor">
+              <a:schemeClr val="lt1"/>
+            </a:fontRef>
+          </p:style>
+        </p:sp>
+        <p:sp>
+          <p:nvSpPr>
+            <p:cNvPr id="30" name="Rectangle 28">
+              <a:extLst>
+                <a:ext uri="{FF2B5EF4-FFF2-40B4-BE49-F238E27FC236}">
+                  <a16:creationId xmlns:a16="http://schemas.microsoft.com/office/drawing/2014/main" id="{323F3D34-6531-4AD7-A8C6-195A090281A1}"/>
+                </a:ext>
+                <a:ext uri="{C183D7F6-B498-43B3-948B-1728B52AA6E4}">
+                  <adec:decorative xmlns:adec="http://schemas.microsoft.com/office/drawing/2017/decorative" val="1"/>
+                </a:ext>
+              </a:extLst>
+            </p:cNvPr>
+            <p:cNvSpPr/>
+            <p:nvPr>
+              <p:extLst>
+                <p:ext uri="{386F3935-93C4-4BCD-93E2-E3B085C9AB24}">
+                  <p16:designElem xmlns:p16="http://schemas.microsoft.com/office/powerpoint/2015/main" val="1"/>
+                </p:ext>
+              </p:extLst>
+            </p:nvPr>
+          </p:nvSpPr>
+          <p:spPr>
+            <a:xfrm>
+              <a:off x="10898730" y="-8467"/>
+              <a:ext cx="1290094" cy="6866467"/>
+            </a:xfrm>
+            <a:custGeom>
+              <a:avLst/>
+              <a:gdLst/>
+              <a:ahLst/>
+              <a:cxnLst/>
+              <a:rect l="l" t="t" r="r" b="b"/>
+              <a:pathLst>
+                <a:path w="1290094" h="6858000">
+                  <a:moveTo>
+                    <a:pt x="1019735" y="0"/>
+                  </a:moveTo>
+                  <a:lnTo>
+                    <a:pt x="1290094" y="0"/>
+                  </a:lnTo>
+                  <a:lnTo>
+                    <a:pt x="1290094" y="6858000"/>
+                  </a:lnTo>
+                  <a:lnTo>
+                    <a:pt x="0" y="6858000"/>
+                  </a:lnTo>
+                  <a:lnTo>
+                    <a:pt x="1019735" y="0"/>
+                  </a:lnTo>
+                  <a:close/>
+                </a:path>
+              </a:pathLst>
+            </a:custGeom>
+            <a:solidFill>
+              <a:schemeClr val="accent1">
+                <a:lumMod val="60000"/>
+                <a:lumOff val="40000"/>
+                <a:alpha val="70000"/>
+              </a:schemeClr>
+            </a:solidFill>
+            <a:ln>
+              <a:noFill/>
+            </a:ln>
+            <a:effectLst/>
+          </p:spPr>
+          <p:style>
+            <a:lnRef idx="1">
+              <a:schemeClr val="accent1"/>
+            </a:lnRef>
+            <a:fillRef idx="3">
+              <a:schemeClr val="accent1"/>
+            </a:fillRef>
+            <a:effectRef idx="2">
+              <a:schemeClr val="accent1"/>
+            </a:effectRef>
+            <a:fontRef idx="minor">
+              <a:schemeClr val="lt1"/>
+            </a:fontRef>
+          </p:style>
+        </p:sp>
+        <p:sp>
+          <p:nvSpPr>
+            <p:cNvPr id="31" name="Rectangle 29">
+              <a:extLst>
+                <a:ext uri="{FF2B5EF4-FFF2-40B4-BE49-F238E27FC236}">
+                  <a16:creationId xmlns:a16="http://schemas.microsoft.com/office/drawing/2014/main" id="{B9B0AE3F-2350-435F-A9B0-C310BF876385}"/>
+                </a:ext>
+                <a:ext uri="{C183D7F6-B498-43B3-948B-1728B52AA6E4}">
+                  <adec:decorative xmlns:adec="http://schemas.microsoft.com/office/drawing/2017/decorative" val="1"/>
+                </a:ext>
+              </a:extLst>
+            </p:cNvPr>
+            <p:cNvSpPr/>
+            <p:nvPr>
+              <p:extLst>
+                <p:ext uri="{386F3935-93C4-4BCD-93E2-E3B085C9AB24}">
+                  <p16:designElem xmlns:p16="http://schemas.microsoft.com/office/powerpoint/2015/main" val="1"/>
+                </p:ext>
+              </p:extLst>
+            </p:nvPr>
+          </p:nvSpPr>
+          <p:spPr>
+            <a:xfrm>
+              <a:off x="10938999" y="-8467"/>
+              <a:ext cx="1249825" cy="6866467"/>
+            </a:xfrm>
+            <a:custGeom>
+              <a:avLst/>
+              <a:gdLst/>
+              <a:ahLst/>
+              <a:cxnLst/>
+              <a:rect l="l" t="t" r="r" b="b"/>
+              <a:pathLst>
+                <a:path w="1249825" h="6858000">
+                  <a:moveTo>
+                    <a:pt x="0" y="0"/>
+                  </a:moveTo>
+                  <a:lnTo>
+                    <a:pt x="1249825" y="0"/>
+                  </a:lnTo>
+                  <a:lnTo>
+                    <a:pt x="1249825" y="6858000"/>
+                  </a:lnTo>
+                  <a:lnTo>
+                    <a:pt x="1109382" y="6858000"/>
+                  </a:lnTo>
+                  <a:lnTo>
+                    <a:pt x="0" y="0"/>
+                  </a:lnTo>
+                  <a:close/>
+                </a:path>
+              </a:pathLst>
+            </a:custGeom>
+            <a:solidFill>
+              <a:schemeClr val="accent1">
+                <a:alpha val="65000"/>
+              </a:schemeClr>
+            </a:solidFill>
+            <a:ln>
+              <a:noFill/>
+            </a:ln>
+            <a:effectLst/>
+          </p:spPr>
+          <p:style>
+            <a:lnRef idx="1">
+              <a:schemeClr val="accent1"/>
+            </a:lnRef>
+            <a:fillRef idx="3">
+              <a:schemeClr val="accent1"/>
+            </a:fillRef>
+            <a:effectRef idx="2">
+              <a:schemeClr val="accent1"/>
+            </a:effectRef>
+            <a:fontRef idx="minor">
+              <a:schemeClr val="lt1"/>
+            </a:fontRef>
+          </p:style>
+        </p:sp>
+        <p:sp>
+          <p:nvSpPr>
+            <p:cNvPr id="32" name="Isosceles Triangle 31">
+              <a:extLst>
+                <a:ext uri="{FF2B5EF4-FFF2-40B4-BE49-F238E27FC236}">
+                  <a16:creationId xmlns:a16="http://schemas.microsoft.com/office/drawing/2014/main" id="{4EFA655C-9E50-4C14-A89E-AD7B648E4E2B}"/>
+                </a:ext>
+                <a:ext uri="{C183D7F6-B498-43B3-948B-1728B52AA6E4}">
+                  <adec:decorative xmlns:adec="http://schemas.microsoft.com/office/drawing/2017/decorative" val="1"/>
+                </a:ext>
+              </a:extLst>
+            </p:cNvPr>
+            <p:cNvSpPr/>
+            <p:nvPr>
+              <p:extLst>
+                <p:ext uri="{386F3935-93C4-4BCD-93E2-E3B085C9AB24}">
+                  <p16:designElem xmlns:p16="http://schemas.microsoft.com/office/powerpoint/2015/main" val="1"/>
+                </p:ext>
+              </p:extLst>
+            </p:nvPr>
+          </p:nvSpPr>
+          <p:spPr>
+            <a:xfrm>
+              <a:off x="10371666" y="3589867"/>
+              <a:ext cx="1817159" cy="3268133"/>
+            </a:xfrm>
+            <a:prstGeom prst="triangle">
+              <a:avLst>
+                <a:gd name="adj" fmla="val 100000"/>
+              </a:avLst>
+            </a:prstGeom>
+            <a:solidFill>
+              <a:schemeClr val="accent1">
+                <a:alpha val="80000"/>
+              </a:schemeClr>
+            </a:solidFill>
+            <a:ln>
+              <a:noFill/>
+            </a:ln>
+            <a:effectLst/>
+          </p:spPr>
+          <p:style>
+            <a:lnRef idx="1">
+              <a:schemeClr val="accent1"/>
+            </a:lnRef>
+            <a:fillRef idx="3">
+              <a:schemeClr val="accent1"/>
+            </a:fillRef>
+            <a:effectRef idx="2">
+              <a:schemeClr val="accent1"/>
+            </a:effectRef>
+            <a:fontRef idx="minor">
+              <a:schemeClr val="lt1"/>
+            </a:fontRef>
+          </p:style>
+        </p:sp>
+        <p:sp>
+          <p:nvSpPr>
+            <p:cNvPr id="33" name="Isosceles Triangle 32">
+              <a:extLst>
+                <a:ext uri="{FF2B5EF4-FFF2-40B4-BE49-F238E27FC236}">
+                  <a16:creationId xmlns:a16="http://schemas.microsoft.com/office/drawing/2014/main" id="{3E843863-7D25-4C01-9A17-E817CB6D998A}"/>
+                </a:ext>
+                <a:ext uri="{C183D7F6-B498-43B3-948B-1728B52AA6E4}">
+                  <adec:decorative xmlns:adec="http://schemas.microsoft.com/office/drawing/2017/decorative" val="1"/>
+                </a:ext>
+              </a:extLst>
+            </p:cNvPr>
+            <p:cNvSpPr/>
+            <p:nvPr>
+              <p:extLst>
+                <p:ext uri="{386F3935-93C4-4BCD-93E2-E3B085C9AB24}">
+                  <p16:designElem xmlns:p16="http://schemas.microsoft.com/office/powerpoint/2015/main" val="1"/>
+                </p:ext>
+              </p:extLst>
+            </p:nvPr>
+          </p:nvSpPr>
+          <p:spPr>
+            <a:xfrm>
+              <a:off x="0" y="4013200"/>
+              <a:ext cx="448733" cy="2844800"/>
+            </a:xfrm>
+            <a:prstGeom prst="triangle">
+              <a:avLst>
+                <a:gd name="adj" fmla="val 0"/>
+              </a:avLst>
+            </a:prstGeom>
+            <a:solidFill>
+              <a:schemeClr val="accent1">
+                <a:alpha val="85000"/>
+              </a:schemeClr>
+            </a:solidFill>
+            <a:ln>
+              <a:noFill/>
+            </a:ln>
+            <a:effectLst/>
+          </p:spPr>
+          <p:style>
+            <a:lnRef idx="1">
+              <a:schemeClr val="accent1"/>
+            </a:lnRef>
+            <a:fillRef idx="3">
+              <a:schemeClr val="accent1"/>
+            </a:fillRef>
+            <a:effectRef idx="2">
+              <a:schemeClr val="accent1"/>
+            </a:effectRef>
+            <a:fontRef idx="minor">
+              <a:schemeClr val="lt1"/>
+            </a:fontRef>
+          </p:style>
+        </p:sp>
+      </p:grpSp>
+      <p:sp>
+        <p:nvSpPr>
+          <p:cNvPr id="35" name="Rectangle 34">
+            <a:extLst>
+              <a:ext uri="{FF2B5EF4-FFF2-40B4-BE49-F238E27FC236}">
+                <a16:creationId xmlns:a16="http://schemas.microsoft.com/office/drawing/2014/main" id="{7941F9B1-B01B-4A84-89D9-B169AEB4E456}"/>
+              </a:ext>
+              <a:ext uri="{C183D7F6-B498-43B3-948B-1728B52AA6E4}">
+                <adec:decorative xmlns:adec="http://schemas.microsoft.com/office/drawing/2017/decorative" val="1"/>
+              </a:ext>
+            </a:extLst>
+          </p:cNvPr>
+          <p:cNvSpPr>
+            <a:spLocks noGrp="1" noRot="1" noChangeAspect="1" noMove="1" noResize="1" noEditPoints="1" noAdjustHandles="1" noChangeArrowheads="1" noChangeShapeType="1" noTextEdit="1"/>
+          </p:cNvSpPr>
+          <p:nvPr>
+            <p:extLst>
+              <p:ext uri="{386F3935-93C4-4BCD-93E2-E3B085C9AB24}">
+                <p16:designElem xmlns:p16="http://schemas.microsoft.com/office/powerpoint/2015/main" val="1"/>
+              </p:ext>
+            </p:extLst>
+          </p:nvPr>
+        </p:nvSpPr>
+        <p:spPr>
+          <a:xfrm>
+            <a:off x="477012" y="480060"/>
+            <a:ext cx="11237976" cy="5897880"/>
+          </a:xfrm>
+          <a:prstGeom prst="rect">
+            <a:avLst/>
+          </a:prstGeom>
+          <a:solidFill>
+            <a:srgbClr val="FFFFFF"/>
+          </a:solidFill>
+          <a:ln w="9525">
+            <a:noFill/>
+          </a:ln>
+          <a:effectLst>
+            <a:outerShdw blurRad="63500" dist="17780" dir="5400000" algn="t" rotWithShape="0">
+              <a:prstClr val="black">
+                <a:alpha val="43000"/>
+              </a:prstClr>
+            </a:outerShdw>
+          </a:effectLst>
+        </p:spPr>
+        <p:style>
+          <a:lnRef idx="2">
+            <a:schemeClr val="accent1">
+              <a:shade val="50000"/>
+            </a:schemeClr>
+          </a:lnRef>
+          <a:fillRef idx="1">
+            <a:schemeClr val="accent1"/>
+          </a:fillRef>
+          <a:effectRef idx="0">
+            <a:schemeClr val="accent1"/>
+          </a:effectRef>
+          <a:fontRef idx="minor">
+            <a:schemeClr val="lt1"/>
+          </a:fontRef>
+        </p:style>
+        <p:txBody>
+          <a:bodyPr rtlCol="0" anchor="ctr"/>
+          <a:lstStyle/>
+          <a:p>
+            <a:pPr algn="ctr"/>
+            <a:endParaRPr lang="en-US"/>
+          </a:p>
+        </p:txBody>
+      </p:sp>
+      <p:pic>
+        <p:nvPicPr>
+          <p:cNvPr id="5" name="Picture 4">
+            <a:extLst>
+              <a:ext uri="{FF2B5EF4-FFF2-40B4-BE49-F238E27FC236}">
+                <a16:creationId xmlns:a16="http://schemas.microsoft.com/office/drawing/2014/main" id="{DCC8269E-D1C3-B74B-92B2-E004AB409190}"/>
+              </a:ext>
+            </a:extLst>
+          </p:cNvPr>
+          <p:cNvPicPr>
+            <a:picLocks noChangeAspect="1"/>
+          </p:cNvPicPr>
+          <p:nvPr/>
+        </p:nvPicPr>
+        <p:blipFill>
+          <a:blip r:embed="rId2"/>
+          <a:stretch>
+            <a:fillRect/>
+          </a:stretch>
+        </p:blipFill>
+        <p:spPr>
+          <a:xfrm>
             <a:off x="1942742" y="1146341"/>
             <a:ext cx="8308393" cy="4561692"/>
           </a:xfrm>
@@ -7568,7 +9166,7 @@
 </p:sld>
 </file>
 
-<file path=ppt/slides/slide11.xml><?xml version="1.0" encoding="utf-8"?>
+<file path=ppt/slides/slide12.xml><?xml version="1.0" encoding="utf-8"?>
 <p:sld xmlns:a="http://schemas.openxmlformats.org/drawingml/2006/main" xmlns:r="http://schemas.openxmlformats.org/officeDocument/2006/relationships" xmlns:p="http://schemas.openxmlformats.org/presentationml/2006/main">
   <p:cSld>
     <p:bg>
@@ -9160,7 +10758,7 @@
 </p:sld>
 </file>
 
-<file path=ppt/slides/slide12.xml><?xml version="1.0" encoding="utf-8"?>
+<file path=ppt/slides/slide13.xml><?xml version="1.0" encoding="utf-8"?>
 <p:sld xmlns:a="http://schemas.openxmlformats.org/drawingml/2006/main" xmlns:r="http://schemas.openxmlformats.org/officeDocument/2006/relationships" xmlns:p="http://schemas.openxmlformats.org/presentationml/2006/main">
   <p:cSld>
     <p:bg>
@@ -10752,7 +12350,7 @@
 </p:sld>
 </file>
 
-<file path=ppt/slides/slide13.xml><?xml version="1.0" encoding="utf-8"?>
+<file path=ppt/slides/slide14.xml><?xml version="1.0" encoding="utf-8"?>
 <p:sld xmlns:a="http://schemas.openxmlformats.org/drawingml/2006/main" xmlns:r="http://schemas.openxmlformats.org/officeDocument/2006/relationships" xmlns:p="http://schemas.openxmlformats.org/presentationml/2006/main">
   <p:cSld>
     <p:bg>
@@ -12344,7 +13942,7 @@
 </p:sld>
 </file>
 
-<file path=ppt/slides/slide14.xml><?xml version="1.0" encoding="utf-8"?>
+<file path=ppt/slides/slide15.xml><?xml version="1.0" encoding="utf-8"?>
 <p:sld xmlns:a="http://schemas.openxmlformats.org/drawingml/2006/main" xmlns:r="http://schemas.openxmlformats.org/officeDocument/2006/relationships" xmlns:p="http://schemas.openxmlformats.org/presentationml/2006/main">
   <p:cSld>
     <p:spTree>
@@ -12431,7 +14029,7 @@
 </p:sld>
 </file>
 
-<file path=ppt/slides/slide15.xml><?xml version="1.0" encoding="utf-8"?>
+<file path=ppt/slides/slide16.xml><?xml version="1.0" encoding="utf-8"?>
 <p:sld xmlns:a="http://schemas.openxmlformats.org/drawingml/2006/main" xmlns:r="http://schemas.openxmlformats.org/officeDocument/2006/relationships" xmlns:p="http://schemas.openxmlformats.org/presentationml/2006/main">
   <p:cSld>
     <p:spTree>
@@ -12464,7 +14062,12 @@
             <p:ph type="title"/>
           </p:nvPr>
         </p:nvSpPr>
-        <p:spPr/>
+        <p:spPr>
+          <a:xfrm>
+            <a:off x="677334" y="609600"/>
+            <a:ext cx="8596668" cy="600891"/>
+          </a:xfrm>
+        </p:spPr>
         <p:txBody>
           <a:bodyPr>
             <a:normAutofit fontScale="90000"/>
@@ -12473,7 +14076,7 @@
           <a:p>
             <a:r>
               <a:rPr lang="en-US" dirty="0"/>
-              <a:t>Questions</a:t>
+              <a:t>Citations</a:t>
             </a:r>
             <a:br>
               <a:rPr lang="en-US" dirty="0"/>
@@ -12671,7 +14274,9 @@
           </a:xfrm>
         </p:spPr>
         <p:txBody>
-          <a:bodyPr/>
+          <a:bodyPr>
+            <a:normAutofit/>
+          </a:bodyPr>
           <a:lstStyle/>
           <a:p>
             <a:r>
@@ -12681,71 +14286,6 @@
           </a:p>
         </p:txBody>
       </p:sp>
-      <p:sp>
-        <p:nvSpPr>
-          <p:cNvPr id="3" name="Content Placeholder 2">
-            <a:extLst>
-              <a:ext uri="{FF2B5EF4-FFF2-40B4-BE49-F238E27FC236}">
-                <a16:creationId xmlns:a16="http://schemas.microsoft.com/office/drawing/2014/main" id="{3E1B8B0D-DDB2-724C-B68F-55F60A009E75}"/>
-              </a:ext>
-            </a:extLst>
-          </p:cNvPr>
-          <p:cNvSpPr>
-            <a:spLocks noGrp="1"/>
-          </p:cNvSpPr>
-          <p:nvPr>
-            <p:ph idx="1"/>
-          </p:nvPr>
-        </p:nvSpPr>
-        <p:spPr>
-          <a:xfrm>
-            <a:off x="677334" y="1417630"/>
-            <a:ext cx="8596668" cy="1162640"/>
-          </a:xfrm>
-        </p:spPr>
-        <p:txBody>
-          <a:bodyPr>
-            <a:normAutofit lnSpcReduction="10000"/>
-          </a:bodyPr>
-          <a:lstStyle/>
-          <a:p>
-            <a:r>
-              <a:rPr lang="en-US" dirty="0"/>
-              <a:t>The political landscape of Colorado has evolved rapidly over the last quarter century. While once a solidly conservative state, Colorado’s changing culture and influx of new residents from other regions has shifted Colorado’s politics more progressive.</a:t>
-            </a:r>
-          </a:p>
-        </p:txBody>
-      </p:sp>
-      <p:pic>
-        <p:nvPicPr>
-          <p:cNvPr id="5" name="Picture 4" descr="A screenshot of a social media post&#10;&#10;Description automatically generated">
-            <a:extLst>
-              <a:ext uri="{FF2B5EF4-FFF2-40B4-BE49-F238E27FC236}">
-                <a16:creationId xmlns:a16="http://schemas.microsoft.com/office/drawing/2014/main" id="{03CBEF89-0E28-A04C-B744-59D344066C40}"/>
-              </a:ext>
-            </a:extLst>
-          </p:cNvPr>
-          <p:cNvPicPr>
-            <a:picLocks noChangeAspect="1"/>
-          </p:cNvPicPr>
-          <p:nvPr/>
-        </p:nvPicPr>
-        <p:blipFill>
-          <a:blip r:embed="rId2"/>
-          <a:stretch>
-            <a:fillRect/>
-          </a:stretch>
-        </p:blipFill>
-        <p:spPr>
-          <a:xfrm>
-            <a:off x="571500" y="2570749"/>
-            <a:ext cx="9386888" cy="1162639"/>
-          </a:xfrm>
-          <a:prstGeom prst="rect">
-            <a:avLst/>
-          </a:prstGeom>
-        </p:spPr>
-      </p:pic>
       <p:sp>
         <p:nvSpPr>
           <p:cNvPr id="6" name="Content Placeholder 2">
@@ -12762,8 +14302,8 @@
         </p:nvSpPr>
         <p:spPr>
           <a:xfrm>
-            <a:off x="668370" y="3856026"/>
-            <a:ext cx="8596668" cy="2033785"/>
+            <a:off x="668370" y="1447364"/>
+            <a:ext cx="8596668" cy="3068880"/>
           </a:xfrm>
           <a:prstGeom prst="rect">
             <a:avLst/>
@@ -12771,7 +14311,7 @@
         </p:spPr>
         <p:txBody>
           <a:bodyPr vert="horz" lIns="91440" tIns="45720" rIns="91440" bIns="45720" rtlCol="0">
-            <a:normAutofit fontScale="85000" lnSpcReduction="10000"/>
+            <a:noAutofit/>
           </a:bodyPr>
           <a:lstStyle>
             <a:lvl1pPr marL="342900" indent="-342900" algn="l" defTabSz="457200" rtl="0" eaLnBrk="1" latinLnBrk="0" hangingPunct="1">
@@ -13024,7 +14564,7 @@
             </a:pPr>
             <a:r>
               <a:rPr lang="en-US" dirty="0"/>
-              <a:t>We set out to use campaign finance data to observe how these trends over the last 25 years have affected how Coloradans contribute to political campaigns by considering the following research questions:</a:t>
+              <a:t>We set out to use campaign finance data to observe trends over the last 25 years  of Coloradan’s contribution to political campaigns by considering the following research questions:</a:t>
             </a:r>
           </a:p>
           <a:p>
@@ -13047,6 +14587,286 @@
           </a:p>
         </p:txBody>
       </p:sp>
+      <p:sp>
+        <p:nvSpPr>
+          <p:cNvPr id="8" name="Content Placeholder 2">
+            <a:extLst>
+              <a:ext uri="{FF2B5EF4-FFF2-40B4-BE49-F238E27FC236}">
+                <a16:creationId xmlns:a16="http://schemas.microsoft.com/office/drawing/2014/main" id="{F70DD647-214E-D949-A6BB-B1F256B1553A}"/>
+              </a:ext>
+            </a:extLst>
+          </p:cNvPr>
+          <p:cNvSpPr txBox="1">
+            <a:spLocks/>
+          </p:cNvSpPr>
+          <p:nvPr/>
+        </p:nvSpPr>
+        <p:spPr>
+          <a:xfrm>
+            <a:off x="675807" y="3997272"/>
+            <a:ext cx="8596668" cy="2124748"/>
+          </a:xfrm>
+          <a:prstGeom prst="rect">
+            <a:avLst/>
+          </a:prstGeom>
+        </p:spPr>
+        <p:txBody>
+          <a:bodyPr vert="horz" lIns="91440" tIns="45720" rIns="91440" bIns="45720" rtlCol="0">
+            <a:noAutofit/>
+          </a:bodyPr>
+          <a:lstStyle>
+            <a:lvl1pPr marL="342900" indent="-342900" algn="l" defTabSz="457200" rtl="0" eaLnBrk="1" latinLnBrk="0" hangingPunct="1">
+              <a:spcBef>
+                <a:spcPts val="1000"/>
+              </a:spcBef>
+              <a:spcAft>
+                <a:spcPts val="0"/>
+              </a:spcAft>
+              <a:buClr>
+                <a:schemeClr val="accent1">
+                  <a:lumMod val="75000"/>
+                </a:schemeClr>
+              </a:buClr>
+              <a:buSzPct val="80000"/>
+              <a:buFont typeface="Wingdings 3" charset="2"/>
+              <a:buChar char=""/>
+              <a:defRPr sz="1800" kern="1200">
+                <a:solidFill>
+                  <a:schemeClr val="tx1">
+                    <a:lumMod val="75000"/>
+                    <a:lumOff val="25000"/>
+                  </a:schemeClr>
+                </a:solidFill>
+                <a:latin typeface="+mn-lt"/>
+                <a:ea typeface="+mn-ea"/>
+                <a:cs typeface="+mn-cs"/>
+              </a:defRPr>
+            </a:lvl1pPr>
+            <a:lvl2pPr marL="742950" indent="-285750" algn="l" defTabSz="457200" rtl="0" eaLnBrk="1" latinLnBrk="0" hangingPunct="1">
+              <a:spcBef>
+                <a:spcPts val="1000"/>
+              </a:spcBef>
+              <a:spcAft>
+                <a:spcPts val="0"/>
+              </a:spcAft>
+              <a:buClr>
+                <a:schemeClr val="accent1">
+                  <a:lumMod val="75000"/>
+                </a:schemeClr>
+              </a:buClr>
+              <a:buSzPct val="80000"/>
+              <a:buFont typeface="Wingdings 3" charset="2"/>
+              <a:buChar char=""/>
+              <a:defRPr sz="1600" kern="1200">
+                <a:solidFill>
+                  <a:schemeClr val="tx1">
+                    <a:lumMod val="75000"/>
+                    <a:lumOff val="25000"/>
+                  </a:schemeClr>
+                </a:solidFill>
+                <a:latin typeface="+mn-lt"/>
+                <a:ea typeface="+mn-ea"/>
+                <a:cs typeface="+mn-cs"/>
+              </a:defRPr>
+            </a:lvl2pPr>
+            <a:lvl3pPr marL="1143000" indent="-228600" algn="l" defTabSz="457200" rtl="0" eaLnBrk="1" latinLnBrk="0" hangingPunct="1">
+              <a:spcBef>
+                <a:spcPts val="1000"/>
+              </a:spcBef>
+              <a:spcAft>
+                <a:spcPts val="0"/>
+              </a:spcAft>
+              <a:buClr>
+                <a:schemeClr val="accent1">
+                  <a:lumMod val="75000"/>
+                </a:schemeClr>
+              </a:buClr>
+              <a:buSzPct val="80000"/>
+              <a:buFont typeface="Wingdings 3" charset="2"/>
+              <a:buChar char=""/>
+              <a:defRPr sz="1400" kern="1200">
+                <a:solidFill>
+                  <a:schemeClr val="tx1">
+                    <a:lumMod val="75000"/>
+                    <a:lumOff val="25000"/>
+                  </a:schemeClr>
+                </a:solidFill>
+                <a:latin typeface="+mn-lt"/>
+                <a:ea typeface="+mn-ea"/>
+                <a:cs typeface="+mn-cs"/>
+              </a:defRPr>
+            </a:lvl3pPr>
+            <a:lvl4pPr marL="1600200" indent="-228600" algn="l" defTabSz="457200" rtl="0" eaLnBrk="1" latinLnBrk="0" hangingPunct="1">
+              <a:spcBef>
+                <a:spcPts val="1000"/>
+              </a:spcBef>
+              <a:spcAft>
+                <a:spcPts val="0"/>
+              </a:spcAft>
+              <a:buClr>
+                <a:schemeClr val="accent1">
+                  <a:lumMod val="75000"/>
+                </a:schemeClr>
+              </a:buClr>
+              <a:buSzPct val="80000"/>
+              <a:buFont typeface="Wingdings 3" charset="2"/>
+              <a:buChar char=""/>
+              <a:defRPr sz="1200" kern="1200">
+                <a:solidFill>
+                  <a:schemeClr val="tx1">
+                    <a:lumMod val="75000"/>
+                    <a:lumOff val="25000"/>
+                  </a:schemeClr>
+                </a:solidFill>
+                <a:latin typeface="+mn-lt"/>
+                <a:ea typeface="+mn-ea"/>
+                <a:cs typeface="+mn-cs"/>
+              </a:defRPr>
+            </a:lvl4pPr>
+            <a:lvl5pPr marL="2057400" indent="-228600" algn="l" defTabSz="457200" rtl="0" eaLnBrk="1" latinLnBrk="0" hangingPunct="1">
+              <a:spcBef>
+                <a:spcPts val="1000"/>
+              </a:spcBef>
+              <a:spcAft>
+                <a:spcPts val="0"/>
+              </a:spcAft>
+              <a:buClr>
+                <a:schemeClr val="accent1">
+                  <a:lumMod val="75000"/>
+                </a:schemeClr>
+              </a:buClr>
+              <a:buSzPct val="80000"/>
+              <a:buFont typeface="Wingdings 3" charset="2"/>
+              <a:buChar char=""/>
+              <a:defRPr sz="1200" kern="1200">
+                <a:solidFill>
+                  <a:schemeClr val="tx1">
+                    <a:lumMod val="75000"/>
+                    <a:lumOff val="25000"/>
+                  </a:schemeClr>
+                </a:solidFill>
+                <a:latin typeface="+mn-lt"/>
+                <a:ea typeface="+mn-ea"/>
+                <a:cs typeface="+mn-cs"/>
+              </a:defRPr>
+            </a:lvl5pPr>
+            <a:lvl6pPr marL="2514600" indent="-228600" algn="l" defTabSz="457200" rtl="0" eaLnBrk="1" latinLnBrk="0" hangingPunct="1">
+              <a:spcBef>
+                <a:spcPts val="1000"/>
+              </a:spcBef>
+              <a:spcAft>
+                <a:spcPts val="0"/>
+              </a:spcAft>
+              <a:buClr>
+                <a:schemeClr val="accent1">
+                  <a:lumMod val="75000"/>
+                </a:schemeClr>
+              </a:buClr>
+              <a:buSzPct val="80000"/>
+              <a:buFont typeface="Wingdings 3" charset="2"/>
+              <a:buChar char=""/>
+              <a:defRPr sz="1200" kern="1200">
+                <a:solidFill>
+                  <a:schemeClr val="tx1">
+                    <a:lumMod val="75000"/>
+                    <a:lumOff val="25000"/>
+                  </a:schemeClr>
+                </a:solidFill>
+                <a:latin typeface="+mn-lt"/>
+                <a:ea typeface="+mn-ea"/>
+                <a:cs typeface="+mn-cs"/>
+              </a:defRPr>
+            </a:lvl6pPr>
+            <a:lvl7pPr marL="2971800" indent="-228600" algn="l" defTabSz="457200" rtl="0" eaLnBrk="1" latinLnBrk="0" hangingPunct="1">
+              <a:spcBef>
+                <a:spcPts val="1000"/>
+              </a:spcBef>
+              <a:spcAft>
+                <a:spcPts val="0"/>
+              </a:spcAft>
+              <a:buClr>
+                <a:schemeClr val="accent1">
+                  <a:lumMod val="75000"/>
+                </a:schemeClr>
+              </a:buClr>
+              <a:buSzPct val="80000"/>
+              <a:buFont typeface="Wingdings 3" charset="2"/>
+              <a:buChar char=""/>
+              <a:defRPr sz="1200" kern="1200">
+                <a:solidFill>
+                  <a:schemeClr val="tx1">
+                    <a:lumMod val="75000"/>
+                    <a:lumOff val="25000"/>
+                  </a:schemeClr>
+                </a:solidFill>
+                <a:latin typeface="+mn-lt"/>
+                <a:ea typeface="+mn-ea"/>
+                <a:cs typeface="+mn-cs"/>
+              </a:defRPr>
+            </a:lvl7pPr>
+            <a:lvl8pPr marL="3429000" indent="-228600" algn="l" defTabSz="457200" rtl="0" eaLnBrk="1" latinLnBrk="0" hangingPunct="1">
+              <a:spcBef>
+                <a:spcPts val="1000"/>
+              </a:spcBef>
+              <a:spcAft>
+                <a:spcPts val="0"/>
+              </a:spcAft>
+              <a:buClr>
+                <a:schemeClr val="accent1">
+                  <a:lumMod val="75000"/>
+                </a:schemeClr>
+              </a:buClr>
+              <a:buSzPct val="80000"/>
+              <a:buFont typeface="Wingdings 3" charset="2"/>
+              <a:buChar char=""/>
+              <a:defRPr sz="1200" kern="1200">
+                <a:solidFill>
+                  <a:schemeClr val="tx1">
+                    <a:lumMod val="75000"/>
+                    <a:lumOff val="25000"/>
+                  </a:schemeClr>
+                </a:solidFill>
+                <a:latin typeface="+mn-lt"/>
+                <a:ea typeface="+mn-ea"/>
+                <a:cs typeface="+mn-cs"/>
+              </a:defRPr>
+            </a:lvl8pPr>
+            <a:lvl9pPr marL="3886200" indent="-228600" algn="l" defTabSz="457200" rtl="0" eaLnBrk="1" latinLnBrk="0" hangingPunct="1">
+              <a:spcBef>
+                <a:spcPts val="1000"/>
+              </a:spcBef>
+              <a:spcAft>
+                <a:spcPts val="0"/>
+              </a:spcAft>
+              <a:buClr>
+                <a:schemeClr val="accent1">
+                  <a:lumMod val="75000"/>
+                </a:schemeClr>
+              </a:buClr>
+              <a:buSzPct val="80000"/>
+              <a:buFont typeface="Wingdings 3" charset="2"/>
+              <a:buChar char=""/>
+              <a:defRPr sz="1200" kern="1200">
+                <a:solidFill>
+                  <a:schemeClr val="tx1">
+                    <a:lumMod val="75000"/>
+                    <a:lumOff val="25000"/>
+                  </a:schemeClr>
+                </a:solidFill>
+                <a:latin typeface="+mn-lt"/>
+                <a:ea typeface="+mn-ea"/>
+                <a:cs typeface="+mn-cs"/>
+              </a:defRPr>
+            </a:lvl9pPr>
+          </a:lstStyle>
+          <a:p>
+            <a:pPr marL="0" indent="0">
+              <a:buNone/>
+            </a:pPr>
+            <a:endParaRPr lang="en-US" dirty="0"/>
+          </a:p>
+        </p:txBody>
+      </p:sp>
     </p:spTree>
     <p:extLst>
       <p:ext uri="{BB962C8B-B14F-4D97-AF65-F5344CB8AC3E}">
@@ -13061,6 +14881,416 @@
 </file>
 
 <file path=ppt/slides/slide4.xml><?xml version="1.0" encoding="utf-8"?>
+<p:sld xmlns:a="http://schemas.openxmlformats.org/drawingml/2006/main" xmlns:r="http://schemas.openxmlformats.org/officeDocument/2006/relationships" xmlns:p="http://schemas.openxmlformats.org/presentationml/2006/main">
+  <p:cSld>
+    <p:spTree>
+      <p:nvGrpSpPr>
+        <p:cNvPr id="1" name=""/>
+        <p:cNvGrpSpPr/>
+        <p:nvPr/>
+      </p:nvGrpSpPr>
+      <p:grpSpPr>
+        <a:xfrm>
+          <a:off x="0" y="0"/>
+          <a:ext cx="0" cy="0"/>
+          <a:chOff x="0" y="0"/>
+          <a:chExt cx="0" cy="0"/>
+        </a:xfrm>
+      </p:grpSpPr>
+      <p:sp>
+        <p:nvSpPr>
+          <p:cNvPr id="2" name="Title 1">
+            <a:extLst>
+              <a:ext uri="{FF2B5EF4-FFF2-40B4-BE49-F238E27FC236}">
+                <a16:creationId xmlns:a16="http://schemas.microsoft.com/office/drawing/2014/main" id="{784A0AA9-2DE4-4544-96CD-8B6E18F8324A}"/>
+              </a:ext>
+            </a:extLst>
+          </p:cNvPr>
+          <p:cNvSpPr>
+            <a:spLocks noGrp="1"/>
+          </p:cNvSpPr>
+          <p:nvPr>
+            <p:ph type="title"/>
+          </p:nvPr>
+        </p:nvSpPr>
+        <p:spPr>
+          <a:xfrm>
+            <a:off x="677334" y="609600"/>
+            <a:ext cx="8596668" cy="733425"/>
+          </a:xfrm>
+        </p:spPr>
+        <p:txBody>
+          <a:bodyPr>
+            <a:normAutofit/>
+          </a:bodyPr>
+          <a:lstStyle/>
+          <a:p>
+            <a:r>
+              <a:rPr lang="en-US" dirty="0"/>
+              <a:t>Literature Review</a:t>
+            </a:r>
+          </a:p>
+        </p:txBody>
+      </p:sp>
+      <p:sp>
+        <p:nvSpPr>
+          <p:cNvPr id="3" name="Content Placeholder 2">
+            <a:extLst>
+              <a:ext uri="{FF2B5EF4-FFF2-40B4-BE49-F238E27FC236}">
+                <a16:creationId xmlns:a16="http://schemas.microsoft.com/office/drawing/2014/main" id="{3E1B8B0D-DDB2-724C-B68F-55F60A009E75}"/>
+              </a:ext>
+            </a:extLst>
+          </p:cNvPr>
+          <p:cNvSpPr>
+            <a:spLocks noGrp="1"/>
+          </p:cNvSpPr>
+          <p:nvPr>
+            <p:ph idx="1"/>
+          </p:nvPr>
+        </p:nvSpPr>
+        <p:spPr>
+          <a:xfrm>
+            <a:off x="668370" y="1787465"/>
+            <a:ext cx="8596668" cy="1162640"/>
+          </a:xfrm>
+        </p:spPr>
+        <p:txBody>
+          <a:bodyPr>
+            <a:normAutofit lnSpcReduction="10000"/>
+          </a:bodyPr>
+          <a:lstStyle/>
+          <a:p>
+            <a:r>
+              <a:rPr lang="en-US" dirty="0"/>
+              <a:t>Based on our literature review, voting trends in Colorado have shifted rapidly over the last quarter century. While once a solidly conservative state, Colorado’s changing culture and influx of new residents from other regions has shifted Colorado’s politics more progressive.</a:t>
+            </a:r>
+          </a:p>
+        </p:txBody>
+      </p:sp>
+      <p:pic>
+        <p:nvPicPr>
+          <p:cNvPr id="5" name="Picture 4" descr="A screenshot of a social media post&#10;&#10;Description automatically generated">
+            <a:extLst>
+              <a:ext uri="{FF2B5EF4-FFF2-40B4-BE49-F238E27FC236}">
+                <a16:creationId xmlns:a16="http://schemas.microsoft.com/office/drawing/2014/main" id="{03CBEF89-0E28-A04C-B744-59D344066C40}"/>
+              </a:ext>
+            </a:extLst>
+          </p:cNvPr>
+          <p:cNvPicPr>
+            <a:picLocks noChangeAspect="1"/>
+          </p:cNvPicPr>
+          <p:nvPr/>
+        </p:nvPicPr>
+        <p:blipFill>
+          <a:blip r:embed="rId2"/>
+          <a:stretch>
+            <a:fillRect/>
+          </a:stretch>
+        </p:blipFill>
+        <p:spPr>
+          <a:xfrm>
+            <a:off x="668370" y="2885189"/>
+            <a:ext cx="10134868" cy="1255282"/>
+          </a:xfrm>
+          <a:prstGeom prst="rect">
+            <a:avLst/>
+          </a:prstGeom>
+        </p:spPr>
+      </p:pic>
+      <p:sp>
+        <p:nvSpPr>
+          <p:cNvPr id="6" name="Content Placeholder 2">
+            <a:extLst>
+              <a:ext uri="{FF2B5EF4-FFF2-40B4-BE49-F238E27FC236}">
+                <a16:creationId xmlns:a16="http://schemas.microsoft.com/office/drawing/2014/main" id="{289D8C40-4AD9-6C4B-9547-A16128527208}"/>
+              </a:ext>
+            </a:extLst>
+          </p:cNvPr>
+          <p:cNvSpPr txBox="1">
+            <a:spLocks/>
+          </p:cNvSpPr>
+          <p:nvPr/>
+        </p:nvSpPr>
+        <p:spPr>
+          <a:xfrm>
+            <a:off x="668370" y="3856026"/>
+            <a:ext cx="8596668" cy="2033785"/>
+          </a:xfrm>
+          <a:prstGeom prst="rect">
+            <a:avLst/>
+          </a:prstGeom>
+        </p:spPr>
+        <p:txBody>
+          <a:bodyPr vert="horz" lIns="91440" tIns="45720" rIns="91440" bIns="45720" rtlCol="0">
+            <a:normAutofit/>
+          </a:bodyPr>
+          <a:lstStyle>
+            <a:lvl1pPr marL="342900" indent="-342900" algn="l" defTabSz="457200" rtl="0" eaLnBrk="1" latinLnBrk="0" hangingPunct="1">
+              <a:spcBef>
+                <a:spcPts val="1000"/>
+              </a:spcBef>
+              <a:spcAft>
+                <a:spcPts val="0"/>
+              </a:spcAft>
+              <a:buClr>
+                <a:schemeClr val="accent1">
+                  <a:lumMod val="75000"/>
+                </a:schemeClr>
+              </a:buClr>
+              <a:buSzPct val="80000"/>
+              <a:buFont typeface="Wingdings 3" charset="2"/>
+              <a:buChar char=""/>
+              <a:defRPr sz="1800" kern="1200">
+                <a:solidFill>
+                  <a:schemeClr val="tx1">
+                    <a:lumMod val="75000"/>
+                    <a:lumOff val="25000"/>
+                  </a:schemeClr>
+                </a:solidFill>
+                <a:latin typeface="+mn-lt"/>
+                <a:ea typeface="+mn-ea"/>
+                <a:cs typeface="+mn-cs"/>
+              </a:defRPr>
+            </a:lvl1pPr>
+            <a:lvl2pPr marL="742950" indent="-285750" algn="l" defTabSz="457200" rtl="0" eaLnBrk="1" latinLnBrk="0" hangingPunct="1">
+              <a:spcBef>
+                <a:spcPts val="1000"/>
+              </a:spcBef>
+              <a:spcAft>
+                <a:spcPts val="0"/>
+              </a:spcAft>
+              <a:buClr>
+                <a:schemeClr val="accent1">
+                  <a:lumMod val="75000"/>
+                </a:schemeClr>
+              </a:buClr>
+              <a:buSzPct val="80000"/>
+              <a:buFont typeface="Wingdings 3" charset="2"/>
+              <a:buChar char=""/>
+              <a:defRPr sz="1600" kern="1200">
+                <a:solidFill>
+                  <a:schemeClr val="tx1">
+                    <a:lumMod val="75000"/>
+                    <a:lumOff val="25000"/>
+                  </a:schemeClr>
+                </a:solidFill>
+                <a:latin typeface="+mn-lt"/>
+                <a:ea typeface="+mn-ea"/>
+                <a:cs typeface="+mn-cs"/>
+              </a:defRPr>
+            </a:lvl2pPr>
+            <a:lvl3pPr marL="1143000" indent="-228600" algn="l" defTabSz="457200" rtl="0" eaLnBrk="1" latinLnBrk="0" hangingPunct="1">
+              <a:spcBef>
+                <a:spcPts val="1000"/>
+              </a:spcBef>
+              <a:spcAft>
+                <a:spcPts val="0"/>
+              </a:spcAft>
+              <a:buClr>
+                <a:schemeClr val="accent1">
+                  <a:lumMod val="75000"/>
+                </a:schemeClr>
+              </a:buClr>
+              <a:buSzPct val="80000"/>
+              <a:buFont typeface="Wingdings 3" charset="2"/>
+              <a:buChar char=""/>
+              <a:defRPr sz="1400" kern="1200">
+                <a:solidFill>
+                  <a:schemeClr val="tx1">
+                    <a:lumMod val="75000"/>
+                    <a:lumOff val="25000"/>
+                  </a:schemeClr>
+                </a:solidFill>
+                <a:latin typeface="+mn-lt"/>
+                <a:ea typeface="+mn-ea"/>
+                <a:cs typeface="+mn-cs"/>
+              </a:defRPr>
+            </a:lvl3pPr>
+            <a:lvl4pPr marL="1600200" indent="-228600" algn="l" defTabSz="457200" rtl="0" eaLnBrk="1" latinLnBrk="0" hangingPunct="1">
+              <a:spcBef>
+                <a:spcPts val="1000"/>
+              </a:spcBef>
+              <a:spcAft>
+                <a:spcPts val="0"/>
+              </a:spcAft>
+              <a:buClr>
+                <a:schemeClr val="accent1">
+                  <a:lumMod val="75000"/>
+                </a:schemeClr>
+              </a:buClr>
+              <a:buSzPct val="80000"/>
+              <a:buFont typeface="Wingdings 3" charset="2"/>
+              <a:buChar char=""/>
+              <a:defRPr sz="1200" kern="1200">
+                <a:solidFill>
+                  <a:schemeClr val="tx1">
+                    <a:lumMod val="75000"/>
+                    <a:lumOff val="25000"/>
+                  </a:schemeClr>
+                </a:solidFill>
+                <a:latin typeface="+mn-lt"/>
+                <a:ea typeface="+mn-ea"/>
+                <a:cs typeface="+mn-cs"/>
+              </a:defRPr>
+            </a:lvl4pPr>
+            <a:lvl5pPr marL="2057400" indent="-228600" algn="l" defTabSz="457200" rtl="0" eaLnBrk="1" latinLnBrk="0" hangingPunct="1">
+              <a:spcBef>
+                <a:spcPts val="1000"/>
+              </a:spcBef>
+              <a:spcAft>
+                <a:spcPts val="0"/>
+              </a:spcAft>
+              <a:buClr>
+                <a:schemeClr val="accent1">
+                  <a:lumMod val="75000"/>
+                </a:schemeClr>
+              </a:buClr>
+              <a:buSzPct val="80000"/>
+              <a:buFont typeface="Wingdings 3" charset="2"/>
+              <a:buChar char=""/>
+              <a:defRPr sz="1200" kern="1200">
+                <a:solidFill>
+                  <a:schemeClr val="tx1">
+                    <a:lumMod val="75000"/>
+                    <a:lumOff val="25000"/>
+                  </a:schemeClr>
+                </a:solidFill>
+                <a:latin typeface="+mn-lt"/>
+                <a:ea typeface="+mn-ea"/>
+                <a:cs typeface="+mn-cs"/>
+              </a:defRPr>
+            </a:lvl5pPr>
+            <a:lvl6pPr marL="2514600" indent="-228600" algn="l" defTabSz="457200" rtl="0" eaLnBrk="1" latinLnBrk="0" hangingPunct="1">
+              <a:spcBef>
+                <a:spcPts val="1000"/>
+              </a:spcBef>
+              <a:spcAft>
+                <a:spcPts val="0"/>
+              </a:spcAft>
+              <a:buClr>
+                <a:schemeClr val="accent1">
+                  <a:lumMod val="75000"/>
+                </a:schemeClr>
+              </a:buClr>
+              <a:buSzPct val="80000"/>
+              <a:buFont typeface="Wingdings 3" charset="2"/>
+              <a:buChar char=""/>
+              <a:defRPr sz="1200" kern="1200">
+                <a:solidFill>
+                  <a:schemeClr val="tx1">
+                    <a:lumMod val="75000"/>
+                    <a:lumOff val="25000"/>
+                  </a:schemeClr>
+                </a:solidFill>
+                <a:latin typeface="+mn-lt"/>
+                <a:ea typeface="+mn-ea"/>
+                <a:cs typeface="+mn-cs"/>
+              </a:defRPr>
+            </a:lvl6pPr>
+            <a:lvl7pPr marL="2971800" indent="-228600" algn="l" defTabSz="457200" rtl="0" eaLnBrk="1" latinLnBrk="0" hangingPunct="1">
+              <a:spcBef>
+                <a:spcPts val="1000"/>
+              </a:spcBef>
+              <a:spcAft>
+                <a:spcPts val="0"/>
+              </a:spcAft>
+              <a:buClr>
+                <a:schemeClr val="accent1">
+                  <a:lumMod val="75000"/>
+                </a:schemeClr>
+              </a:buClr>
+              <a:buSzPct val="80000"/>
+              <a:buFont typeface="Wingdings 3" charset="2"/>
+              <a:buChar char=""/>
+              <a:defRPr sz="1200" kern="1200">
+                <a:solidFill>
+                  <a:schemeClr val="tx1">
+                    <a:lumMod val="75000"/>
+                    <a:lumOff val="25000"/>
+                  </a:schemeClr>
+                </a:solidFill>
+                <a:latin typeface="+mn-lt"/>
+                <a:ea typeface="+mn-ea"/>
+                <a:cs typeface="+mn-cs"/>
+              </a:defRPr>
+            </a:lvl7pPr>
+            <a:lvl8pPr marL="3429000" indent="-228600" algn="l" defTabSz="457200" rtl="0" eaLnBrk="1" latinLnBrk="0" hangingPunct="1">
+              <a:spcBef>
+                <a:spcPts val="1000"/>
+              </a:spcBef>
+              <a:spcAft>
+                <a:spcPts val="0"/>
+              </a:spcAft>
+              <a:buClr>
+                <a:schemeClr val="accent1">
+                  <a:lumMod val="75000"/>
+                </a:schemeClr>
+              </a:buClr>
+              <a:buSzPct val="80000"/>
+              <a:buFont typeface="Wingdings 3" charset="2"/>
+              <a:buChar char=""/>
+              <a:defRPr sz="1200" kern="1200">
+                <a:solidFill>
+                  <a:schemeClr val="tx1">
+                    <a:lumMod val="75000"/>
+                    <a:lumOff val="25000"/>
+                  </a:schemeClr>
+                </a:solidFill>
+                <a:latin typeface="+mn-lt"/>
+                <a:ea typeface="+mn-ea"/>
+                <a:cs typeface="+mn-cs"/>
+              </a:defRPr>
+            </a:lvl8pPr>
+            <a:lvl9pPr marL="3886200" indent="-228600" algn="l" defTabSz="457200" rtl="0" eaLnBrk="1" latinLnBrk="0" hangingPunct="1">
+              <a:spcBef>
+                <a:spcPts val="1000"/>
+              </a:spcBef>
+              <a:spcAft>
+                <a:spcPts val="0"/>
+              </a:spcAft>
+              <a:buClr>
+                <a:schemeClr val="accent1">
+                  <a:lumMod val="75000"/>
+                </a:schemeClr>
+              </a:buClr>
+              <a:buSzPct val="80000"/>
+              <a:buFont typeface="Wingdings 3" charset="2"/>
+              <a:buChar char=""/>
+              <a:defRPr sz="1200" kern="1200">
+                <a:solidFill>
+                  <a:schemeClr val="tx1">
+                    <a:lumMod val="75000"/>
+                    <a:lumOff val="25000"/>
+                  </a:schemeClr>
+                </a:solidFill>
+                <a:latin typeface="+mn-lt"/>
+                <a:ea typeface="+mn-ea"/>
+                <a:cs typeface="+mn-cs"/>
+              </a:defRPr>
+            </a:lvl9pPr>
+          </a:lstStyle>
+          <a:p>
+            <a:pPr marL="0" indent="0">
+              <a:buNone/>
+            </a:pPr>
+            <a:endParaRPr lang="en-US" dirty="0"/>
+          </a:p>
+        </p:txBody>
+      </p:sp>
+    </p:spTree>
+    <p:extLst>
+      <p:ext uri="{BB962C8B-B14F-4D97-AF65-F5344CB8AC3E}">
+        <p14:creationId xmlns:p14="http://schemas.microsoft.com/office/powerpoint/2010/main" val="440818007"/>
+      </p:ext>
+    </p:extLst>
+  </p:cSld>
+  <p:clrMapOvr>
+    <a:masterClrMapping/>
+  </p:clrMapOvr>
+</p:sld>
+</file>
+
+<file path=ppt/slides/slide5.xml><?xml version="1.0" encoding="utf-8"?>
 <p:sld xmlns:a="http://schemas.openxmlformats.org/drawingml/2006/main" xmlns:r="http://schemas.openxmlformats.org/officeDocument/2006/relationships" xmlns:p="http://schemas.openxmlformats.org/presentationml/2006/main">
   <p:cSld>
     <p:spTree>
@@ -13167,7 +15397,7 @@
             </a:pPr>
             <a:r>
               <a:rPr lang="en-US" dirty="0"/>
-              <a:t>Improperly formatted data for our uses. For example individual donor’s state and political was imbedded in string with other information.</a:t>
+              <a:t>Improperly formatted data for our uses. For example individual donor’s state and political party was imbedded in string with other information.</a:t>
             </a:r>
           </a:p>
           <a:p>
@@ -13218,7 +15448,7 @@
 </p:sld>
 </file>
 
-<file path=ppt/slides/slide5.xml><?xml version="1.0" encoding="utf-8"?>
+<file path=ppt/slides/slide6.xml><?xml version="1.0" encoding="utf-8"?>
 <p:sld xmlns:a="http://schemas.openxmlformats.org/drawingml/2006/main" xmlns:r="http://schemas.openxmlformats.org/officeDocument/2006/relationships" xmlns:p="http://schemas.openxmlformats.org/presentationml/2006/main">
   <p:cSld>
     <p:spTree>
@@ -13301,7 +15531,7 @@
 </p:sld>
 </file>
 
-<file path=ppt/slides/slide6.xml><?xml version="1.0" encoding="utf-8"?>
+<file path=ppt/slides/slide7.xml><?xml version="1.0" encoding="utf-8"?>
 <p:sld xmlns:a="http://schemas.openxmlformats.org/drawingml/2006/main" xmlns:r="http://schemas.openxmlformats.org/officeDocument/2006/relationships" xmlns:p="http://schemas.openxmlformats.org/presentationml/2006/main">
   <p:cSld>
     <p:spTree>
@@ -13384,7 +15614,7 @@
 </p:sld>
 </file>
 
-<file path=ppt/slides/slide7.xml><?xml version="1.0" encoding="utf-8"?>
+<file path=ppt/slides/slide8.xml><?xml version="1.0" encoding="utf-8"?>
 <p:sld xmlns:a="http://schemas.openxmlformats.org/drawingml/2006/main" xmlns:r="http://schemas.openxmlformats.org/officeDocument/2006/relationships" xmlns:p="http://schemas.openxmlformats.org/presentationml/2006/main">
   <p:cSld>
     <p:bg>
@@ -14976,7 +17206,7 @@
 </p:sld>
 </file>
 
-<file path=ppt/slides/slide8.xml><?xml version="1.0" encoding="utf-8"?>
+<file path=ppt/slides/slide9.xml><?xml version="1.0" encoding="utf-8"?>
 <p:sld xmlns:a="http://schemas.openxmlformats.org/drawingml/2006/main" xmlns:r="http://schemas.openxmlformats.org/officeDocument/2006/relationships" xmlns:p="http://schemas.openxmlformats.org/presentationml/2006/main">
   <p:cSld>
     <p:bg>
@@ -16559,1598 +18789,6 @@
     <p:extLst>
       <p:ext uri="{BB962C8B-B14F-4D97-AF65-F5344CB8AC3E}">
         <p14:creationId xmlns:p14="http://schemas.microsoft.com/office/powerpoint/2010/main" val="3825872773"/>
-      </p:ext>
-    </p:extLst>
-  </p:cSld>
-  <p:clrMapOvr>
-    <a:masterClrMapping/>
-  </p:clrMapOvr>
-</p:sld>
-</file>
-
-<file path=ppt/slides/slide9.xml><?xml version="1.0" encoding="utf-8"?>
-<p:sld xmlns:a="http://schemas.openxmlformats.org/drawingml/2006/main" xmlns:r="http://schemas.openxmlformats.org/officeDocument/2006/relationships" xmlns:p="http://schemas.openxmlformats.org/presentationml/2006/main">
-  <p:cSld>
-    <p:bg>
-      <p:bgPr>
-        <a:solidFill>
-          <a:schemeClr val="bg2"/>
-        </a:solidFill>
-        <a:effectLst/>
-      </p:bgPr>
-    </p:bg>
-    <p:spTree>
-      <p:nvGrpSpPr>
-        <p:cNvPr id="1" name=""/>
-        <p:cNvGrpSpPr/>
-        <p:nvPr/>
-      </p:nvGrpSpPr>
-      <p:grpSpPr>
-        <a:xfrm>
-          <a:off x="0" y="0"/>
-          <a:ext cx="0" cy="0"/>
-          <a:chOff x="0" y="0"/>
-          <a:chExt cx="0" cy="0"/>
-        </a:xfrm>
-      </p:grpSpPr>
-      <p:grpSp>
-        <p:nvGrpSpPr>
-          <p:cNvPr id="10" name="Group 9">
-            <a:extLst>
-              <a:ext uri="{FF2B5EF4-FFF2-40B4-BE49-F238E27FC236}">
-                <a16:creationId xmlns:a16="http://schemas.microsoft.com/office/drawing/2014/main" id="{5F054EF5-EFE6-45A2-834C-0F0931F39F1E}"/>
-              </a:ext>
-              <a:ext uri="{C183D7F6-B498-43B3-948B-1728B52AA6E4}">
-                <adec:decorative xmlns:adec="http://schemas.microsoft.com/office/drawing/2017/decorative" val="1"/>
-              </a:ext>
-            </a:extLst>
-          </p:cNvPr>
-          <p:cNvGrpSpPr>
-            <a:grpSpLocks noGrp="1" noUngrp="1" noRot="1" noChangeAspect="1" noMove="1" noResize="1"/>
-          </p:cNvGrpSpPr>
-          <p:nvPr>
-            <p:extLst>
-              <p:ext uri="{386F3935-93C4-4BCD-93E2-E3B085C9AB24}">
-                <p16:designElem xmlns:p16="http://schemas.microsoft.com/office/powerpoint/2015/main" val="1"/>
-              </p:ext>
-            </p:extLst>
-          </p:nvPr>
-        </p:nvGrpSpPr>
-        <p:grpSpPr>
-          <a:xfrm>
-            <a:off x="0" y="-8467"/>
-            <a:ext cx="12192000" cy="6866467"/>
-            <a:chOff x="0" y="-8467"/>
-            <a:chExt cx="12192000" cy="6866467"/>
-          </a:xfrm>
-        </p:grpSpPr>
-        <p:cxnSp>
-          <p:nvCxnSpPr>
-            <p:cNvPr id="11" name="Straight Connector 10">
-              <a:extLst>
-                <a:ext uri="{FF2B5EF4-FFF2-40B4-BE49-F238E27FC236}">
-                  <a16:creationId xmlns:a16="http://schemas.microsoft.com/office/drawing/2014/main" id="{CFE3C88A-FEDB-4B9C-94EE-5026B326B3EB}"/>
-                </a:ext>
-                <a:ext uri="{C183D7F6-B498-43B3-948B-1728B52AA6E4}">
-                  <adec:decorative xmlns:adec="http://schemas.microsoft.com/office/drawing/2017/decorative" val="1"/>
-                </a:ext>
-              </a:extLst>
-            </p:cNvPr>
-            <p:cNvCxnSpPr/>
-            <p:nvPr>
-              <p:extLst>
-                <p:ext uri="{386F3935-93C4-4BCD-93E2-E3B085C9AB24}">
-                  <p16:designElem xmlns:p16="http://schemas.microsoft.com/office/powerpoint/2015/main" val="1"/>
-                </p:ext>
-              </p:extLst>
-            </p:nvPr>
-          </p:nvCxnSpPr>
-          <p:spPr>
-            <a:xfrm>
-              <a:off x="9371012" y="0"/>
-              <a:ext cx="1219200" cy="6858000"/>
-            </a:xfrm>
-            <a:prstGeom prst="line">
-              <a:avLst/>
-            </a:prstGeom>
-            <a:ln w="9525">
-              <a:solidFill>
-                <a:schemeClr val="bg1">
-                  <a:lumMod val="85000"/>
-                  <a:lumOff val="15000"/>
-                </a:schemeClr>
-              </a:solidFill>
-            </a:ln>
-          </p:spPr>
-          <p:style>
-            <a:lnRef idx="2">
-              <a:schemeClr val="accent1"/>
-            </a:lnRef>
-            <a:fillRef idx="0">
-              <a:schemeClr val="accent1"/>
-            </a:fillRef>
-            <a:effectRef idx="1">
-              <a:schemeClr val="accent1"/>
-            </a:effectRef>
-            <a:fontRef idx="minor">
-              <a:schemeClr val="tx1"/>
-            </a:fontRef>
-          </p:style>
-        </p:cxnSp>
-        <p:cxnSp>
-          <p:nvCxnSpPr>
-            <p:cNvPr id="12" name="Straight Connector 11">
-              <a:extLst>
-                <a:ext uri="{FF2B5EF4-FFF2-40B4-BE49-F238E27FC236}">
-                  <a16:creationId xmlns:a16="http://schemas.microsoft.com/office/drawing/2014/main" id="{B5D51D9B-0E7C-44D3-9215-81F9915232E9}"/>
-                </a:ext>
-                <a:ext uri="{C183D7F6-B498-43B3-948B-1728B52AA6E4}">
-                  <adec:decorative xmlns:adec="http://schemas.microsoft.com/office/drawing/2017/decorative" val="1"/>
-                </a:ext>
-              </a:extLst>
-            </p:cNvPr>
-            <p:cNvCxnSpPr/>
-            <p:nvPr>
-              <p:extLst>
-                <p:ext uri="{386F3935-93C4-4BCD-93E2-E3B085C9AB24}">
-                  <p16:designElem xmlns:p16="http://schemas.microsoft.com/office/powerpoint/2015/main" val="1"/>
-                </p:ext>
-              </p:extLst>
-            </p:nvPr>
-          </p:nvCxnSpPr>
-          <p:spPr>
-            <a:xfrm flipH="1">
-              <a:off x="7425267" y="3681413"/>
-              <a:ext cx="4763558" cy="3176587"/>
-            </a:xfrm>
-            <a:prstGeom prst="line">
-              <a:avLst/>
-            </a:prstGeom>
-            <a:ln w="9525">
-              <a:solidFill>
-                <a:schemeClr val="bg1">
-                  <a:lumMod val="85000"/>
-                  <a:lumOff val="15000"/>
-                </a:schemeClr>
-              </a:solidFill>
-            </a:ln>
-          </p:spPr>
-          <p:style>
-            <a:lnRef idx="2">
-              <a:schemeClr val="accent1"/>
-            </a:lnRef>
-            <a:fillRef idx="0">
-              <a:schemeClr val="accent1"/>
-            </a:fillRef>
-            <a:effectRef idx="1">
-              <a:schemeClr val="accent1"/>
-            </a:effectRef>
-            <a:fontRef idx="minor">
-              <a:schemeClr val="tx1"/>
-            </a:fontRef>
-          </p:style>
-        </p:cxnSp>
-        <p:sp>
-          <p:nvSpPr>
-            <p:cNvPr id="13" name="Rectangle 23">
-              <a:extLst>
-                <a:ext uri="{FF2B5EF4-FFF2-40B4-BE49-F238E27FC236}">
-                  <a16:creationId xmlns:a16="http://schemas.microsoft.com/office/drawing/2014/main" id="{16EFB339-1D4E-4824-A20B-AF30D07CF73A}"/>
-                </a:ext>
-                <a:ext uri="{C183D7F6-B498-43B3-948B-1728B52AA6E4}">
-                  <adec:decorative xmlns:adec="http://schemas.microsoft.com/office/drawing/2017/decorative" val="1"/>
-                </a:ext>
-              </a:extLst>
-            </p:cNvPr>
-            <p:cNvSpPr/>
-            <p:nvPr>
-              <p:extLst>
-                <p:ext uri="{386F3935-93C4-4BCD-93E2-E3B085C9AB24}">
-                  <p16:designElem xmlns:p16="http://schemas.microsoft.com/office/powerpoint/2015/main" val="1"/>
-                </p:ext>
-              </p:extLst>
-            </p:nvPr>
-          </p:nvSpPr>
-          <p:spPr>
-            <a:xfrm>
-              <a:off x="9181476" y="-8467"/>
-              <a:ext cx="3007349" cy="6866467"/>
-            </a:xfrm>
-            <a:custGeom>
-              <a:avLst/>
-              <a:gdLst/>
-              <a:ahLst/>
-              <a:cxnLst/>
-              <a:rect l="l" t="t" r="r" b="b"/>
-              <a:pathLst>
-                <a:path w="3007349" h="6866467">
-                  <a:moveTo>
-                    <a:pt x="2045532" y="0"/>
-                  </a:moveTo>
-                  <a:lnTo>
-                    <a:pt x="3007349" y="0"/>
-                  </a:lnTo>
-                  <a:lnTo>
-                    <a:pt x="3007349" y="6866467"/>
-                  </a:lnTo>
-                  <a:lnTo>
-                    <a:pt x="0" y="6866467"/>
-                  </a:lnTo>
-                  <a:lnTo>
-                    <a:pt x="2045532" y="0"/>
-                  </a:lnTo>
-                  <a:close/>
-                </a:path>
-              </a:pathLst>
-            </a:custGeom>
-            <a:solidFill>
-              <a:schemeClr val="accent1">
-                <a:alpha val="30000"/>
-              </a:schemeClr>
-            </a:solidFill>
-            <a:ln>
-              <a:noFill/>
-            </a:ln>
-            <a:effectLst/>
-          </p:spPr>
-          <p:style>
-            <a:lnRef idx="1">
-              <a:schemeClr val="accent1"/>
-            </a:lnRef>
-            <a:fillRef idx="3">
-              <a:schemeClr val="accent1"/>
-            </a:fillRef>
-            <a:effectRef idx="2">
-              <a:schemeClr val="accent1"/>
-            </a:effectRef>
-            <a:fontRef idx="minor">
-              <a:schemeClr val="lt1"/>
-            </a:fontRef>
-          </p:style>
-        </p:sp>
-        <p:sp>
-          <p:nvSpPr>
-            <p:cNvPr id="14" name="Rectangle 25">
-              <a:extLst>
-                <a:ext uri="{FF2B5EF4-FFF2-40B4-BE49-F238E27FC236}">
-                  <a16:creationId xmlns:a16="http://schemas.microsoft.com/office/drawing/2014/main" id="{00030831-8136-4C61-8F00-6F190C5AEBEA}"/>
-                </a:ext>
-                <a:ext uri="{C183D7F6-B498-43B3-948B-1728B52AA6E4}">
-                  <adec:decorative xmlns:adec="http://schemas.microsoft.com/office/drawing/2017/decorative" val="1"/>
-                </a:ext>
-              </a:extLst>
-            </p:cNvPr>
-            <p:cNvSpPr/>
-            <p:nvPr>
-              <p:extLst>
-                <p:ext uri="{386F3935-93C4-4BCD-93E2-E3B085C9AB24}">
-                  <p16:designElem xmlns:p16="http://schemas.microsoft.com/office/powerpoint/2015/main" val="1"/>
-                </p:ext>
-              </p:extLst>
-            </p:nvPr>
-          </p:nvSpPr>
-          <p:spPr>
-            <a:xfrm>
-              <a:off x="9603442" y="-8467"/>
-              <a:ext cx="2588558" cy="6866467"/>
-            </a:xfrm>
-            <a:custGeom>
-              <a:avLst/>
-              <a:gdLst/>
-              <a:ahLst/>
-              <a:cxnLst/>
-              <a:rect l="l" t="t" r="r" b="b"/>
-              <a:pathLst>
-                <a:path w="2573311" h="6866467">
-                  <a:moveTo>
-                    <a:pt x="0" y="0"/>
-                  </a:moveTo>
-                  <a:lnTo>
-                    <a:pt x="2573311" y="0"/>
-                  </a:lnTo>
-                  <a:lnTo>
-                    <a:pt x="2573311" y="6866467"/>
-                  </a:lnTo>
-                  <a:lnTo>
-                    <a:pt x="1202336" y="6866467"/>
-                  </a:lnTo>
-                  <a:lnTo>
-                    <a:pt x="0" y="0"/>
-                  </a:lnTo>
-                  <a:close/>
-                </a:path>
-              </a:pathLst>
-            </a:custGeom>
-            <a:solidFill>
-              <a:schemeClr val="accent1">
-                <a:alpha val="20000"/>
-              </a:schemeClr>
-            </a:solidFill>
-            <a:ln>
-              <a:noFill/>
-            </a:ln>
-            <a:effectLst/>
-          </p:spPr>
-          <p:style>
-            <a:lnRef idx="1">
-              <a:schemeClr val="accent1"/>
-            </a:lnRef>
-            <a:fillRef idx="3">
-              <a:schemeClr val="accent1"/>
-            </a:fillRef>
-            <a:effectRef idx="2">
-              <a:schemeClr val="accent1"/>
-            </a:effectRef>
-            <a:fontRef idx="minor">
-              <a:schemeClr val="lt1"/>
-            </a:fontRef>
-          </p:style>
-        </p:sp>
-        <p:sp>
-          <p:nvSpPr>
-            <p:cNvPr id="15" name="Isosceles Triangle 14">
-              <a:extLst>
-                <a:ext uri="{FF2B5EF4-FFF2-40B4-BE49-F238E27FC236}">
-                  <a16:creationId xmlns:a16="http://schemas.microsoft.com/office/drawing/2014/main" id="{9B14B360-4798-467E-ADE9-756959EC521D}"/>
-                </a:ext>
-                <a:ext uri="{C183D7F6-B498-43B3-948B-1728B52AA6E4}">
-                  <adec:decorative xmlns:adec="http://schemas.microsoft.com/office/drawing/2017/decorative" val="1"/>
-                </a:ext>
-              </a:extLst>
-            </p:cNvPr>
-            <p:cNvSpPr/>
-            <p:nvPr>
-              <p:extLst>
-                <p:ext uri="{386F3935-93C4-4BCD-93E2-E3B085C9AB24}">
-                  <p16:designElem xmlns:p16="http://schemas.microsoft.com/office/powerpoint/2015/main" val="1"/>
-                </p:ext>
-              </p:extLst>
-            </p:nvPr>
-          </p:nvSpPr>
-          <p:spPr>
-            <a:xfrm>
-              <a:off x="8932333" y="3048000"/>
-              <a:ext cx="3259667" cy="3810000"/>
-            </a:xfrm>
-            <a:prstGeom prst="triangle">
-              <a:avLst>
-                <a:gd name="adj" fmla="val 100000"/>
-              </a:avLst>
-            </a:prstGeom>
-            <a:solidFill>
-              <a:schemeClr val="accent2">
-                <a:alpha val="72000"/>
-              </a:schemeClr>
-            </a:solidFill>
-            <a:ln>
-              <a:noFill/>
-            </a:ln>
-            <a:effectLst/>
-          </p:spPr>
-          <p:style>
-            <a:lnRef idx="1">
-              <a:schemeClr val="accent1"/>
-            </a:lnRef>
-            <a:fillRef idx="3">
-              <a:schemeClr val="accent1"/>
-            </a:fillRef>
-            <a:effectRef idx="2">
-              <a:schemeClr val="accent1"/>
-            </a:effectRef>
-            <a:fontRef idx="minor">
-              <a:schemeClr val="lt1"/>
-            </a:fontRef>
-          </p:style>
-        </p:sp>
-        <p:sp>
-          <p:nvSpPr>
-            <p:cNvPr id="16" name="Rectangle 27">
-              <a:extLst>
-                <a:ext uri="{FF2B5EF4-FFF2-40B4-BE49-F238E27FC236}">
-                  <a16:creationId xmlns:a16="http://schemas.microsoft.com/office/drawing/2014/main" id="{9433F2F7-DA21-430A-A31C-D529D9C6A186}"/>
-                </a:ext>
-                <a:ext uri="{C183D7F6-B498-43B3-948B-1728B52AA6E4}">
-                  <adec:decorative xmlns:adec="http://schemas.microsoft.com/office/drawing/2017/decorative" val="1"/>
-                </a:ext>
-              </a:extLst>
-            </p:cNvPr>
-            <p:cNvSpPr/>
-            <p:nvPr>
-              <p:extLst>
-                <p:ext uri="{386F3935-93C4-4BCD-93E2-E3B085C9AB24}">
-                  <p16:designElem xmlns:p16="http://schemas.microsoft.com/office/powerpoint/2015/main" val="1"/>
-                </p:ext>
-              </p:extLst>
-            </p:nvPr>
-          </p:nvSpPr>
-          <p:spPr>
-            <a:xfrm>
-              <a:off x="9334500" y="-8467"/>
-              <a:ext cx="2854326" cy="6866467"/>
-            </a:xfrm>
-            <a:custGeom>
-              <a:avLst/>
-              <a:gdLst/>
-              <a:ahLst/>
-              <a:cxnLst/>
-              <a:rect l="l" t="t" r="r" b="b"/>
-              <a:pathLst>
-                <a:path w="2858013" h="6866467">
-                  <a:moveTo>
-                    <a:pt x="0" y="0"/>
-                  </a:moveTo>
-                  <a:lnTo>
-                    <a:pt x="2858013" y="0"/>
-                  </a:lnTo>
-                  <a:lnTo>
-                    <a:pt x="2858013" y="6866467"/>
-                  </a:lnTo>
-                  <a:lnTo>
-                    <a:pt x="2473942" y="6866467"/>
-                  </a:lnTo>
-                  <a:lnTo>
-                    <a:pt x="0" y="0"/>
-                  </a:lnTo>
-                  <a:close/>
-                </a:path>
-              </a:pathLst>
-            </a:custGeom>
-            <a:solidFill>
-              <a:schemeClr val="accent2">
-                <a:lumMod val="75000"/>
-                <a:alpha val="70000"/>
-              </a:schemeClr>
-            </a:solidFill>
-            <a:ln>
-              <a:noFill/>
-            </a:ln>
-            <a:effectLst/>
-          </p:spPr>
-          <p:style>
-            <a:lnRef idx="1">
-              <a:schemeClr val="accent1"/>
-            </a:lnRef>
-            <a:fillRef idx="3">
-              <a:schemeClr val="accent1"/>
-            </a:fillRef>
-            <a:effectRef idx="2">
-              <a:schemeClr val="accent1"/>
-            </a:effectRef>
-            <a:fontRef idx="minor">
-              <a:schemeClr val="lt1"/>
-            </a:fontRef>
-          </p:style>
-        </p:sp>
-        <p:sp>
-          <p:nvSpPr>
-            <p:cNvPr id="17" name="Rectangle 28">
-              <a:extLst>
-                <a:ext uri="{FF2B5EF4-FFF2-40B4-BE49-F238E27FC236}">
-                  <a16:creationId xmlns:a16="http://schemas.microsoft.com/office/drawing/2014/main" id="{0B24FFF9-F75D-4A88-90F8-D2D7BBB8E89E}"/>
-                </a:ext>
-                <a:ext uri="{C183D7F6-B498-43B3-948B-1728B52AA6E4}">
-                  <adec:decorative xmlns:adec="http://schemas.microsoft.com/office/drawing/2017/decorative" val="1"/>
-                </a:ext>
-              </a:extLst>
-            </p:cNvPr>
-            <p:cNvSpPr/>
-            <p:nvPr>
-              <p:extLst>
-                <p:ext uri="{386F3935-93C4-4BCD-93E2-E3B085C9AB24}">
-                  <p16:designElem xmlns:p16="http://schemas.microsoft.com/office/powerpoint/2015/main" val="1"/>
-                </p:ext>
-              </p:extLst>
-            </p:nvPr>
-          </p:nvSpPr>
-          <p:spPr>
-            <a:xfrm>
-              <a:off x="10898730" y="-8467"/>
-              <a:ext cx="1290094" cy="6866467"/>
-            </a:xfrm>
-            <a:custGeom>
-              <a:avLst/>
-              <a:gdLst/>
-              <a:ahLst/>
-              <a:cxnLst/>
-              <a:rect l="l" t="t" r="r" b="b"/>
-              <a:pathLst>
-                <a:path w="1290094" h="6858000">
-                  <a:moveTo>
-                    <a:pt x="1019735" y="0"/>
-                  </a:moveTo>
-                  <a:lnTo>
-                    <a:pt x="1290094" y="0"/>
-                  </a:lnTo>
-                  <a:lnTo>
-                    <a:pt x="1290094" y="6858000"/>
-                  </a:lnTo>
-                  <a:lnTo>
-                    <a:pt x="0" y="6858000"/>
-                  </a:lnTo>
-                  <a:lnTo>
-                    <a:pt x="1019735" y="0"/>
-                  </a:lnTo>
-                  <a:close/>
-                </a:path>
-              </a:pathLst>
-            </a:custGeom>
-            <a:solidFill>
-              <a:schemeClr val="accent1">
-                <a:lumMod val="60000"/>
-                <a:lumOff val="40000"/>
-                <a:alpha val="70000"/>
-              </a:schemeClr>
-            </a:solidFill>
-            <a:ln>
-              <a:noFill/>
-            </a:ln>
-            <a:effectLst/>
-          </p:spPr>
-          <p:style>
-            <a:lnRef idx="1">
-              <a:schemeClr val="accent1"/>
-            </a:lnRef>
-            <a:fillRef idx="3">
-              <a:schemeClr val="accent1"/>
-            </a:fillRef>
-            <a:effectRef idx="2">
-              <a:schemeClr val="accent1"/>
-            </a:effectRef>
-            <a:fontRef idx="minor">
-              <a:schemeClr val="lt1"/>
-            </a:fontRef>
-          </p:style>
-        </p:sp>
-        <p:sp>
-          <p:nvSpPr>
-            <p:cNvPr id="18" name="Rectangle 29">
-              <a:extLst>
-                <a:ext uri="{FF2B5EF4-FFF2-40B4-BE49-F238E27FC236}">
-                  <a16:creationId xmlns:a16="http://schemas.microsoft.com/office/drawing/2014/main" id="{A0A2A2C4-404D-431C-8F9A-227932A42E45}"/>
-                </a:ext>
-                <a:ext uri="{C183D7F6-B498-43B3-948B-1728B52AA6E4}">
-                  <adec:decorative xmlns:adec="http://schemas.microsoft.com/office/drawing/2017/decorative" val="1"/>
-                </a:ext>
-              </a:extLst>
-            </p:cNvPr>
-            <p:cNvSpPr/>
-            <p:nvPr>
-              <p:extLst>
-                <p:ext uri="{386F3935-93C4-4BCD-93E2-E3B085C9AB24}">
-                  <p16:designElem xmlns:p16="http://schemas.microsoft.com/office/powerpoint/2015/main" val="1"/>
-                </p:ext>
-              </p:extLst>
-            </p:nvPr>
-          </p:nvSpPr>
-          <p:spPr>
-            <a:xfrm>
-              <a:off x="10938999" y="-8467"/>
-              <a:ext cx="1249825" cy="6866467"/>
-            </a:xfrm>
-            <a:custGeom>
-              <a:avLst/>
-              <a:gdLst/>
-              <a:ahLst/>
-              <a:cxnLst/>
-              <a:rect l="l" t="t" r="r" b="b"/>
-              <a:pathLst>
-                <a:path w="1249825" h="6858000">
-                  <a:moveTo>
-                    <a:pt x="0" y="0"/>
-                  </a:moveTo>
-                  <a:lnTo>
-                    <a:pt x="1249825" y="0"/>
-                  </a:lnTo>
-                  <a:lnTo>
-                    <a:pt x="1249825" y="6858000"/>
-                  </a:lnTo>
-                  <a:lnTo>
-                    <a:pt x="1109382" y="6858000"/>
-                  </a:lnTo>
-                  <a:lnTo>
-                    <a:pt x="0" y="0"/>
-                  </a:lnTo>
-                  <a:close/>
-                </a:path>
-              </a:pathLst>
-            </a:custGeom>
-            <a:solidFill>
-              <a:schemeClr val="accent1">
-                <a:alpha val="65000"/>
-              </a:schemeClr>
-            </a:solidFill>
-            <a:ln>
-              <a:noFill/>
-            </a:ln>
-            <a:effectLst/>
-          </p:spPr>
-          <p:style>
-            <a:lnRef idx="1">
-              <a:schemeClr val="accent1"/>
-            </a:lnRef>
-            <a:fillRef idx="3">
-              <a:schemeClr val="accent1"/>
-            </a:fillRef>
-            <a:effectRef idx="2">
-              <a:schemeClr val="accent1"/>
-            </a:effectRef>
-            <a:fontRef idx="minor">
-              <a:schemeClr val="lt1"/>
-            </a:fontRef>
-          </p:style>
-        </p:sp>
-        <p:sp>
-          <p:nvSpPr>
-            <p:cNvPr id="19" name="Isosceles Triangle 18">
-              <a:extLst>
-                <a:ext uri="{FF2B5EF4-FFF2-40B4-BE49-F238E27FC236}">
-                  <a16:creationId xmlns:a16="http://schemas.microsoft.com/office/drawing/2014/main" id="{4661DBE2-1BC5-463F-BBB8-199B890D1C4E}"/>
-                </a:ext>
-                <a:ext uri="{C183D7F6-B498-43B3-948B-1728B52AA6E4}">
-                  <adec:decorative xmlns:adec="http://schemas.microsoft.com/office/drawing/2017/decorative" val="1"/>
-                </a:ext>
-              </a:extLst>
-            </p:cNvPr>
-            <p:cNvSpPr/>
-            <p:nvPr>
-              <p:extLst>
-                <p:ext uri="{386F3935-93C4-4BCD-93E2-E3B085C9AB24}">
-                  <p16:designElem xmlns:p16="http://schemas.microsoft.com/office/powerpoint/2015/main" val="1"/>
-                </p:ext>
-              </p:extLst>
-            </p:nvPr>
-          </p:nvSpPr>
-          <p:spPr>
-            <a:xfrm>
-              <a:off x="10371666" y="3589867"/>
-              <a:ext cx="1817159" cy="3268133"/>
-            </a:xfrm>
-            <a:prstGeom prst="triangle">
-              <a:avLst>
-                <a:gd name="adj" fmla="val 100000"/>
-              </a:avLst>
-            </a:prstGeom>
-            <a:solidFill>
-              <a:schemeClr val="accent1">
-                <a:alpha val="80000"/>
-              </a:schemeClr>
-            </a:solidFill>
-            <a:ln>
-              <a:noFill/>
-            </a:ln>
-            <a:effectLst/>
-          </p:spPr>
-          <p:style>
-            <a:lnRef idx="1">
-              <a:schemeClr val="accent1"/>
-            </a:lnRef>
-            <a:fillRef idx="3">
-              <a:schemeClr val="accent1"/>
-            </a:fillRef>
-            <a:effectRef idx="2">
-              <a:schemeClr val="accent1"/>
-            </a:effectRef>
-            <a:fontRef idx="minor">
-              <a:schemeClr val="lt1"/>
-            </a:fontRef>
-          </p:style>
-        </p:sp>
-        <p:sp>
-          <p:nvSpPr>
-            <p:cNvPr id="20" name="Isosceles Triangle 19">
-              <a:extLst>
-                <a:ext uri="{FF2B5EF4-FFF2-40B4-BE49-F238E27FC236}">
-                  <a16:creationId xmlns:a16="http://schemas.microsoft.com/office/drawing/2014/main" id="{710A6E70-F0B9-4E3D-9A78-2D2FEE5DF3C5}"/>
-                </a:ext>
-                <a:ext uri="{C183D7F6-B498-43B3-948B-1728B52AA6E4}">
-                  <adec:decorative xmlns:adec="http://schemas.microsoft.com/office/drawing/2017/decorative" val="1"/>
-                </a:ext>
-              </a:extLst>
-            </p:cNvPr>
-            <p:cNvSpPr/>
-            <p:nvPr>
-              <p:extLst>
-                <p:ext uri="{386F3935-93C4-4BCD-93E2-E3B085C9AB24}">
-                  <p16:designElem xmlns:p16="http://schemas.microsoft.com/office/powerpoint/2015/main" val="1"/>
-                </p:ext>
-              </p:extLst>
-            </p:nvPr>
-          </p:nvSpPr>
-          <p:spPr>
-            <a:xfrm>
-              <a:off x="0" y="4013200"/>
-              <a:ext cx="448733" cy="2844800"/>
-            </a:xfrm>
-            <a:prstGeom prst="triangle">
-              <a:avLst>
-                <a:gd name="adj" fmla="val 0"/>
-              </a:avLst>
-            </a:prstGeom>
-            <a:solidFill>
-              <a:schemeClr val="accent1">
-                <a:alpha val="85000"/>
-              </a:schemeClr>
-            </a:solidFill>
-            <a:ln>
-              <a:noFill/>
-            </a:ln>
-            <a:effectLst/>
-          </p:spPr>
-          <p:style>
-            <a:lnRef idx="1">
-              <a:schemeClr val="accent1"/>
-            </a:lnRef>
-            <a:fillRef idx="3">
-              <a:schemeClr val="accent1"/>
-            </a:fillRef>
-            <a:effectRef idx="2">
-              <a:schemeClr val="accent1"/>
-            </a:effectRef>
-            <a:fontRef idx="minor">
-              <a:schemeClr val="lt1"/>
-            </a:fontRef>
-          </p:style>
-        </p:sp>
-      </p:grpSp>
-      <p:sp>
-        <p:nvSpPr>
-          <p:cNvPr id="22" name="Rectangle 21">
-            <a:extLst>
-              <a:ext uri="{FF2B5EF4-FFF2-40B4-BE49-F238E27FC236}">
-                <a16:creationId xmlns:a16="http://schemas.microsoft.com/office/drawing/2014/main" id="{03E8462A-FEBA-4848-81CC-3F8DA3E477BE}"/>
-              </a:ext>
-              <a:ext uri="{C183D7F6-B498-43B3-948B-1728B52AA6E4}">
-                <adec:decorative xmlns:adec="http://schemas.microsoft.com/office/drawing/2017/decorative" val="1"/>
-              </a:ext>
-            </a:extLst>
-          </p:cNvPr>
-          <p:cNvSpPr>
-            <a:spLocks noGrp="1" noRot="1" noChangeAspect="1" noMove="1" noResize="1" noEditPoints="1" noAdjustHandles="1" noChangeArrowheads="1" noChangeShapeType="1" noTextEdit="1"/>
-          </p:cNvSpPr>
-          <p:nvPr>
-            <p:extLst>
-              <p:ext uri="{386F3935-93C4-4BCD-93E2-E3B085C9AB24}">
-                <p16:designElem xmlns:p16="http://schemas.microsoft.com/office/powerpoint/2015/main" val="1"/>
-              </p:ext>
-            </p:extLst>
-          </p:nvPr>
-        </p:nvSpPr>
-        <p:spPr>
-          <a:xfrm>
-            <a:off x="0" y="0"/>
-            <a:ext cx="12188952" cy="6858000"/>
-          </a:xfrm>
-          <a:prstGeom prst="rect">
-            <a:avLst/>
-          </a:prstGeom>
-          <a:solidFill>
-            <a:schemeClr val="accent2"/>
-          </a:solidFill>
-          <a:ln>
-            <a:noFill/>
-          </a:ln>
-        </p:spPr>
-        <p:style>
-          <a:lnRef idx="2">
-            <a:schemeClr val="accent1">
-              <a:shade val="50000"/>
-            </a:schemeClr>
-          </a:lnRef>
-          <a:fillRef idx="1">
-            <a:schemeClr val="accent1"/>
-          </a:fillRef>
-          <a:effectRef idx="0">
-            <a:schemeClr val="accent1"/>
-          </a:effectRef>
-          <a:fontRef idx="minor">
-            <a:schemeClr val="lt1"/>
-          </a:fontRef>
-        </p:style>
-        <p:txBody>
-          <a:bodyPr rtlCol="0" anchor="ctr"/>
-          <a:lstStyle/>
-          <a:p>
-            <a:pPr algn="ctr"/>
-            <a:endParaRPr lang="en-US"/>
-          </a:p>
-        </p:txBody>
-      </p:sp>
-      <p:grpSp>
-        <p:nvGrpSpPr>
-          <p:cNvPr id="24" name="Group 23">
-            <a:extLst>
-              <a:ext uri="{FF2B5EF4-FFF2-40B4-BE49-F238E27FC236}">
-                <a16:creationId xmlns:a16="http://schemas.microsoft.com/office/drawing/2014/main" id="{2109F83F-40FE-4DB3-84CC-09FB3340D06D}"/>
-              </a:ext>
-              <a:ext uri="{C183D7F6-B498-43B3-948B-1728B52AA6E4}">
-                <adec:decorative xmlns:adec="http://schemas.microsoft.com/office/drawing/2017/decorative" val="1"/>
-              </a:ext>
-            </a:extLst>
-          </p:cNvPr>
-          <p:cNvGrpSpPr>
-            <a:grpSpLocks noGrp="1" noUngrp="1" noRot="1" noChangeAspect="1" noMove="1" noResize="1"/>
-          </p:cNvGrpSpPr>
-          <p:nvPr>
-            <p:extLst>
-              <p:ext uri="{386F3935-93C4-4BCD-93E2-E3B085C9AB24}">
-                <p16:designElem xmlns:p16="http://schemas.microsoft.com/office/powerpoint/2015/main" val="1"/>
-              </p:ext>
-            </p:extLst>
-          </p:nvPr>
-        </p:nvGrpSpPr>
-        <p:grpSpPr>
-          <a:xfrm>
-            <a:off x="0" y="-8467"/>
-            <a:ext cx="12192000" cy="6866467"/>
-            <a:chOff x="0" y="-8467"/>
-            <a:chExt cx="12192000" cy="6866467"/>
-          </a:xfrm>
-        </p:grpSpPr>
-        <p:cxnSp>
-          <p:nvCxnSpPr>
-            <p:cNvPr id="25" name="Straight Connector 24">
-              <a:extLst>
-                <a:ext uri="{FF2B5EF4-FFF2-40B4-BE49-F238E27FC236}">
-                  <a16:creationId xmlns:a16="http://schemas.microsoft.com/office/drawing/2014/main" id="{1DE492D7-C3C3-48FF-80C8-37021EA0262F}"/>
-                </a:ext>
-                <a:ext uri="{C183D7F6-B498-43B3-948B-1728B52AA6E4}">
-                  <adec:decorative xmlns:adec="http://schemas.microsoft.com/office/drawing/2017/decorative" val="1"/>
-                </a:ext>
-              </a:extLst>
-            </p:cNvPr>
-            <p:cNvCxnSpPr/>
-            <p:nvPr>
-              <p:extLst>
-                <p:ext uri="{386F3935-93C4-4BCD-93E2-E3B085C9AB24}">
-                  <p16:designElem xmlns:p16="http://schemas.microsoft.com/office/powerpoint/2015/main" val="1"/>
-                </p:ext>
-              </p:extLst>
-            </p:nvPr>
-          </p:nvCxnSpPr>
-          <p:spPr>
-            <a:xfrm flipH="1">
-              <a:off x="7425267" y="3681413"/>
-              <a:ext cx="4763558" cy="3176587"/>
-            </a:xfrm>
-            <a:prstGeom prst="line">
-              <a:avLst/>
-            </a:prstGeom>
-            <a:ln w="9525">
-              <a:solidFill>
-                <a:schemeClr val="bg1">
-                  <a:lumMod val="85000"/>
-                </a:schemeClr>
-              </a:solidFill>
-            </a:ln>
-          </p:spPr>
-          <p:style>
-            <a:lnRef idx="2">
-              <a:schemeClr val="accent1"/>
-            </a:lnRef>
-            <a:fillRef idx="0">
-              <a:schemeClr val="accent1"/>
-            </a:fillRef>
-            <a:effectRef idx="1">
-              <a:schemeClr val="accent1"/>
-            </a:effectRef>
-            <a:fontRef idx="minor">
-              <a:schemeClr val="tx1"/>
-            </a:fontRef>
-          </p:style>
-        </p:cxnSp>
-        <p:sp>
-          <p:nvSpPr>
-            <p:cNvPr id="26" name="Rectangle 23">
-              <a:extLst>
-                <a:ext uri="{FF2B5EF4-FFF2-40B4-BE49-F238E27FC236}">
-                  <a16:creationId xmlns:a16="http://schemas.microsoft.com/office/drawing/2014/main" id="{0B30FF97-2E9A-490A-AED2-90BA2E0EC17F}"/>
-                </a:ext>
-                <a:ext uri="{C183D7F6-B498-43B3-948B-1728B52AA6E4}">
-                  <adec:decorative xmlns:adec="http://schemas.microsoft.com/office/drawing/2017/decorative" val="1"/>
-                </a:ext>
-              </a:extLst>
-            </p:cNvPr>
-            <p:cNvSpPr/>
-            <p:nvPr>
-              <p:extLst>
-                <p:ext uri="{386F3935-93C4-4BCD-93E2-E3B085C9AB24}">
-                  <p16:designElem xmlns:p16="http://schemas.microsoft.com/office/powerpoint/2015/main" val="1"/>
-                </p:ext>
-              </p:extLst>
-            </p:nvPr>
-          </p:nvSpPr>
-          <p:spPr>
-            <a:xfrm>
-              <a:off x="9181476" y="-8467"/>
-              <a:ext cx="3007349" cy="6866467"/>
-            </a:xfrm>
-            <a:custGeom>
-              <a:avLst/>
-              <a:gdLst/>
-              <a:ahLst/>
-              <a:cxnLst/>
-              <a:rect l="l" t="t" r="r" b="b"/>
-              <a:pathLst>
-                <a:path w="3007349" h="6866467">
-                  <a:moveTo>
-                    <a:pt x="2045532" y="0"/>
-                  </a:moveTo>
-                  <a:lnTo>
-                    <a:pt x="3007349" y="0"/>
-                  </a:lnTo>
-                  <a:lnTo>
-                    <a:pt x="3007349" y="6866467"/>
-                  </a:lnTo>
-                  <a:lnTo>
-                    <a:pt x="0" y="6866467"/>
-                  </a:lnTo>
-                  <a:lnTo>
-                    <a:pt x="2045532" y="0"/>
-                  </a:lnTo>
-                  <a:close/>
-                </a:path>
-              </a:pathLst>
-            </a:custGeom>
-            <a:solidFill>
-              <a:schemeClr val="accent1">
-                <a:alpha val="30000"/>
-              </a:schemeClr>
-            </a:solidFill>
-            <a:ln>
-              <a:noFill/>
-            </a:ln>
-            <a:effectLst/>
-          </p:spPr>
-          <p:style>
-            <a:lnRef idx="1">
-              <a:schemeClr val="accent1"/>
-            </a:lnRef>
-            <a:fillRef idx="3">
-              <a:schemeClr val="accent1"/>
-            </a:fillRef>
-            <a:effectRef idx="2">
-              <a:schemeClr val="accent1"/>
-            </a:effectRef>
-            <a:fontRef idx="minor">
-              <a:schemeClr val="lt1"/>
-            </a:fontRef>
-          </p:style>
-        </p:sp>
-        <p:sp>
-          <p:nvSpPr>
-            <p:cNvPr id="27" name="Rectangle 25">
-              <a:extLst>
-                <a:ext uri="{FF2B5EF4-FFF2-40B4-BE49-F238E27FC236}">
-                  <a16:creationId xmlns:a16="http://schemas.microsoft.com/office/drawing/2014/main" id="{B6D53C7D-A312-47B6-A66A-230A19CFACA6}"/>
-                </a:ext>
-                <a:ext uri="{C183D7F6-B498-43B3-948B-1728B52AA6E4}">
-                  <adec:decorative xmlns:adec="http://schemas.microsoft.com/office/drawing/2017/decorative" val="1"/>
-                </a:ext>
-              </a:extLst>
-            </p:cNvPr>
-            <p:cNvSpPr/>
-            <p:nvPr>
-              <p:extLst>
-                <p:ext uri="{386F3935-93C4-4BCD-93E2-E3B085C9AB24}">
-                  <p16:designElem xmlns:p16="http://schemas.microsoft.com/office/powerpoint/2015/main" val="1"/>
-                </p:ext>
-              </p:extLst>
-            </p:nvPr>
-          </p:nvSpPr>
-          <p:spPr>
-            <a:xfrm>
-              <a:off x="9603442" y="-8467"/>
-              <a:ext cx="2588558" cy="6866467"/>
-            </a:xfrm>
-            <a:custGeom>
-              <a:avLst/>
-              <a:gdLst/>
-              <a:ahLst/>
-              <a:cxnLst/>
-              <a:rect l="l" t="t" r="r" b="b"/>
-              <a:pathLst>
-                <a:path w="2573311" h="6866467">
-                  <a:moveTo>
-                    <a:pt x="0" y="0"/>
-                  </a:moveTo>
-                  <a:lnTo>
-                    <a:pt x="2573311" y="0"/>
-                  </a:lnTo>
-                  <a:lnTo>
-                    <a:pt x="2573311" y="6866467"/>
-                  </a:lnTo>
-                  <a:lnTo>
-                    <a:pt x="1202336" y="6866467"/>
-                  </a:lnTo>
-                  <a:lnTo>
-                    <a:pt x="0" y="0"/>
-                  </a:lnTo>
-                  <a:close/>
-                </a:path>
-              </a:pathLst>
-            </a:custGeom>
-            <a:solidFill>
-              <a:schemeClr val="accent1">
-                <a:alpha val="20000"/>
-              </a:schemeClr>
-            </a:solidFill>
-            <a:ln>
-              <a:noFill/>
-            </a:ln>
-            <a:effectLst/>
-          </p:spPr>
-          <p:style>
-            <a:lnRef idx="1">
-              <a:schemeClr val="accent1"/>
-            </a:lnRef>
-            <a:fillRef idx="3">
-              <a:schemeClr val="accent1"/>
-            </a:fillRef>
-            <a:effectRef idx="2">
-              <a:schemeClr val="accent1"/>
-            </a:effectRef>
-            <a:fontRef idx="minor">
-              <a:schemeClr val="lt1"/>
-            </a:fontRef>
-          </p:style>
-        </p:sp>
-        <p:sp>
-          <p:nvSpPr>
-            <p:cNvPr id="28" name="Isosceles Triangle 27">
-              <a:extLst>
-                <a:ext uri="{FF2B5EF4-FFF2-40B4-BE49-F238E27FC236}">
-                  <a16:creationId xmlns:a16="http://schemas.microsoft.com/office/drawing/2014/main" id="{9329D58C-0D2E-4A2B-AD6A-9CEE506784A8}"/>
-                </a:ext>
-                <a:ext uri="{C183D7F6-B498-43B3-948B-1728B52AA6E4}">
-                  <adec:decorative xmlns:adec="http://schemas.microsoft.com/office/drawing/2017/decorative" val="1"/>
-                </a:ext>
-              </a:extLst>
-            </p:cNvPr>
-            <p:cNvSpPr/>
-            <p:nvPr>
-              <p:extLst>
-                <p:ext uri="{386F3935-93C4-4BCD-93E2-E3B085C9AB24}">
-                  <p16:designElem xmlns:p16="http://schemas.microsoft.com/office/powerpoint/2015/main" val="1"/>
-                </p:ext>
-              </p:extLst>
-            </p:nvPr>
-          </p:nvSpPr>
-          <p:spPr>
-            <a:xfrm>
-              <a:off x="8932333" y="3048000"/>
-              <a:ext cx="3259667" cy="3810000"/>
-            </a:xfrm>
-            <a:prstGeom prst="triangle">
-              <a:avLst>
-                <a:gd name="adj" fmla="val 100000"/>
-              </a:avLst>
-            </a:prstGeom>
-            <a:solidFill>
-              <a:schemeClr val="accent2">
-                <a:alpha val="72000"/>
-              </a:schemeClr>
-            </a:solidFill>
-            <a:ln>
-              <a:noFill/>
-            </a:ln>
-            <a:effectLst/>
-          </p:spPr>
-          <p:style>
-            <a:lnRef idx="1">
-              <a:schemeClr val="accent1"/>
-            </a:lnRef>
-            <a:fillRef idx="3">
-              <a:schemeClr val="accent1"/>
-            </a:fillRef>
-            <a:effectRef idx="2">
-              <a:schemeClr val="accent1"/>
-            </a:effectRef>
-            <a:fontRef idx="minor">
-              <a:schemeClr val="lt1"/>
-            </a:fontRef>
-          </p:style>
-        </p:sp>
-        <p:sp>
-          <p:nvSpPr>
-            <p:cNvPr id="29" name="Rectangle 27">
-              <a:extLst>
-                <a:ext uri="{FF2B5EF4-FFF2-40B4-BE49-F238E27FC236}">
-                  <a16:creationId xmlns:a16="http://schemas.microsoft.com/office/drawing/2014/main" id="{9D446EDE-C690-4461-8BF2-7634808FC8B4}"/>
-                </a:ext>
-                <a:ext uri="{C183D7F6-B498-43B3-948B-1728B52AA6E4}">
-                  <adec:decorative xmlns:adec="http://schemas.microsoft.com/office/drawing/2017/decorative" val="1"/>
-                </a:ext>
-              </a:extLst>
-            </p:cNvPr>
-            <p:cNvSpPr/>
-            <p:nvPr>
-              <p:extLst>
-                <p:ext uri="{386F3935-93C4-4BCD-93E2-E3B085C9AB24}">
-                  <p16:designElem xmlns:p16="http://schemas.microsoft.com/office/powerpoint/2015/main" val="1"/>
-                </p:ext>
-              </p:extLst>
-            </p:nvPr>
-          </p:nvSpPr>
-          <p:spPr>
-            <a:xfrm>
-              <a:off x="9334500" y="-8467"/>
-              <a:ext cx="2854326" cy="6866467"/>
-            </a:xfrm>
-            <a:custGeom>
-              <a:avLst/>
-              <a:gdLst/>
-              <a:ahLst/>
-              <a:cxnLst/>
-              <a:rect l="l" t="t" r="r" b="b"/>
-              <a:pathLst>
-                <a:path w="2858013" h="6866467">
-                  <a:moveTo>
-                    <a:pt x="0" y="0"/>
-                  </a:moveTo>
-                  <a:lnTo>
-                    <a:pt x="2858013" y="0"/>
-                  </a:lnTo>
-                  <a:lnTo>
-                    <a:pt x="2858013" y="6866467"/>
-                  </a:lnTo>
-                  <a:lnTo>
-                    <a:pt x="2473942" y="6866467"/>
-                  </a:lnTo>
-                  <a:lnTo>
-                    <a:pt x="0" y="0"/>
-                  </a:lnTo>
-                  <a:close/>
-                </a:path>
-              </a:pathLst>
-            </a:custGeom>
-            <a:solidFill>
-              <a:schemeClr val="accent2">
-                <a:lumMod val="75000"/>
-                <a:alpha val="70000"/>
-              </a:schemeClr>
-            </a:solidFill>
-            <a:ln>
-              <a:noFill/>
-            </a:ln>
-            <a:effectLst/>
-          </p:spPr>
-          <p:style>
-            <a:lnRef idx="1">
-              <a:schemeClr val="accent1"/>
-            </a:lnRef>
-            <a:fillRef idx="3">
-              <a:schemeClr val="accent1"/>
-            </a:fillRef>
-            <a:effectRef idx="2">
-              <a:schemeClr val="accent1"/>
-            </a:effectRef>
-            <a:fontRef idx="minor">
-              <a:schemeClr val="lt1"/>
-            </a:fontRef>
-          </p:style>
-        </p:sp>
-        <p:sp>
-          <p:nvSpPr>
-            <p:cNvPr id="30" name="Rectangle 28">
-              <a:extLst>
-                <a:ext uri="{FF2B5EF4-FFF2-40B4-BE49-F238E27FC236}">
-                  <a16:creationId xmlns:a16="http://schemas.microsoft.com/office/drawing/2014/main" id="{323F3D34-6531-4AD7-A8C6-195A090281A1}"/>
-                </a:ext>
-                <a:ext uri="{C183D7F6-B498-43B3-948B-1728B52AA6E4}">
-                  <adec:decorative xmlns:adec="http://schemas.microsoft.com/office/drawing/2017/decorative" val="1"/>
-                </a:ext>
-              </a:extLst>
-            </p:cNvPr>
-            <p:cNvSpPr/>
-            <p:nvPr>
-              <p:extLst>
-                <p:ext uri="{386F3935-93C4-4BCD-93E2-E3B085C9AB24}">
-                  <p16:designElem xmlns:p16="http://schemas.microsoft.com/office/powerpoint/2015/main" val="1"/>
-                </p:ext>
-              </p:extLst>
-            </p:nvPr>
-          </p:nvSpPr>
-          <p:spPr>
-            <a:xfrm>
-              <a:off x="10898730" y="-8467"/>
-              <a:ext cx="1290094" cy="6866467"/>
-            </a:xfrm>
-            <a:custGeom>
-              <a:avLst/>
-              <a:gdLst/>
-              <a:ahLst/>
-              <a:cxnLst/>
-              <a:rect l="l" t="t" r="r" b="b"/>
-              <a:pathLst>
-                <a:path w="1290094" h="6858000">
-                  <a:moveTo>
-                    <a:pt x="1019735" y="0"/>
-                  </a:moveTo>
-                  <a:lnTo>
-                    <a:pt x="1290094" y="0"/>
-                  </a:lnTo>
-                  <a:lnTo>
-                    <a:pt x="1290094" y="6858000"/>
-                  </a:lnTo>
-                  <a:lnTo>
-                    <a:pt x="0" y="6858000"/>
-                  </a:lnTo>
-                  <a:lnTo>
-                    <a:pt x="1019735" y="0"/>
-                  </a:lnTo>
-                  <a:close/>
-                </a:path>
-              </a:pathLst>
-            </a:custGeom>
-            <a:solidFill>
-              <a:schemeClr val="accent1">
-                <a:lumMod val="60000"/>
-                <a:lumOff val="40000"/>
-                <a:alpha val="70000"/>
-              </a:schemeClr>
-            </a:solidFill>
-            <a:ln>
-              <a:noFill/>
-            </a:ln>
-            <a:effectLst/>
-          </p:spPr>
-          <p:style>
-            <a:lnRef idx="1">
-              <a:schemeClr val="accent1"/>
-            </a:lnRef>
-            <a:fillRef idx="3">
-              <a:schemeClr val="accent1"/>
-            </a:fillRef>
-            <a:effectRef idx="2">
-              <a:schemeClr val="accent1"/>
-            </a:effectRef>
-            <a:fontRef idx="minor">
-              <a:schemeClr val="lt1"/>
-            </a:fontRef>
-          </p:style>
-        </p:sp>
-        <p:sp>
-          <p:nvSpPr>
-            <p:cNvPr id="31" name="Rectangle 29">
-              <a:extLst>
-                <a:ext uri="{FF2B5EF4-FFF2-40B4-BE49-F238E27FC236}">
-                  <a16:creationId xmlns:a16="http://schemas.microsoft.com/office/drawing/2014/main" id="{B9B0AE3F-2350-435F-A9B0-C310BF876385}"/>
-                </a:ext>
-                <a:ext uri="{C183D7F6-B498-43B3-948B-1728B52AA6E4}">
-                  <adec:decorative xmlns:adec="http://schemas.microsoft.com/office/drawing/2017/decorative" val="1"/>
-                </a:ext>
-              </a:extLst>
-            </p:cNvPr>
-            <p:cNvSpPr/>
-            <p:nvPr>
-              <p:extLst>
-                <p:ext uri="{386F3935-93C4-4BCD-93E2-E3B085C9AB24}">
-                  <p16:designElem xmlns:p16="http://schemas.microsoft.com/office/powerpoint/2015/main" val="1"/>
-                </p:ext>
-              </p:extLst>
-            </p:nvPr>
-          </p:nvSpPr>
-          <p:spPr>
-            <a:xfrm>
-              <a:off x="10938999" y="-8467"/>
-              <a:ext cx="1249825" cy="6866467"/>
-            </a:xfrm>
-            <a:custGeom>
-              <a:avLst/>
-              <a:gdLst/>
-              <a:ahLst/>
-              <a:cxnLst/>
-              <a:rect l="l" t="t" r="r" b="b"/>
-              <a:pathLst>
-                <a:path w="1249825" h="6858000">
-                  <a:moveTo>
-                    <a:pt x="0" y="0"/>
-                  </a:moveTo>
-                  <a:lnTo>
-                    <a:pt x="1249825" y="0"/>
-                  </a:lnTo>
-                  <a:lnTo>
-                    <a:pt x="1249825" y="6858000"/>
-                  </a:lnTo>
-                  <a:lnTo>
-                    <a:pt x="1109382" y="6858000"/>
-                  </a:lnTo>
-                  <a:lnTo>
-                    <a:pt x="0" y="0"/>
-                  </a:lnTo>
-                  <a:close/>
-                </a:path>
-              </a:pathLst>
-            </a:custGeom>
-            <a:solidFill>
-              <a:schemeClr val="accent1">
-                <a:alpha val="65000"/>
-              </a:schemeClr>
-            </a:solidFill>
-            <a:ln>
-              <a:noFill/>
-            </a:ln>
-            <a:effectLst/>
-          </p:spPr>
-          <p:style>
-            <a:lnRef idx="1">
-              <a:schemeClr val="accent1"/>
-            </a:lnRef>
-            <a:fillRef idx="3">
-              <a:schemeClr val="accent1"/>
-            </a:fillRef>
-            <a:effectRef idx="2">
-              <a:schemeClr val="accent1"/>
-            </a:effectRef>
-            <a:fontRef idx="minor">
-              <a:schemeClr val="lt1"/>
-            </a:fontRef>
-          </p:style>
-        </p:sp>
-        <p:sp>
-          <p:nvSpPr>
-            <p:cNvPr id="32" name="Isosceles Triangle 31">
-              <a:extLst>
-                <a:ext uri="{FF2B5EF4-FFF2-40B4-BE49-F238E27FC236}">
-                  <a16:creationId xmlns:a16="http://schemas.microsoft.com/office/drawing/2014/main" id="{4EFA655C-9E50-4C14-A89E-AD7B648E4E2B}"/>
-                </a:ext>
-                <a:ext uri="{C183D7F6-B498-43B3-948B-1728B52AA6E4}">
-                  <adec:decorative xmlns:adec="http://schemas.microsoft.com/office/drawing/2017/decorative" val="1"/>
-                </a:ext>
-              </a:extLst>
-            </p:cNvPr>
-            <p:cNvSpPr/>
-            <p:nvPr>
-              <p:extLst>
-                <p:ext uri="{386F3935-93C4-4BCD-93E2-E3B085C9AB24}">
-                  <p16:designElem xmlns:p16="http://schemas.microsoft.com/office/powerpoint/2015/main" val="1"/>
-                </p:ext>
-              </p:extLst>
-            </p:nvPr>
-          </p:nvSpPr>
-          <p:spPr>
-            <a:xfrm>
-              <a:off x="10371666" y="3589867"/>
-              <a:ext cx="1817159" cy="3268133"/>
-            </a:xfrm>
-            <a:prstGeom prst="triangle">
-              <a:avLst>
-                <a:gd name="adj" fmla="val 100000"/>
-              </a:avLst>
-            </a:prstGeom>
-            <a:solidFill>
-              <a:schemeClr val="accent1">
-                <a:alpha val="80000"/>
-              </a:schemeClr>
-            </a:solidFill>
-            <a:ln>
-              <a:noFill/>
-            </a:ln>
-            <a:effectLst/>
-          </p:spPr>
-          <p:style>
-            <a:lnRef idx="1">
-              <a:schemeClr val="accent1"/>
-            </a:lnRef>
-            <a:fillRef idx="3">
-              <a:schemeClr val="accent1"/>
-            </a:fillRef>
-            <a:effectRef idx="2">
-              <a:schemeClr val="accent1"/>
-            </a:effectRef>
-            <a:fontRef idx="minor">
-              <a:schemeClr val="lt1"/>
-            </a:fontRef>
-          </p:style>
-        </p:sp>
-        <p:sp>
-          <p:nvSpPr>
-            <p:cNvPr id="33" name="Isosceles Triangle 32">
-              <a:extLst>
-                <a:ext uri="{FF2B5EF4-FFF2-40B4-BE49-F238E27FC236}">
-                  <a16:creationId xmlns:a16="http://schemas.microsoft.com/office/drawing/2014/main" id="{3E843863-7D25-4C01-9A17-E817CB6D998A}"/>
-                </a:ext>
-                <a:ext uri="{C183D7F6-B498-43B3-948B-1728B52AA6E4}">
-                  <adec:decorative xmlns:adec="http://schemas.microsoft.com/office/drawing/2017/decorative" val="1"/>
-                </a:ext>
-              </a:extLst>
-            </p:cNvPr>
-            <p:cNvSpPr/>
-            <p:nvPr>
-              <p:extLst>
-                <p:ext uri="{386F3935-93C4-4BCD-93E2-E3B085C9AB24}">
-                  <p16:designElem xmlns:p16="http://schemas.microsoft.com/office/powerpoint/2015/main" val="1"/>
-                </p:ext>
-              </p:extLst>
-            </p:nvPr>
-          </p:nvSpPr>
-          <p:spPr>
-            <a:xfrm>
-              <a:off x="0" y="4013200"/>
-              <a:ext cx="448733" cy="2844800"/>
-            </a:xfrm>
-            <a:prstGeom prst="triangle">
-              <a:avLst>
-                <a:gd name="adj" fmla="val 0"/>
-              </a:avLst>
-            </a:prstGeom>
-            <a:solidFill>
-              <a:schemeClr val="accent1">
-                <a:alpha val="85000"/>
-              </a:schemeClr>
-            </a:solidFill>
-            <a:ln>
-              <a:noFill/>
-            </a:ln>
-            <a:effectLst/>
-          </p:spPr>
-          <p:style>
-            <a:lnRef idx="1">
-              <a:schemeClr val="accent1"/>
-            </a:lnRef>
-            <a:fillRef idx="3">
-              <a:schemeClr val="accent1"/>
-            </a:fillRef>
-            <a:effectRef idx="2">
-              <a:schemeClr val="accent1"/>
-            </a:effectRef>
-            <a:fontRef idx="minor">
-              <a:schemeClr val="lt1"/>
-            </a:fontRef>
-          </p:style>
-        </p:sp>
-      </p:grpSp>
-      <p:sp>
-        <p:nvSpPr>
-          <p:cNvPr id="35" name="Rectangle 34">
-            <a:extLst>
-              <a:ext uri="{FF2B5EF4-FFF2-40B4-BE49-F238E27FC236}">
-                <a16:creationId xmlns:a16="http://schemas.microsoft.com/office/drawing/2014/main" id="{7941F9B1-B01B-4A84-89D9-B169AEB4E456}"/>
-              </a:ext>
-              <a:ext uri="{C183D7F6-B498-43B3-948B-1728B52AA6E4}">
-                <adec:decorative xmlns:adec="http://schemas.microsoft.com/office/drawing/2017/decorative" val="1"/>
-              </a:ext>
-            </a:extLst>
-          </p:cNvPr>
-          <p:cNvSpPr>
-            <a:spLocks noGrp="1" noRot="1" noChangeAspect="1" noMove="1" noResize="1" noEditPoints="1" noAdjustHandles="1" noChangeArrowheads="1" noChangeShapeType="1" noTextEdit="1"/>
-          </p:cNvSpPr>
-          <p:nvPr>
-            <p:extLst>
-              <p:ext uri="{386F3935-93C4-4BCD-93E2-E3B085C9AB24}">
-                <p16:designElem xmlns:p16="http://schemas.microsoft.com/office/powerpoint/2015/main" val="1"/>
-              </p:ext>
-            </p:extLst>
-          </p:nvPr>
-        </p:nvSpPr>
-        <p:spPr>
-          <a:xfrm>
-            <a:off x="477012" y="480060"/>
-            <a:ext cx="11237976" cy="5897880"/>
-          </a:xfrm>
-          <a:prstGeom prst="rect">
-            <a:avLst/>
-          </a:prstGeom>
-          <a:solidFill>
-            <a:srgbClr val="FFFFFF"/>
-          </a:solidFill>
-          <a:ln w="9525">
-            <a:noFill/>
-          </a:ln>
-          <a:effectLst>
-            <a:outerShdw blurRad="63500" dist="17780" dir="5400000" algn="t" rotWithShape="0">
-              <a:prstClr val="black">
-                <a:alpha val="43000"/>
-              </a:prstClr>
-            </a:outerShdw>
-          </a:effectLst>
-        </p:spPr>
-        <p:style>
-          <a:lnRef idx="2">
-            <a:schemeClr val="accent1">
-              <a:shade val="50000"/>
-            </a:schemeClr>
-          </a:lnRef>
-          <a:fillRef idx="1">
-            <a:schemeClr val="accent1"/>
-          </a:fillRef>
-          <a:effectRef idx="0">
-            <a:schemeClr val="accent1"/>
-          </a:effectRef>
-          <a:fontRef idx="minor">
-            <a:schemeClr val="lt1"/>
-          </a:fontRef>
-        </p:style>
-        <p:txBody>
-          <a:bodyPr rtlCol="0" anchor="ctr"/>
-          <a:lstStyle/>
-          <a:p>
-            <a:pPr algn="ctr"/>
-            <a:endParaRPr lang="en-US"/>
-          </a:p>
-        </p:txBody>
-      </p:sp>
-      <p:pic>
-        <p:nvPicPr>
-          <p:cNvPr id="5" name="Picture 4">
-            <a:extLst>
-              <a:ext uri="{FF2B5EF4-FFF2-40B4-BE49-F238E27FC236}">
-                <a16:creationId xmlns:a16="http://schemas.microsoft.com/office/drawing/2014/main" id="{DCC8269E-D1C3-B74B-92B2-E004AB409190}"/>
-              </a:ext>
-            </a:extLst>
-          </p:cNvPr>
-          <p:cNvPicPr>
-            <a:picLocks noChangeAspect="1"/>
-          </p:cNvPicPr>
-          <p:nvPr/>
-        </p:nvPicPr>
-        <p:blipFill>
-          <a:blip r:embed="rId2"/>
-          <a:stretch>
-            <a:fillRect/>
-          </a:stretch>
-        </p:blipFill>
-        <p:spPr>
-          <a:xfrm>
-            <a:off x="1942742" y="1185150"/>
-            <a:ext cx="8308393" cy="4484072"/>
-          </a:xfrm>
-          <a:prstGeom prst="rect">
-            <a:avLst/>
-          </a:prstGeom>
-        </p:spPr>
-      </p:pic>
-      <p:sp>
-        <p:nvSpPr>
-          <p:cNvPr id="6" name="TextBox 5">
-            <a:extLst>
-              <a:ext uri="{FF2B5EF4-FFF2-40B4-BE49-F238E27FC236}">
-                <a16:creationId xmlns:a16="http://schemas.microsoft.com/office/drawing/2014/main" id="{9B833DF5-00C9-DD41-9E78-F689CB28F99E}"/>
-              </a:ext>
-            </a:extLst>
-          </p:cNvPr>
-          <p:cNvSpPr txBox="1"/>
-          <p:nvPr/>
-        </p:nvSpPr>
-        <p:spPr>
-          <a:xfrm>
-            <a:off x="1211498" y="539565"/>
-            <a:ext cx="8512368" cy="830997"/>
-          </a:xfrm>
-          <a:prstGeom prst="rect">
-            <a:avLst/>
-          </a:prstGeom>
-          <a:noFill/>
-        </p:spPr>
-        <p:txBody>
-          <a:bodyPr wrap="square" rtlCol="0">
-            <a:spAutoFit/>
-          </a:bodyPr>
-          <a:lstStyle/>
-          <a:p>
-            <a:pPr algn="ctr"/>
-            <a:r>
-              <a:rPr lang="en-US" sz="2400" dirty="0"/>
-              <a:t>Colorado Net Democratic Political Contributions by County </a:t>
-            </a:r>
-          </a:p>
-          <a:p>
-            <a:pPr algn="ctr"/>
-            <a:r>
-              <a:rPr lang="en-US" sz="2400" dirty="0"/>
-              <a:t>2000</a:t>
-            </a:r>
-            <a:r>
-              <a:rPr lang="en-US" dirty="0"/>
-              <a:t> </a:t>
-            </a:r>
-          </a:p>
-        </p:txBody>
-      </p:sp>
-    </p:spTree>
-    <p:extLst>
-      <p:ext uri="{BB962C8B-B14F-4D97-AF65-F5344CB8AC3E}">
-        <p14:creationId xmlns:p14="http://schemas.microsoft.com/office/powerpoint/2010/main" val="4091447532"/>
       </p:ext>
     </p:extLst>
   </p:cSld>

--- a/project_presention.pptx
+++ b/project_presention.pptx
@@ -4,23 +4,27 @@
   <p:sldMasterIdLst>
     <p:sldMasterId id="2147483719" r:id="rId1"/>
   </p:sldMasterIdLst>
+  <p:notesMasterIdLst>
+    <p:notesMasterId r:id="rId19"/>
+  </p:notesMasterIdLst>
   <p:sldIdLst>
     <p:sldId id="256" r:id="rId2"/>
-    <p:sldId id="257" r:id="rId3"/>
-    <p:sldId id="258" r:id="rId4"/>
-    <p:sldId id="280" r:id="rId5"/>
-    <p:sldId id="259" r:id="rId6"/>
-    <p:sldId id="260" r:id="rId7"/>
-    <p:sldId id="261" r:id="rId8"/>
-    <p:sldId id="262" r:id="rId9"/>
-    <p:sldId id="276" r:id="rId10"/>
-    <p:sldId id="271" r:id="rId11"/>
-    <p:sldId id="272" r:id="rId12"/>
-    <p:sldId id="274" r:id="rId13"/>
-    <p:sldId id="275" r:id="rId14"/>
-    <p:sldId id="273" r:id="rId15"/>
-    <p:sldId id="278" r:id="rId16"/>
-    <p:sldId id="279" r:id="rId17"/>
+    <p:sldId id="284" r:id="rId3"/>
+    <p:sldId id="280" r:id="rId4"/>
+    <p:sldId id="258" r:id="rId5"/>
+    <p:sldId id="282" r:id="rId6"/>
+    <p:sldId id="283" r:id="rId7"/>
+    <p:sldId id="281" r:id="rId8"/>
+    <p:sldId id="285" r:id="rId9"/>
+    <p:sldId id="262" r:id="rId10"/>
+    <p:sldId id="276" r:id="rId11"/>
+    <p:sldId id="271" r:id="rId12"/>
+    <p:sldId id="272" r:id="rId13"/>
+    <p:sldId id="274" r:id="rId14"/>
+    <p:sldId id="275" r:id="rId15"/>
+    <p:sldId id="273" r:id="rId16"/>
+    <p:sldId id="278" r:id="rId17"/>
+    <p:sldId id="279" r:id="rId18"/>
   </p:sldIdLst>
   <p:sldSz cx="12192000" cy="6858000"/>
   <p:notesSz cx="6858000" cy="9144000"/>
@@ -125,6 +129,589 @@
     </p:ext>
   </p:extLst>
 </p:presentation>
+</file>
+
+<file path=ppt/ink/ink1.xml><?xml version="1.0" encoding="utf-8"?>
+<inkml:ink xmlns:inkml="http://www.w3.org/2003/InkML">
+  <inkml:definitions>
+    <inkml:context xml:id="ctx0">
+      <inkml:inkSource xml:id="inkSrc0">
+        <inkml:traceFormat>
+          <inkml:channel name="X" type="integer" min="-2.14748E9" max="2.14748E9" units="cm"/>
+          <inkml:channel name="Y" type="integer" min="-2.14748E9" max="2.14748E9" units="cm"/>
+          <inkml:channel name="F" type="integer" max="32767" units="dev"/>
+        </inkml:traceFormat>
+        <inkml:channelProperties>
+          <inkml:channelProperty channel="X" name="resolution" value="1000" units="1/cm"/>
+          <inkml:channelProperty channel="Y" name="resolution" value="1000" units="1/cm"/>
+          <inkml:channelProperty channel="F" name="resolution" value="0" units="1/dev"/>
+        </inkml:channelProperties>
+      </inkml:inkSource>
+      <inkml:timestamp xml:id="ts0" timeString="2019-03-18T19:53:32.828"/>
+    </inkml:context>
+    <inkml:brush xml:id="br0">
+      <inkml:brushProperty name="width" value="0.05" units="cm"/>
+      <inkml:brushProperty name="height" value="0.05" units="cm"/>
+      <inkml:brushProperty name="color" value="#FFFFFF"/>
+    </inkml:brush>
+  </inkml:definitions>
+  <inkml:trace contextRef="#ctx0" brushRef="#br0">142 69 24575,'45'0'0,"-16"0"0,19 0 0,-29 0 0,-1 0 0,-4 0 0,0 0 0,-2 0 0,1 0 0,-4 0 0,8 0 0,-7 0 0,7-4 0,-7 3 0,3-3 0,-5 4 0,0 0 0,1 0 0,-5-3 0,0-2 0,-13 1 0,4-3 0,-8 6 0,4-3 0,1 4 0,-1 0 0,-4 0 0,4-3 0,-9 2 0,-1-3 0,-1 0 0,-4 3 0,5-3 0,0-1 0,5 4 0,1-3 0,5 4 0,3-4 0,-3 3 0,4-2 0,-4 3 0,0 0 0,0 0 0,7 0 0,7 0 0,8 0 0,4 0 0,-4 0 0,-1 0 0,-4 0 0,-1 0 0,0 0 0,0 0 0,-3 3 0,-5-2 0,-9 2 0,-5 1 0,-5-3 0,1 3 0,-1-4 0,5 0 0,-4 0 0,4 0 0,-5 0 0,1 0 0,-6 0 0,4 0 0,-4 0 0,5 0 0,5 0 0,1 0 0,4 0 0,1 0 0,6 0 0,7 0 0,3 0 0,4 4 0,-4-3 0,-4 6 0,4-6 0,-3 3 0,3-1 0,0-2 0,0 3 0,-3-1 0,2-2 0,-3 3 0,1-4 0,-2 0 0</inkml:trace>
+</inkml:ink>
+</file>
+
+<file path=ppt/ink/ink2.xml><?xml version="1.0" encoding="utf-8"?>
+<inkml:ink xmlns:inkml="http://www.w3.org/2003/InkML">
+  <inkml:definitions>
+    <inkml:context xml:id="ctx0">
+      <inkml:inkSource xml:id="inkSrc0">
+        <inkml:traceFormat>
+          <inkml:channel name="X" type="integer" min="-2.14748E9" max="2.14748E9" units="cm"/>
+          <inkml:channel name="Y" type="integer" min="-2.14748E9" max="2.14748E9" units="cm"/>
+          <inkml:channel name="F" type="integer" max="32767" units="dev"/>
+        </inkml:traceFormat>
+        <inkml:channelProperties>
+          <inkml:channelProperty channel="X" name="resolution" value="1000" units="1/cm"/>
+          <inkml:channelProperty channel="Y" name="resolution" value="1000" units="1/cm"/>
+          <inkml:channelProperty channel="F" name="resolution" value="0" units="1/dev"/>
+        </inkml:channelProperties>
+      </inkml:inkSource>
+      <inkml:timestamp xml:id="ts0" timeString="2019-03-18T19:53:37.385"/>
+    </inkml:context>
+    <inkml:brush xml:id="br0">
+      <inkml:brushProperty name="width" value="0.05" units="cm"/>
+      <inkml:brushProperty name="height" value="0.05" units="cm"/>
+      <inkml:brushProperty name="color" value="#FFFFFF"/>
+    </inkml:brush>
+  </inkml:definitions>
+  <inkml:trace contextRef="#ctx0" brushRef="#br0">602 79 24575,'-7'4'0,"-3"0"0,-7-4 0,-7 0 0,4 0 0,1 0 0,1 0 0,9 0 0,-4-4 0,4 3 0,5-7 0,-3 8 0,2-4 0,-3 4 0,0-4 0,-1 3 0,-4-3 0,4 4 0,-4 0 0,4 0 0,1 0 0,-1 0 0,1 0 0,0 0 0,-1 0 0,1 0 0,0 0 0,-5 0 0,-1 0 0,-10 0 0,4 0 0,-4 0 0,0 0 0,-1 0 0,-6 0 0,0-4 0,1 3 0,4-4 0,7 5 0,6-4 0,4 3 0,1-2 0,6 3 0,7 0 0,3 0 0,4 0 0,-4 0 0,0 0 0,0 0 0,1 0 0,-1 0 0,0 0 0,0 0 0,1 0 0,-1 0 0,1 0 0,-5-4 0,4 3 0,-4-3 0,4 4 0,0 0 0,-3-3 0,2 2 0,-3-3 0,4 1 0,0 2 0,0-3 0,0 4 0,1 0 0,-1-4 0,0 3 0,1-2 0,3-2 0,-2 4 0,3-3 0,-5 4 0,1 0 0,-1 0 0,1 0 0,-1 0 0,0 0 0,0 0 0,0 0 0,0 0 0,0 0 0,0 0 0,0 0 0,1 0 0,-1 0 0,0 0 0,1 0 0,-1 0 0,0 0 0,1 0 0,-1 0 0,0 0 0,0 0 0,0 0 0,0 0 0,0 0 0,0 0 0,0 0 0,5 0 0,-3 0 0,3 0 0,-5 0 0,0 0 0,1 0 0,-1 0 0,1 0 0,-5 0 0,0 0 0</inkml:trace>
+  <inkml:trace contextRef="#ctx0" brushRef="#br0" timeOffset="1540">403 22 24575,'22'0'0,"-3"0"0,16 0 0,-14 0 0,10 0 0,-13 0 0,-4 0 0,-1 0 0,-5 0 0,1 0 0,-4 0 0,-2 0 0</inkml:trace>
+</inkml:ink>
+</file>
+
+<file path=ppt/ink/ink3.xml><?xml version="1.0" encoding="utf-8"?>
+<inkml:ink xmlns:inkml="http://www.w3.org/2003/InkML">
+  <inkml:definitions>
+    <inkml:context xml:id="ctx0">
+      <inkml:inkSource xml:id="inkSrc0">
+        <inkml:traceFormat>
+          <inkml:channel name="X" type="integer" min="-2.14748E9" max="2.14748E9" units="cm"/>
+          <inkml:channel name="Y" type="integer" min="-2.14748E9" max="2.14748E9" units="cm"/>
+          <inkml:channel name="F" type="integer" max="32767" units="dev"/>
+        </inkml:traceFormat>
+        <inkml:channelProperties>
+          <inkml:channelProperty channel="X" name="resolution" value="1000" units="1/cm"/>
+          <inkml:channelProperty channel="Y" name="resolution" value="1000" units="1/cm"/>
+          <inkml:channelProperty channel="F" name="resolution" value="0" units="1/dev"/>
+        </inkml:channelProperties>
+      </inkml:inkSource>
+      <inkml:timestamp xml:id="ts0" timeString="2019-03-18T19:53:42.385"/>
+    </inkml:context>
+    <inkml:brush xml:id="br0">
+      <inkml:brushProperty name="width" value="0.05" units="cm"/>
+      <inkml:brushProperty name="height" value="0.05" units="cm"/>
+      <inkml:brushProperty name="color" value="#FFFFFF"/>
+    </inkml:brush>
+  </inkml:definitions>
+  <inkml:trace contextRef="#ctx0" brushRef="#br0">463 35 24575,'-12'0'0,"1"0"0,3 0 0,-1 0 0,-9 0 0,3 0 0,-14 0 0,3 0 0,-4 0 0,-1 0 0,0 0 0,6 0 0,5 0 0,3 0 0,7 0 0,-3 0 0,5 0 0,-1 0 0,1 0 0,0 0 0,0 0 0,-5 0 0,4 0 0,-9 0 0,8 0 0,-3 0 0,0 0 0,4 0 0,-4 0 0,4 0 0,1 0 0,6 0 0,3-4 0,7 3 0,0-2 0,0-1 0,1-1 0,-1 0 0,0 2 0,0-1 0,1 3 0,-1-3 0,0 4 0,1 0 0,-1 0 0,0 0 0,5 0 0,1 0 0,10 0 0,2 0 0,4 0 0,1 0 0,-1 0 0,-5 0 0,-1 0 0,-5 0 0,-5 0 0,3 4 0,-8-3 0,4 3 0,-4 0 0,-1-3 0,-3 3 0,-1-4 0</inkml:trace>
+</inkml:ink>
+</file>
+
+<file path=ppt/ink/ink4.xml><?xml version="1.0" encoding="utf-8"?>
+<inkml:ink xmlns:inkml="http://www.w3.org/2003/InkML">
+  <inkml:definitions>
+    <inkml:context xml:id="ctx0">
+      <inkml:inkSource xml:id="inkSrc0">
+        <inkml:traceFormat>
+          <inkml:channel name="X" type="integer" min="-2.14748E9" max="2.14748E9" units="cm"/>
+          <inkml:channel name="Y" type="integer" min="-2.14748E9" max="2.14748E9" units="cm"/>
+          <inkml:channel name="F" type="integer" max="32767" units="dev"/>
+        </inkml:traceFormat>
+        <inkml:channelProperties>
+          <inkml:channelProperty channel="X" name="resolution" value="1000" units="1/cm"/>
+          <inkml:channelProperty channel="Y" name="resolution" value="1000" units="1/cm"/>
+          <inkml:channelProperty channel="F" name="resolution" value="0" units="1/dev"/>
+        </inkml:channelProperties>
+      </inkml:inkSource>
+      <inkml:timestamp xml:id="ts0" timeString="2019-03-18T19:53:45.369"/>
+    </inkml:context>
+    <inkml:brush xml:id="br0">
+      <inkml:brushProperty name="width" value="0.05" units="cm"/>
+      <inkml:brushProperty name="height" value="0.05" units="cm"/>
+      <inkml:brushProperty name="color" value="#FFFFFF"/>
+    </inkml:brush>
+  </inkml:definitions>
+  <inkml:trace contextRef="#ctx0" brushRef="#br0">338 0 24575,'-12'0'0,"0"0"0,0 0 0,2 0 0,-7 0 0,-3 0 0,5 0 0,-8 0 0,9 0 0,-5 0 0,0 0 0,5 0 0,1 0 0,4 0 0,1 0 0,0 0 0,0 0 0,0 0 0,-5 0 0,-2 0 0,1 0 0,1 0 0,5 0 0,-1 0 0,1 0 0,-1 0 0,5 0 0,0 0 0</inkml:trace>
+</inkml:ink>
+</file>
+
+<file path=ppt/notesMasters/notesMaster1.xml><?xml version="1.0" encoding="utf-8"?>
+<p:notesMaster xmlns:a="http://schemas.openxmlformats.org/drawingml/2006/main" xmlns:r="http://schemas.openxmlformats.org/officeDocument/2006/relationships" xmlns:p="http://schemas.openxmlformats.org/presentationml/2006/main">
+  <p:cSld>
+    <p:bg>
+      <p:bgRef idx="1001">
+        <a:schemeClr val="bg1"/>
+      </p:bgRef>
+    </p:bg>
+    <p:spTree>
+      <p:nvGrpSpPr>
+        <p:cNvPr id="1" name=""/>
+        <p:cNvGrpSpPr/>
+        <p:nvPr/>
+      </p:nvGrpSpPr>
+      <p:grpSpPr>
+        <a:xfrm>
+          <a:off x="0" y="0"/>
+          <a:ext cx="0" cy="0"/>
+          <a:chOff x="0" y="0"/>
+          <a:chExt cx="0" cy="0"/>
+        </a:xfrm>
+      </p:grpSpPr>
+      <p:sp>
+        <p:nvSpPr>
+          <p:cNvPr id="2" name="Header Placeholder 1"/>
+          <p:cNvSpPr>
+            <a:spLocks noGrp="1"/>
+          </p:cNvSpPr>
+          <p:nvPr>
+            <p:ph type="hdr" sz="quarter"/>
+          </p:nvPr>
+        </p:nvSpPr>
+        <p:spPr>
+          <a:xfrm>
+            <a:off x="0" y="0"/>
+            <a:ext cx="2971800" cy="458788"/>
+          </a:xfrm>
+          <a:prstGeom prst="rect">
+            <a:avLst/>
+          </a:prstGeom>
+        </p:spPr>
+        <p:txBody>
+          <a:bodyPr vert="horz" lIns="91440" tIns="45720" rIns="91440" bIns="45720" rtlCol="0"/>
+          <a:lstStyle>
+            <a:lvl1pPr algn="l">
+              <a:defRPr sz="1200"/>
+            </a:lvl1pPr>
+          </a:lstStyle>
+          <a:p>
+            <a:endParaRPr lang="en-US"/>
+          </a:p>
+        </p:txBody>
+      </p:sp>
+      <p:sp>
+        <p:nvSpPr>
+          <p:cNvPr id="3" name="Date Placeholder 2"/>
+          <p:cNvSpPr>
+            <a:spLocks noGrp="1"/>
+          </p:cNvSpPr>
+          <p:nvPr>
+            <p:ph type="dt" idx="1"/>
+          </p:nvPr>
+        </p:nvSpPr>
+        <p:spPr>
+          <a:xfrm>
+            <a:off x="3884613" y="0"/>
+            <a:ext cx="2971800" cy="458788"/>
+          </a:xfrm>
+          <a:prstGeom prst="rect">
+            <a:avLst/>
+          </a:prstGeom>
+        </p:spPr>
+        <p:txBody>
+          <a:bodyPr vert="horz" lIns="91440" tIns="45720" rIns="91440" bIns="45720" rtlCol="0"/>
+          <a:lstStyle>
+            <a:lvl1pPr algn="r">
+              <a:defRPr sz="1200"/>
+            </a:lvl1pPr>
+          </a:lstStyle>
+          <a:p>
+            <a:fld id="{E93C0425-6921-594F-91C4-EBCFFABABEAF}" type="datetimeFigureOut">
+              <a:rPr lang="en-US" smtClean="0"/>
+              <a:t>3/18/19</a:t>
+            </a:fld>
+            <a:endParaRPr lang="en-US"/>
+          </a:p>
+        </p:txBody>
+      </p:sp>
+      <p:sp>
+        <p:nvSpPr>
+          <p:cNvPr id="4" name="Slide Image Placeholder 3"/>
+          <p:cNvSpPr>
+            <a:spLocks noGrp="1" noRot="1" noChangeAspect="1"/>
+          </p:cNvSpPr>
+          <p:nvPr>
+            <p:ph type="sldImg" idx="2"/>
+          </p:nvPr>
+        </p:nvSpPr>
+        <p:spPr>
+          <a:xfrm>
+            <a:off x="685800" y="1143000"/>
+            <a:ext cx="5486400" cy="3086100"/>
+          </a:xfrm>
+          <a:prstGeom prst="rect">
+            <a:avLst/>
+          </a:prstGeom>
+          <a:noFill/>
+          <a:ln w="12700">
+            <a:solidFill>
+              <a:prstClr val="black"/>
+            </a:solidFill>
+          </a:ln>
+        </p:spPr>
+        <p:txBody>
+          <a:bodyPr vert="horz" lIns="91440" tIns="45720" rIns="91440" bIns="45720" rtlCol="0" anchor="ctr"/>
+          <a:lstStyle/>
+          <a:p>
+            <a:endParaRPr lang="en-US"/>
+          </a:p>
+        </p:txBody>
+      </p:sp>
+      <p:sp>
+        <p:nvSpPr>
+          <p:cNvPr id="5" name="Notes Placeholder 4"/>
+          <p:cNvSpPr>
+            <a:spLocks noGrp="1"/>
+          </p:cNvSpPr>
+          <p:nvPr>
+            <p:ph type="body" sz="quarter" idx="3"/>
+          </p:nvPr>
+        </p:nvSpPr>
+        <p:spPr>
+          <a:xfrm>
+            <a:off x="685800" y="4400550"/>
+            <a:ext cx="5486400" cy="3600450"/>
+          </a:xfrm>
+          <a:prstGeom prst="rect">
+            <a:avLst/>
+          </a:prstGeom>
+        </p:spPr>
+        <p:txBody>
+          <a:bodyPr vert="horz" lIns="91440" tIns="45720" rIns="91440" bIns="45720" rtlCol="0"/>
+          <a:lstStyle/>
+          <a:p>
+            <a:pPr lvl="0"/>
+            <a:r>
+              <a:rPr lang="en-US"/>
+              <a:t>Click to edit Master text styles</a:t>
+            </a:r>
+          </a:p>
+          <a:p>
+            <a:pPr lvl="1"/>
+            <a:r>
+              <a:rPr lang="en-US"/>
+              <a:t>Second level</a:t>
+            </a:r>
+          </a:p>
+          <a:p>
+            <a:pPr lvl="2"/>
+            <a:r>
+              <a:rPr lang="en-US"/>
+              <a:t>Third level</a:t>
+            </a:r>
+          </a:p>
+          <a:p>
+            <a:pPr lvl="3"/>
+            <a:r>
+              <a:rPr lang="en-US"/>
+              <a:t>Fourth level</a:t>
+            </a:r>
+          </a:p>
+          <a:p>
+            <a:pPr lvl="4"/>
+            <a:r>
+              <a:rPr lang="en-US"/>
+              <a:t>Fifth level</a:t>
+            </a:r>
+          </a:p>
+        </p:txBody>
+      </p:sp>
+      <p:sp>
+        <p:nvSpPr>
+          <p:cNvPr id="6" name="Footer Placeholder 5"/>
+          <p:cNvSpPr>
+            <a:spLocks noGrp="1"/>
+          </p:cNvSpPr>
+          <p:nvPr>
+            <p:ph type="ftr" sz="quarter" idx="4"/>
+          </p:nvPr>
+        </p:nvSpPr>
+        <p:spPr>
+          <a:xfrm>
+            <a:off x="0" y="8685213"/>
+            <a:ext cx="2971800" cy="458787"/>
+          </a:xfrm>
+          <a:prstGeom prst="rect">
+            <a:avLst/>
+          </a:prstGeom>
+        </p:spPr>
+        <p:txBody>
+          <a:bodyPr vert="horz" lIns="91440" tIns="45720" rIns="91440" bIns="45720" rtlCol="0" anchor="b"/>
+          <a:lstStyle>
+            <a:lvl1pPr algn="l">
+              <a:defRPr sz="1200"/>
+            </a:lvl1pPr>
+          </a:lstStyle>
+          <a:p>
+            <a:endParaRPr lang="en-US"/>
+          </a:p>
+        </p:txBody>
+      </p:sp>
+      <p:sp>
+        <p:nvSpPr>
+          <p:cNvPr id="7" name="Slide Number Placeholder 6"/>
+          <p:cNvSpPr>
+            <a:spLocks noGrp="1"/>
+          </p:cNvSpPr>
+          <p:nvPr>
+            <p:ph type="sldNum" sz="quarter" idx="5"/>
+          </p:nvPr>
+        </p:nvSpPr>
+        <p:spPr>
+          <a:xfrm>
+            <a:off x="3884613" y="8685213"/>
+            <a:ext cx="2971800" cy="458787"/>
+          </a:xfrm>
+          <a:prstGeom prst="rect">
+            <a:avLst/>
+          </a:prstGeom>
+        </p:spPr>
+        <p:txBody>
+          <a:bodyPr vert="horz" lIns="91440" tIns="45720" rIns="91440" bIns="45720" rtlCol="0" anchor="b"/>
+          <a:lstStyle>
+            <a:lvl1pPr algn="r">
+              <a:defRPr sz="1200"/>
+            </a:lvl1pPr>
+          </a:lstStyle>
+          <a:p>
+            <a:fld id="{13D3A8C7-E744-BE4B-B82F-AA363EDDA744}" type="slidenum">
+              <a:rPr lang="en-US" smtClean="0"/>
+              <a:t>‹#›</a:t>
+            </a:fld>
+            <a:endParaRPr lang="en-US"/>
+          </a:p>
+        </p:txBody>
+      </p:sp>
+    </p:spTree>
+    <p:extLst>
+      <p:ext uri="{BB962C8B-B14F-4D97-AF65-F5344CB8AC3E}">
+        <p14:creationId xmlns:p14="http://schemas.microsoft.com/office/powerpoint/2010/main" val="3431617141"/>
+      </p:ext>
+    </p:extLst>
+  </p:cSld>
+  <p:clrMap bg1="lt1" tx1="dk1" bg2="lt2" tx2="dk2" accent1="accent1" accent2="accent2" accent3="accent3" accent4="accent4" accent5="accent5" accent6="accent6" hlink="hlink" folHlink="folHlink"/>
+  <p:notesStyle>
+    <a:lvl1pPr marL="0" algn="l" defTabSz="914400" rtl="0" eaLnBrk="1" latinLnBrk="0" hangingPunct="1">
+      <a:defRPr sz="1200" kern="1200">
+        <a:solidFill>
+          <a:schemeClr val="tx1"/>
+        </a:solidFill>
+        <a:latin typeface="+mn-lt"/>
+        <a:ea typeface="+mn-ea"/>
+        <a:cs typeface="+mn-cs"/>
+      </a:defRPr>
+    </a:lvl1pPr>
+    <a:lvl2pPr marL="457200" algn="l" defTabSz="914400" rtl="0" eaLnBrk="1" latinLnBrk="0" hangingPunct="1">
+      <a:defRPr sz="1200" kern="1200">
+        <a:solidFill>
+          <a:schemeClr val="tx1"/>
+        </a:solidFill>
+        <a:latin typeface="+mn-lt"/>
+        <a:ea typeface="+mn-ea"/>
+        <a:cs typeface="+mn-cs"/>
+      </a:defRPr>
+    </a:lvl2pPr>
+    <a:lvl3pPr marL="914400" algn="l" defTabSz="914400" rtl="0" eaLnBrk="1" latinLnBrk="0" hangingPunct="1">
+      <a:defRPr sz="1200" kern="1200">
+        <a:solidFill>
+          <a:schemeClr val="tx1"/>
+        </a:solidFill>
+        <a:latin typeface="+mn-lt"/>
+        <a:ea typeface="+mn-ea"/>
+        <a:cs typeface="+mn-cs"/>
+      </a:defRPr>
+    </a:lvl3pPr>
+    <a:lvl4pPr marL="1371600" algn="l" defTabSz="914400" rtl="0" eaLnBrk="1" latinLnBrk="0" hangingPunct="1">
+      <a:defRPr sz="1200" kern="1200">
+        <a:solidFill>
+          <a:schemeClr val="tx1"/>
+        </a:solidFill>
+        <a:latin typeface="+mn-lt"/>
+        <a:ea typeface="+mn-ea"/>
+        <a:cs typeface="+mn-cs"/>
+      </a:defRPr>
+    </a:lvl4pPr>
+    <a:lvl5pPr marL="1828800" algn="l" defTabSz="914400" rtl="0" eaLnBrk="1" latinLnBrk="0" hangingPunct="1">
+      <a:defRPr sz="1200" kern="1200">
+        <a:solidFill>
+          <a:schemeClr val="tx1"/>
+        </a:solidFill>
+        <a:latin typeface="+mn-lt"/>
+        <a:ea typeface="+mn-ea"/>
+        <a:cs typeface="+mn-cs"/>
+      </a:defRPr>
+    </a:lvl5pPr>
+    <a:lvl6pPr marL="2286000" algn="l" defTabSz="914400" rtl="0" eaLnBrk="1" latinLnBrk="0" hangingPunct="1">
+      <a:defRPr sz="1200" kern="1200">
+        <a:solidFill>
+          <a:schemeClr val="tx1"/>
+        </a:solidFill>
+        <a:latin typeface="+mn-lt"/>
+        <a:ea typeface="+mn-ea"/>
+        <a:cs typeface="+mn-cs"/>
+      </a:defRPr>
+    </a:lvl6pPr>
+    <a:lvl7pPr marL="2743200" algn="l" defTabSz="914400" rtl="0" eaLnBrk="1" latinLnBrk="0" hangingPunct="1">
+      <a:defRPr sz="1200" kern="1200">
+        <a:solidFill>
+          <a:schemeClr val="tx1"/>
+        </a:solidFill>
+        <a:latin typeface="+mn-lt"/>
+        <a:ea typeface="+mn-ea"/>
+        <a:cs typeface="+mn-cs"/>
+      </a:defRPr>
+    </a:lvl7pPr>
+    <a:lvl8pPr marL="3200400" algn="l" defTabSz="914400" rtl="0" eaLnBrk="1" latinLnBrk="0" hangingPunct="1">
+      <a:defRPr sz="1200" kern="1200">
+        <a:solidFill>
+          <a:schemeClr val="tx1"/>
+        </a:solidFill>
+        <a:latin typeface="+mn-lt"/>
+        <a:ea typeface="+mn-ea"/>
+        <a:cs typeface="+mn-cs"/>
+      </a:defRPr>
+    </a:lvl8pPr>
+    <a:lvl9pPr marL="3657600" algn="l" defTabSz="914400" rtl="0" eaLnBrk="1" latinLnBrk="0" hangingPunct="1">
+      <a:defRPr sz="1200" kern="1200">
+        <a:solidFill>
+          <a:schemeClr val="tx1"/>
+        </a:solidFill>
+        <a:latin typeface="+mn-lt"/>
+        <a:ea typeface="+mn-ea"/>
+        <a:cs typeface="+mn-cs"/>
+      </a:defRPr>
+    </a:lvl9pPr>
+  </p:notesStyle>
+</p:notesMaster>
+</file>
+
+<file path=ppt/notesSlides/notesSlide1.xml><?xml version="1.0" encoding="utf-8"?>
+<p:notes xmlns:a="http://schemas.openxmlformats.org/drawingml/2006/main" xmlns:r="http://schemas.openxmlformats.org/officeDocument/2006/relationships" xmlns:p="http://schemas.openxmlformats.org/presentationml/2006/main">
+  <p:cSld>
+    <p:spTree>
+      <p:nvGrpSpPr>
+        <p:cNvPr id="1" name=""/>
+        <p:cNvGrpSpPr/>
+        <p:nvPr/>
+      </p:nvGrpSpPr>
+      <p:grpSpPr>
+        <a:xfrm>
+          <a:off x="0" y="0"/>
+          <a:ext cx="0" cy="0"/>
+          <a:chOff x="0" y="0"/>
+          <a:chExt cx="0" cy="0"/>
+        </a:xfrm>
+      </p:grpSpPr>
+      <p:sp>
+        <p:nvSpPr>
+          <p:cNvPr id="2" name="Slide Image Placeholder 1"/>
+          <p:cNvSpPr>
+            <a:spLocks noGrp="1" noRot="1" noChangeAspect="1"/>
+          </p:cNvSpPr>
+          <p:nvPr>
+            <p:ph type="sldImg"/>
+          </p:nvPr>
+        </p:nvSpPr>
+        <p:spPr/>
+      </p:sp>
+      <p:sp>
+        <p:nvSpPr>
+          <p:cNvPr id="3" name="Notes Placeholder 2"/>
+          <p:cNvSpPr>
+            <a:spLocks noGrp="1"/>
+          </p:cNvSpPr>
+          <p:nvPr>
+            <p:ph type="body" idx="1"/>
+          </p:nvPr>
+        </p:nvSpPr>
+        <p:spPr/>
+        <p:txBody>
+          <a:bodyPr/>
+          <a:lstStyle/>
+          <a:p>
+            <a:pPr marL="171450" indent="-171450">
+              <a:buFontTx/>
+              <a:buChar char="-"/>
+            </a:pPr>
+            <a:r>
+              <a:rPr lang="en-US" dirty="0"/>
+              <a:t>Our clean up code had two functions (one for each individuals and one for candidates)</a:t>
+            </a:r>
+          </a:p>
+          <a:p>
+            <a:pPr marL="171450" indent="-171450">
+              <a:buFontTx/>
+              <a:buChar char="-"/>
+            </a:pPr>
+            <a:r>
+              <a:rPr lang="en-US" dirty="0"/>
+              <a:t>Came up with best (not perfect) separator put still had to split the columns up </a:t>
+            </a:r>
+          </a:p>
+          <a:p>
+            <a:pPr marL="171450" indent="-171450">
+              <a:buFontTx/>
+              <a:buChar char="-"/>
+            </a:pPr>
+            <a:r>
+              <a:rPr lang="en-US" dirty="0"/>
+              <a:t>In particular the individuals data set was the largest, before we really started to clean, took at only the CO individuals so we could work with a smaller data frame</a:t>
+            </a:r>
+          </a:p>
+          <a:p>
+            <a:pPr marL="171450" indent="-171450">
+              <a:buFontTx/>
+              <a:buChar char="-"/>
+            </a:pPr>
+            <a:r>
+              <a:rPr lang="en-US" dirty="0"/>
+              <a:t>Columns contained two or four characters, only wanted the first two </a:t>
+            </a:r>
+          </a:p>
+        </p:txBody>
+      </p:sp>
+      <p:sp>
+        <p:nvSpPr>
+          <p:cNvPr id="4" name="Slide Number Placeholder 3"/>
+          <p:cNvSpPr>
+            <a:spLocks noGrp="1"/>
+          </p:cNvSpPr>
+          <p:nvPr>
+            <p:ph type="sldNum" sz="quarter" idx="5"/>
+          </p:nvPr>
+        </p:nvSpPr>
+        <p:spPr/>
+        <p:txBody>
+          <a:bodyPr/>
+          <a:lstStyle/>
+          <a:p>
+            <a:fld id="{52E9993C-E3E5-C34E-95FA-14DF0976B55C}" type="slidenum">
+              <a:rPr lang="en-US" smtClean="0"/>
+              <a:t>5</a:t>
+            </a:fld>
+            <a:endParaRPr lang="en-US"/>
+          </a:p>
+        </p:txBody>
+      </p:sp>
+    </p:spTree>
+    <p:extLst>
+      <p:ext uri="{BB962C8B-B14F-4D97-AF65-F5344CB8AC3E}">
+        <p14:creationId xmlns:p14="http://schemas.microsoft.com/office/powerpoint/2010/main" val="2809192946"/>
+      </p:ext>
+    </p:extLst>
+  </p:cSld>
+  <p:clrMapOvr>
+    <a:masterClrMapping/>
+  </p:clrMapOvr>
+</p:notes>
 </file>
 
 <file path=ppt/slideLayouts/slideLayout1.xml><?xml version="1.0" encoding="utf-8"?>
@@ -5902,13 +6489,64 @@
           <a:p>
             <a:r>
               <a:rPr lang="en-US" dirty="0"/>
-              <a:t>Colorado’s Political </a:t>
+              <a:t>Colorado’s Political Landscape</a:t>
+            </a:r>
+            <a:br>
+              <a:rPr lang="en-US" dirty="0"/>
+            </a:br>
+            <a:r>
+              <a:rPr lang="en-US" sz="2000" u="sng" dirty="0">
+                <a:solidFill>
+                  <a:srgbClr val="0070C0"/>
+                </a:solidFill>
+              </a:rPr>
+              <a:t>https://</a:t>
             </a:r>
             <a:r>
-              <a:rPr lang="en-US" dirty="0" err="1"/>
-              <a:t>Landsacpe</a:t>
+              <a:rPr lang="en-US" sz="2000" u="sng" dirty="0" err="1">
+                <a:solidFill>
+                  <a:srgbClr val="0070C0"/>
+                </a:solidFill>
+              </a:rPr>
+              <a:t>github.com</a:t>
             </a:r>
-            <a:endParaRPr lang="en-US" dirty="0"/>
+            <a:r>
+              <a:rPr lang="en-US" sz="2000" u="sng" dirty="0">
+                <a:solidFill>
+                  <a:srgbClr val="0070C0"/>
+                </a:solidFill>
+              </a:rPr>
+              <a:t>/</a:t>
+            </a:r>
+            <a:r>
+              <a:rPr lang="en-US" sz="2000" u="sng" dirty="0" err="1">
+                <a:solidFill>
+                  <a:srgbClr val="0070C0"/>
+                </a:solidFill>
+              </a:rPr>
+              <a:t>dslachar</a:t>
+            </a:r>
+            <a:r>
+              <a:rPr lang="en-US" sz="2000" u="sng" dirty="0">
+                <a:solidFill>
+                  <a:srgbClr val="0070C0"/>
+                </a:solidFill>
+              </a:rPr>
+              <a:t>/</a:t>
+            </a:r>
+            <a:r>
+              <a:rPr lang="en-US" sz="2000" u="sng" dirty="0" err="1">
+                <a:solidFill>
+                  <a:srgbClr val="0070C0"/>
+                </a:solidFill>
+              </a:rPr>
+              <a:t>analysis_of_crp_data</a:t>
+            </a:r>
+            <a:endParaRPr lang="en-US" sz="2000" u="sng" dirty="0">
+              <a:solidFill>
+                <a:srgbClr val="0070C0"/>
+              </a:solidFill>
+            </a:endParaRPr>
           </a:p>
         </p:txBody>
       </p:sp>
@@ -5931,44 +6569,129 @@
         <p:spPr>
           <a:xfrm>
             <a:off x="1507067" y="2723838"/>
-            <a:ext cx="7766936" cy="1646302"/>
+            <a:ext cx="7766936" cy="2130550"/>
           </a:xfrm>
         </p:spPr>
         <p:txBody>
           <a:bodyPr>
-            <a:normAutofit/>
+            <a:noAutofit/>
           </a:bodyPr>
           <a:lstStyle/>
           <a:p>
+            <a:endParaRPr lang="en-US" sz="2800" dirty="0"/>
+          </a:p>
+          <a:p>
             <a:r>
-              <a:rPr lang="en-US" sz="2800" dirty="0"/>
+              <a:rPr lang="en-US" sz="2800" dirty="0">
+                <a:solidFill>
+                  <a:schemeClr val="tx1"/>
+                </a:solidFill>
+              </a:rPr>
               <a:t>Samantha </a:t>
             </a:r>
             <a:r>
-              <a:rPr lang="en-US" sz="2800" dirty="0" err="1"/>
+              <a:rPr lang="en-US" sz="2800" dirty="0" err="1">
+                <a:solidFill>
+                  <a:schemeClr val="tx1"/>
+                </a:solidFill>
+              </a:rPr>
               <a:t>Werdel</a:t>
             </a:r>
-            <a:endParaRPr lang="en-US" sz="2800" dirty="0"/>
+            <a:endParaRPr lang="en-US" sz="2800" dirty="0">
+              <a:solidFill>
+                <a:schemeClr val="tx1"/>
+              </a:solidFill>
+            </a:endParaRPr>
           </a:p>
           <a:p>
             <a:r>
-              <a:rPr lang="en-US" sz="2800" dirty="0"/>
+              <a:rPr lang="en-US" sz="2800" dirty="0">
+                <a:solidFill>
+                  <a:schemeClr val="tx1"/>
+                </a:solidFill>
+              </a:rPr>
               <a:t>Dave Palazzo</a:t>
             </a:r>
           </a:p>
           <a:p>
             <a:r>
-              <a:rPr lang="en-US" sz="2800" dirty="0"/>
+              <a:rPr lang="en-US" sz="2800" dirty="0">
+                <a:solidFill>
+                  <a:schemeClr val="tx1"/>
+                </a:solidFill>
+              </a:rPr>
               <a:t>David </a:t>
             </a:r>
             <a:r>
-              <a:rPr lang="en-US" sz="2800" dirty="0" err="1"/>
+              <a:rPr lang="en-US" sz="2800" dirty="0" err="1">
+                <a:solidFill>
+                  <a:schemeClr val="tx1"/>
+                </a:solidFill>
+              </a:rPr>
               <a:t>LaCharite</a:t>
             </a:r>
-            <a:endParaRPr lang="en-US" sz="2800" dirty="0"/>
+            <a:endParaRPr lang="en-US" sz="2800" dirty="0">
+              <a:solidFill>
+                <a:schemeClr val="tx1"/>
+              </a:solidFill>
+            </a:endParaRPr>
           </a:p>
         </p:txBody>
       </p:sp>
+      <p:pic>
+        <p:nvPicPr>
+          <p:cNvPr id="5" name="Picture 4" descr="A view of a city&#10;&#10;Description automatically generated">
+            <a:extLst>
+              <a:ext uri="{FF2B5EF4-FFF2-40B4-BE49-F238E27FC236}">
+                <a16:creationId xmlns:a16="http://schemas.microsoft.com/office/drawing/2014/main" id="{2E0C583E-4D08-924E-B6E7-EF3B41840AF4}"/>
+              </a:ext>
+            </a:extLst>
+          </p:cNvPr>
+          <p:cNvPicPr>
+            <a:picLocks noChangeAspect="1"/>
+          </p:cNvPicPr>
+          <p:nvPr/>
+        </p:nvPicPr>
+        <p:blipFill>
+          <a:blip r:embed="rId2"/>
+          <a:stretch>
+            <a:fillRect/>
+          </a:stretch>
+        </p:blipFill>
+        <p:spPr>
+          <a:xfrm>
+            <a:off x="560130" y="2723838"/>
+            <a:ext cx="5535870" cy="3792071"/>
+          </a:xfrm>
+          <a:prstGeom prst="ellipse">
+            <a:avLst/>
+          </a:prstGeom>
+          <a:ln w="63500" cap="rnd">
+            <a:solidFill>
+              <a:srgbClr val="333333"/>
+            </a:solidFill>
+          </a:ln>
+          <a:effectLst>
+            <a:outerShdw blurRad="381000" dist="292100" dir="5400000" sx="-80000" sy="-18000" rotWithShape="0">
+              <a:srgbClr val="000000">
+                <a:alpha val="22000"/>
+              </a:srgbClr>
+            </a:outerShdw>
+          </a:effectLst>
+          <a:scene3d>
+            <a:camera prst="orthographicFront"/>
+            <a:lightRig rig="contrasting" dir="t">
+              <a:rot lat="0" lon="0" rev="3000000"/>
+            </a:lightRig>
+          </a:scene3d>
+          <a:sp3d contourW="7620">
+            <a:bevelT w="95250" h="31750"/>
+            <a:contourClr>
+              <a:srgbClr val="333333"/>
+            </a:contourClr>
+          </a:sp3d>
+        </p:spPr>
+      </p:pic>
     </p:spTree>
     <p:extLst>
       <p:ext uri="{BB962C8B-B14F-4D97-AF65-F5344CB8AC3E}">
@@ -7506,8 +8229,8 @@
         </p:blipFill>
         <p:spPr>
           <a:xfrm>
-            <a:off x="1942742" y="1185150"/>
-            <a:ext cx="8308393" cy="4484072"/>
+            <a:off x="1942742" y="1157661"/>
+            <a:ext cx="8308393" cy="4539053"/>
           </a:xfrm>
           <a:prstGeom prst="rect">
             <a:avLst/>
@@ -7552,7 +8275,7 @@
             <a:pPr algn="ctr"/>
             <a:r>
               <a:rPr lang="en-US" sz="2400" dirty="0"/>
-              <a:t>2000</a:t>
+              <a:t>1996</a:t>
             </a:r>
             <a:r>
               <a:rPr lang="en-US" dirty="0"/>
@@ -7564,7 +8287,7 @@
     </p:spTree>
     <p:extLst>
       <p:ext uri="{BB962C8B-B14F-4D97-AF65-F5344CB8AC3E}">
-        <p14:creationId xmlns:p14="http://schemas.microsoft.com/office/powerpoint/2010/main" val="4091447532"/>
+        <p14:creationId xmlns:p14="http://schemas.microsoft.com/office/powerpoint/2010/main" val="3825872773"/>
       </p:ext>
     </p:extLst>
   </p:cSld>
@@ -9098,8 +9821,8 @@
         </p:blipFill>
         <p:spPr>
           <a:xfrm>
-            <a:off x="1942742" y="1146341"/>
-            <a:ext cx="8308393" cy="4561692"/>
+            <a:off x="1942742" y="1185150"/>
+            <a:ext cx="8308393" cy="4484072"/>
           </a:xfrm>
           <a:prstGeom prst="rect">
             <a:avLst/>
@@ -9144,7 +9867,7 @@
             <a:pPr algn="ctr"/>
             <a:r>
               <a:rPr lang="en-US" sz="2400" dirty="0"/>
-              <a:t>2004</a:t>
+              <a:t>2000</a:t>
             </a:r>
             <a:r>
               <a:rPr lang="en-US" dirty="0"/>
@@ -9156,7 +9879,7 @@
     </p:spTree>
     <p:extLst>
       <p:ext uri="{BB962C8B-B14F-4D97-AF65-F5344CB8AC3E}">
-        <p14:creationId xmlns:p14="http://schemas.microsoft.com/office/powerpoint/2010/main" val="2141671908"/>
+        <p14:creationId xmlns:p14="http://schemas.microsoft.com/office/powerpoint/2010/main" val="4091447532"/>
       </p:ext>
     </p:extLst>
   </p:cSld>
@@ -10690,8 +11413,8 @@
         </p:blipFill>
         <p:spPr>
           <a:xfrm>
-            <a:off x="1942742" y="1173493"/>
-            <a:ext cx="8308393" cy="4507387"/>
+            <a:off x="1942742" y="1146341"/>
+            <a:ext cx="8308393" cy="4561692"/>
           </a:xfrm>
           <a:prstGeom prst="rect">
             <a:avLst/>
@@ -10736,7 +11459,7 @@
             <a:pPr algn="ctr"/>
             <a:r>
               <a:rPr lang="en-US" sz="2400" dirty="0"/>
-              <a:t>2008</a:t>
+              <a:t>2004</a:t>
             </a:r>
             <a:r>
               <a:rPr lang="en-US" dirty="0"/>
@@ -10748,7 +11471,7 @@
     </p:spTree>
     <p:extLst>
       <p:ext uri="{BB962C8B-B14F-4D97-AF65-F5344CB8AC3E}">
-        <p14:creationId xmlns:p14="http://schemas.microsoft.com/office/powerpoint/2010/main" val="1100822720"/>
+        <p14:creationId xmlns:p14="http://schemas.microsoft.com/office/powerpoint/2010/main" val="2141671908"/>
       </p:ext>
     </p:extLst>
   </p:cSld>
@@ -12282,8 +13005,8 @@
         </p:blipFill>
         <p:spPr>
           <a:xfrm>
-            <a:off x="1942742" y="1160748"/>
-            <a:ext cx="8308393" cy="4532878"/>
+            <a:off x="1942742" y="1173493"/>
+            <a:ext cx="8308393" cy="4507387"/>
           </a:xfrm>
           <a:prstGeom prst="rect">
             <a:avLst/>
@@ -12328,7 +13051,7 @@
             <a:pPr algn="ctr"/>
             <a:r>
               <a:rPr lang="en-US" sz="2400" dirty="0"/>
-              <a:t>2012</a:t>
+              <a:t>2008</a:t>
             </a:r>
             <a:r>
               <a:rPr lang="en-US" dirty="0"/>
@@ -12340,7 +13063,7 @@
     </p:spTree>
     <p:extLst>
       <p:ext uri="{BB962C8B-B14F-4D97-AF65-F5344CB8AC3E}">
-        <p14:creationId xmlns:p14="http://schemas.microsoft.com/office/powerpoint/2010/main" val="2808981348"/>
+        <p14:creationId xmlns:p14="http://schemas.microsoft.com/office/powerpoint/2010/main" val="1100822720"/>
       </p:ext>
     </p:extLst>
   </p:cSld>
@@ -13874,6 +14597,1598 @@
         </p:blipFill>
         <p:spPr>
           <a:xfrm>
+            <a:off x="1942742" y="1160748"/>
+            <a:ext cx="8308393" cy="4532878"/>
+          </a:xfrm>
+          <a:prstGeom prst="rect">
+            <a:avLst/>
+          </a:prstGeom>
+        </p:spPr>
+      </p:pic>
+      <p:sp>
+        <p:nvSpPr>
+          <p:cNvPr id="6" name="TextBox 5">
+            <a:extLst>
+              <a:ext uri="{FF2B5EF4-FFF2-40B4-BE49-F238E27FC236}">
+                <a16:creationId xmlns:a16="http://schemas.microsoft.com/office/drawing/2014/main" id="{9B833DF5-00C9-DD41-9E78-F689CB28F99E}"/>
+              </a:ext>
+            </a:extLst>
+          </p:cNvPr>
+          <p:cNvSpPr txBox="1"/>
+          <p:nvPr/>
+        </p:nvSpPr>
+        <p:spPr>
+          <a:xfrm>
+            <a:off x="1211498" y="539565"/>
+            <a:ext cx="8512368" cy="830997"/>
+          </a:xfrm>
+          <a:prstGeom prst="rect">
+            <a:avLst/>
+          </a:prstGeom>
+          <a:noFill/>
+        </p:spPr>
+        <p:txBody>
+          <a:bodyPr wrap="square" rtlCol="0">
+            <a:spAutoFit/>
+          </a:bodyPr>
+          <a:lstStyle/>
+          <a:p>
+            <a:pPr algn="ctr"/>
+            <a:r>
+              <a:rPr lang="en-US" sz="2400" dirty="0"/>
+              <a:t>Colorado Net Democratic Political Contributions by County </a:t>
+            </a:r>
+          </a:p>
+          <a:p>
+            <a:pPr algn="ctr"/>
+            <a:r>
+              <a:rPr lang="en-US" sz="2400" dirty="0"/>
+              <a:t>2012</a:t>
+            </a:r>
+            <a:r>
+              <a:rPr lang="en-US" dirty="0"/>
+              <a:t> </a:t>
+            </a:r>
+          </a:p>
+        </p:txBody>
+      </p:sp>
+    </p:spTree>
+    <p:extLst>
+      <p:ext uri="{BB962C8B-B14F-4D97-AF65-F5344CB8AC3E}">
+        <p14:creationId xmlns:p14="http://schemas.microsoft.com/office/powerpoint/2010/main" val="2808981348"/>
+      </p:ext>
+    </p:extLst>
+  </p:cSld>
+  <p:clrMapOvr>
+    <a:masterClrMapping/>
+  </p:clrMapOvr>
+</p:sld>
+</file>
+
+<file path=ppt/slides/slide15.xml><?xml version="1.0" encoding="utf-8"?>
+<p:sld xmlns:a="http://schemas.openxmlformats.org/drawingml/2006/main" xmlns:r="http://schemas.openxmlformats.org/officeDocument/2006/relationships" xmlns:p="http://schemas.openxmlformats.org/presentationml/2006/main">
+  <p:cSld>
+    <p:bg>
+      <p:bgPr>
+        <a:solidFill>
+          <a:schemeClr val="bg2"/>
+        </a:solidFill>
+        <a:effectLst/>
+      </p:bgPr>
+    </p:bg>
+    <p:spTree>
+      <p:nvGrpSpPr>
+        <p:cNvPr id="1" name=""/>
+        <p:cNvGrpSpPr/>
+        <p:nvPr/>
+      </p:nvGrpSpPr>
+      <p:grpSpPr>
+        <a:xfrm>
+          <a:off x="0" y="0"/>
+          <a:ext cx="0" cy="0"/>
+          <a:chOff x="0" y="0"/>
+          <a:chExt cx="0" cy="0"/>
+        </a:xfrm>
+      </p:grpSpPr>
+      <p:grpSp>
+        <p:nvGrpSpPr>
+          <p:cNvPr id="10" name="Group 9">
+            <a:extLst>
+              <a:ext uri="{FF2B5EF4-FFF2-40B4-BE49-F238E27FC236}">
+                <a16:creationId xmlns:a16="http://schemas.microsoft.com/office/drawing/2014/main" id="{5F054EF5-EFE6-45A2-834C-0F0931F39F1E}"/>
+              </a:ext>
+              <a:ext uri="{C183D7F6-B498-43B3-948B-1728B52AA6E4}">
+                <adec:decorative xmlns:adec="http://schemas.microsoft.com/office/drawing/2017/decorative" val="1"/>
+              </a:ext>
+            </a:extLst>
+          </p:cNvPr>
+          <p:cNvGrpSpPr>
+            <a:grpSpLocks noGrp="1" noUngrp="1" noRot="1" noChangeAspect="1" noMove="1" noResize="1"/>
+          </p:cNvGrpSpPr>
+          <p:nvPr>
+            <p:extLst>
+              <p:ext uri="{386F3935-93C4-4BCD-93E2-E3B085C9AB24}">
+                <p16:designElem xmlns:p16="http://schemas.microsoft.com/office/powerpoint/2015/main" val="1"/>
+              </p:ext>
+            </p:extLst>
+          </p:nvPr>
+        </p:nvGrpSpPr>
+        <p:grpSpPr>
+          <a:xfrm>
+            <a:off x="0" y="-8467"/>
+            <a:ext cx="12192000" cy="6866467"/>
+            <a:chOff x="0" y="-8467"/>
+            <a:chExt cx="12192000" cy="6866467"/>
+          </a:xfrm>
+        </p:grpSpPr>
+        <p:cxnSp>
+          <p:nvCxnSpPr>
+            <p:cNvPr id="11" name="Straight Connector 10">
+              <a:extLst>
+                <a:ext uri="{FF2B5EF4-FFF2-40B4-BE49-F238E27FC236}">
+                  <a16:creationId xmlns:a16="http://schemas.microsoft.com/office/drawing/2014/main" id="{CFE3C88A-FEDB-4B9C-94EE-5026B326B3EB}"/>
+                </a:ext>
+                <a:ext uri="{C183D7F6-B498-43B3-948B-1728B52AA6E4}">
+                  <adec:decorative xmlns:adec="http://schemas.microsoft.com/office/drawing/2017/decorative" val="1"/>
+                </a:ext>
+              </a:extLst>
+            </p:cNvPr>
+            <p:cNvCxnSpPr/>
+            <p:nvPr>
+              <p:extLst>
+                <p:ext uri="{386F3935-93C4-4BCD-93E2-E3B085C9AB24}">
+                  <p16:designElem xmlns:p16="http://schemas.microsoft.com/office/powerpoint/2015/main" val="1"/>
+                </p:ext>
+              </p:extLst>
+            </p:nvPr>
+          </p:nvCxnSpPr>
+          <p:spPr>
+            <a:xfrm>
+              <a:off x="9371012" y="0"/>
+              <a:ext cx="1219200" cy="6858000"/>
+            </a:xfrm>
+            <a:prstGeom prst="line">
+              <a:avLst/>
+            </a:prstGeom>
+            <a:ln w="9525">
+              <a:solidFill>
+                <a:schemeClr val="bg1">
+                  <a:lumMod val="85000"/>
+                  <a:lumOff val="15000"/>
+                </a:schemeClr>
+              </a:solidFill>
+            </a:ln>
+          </p:spPr>
+          <p:style>
+            <a:lnRef idx="2">
+              <a:schemeClr val="accent1"/>
+            </a:lnRef>
+            <a:fillRef idx="0">
+              <a:schemeClr val="accent1"/>
+            </a:fillRef>
+            <a:effectRef idx="1">
+              <a:schemeClr val="accent1"/>
+            </a:effectRef>
+            <a:fontRef idx="minor">
+              <a:schemeClr val="tx1"/>
+            </a:fontRef>
+          </p:style>
+        </p:cxnSp>
+        <p:cxnSp>
+          <p:nvCxnSpPr>
+            <p:cNvPr id="12" name="Straight Connector 11">
+              <a:extLst>
+                <a:ext uri="{FF2B5EF4-FFF2-40B4-BE49-F238E27FC236}">
+                  <a16:creationId xmlns:a16="http://schemas.microsoft.com/office/drawing/2014/main" id="{B5D51D9B-0E7C-44D3-9215-81F9915232E9}"/>
+                </a:ext>
+                <a:ext uri="{C183D7F6-B498-43B3-948B-1728B52AA6E4}">
+                  <adec:decorative xmlns:adec="http://schemas.microsoft.com/office/drawing/2017/decorative" val="1"/>
+                </a:ext>
+              </a:extLst>
+            </p:cNvPr>
+            <p:cNvCxnSpPr/>
+            <p:nvPr>
+              <p:extLst>
+                <p:ext uri="{386F3935-93C4-4BCD-93E2-E3B085C9AB24}">
+                  <p16:designElem xmlns:p16="http://schemas.microsoft.com/office/powerpoint/2015/main" val="1"/>
+                </p:ext>
+              </p:extLst>
+            </p:nvPr>
+          </p:nvCxnSpPr>
+          <p:spPr>
+            <a:xfrm flipH="1">
+              <a:off x="7425267" y="3681413"/>
+              <a:ext cx="4763558" cy="3176587"/>
+            </a:xfrm>
+            <a:prstGeom prst="line">
+              <a:avLst/>
+            </a:prstGeom>
+            <a:ln w="9525">
+              <a:solidFill>
+                <a:schemeClr val="bg1">
+                  <a:lumMod val="85000"/>
+                  <a:lumOff val="15000"/>
+                </a:schemeClr>
+              </a:solidFill>
+            </a:ln>
+          </p:spPr>
+          <p:style>
+            <a:lnRef idx="2">
+              <a:schemeClr val="accent1"/>
+            </a:lnRef>
+            <a:fillRef idx="0">
+              <a:schemeClr val="accent1"/>
+            </a:fillRef>
+            <a:effectRef idx="1">
+              <a:schemeClr val="accent1"/>
+            </a:effectRef>
+            <a:fontRef idx="minor">
+              <a:schemeClr val="tx1"/>
+            </a:fontRef>
+          </p:style>
+        </p:cxnSp>
+        <p:sp>
+          <p:nvSpPr>
+            <p:cNvPr id="13" name="Rectangle 23">
+              <a:extLst>
+                <a:ext uri="{FF2B5EF4-FFF2-40B4-BE49-F238E27FC236}">
+                  <a16:creationId xmlns:a16="http://schemas.microsoft.com/office/drawing/2014/main" id="{16EFB339-1D4E-4824-A20B-AF30D07CF73A}"/>
+                </a:ext>
+                <a:ext uri="{C183D7F6-B498-43B3-948B-1728B52AA6E4}">
+                  <adec:decorative xmlns:adec="http://schemas.microsoft.com/office/drawing/2017/decorative" val="1"/>
+                </a:ext>
+              </a:extLst>
+            </p:cNvPr>
+            <p:cNvSpPr/>
+            <p:nvPr>
+              <p:extLst>
+                <p:ext uri="{386F3935-93C4-4BCD-93E2-E3B085C9AB24}">
+                  <p16:designElem xmlns:p16="http://schemas.microsoft.com/office/powerpoint/2015/main" val="1"/>
+                </p:ext>
+              </p:extLst>
+            </p:nvPr>
+          </p:nvSpPr>
+          <p:spPr>
+            <a:xfrm>
+              <a:off x="9181476" y="-8467"/>
+              <a:ext cx="3007349" cy="6866467"/>
+            </a:xfrm>
+            <a:custGeom>
+              <a:avLst/>
+              <a:gdLst/>
+              <a:ahLst/>
+              <a:cxnLst/>
+              <a:rect l="l" t="t" r="r" b="b"/>
+              <a:pathLst>
+                <a:path w="3007349" h="6866467">
+                  <a:moveTo>
+                    <a:pt x="2045532" y="0"/>
+                  </a:moveTo>
+                  <a:lnTo>
+                    <a:pt x="3007349" y="0"/>
+                  </a:lnTo>
+                  <a:lnTo>
+                    <a:pt x="3007349" y="6866467"/>
+                  </a:lnTo>
+                  <a:lnTo>
+                    <a:pt x="0" y="6866467"/>
+                  </a:lnTo>
+                  <a:lnTo>
+                    <a:pt x="2045532" y="0"/>
+                  </a:lnTo>
+                  <a:close/>
+                </a:path>
+              </a:pathLst>
+            </a:custGeom>
+            <a:solidFill>
+              <a:schemeClr val="accent1">
+                <a:alpha val="30000"/>
+              </a:schemeClr>
+            </a:solidFill>
+            <a:ln>
+              <a:noFill/>
+            </a:ln>
+            <a:effectLst/>
+          </p:spPr>
+          <p:style>
+            <a:lnRef idx="1">
+              <a:schemeClr val="accent1"/>
+            </a:lnRef>
+            <a:fillRef idx="3">
+              <a:schemeClr val="accent1"/>
+            </a:fillRef>
+            <a:effectRef idx="2">
+              <a:schemeClr val="accent1"/>
+            </a:effectRef>
+            <a:fontRef idx="minor">
+              <a:schemeClr val="lt1"/>
+            </a:fontRef>
+          </p:style>
+        </p:sp>
+        <p:sp>
+          <p:nvSpPr>
+            <p:cNvPr id="14" name="Rectangle 25">
+              <a:extLst>
+                <a:ext uri="{FF2B5EF4-FFF2-40B4-BE49-F238E27FC236}">
+                  <a16:creationId xmlns:a16="http://schemas.microsoft.com/office/drawing/2014/main" id="{00030831-8136-4C61-8F00-6F190C5AEBEA}"/>
+                </a:ext>
+                <a:ext uri="{C183D7F6-B498-43B3-948B-1728B52AA6E4}">
+                  <adec:decorative xmlns:adec="http://schemas.microsoft.com/office/drawing/2017/decorative" val="1"/>
+                </a:ext>
+              </a:extLst>
+            </p:cNvPr>
+            <p:cNvSpPr/>
+            <p:nvPr>
+              <p:extLst>
+                <p:ext uri="{386F3935-93C4-4BCD-93E2-E3B085C9AB24}">
+                  <p16:designElem xmlns:p16="http://schemas.microsoft.com/office/powerpoint/2015/main" val="1"/>
+                </p:ext>
+              </p:extLst>
+            </p:nvPr>
+          </p:nvSpPr>
+          <p:spPr>
+            <a:xfrm>
+              <a:off x="9603442" y="-8467"/>
+              <a:ext cx="2588558" cy="6866467"/>
+            </a:xfrm>
+            <a:custGeom>
+              <a:avLst/>
+              <a:gdLst/>
+              <a:ahLst/>
+              <a:cxnLst/>
+              <a:rect l="l" t="t" r="r" b="b"/>
+              <a:pathLst>
+                <a:path w="2573311" h="6866467">
+                  <a:moveTo>
+                    <a:pt x="0" y="0"/>
+                  </a:moveTo>
+                  <a:lnTo>
+                    <a:pt x="2573311" y="0"/>
+                  </a:lnTo>
+                  <a:lnTo>
+                    <a:pt x="2573311" y="6866467"/>
+                  </a:lnTo>
+                  <a:lnTo>
+                    <a:pt x="1202336" y="6866467"/>
+                  </a:lnTo>
+                  <a:lnTo>
+                    <a:pt x="0" y="0"/>
+                  </a:lnTo>
+                  <a:close/>
+                </a:path>
+              </a:pathLst>
+            </a:custGeom>
+            <a:solidFill>
+              <a:schemeClr val="accent1">
+                <a:alpha val="20000"/>
+              </a:schemeClr>
+            </a:solidFill>
+            <a:ln>
+              <a:noFill/>
+            </a:ln>
+            <a:effectLst/>
+          </p:spPr>
+          <p:style>
+            <a:lnRef idx="1">
+              <a:schemeClr val="accent1"/>
+            </a:lnRef>
+            <a:fillRef idx="3">
+              <a:schemeClr val="accent1"/>
+            </a:fillRef>
+            <a:effectRef idx="2">
+              <a:schemeClr val="accent1"/>
+            </a:effectRef>
+            <a:fontRef idx="minor">
+              <a:schemeClr val="lt1"/>
+            </a:fontRef>
+          </p:style>
+        </p:sp>
+        <p:sp>
+          <p:nvSpPr>
+            <p:cNvPr id="15" name="Isosceles Triangle 14">
+              <a:extLst>
+                <a:ext uri="{FF2B5EF4-FFF2-40B4-BE49-F238E27FC236}">
+                  <a16:creationId xmlns:a16="http://schemas.microsoft.com/office/drawing/2014/main" id="{9B14B360-4798-467E-ADE9-756959EC521D}"/>
+                </a:ext>
+                <a:ext uri="{C183D7F6-B498-43B3-948B-1728B52AA6E4}">
+                  <adec:decorative xmlns:adec="http://schemas.microsoft.com/office/drawing/2017/decorative" val="1"/>
+                </a:ext>
+              </a:extLst>
+            </p:cNvPr>
+            <p:cNvSpPr/>
+            <p:nvPr>
+              <p:extLst>
+                <p:ext uri="{386F3935-93C4-4BCD-93E2-E3B085C9AB24}">
+                  <p16:designElem xmlns:p16="http://schemas.microsoft.com/office/powerpoint/2015/main" val="1"/>
+                </p:ext>
+              </p:extLst>
+            </p:nvPr>
+          </p:nvSpPr>
+          <p:spPr>
+            <a:xfrm>
+              <a:off x="8932333" y="3048000"/>
+              <a:ext cx="3259667" cy="3810000"/>
+            </a:xfrm>
+            <a:prstGeom prst="triangle">
+              <a:avLst>
+                <a:gd name="adj" fmla="val 100000"/>
+              </a:avLst>
+            </a:prstGeom>
+            <a:solidFill>
+              <a:schemeClr val="accent2">
+                <a:alpha val="72000"/>
+              </a:schemeClr>
+            </a:solidFill>
+            <a:ln>
+              <a:noFill/>
+            </a:ln>
+            <a:effectLst/>
+          </p:spPr>
+          <p:style>
+            <a:lnRef idx="1">
+              <a:schemeClr val="accent1"/>
+            </a:lnRef>
+            <a:fillRef idx="3">
+              <a:schemeClr val="accent1"/>
+            </a:fillRef>
+            <a:effectRef idx="2">
+              <a:schemeClr val="accent1"/>
+            </a:effectRef>
+            <a:fontRef idx="minor">
+              <a:schemeClr val="lt1"/>
+            </a:fontRef>
+          </p:style>
+        </p:sp>
+        <p:sp>
+          <p:nvSpPr>
+            <p:cNvPr id="16" name="Rectangle 27">
+              <a:extLst>
+                <a:ext uri="{FF2B5EF4-FFF2-40B4-BE49-F238E27FC236}">
+                  <a16:creationId xmlns:a16="http://schemas.microsoft.com/office/drawing/2014/main" id="{9433F2F7-DA21-430A-A31C-D529D9C6A186}"/>
+                </a:ext>
+                <a:ext uri="{C183D7F6-B498-43B3-948B-1728B52AA6E4}">
+                  <adec:decorative xmlns:adec="http://schemas.microsoft.com/office/drawing/2017/decorative" val="1"/>
+                </a:ext>
+              </a:extLst>
+            </p:cNvPr>
+            <p:cNvSpPr/>
+            <p:nvPr>
+              <p:extLst>
+                <p:ext uri="{386F3935-93C4-4BCD-93E2-E3B085C9AB24}">
+                  <p16:designElem xmlns:p16="http://schemas.microsoft.com/office/powerpoint/2015/main" val="1"/>
+                </p:ext>
+              </p:extLst>
+            </p:nvPr>
+          </p:nvSpPr>
+          <p:spPr>
+            <a:xfrm>
+              <a:off x="9334500" y="-8467"/>
+              <a:ext cx="2854326" cy="6866467"/>
+            </a:xfrm>
+            <a:custGeom>
+              <a:avLst/>
+              <a:gdLst/>
+              <a:ahLst/>
+              <a:cxnLst/>
+              <a:rect l="l" t="t" r="r" b="b"/>
+              <a:pathLst>
+                <a:path w="2858013" h="6866467">
+                  <a:moveTo>
+                    <a:pt x="0" y="0"/>
+                  </a:moveTo>
+                  <a:lnTo>
+                    <a:pt x="2858013" y="0"/>
+                  </a:lnTo>
+                  <a:lnTo>
+                    <a:pt x="2858013" y="6866467"/>
+                  </a:lnTo>
+                  <a:lnTo>
+                    <a:pt x="2473942" y="6866467"/>
+                  </a:lnTo>
+                  <a:lnTo>
+                    <a:pt x="0" y="0"/>
+                  </a:lnTo>
+                  <a:close/>
+                </a:path>
+              </a:pathLst>
+            </a:custGeom>
+            <a:solidFill>
+              <a:schemeClr val="accent2">
+                <a:lumMod val="75000"/>
+                <a:alpha val="70000"/>
+              </a:schemeClr>
+            </a:solidFill>
+            <a:ln>
+              <a:noFill/>
+            </a:ln>
+            <a:effectLst/>
+          </p:spPr>
+          <p:style>
+            <a:lnRef idx="1">
+              <a:schemeClr val="accent1"/>
+            </a:lnRef>
+            <a:fillRef idx="3">
+              <a:schemeClr val="accent1"/>
+            </a:fillRef>
+            <a:effectRef idx="2">
+              <a:schemeClr val="accent1"/>
+            </a:effectRef>
+            <a:fontRef idx="minor">
+              <a:schemeClr val="lt1"/>
+            </a:fontRef>
+          </p:style>
+        </p:sp>
+        <p:sp>
+          <p:nvSpPr>
+            <p:cNvPr id="17" name="Rectangle 28">
+              <a:extLst>
+                <a:ext uri="{FF2B5EF4-FFF2-40B4-BE49-F238E27FC236}">
+                  <a16:creationId xmlns:a16="http://schemas.microsoft.com/office/drawing/2014/main" id="{0B24FFF9-F75D-4A88-90F8-D2D7BBB8E89E}"/>
+                </a:ext>
+                <a:ext uri="{C183D7F6-B498-43B3-948B-1728B52AA6E4}">
+                  <adec:decorative xmlns:adec="http://schemas.microsoft.com/office/drawing/2017/decorative" val="1"/>
+                </a:ext>
+              </a:extLst>
+            </p:cNvPr>
+            <p:cNvSpPr/>
+            <p:nvPr>
+              <p:extLst>
+                <p:ext uri="{386F3935-93C4-4BCD-93E2-E3B085C9AB24}">
+                  <p16:designElem xmlns:p16="http://schemas.microsoft.com/office/powerpoint/2015/main" val="1"/>
+                </p:ext>
+              </p:extLst>
+            </p:nvPr>
+          </p:nvSpPr>
+          <p:spPr>
+            <a:xfrm>
+              <a:off x="10898730" y="-8467"/>
+              <a:ext cx="1290094" cy="6866467"/>
+            </a:xfrm>
+            <a:custGeom>
+              <a:avLst/>
+              <a:gdLst/>
+              <a:ahLst/>
+              <a:cxnLst/>
+              <a:rect l="l" t="t" r="r" b="b"/>
+              <a:pathLst>
+                <a:path w="1290094" h="6858000">
+                  <a:moveTo>
+                    <a:pt x="1019735" y="0"/>
+                  </a:moveTo>
+                  <a:lnTo>
+                    <a:pt x="1290094" y="0"/>
+                  </a:lnTo>
+                  <a:lnTo>
+                    <a:pt x="1290094" y="6858000"/>
+                  </a:lnTo>
+                  <a:lnTo>
+                    <a:pt x="0" y="6858000"/>
+                  </a:lnTo>
+                  <a:lnTo>
+                    <a:pt x="1019735" y="0"/>
+                  </a:lnTo>
+                  <a:close/>
+                </a:path>
+              </a:pathLst>
+            </a:custGeom>
+            <a:solidFill>
+              <a:schemeClr val="accent1">
+                <a:lumMod val="60000"/>
+                <a:lumOff val="40000"/>
+                <a:alpha val="70000"/>
+              </a:schemeClr>
+            </a:solidFill>
+            <a:ln>
+              <a:noFill/>
+            </a:ln>
+            <a:effectLst/>
+          </p:spPr>
+          <p:style>
+            <a:lnRef idx="1">
+              <a:schemeClr val="accent1"/>
+            </a:lnRef>
+            <a:fillRef idx="3">
+              <a:schemeClr val="accent1"/>
+            </a:fillRef>
+            <a:effectRef idx="2">
+              <a:schemeClr val="accent1"/>
+            </a:effectRef>
+            <a:fontRef idx="minor">
+              <a:schemeClr val="lt1"/>
+            </a:fontRef>
+          </p:style>
+        </p:sp>
+        <p:sp>
+          <p:nvSpPr>
+            <p:cNvPr id="18" name="Rectangle 29">
+              <a:extLst>
+                <a:ext uri="{FF2B5EF4-FFF2-40B4-BE49-F238E27FC236}">
+                  <a16:creationId xmlns:a16="http://schemas.microsoft.com/office/drawing/2014/main" id="{A0A2A2C4-404D-431C-8F9A-227932A42E45}"/>
+                </a:ext>
+                <a:ext uri="{C183D7F6-B498-43B3-948B-1728B52AA6E4}">
+                  <adec:decorative xmlns:adec="http://schemas.microsoft.com/office/drawing/2017/decorative" val="1"/>
+                </a:ext>
+              </a:extLst>
+            </p:cNvPr>
+            <p:cNvSpPr/>
+            <p:nvPr>
+              <p:extLst>
+                <p:ext uri="{386F3935-93C4-4BCD-93E2-E3B085C9AB24}">
+                  <p16:designElem xmlns:p16="http://schemas.microsoft.com/office/powerpoint/2015/main" val="1"/>
+                </p:ext>
+              </p:extLst>
+            </p:nvPr>
+          </p:nvSpPr>
+          <p:spPr>
+            <a:xfrm>
+              <a:off x="10938999" y="-8467"/>
+              <a:ext cx="1249825" cy="6866467"/>
+            </a:xfrm>
+            <a:custGeom>
+              <a:avLst/>
+              <a:gdLst/>
+              <a:ahLst/>
+              <a:cxnLst/>
+              <a:rect l="l" t="t" r="r" b="b"/>
+              <a:pathLst>
+                <a:path w="1249825" h="6858000">
+                  <a:moveTo>
+                    <a:pt x="0" y="0"/>
+                  </a:moveTo>
+                  <a:lnTo>
+                    <a:pt x="1249825" y="0"/>
+                  </a:lnTo>
+                  <a:lnTo>
+                    <a:pt x="1249825" y="6858000"/>
+                  </a:lnTo>
+                  <a:lnTo>
+                    <a:pt x="1109382" y="6858000"/>
+                  </a:lnTo>
+                  <a:lnTo>
+                    <a:pt x="0" y="0"/>
+                  </a:lnTo>
+                  <a:close/>
+                </a:path>
+              </a:pathLst>
+            </a:custGeom>
+            <a:solidFill>
+              <a:schemeClr val="accent1">
+                <a:alpha val="65000"/>
+              </a:schemeClr>
+            </a:solidFill>
+            <a:ln>
+              <a:noFill/>
+            </a:ln>
+            <a:effectLst/>
+          </p:spPr>
+          <p:style>
+            <a:lnRef idx="1">
+              <a:schemeClr val="accent1"/>
+            </a:lnRef>
+            <a:fillRef idx="3">
+              <a:schemeClr val="accent1"/>
+            </a:fillRef>
+            <a:effectRef idx="2">
+              <a:schemeClr val="accent1"/>
+            </a:effectRef>
+            <a:fontRef idx="minor">
+              <a:schemeClr val="lt1"/>
+            </a:fontRef>
+          </p:style>
+        </p:sp>
+        <p:sp>
+          <p:nvSpPr>
+            <p:cNvPr id="19" name="Isosceles Triangle 18">
+              <a:extLst>
+                <a:ext uri="{FF2B5EF4-FFF2-40B4-BE49-F238E27FC236}">
+                  <a16:creationId xmlns:a16="http://schemas.microsoft.com/office/drawing/2014/main" id="{4661DBE2-1BC5-463F-BBB8-199B890D1C4E}"/>
+                </a:ext>
+                <a:ext uri="{C183D7F6-B498-43B3-948B-1728B52AA6E4}">
+                  <adec:decorative xmlns:adec="http://schemas.microsoft.com/office/drawing/2017/decorative" val="1"/>
+                </a:ext>
+              </a:extLst>
+            </p:cNvPr>
+            <p:cNvSpPr/>
+            <p:nvPr>
+              <p:extLst>
+                <p:ext uri="{386F3935-93C4-4BCD-93E2-E3B085C9AB24}">
+                  <p16:designElem xmlns:p16="http://schemas.microsoft.com/office/powerpoint/2015/main" val="1"/>
+                </p:ext>
+              </p:extLst>
+            </p:nvPr>
+          </p:nvSpPr>
+          <p:spPr>
+            <a:xfrm>
+              <a:off x="10371666" y="3589867"/>
+              <a:ext cx="1817159" cy="3268133"/>
+            </a:xfrm>
+            <a:prstGeom prst="triangle">
+              <a:avLst>
+                <a:gd name="adj" fmla="val 100000"/>
+              </a:avLst>
+            </a:prstGeom>
+            <a:solidFill>
+              <a:schemeClr val="accent1">
+                <a:alpha val="80000"/>
+              </a:schemeClr>
+            </a:solidFill>
+            <a:ln>
+              <a:noFill/>
+            </a:ln>
+            <a:effectLst/>
+          </p:spPr>
+          <p:style>
+            <a:lnRef idx="1">
+              <a:schemeClr val="accent1"/>
+            </a:lnRef>
+            <a:fillRef idx="3">
+              <a:schemeClr val="accent1"/>
+            </a:fillRef>
+            <a:effectRef idx="2">
+              <a:schemeClr val="accent1"/>
+            </a:effectRef>
+            <a:fontRef idx="minor">
+              <a:schemeClr val="lt1"/>
+            </a:fontRef>
+          </p:style>
+        </p:sp>
+        <p:sp>
+          <p:nvSpPr>
+            <p:cNvPr id="20" name="Isosceles Triangle 19">
+              <a:extLst>
+                <a:ext uri="{FF2B5EF4-FFF2-40B4-BE49-F238E27FC236}">
+                  <a16:creationId xmlns:a16="http://schemas.microsoft.com/office/drawing/2014/main" id="{710A6E70-F0B9-4E3D-9A78-2D2FEE5DF3C5}"/>
+                </a:ext>
+                <a:ext uri="{C183D7F6-B498-43B3-948B-1728B52AA6E4}">
+                  <adec:decorative xmlns:adec="http://schemas.microsoft.com/office/drawing/2017/decorative" val="1"/>
+                </a:ext>
+              </a:extLst>
+            </p:cNvPr>
+            <p:cNvSpPr/>
+            <p:nvPr>
+              <p:extLst>
+                <p:ext uri="{386F3935-93C4-4BCD-93E2-E3B085C9AB24}">
+                  <p16:designElem xmlns:p16="http://schemas.microsoft.com/office/powerpoint/2015/main" val="1"/>
+                </p:ext>
+              </p:extLst>
+            </p:nvPr>
+          </p:nvSpPr>
+          <p:spPr>
+            <a:xfrm>
+              <a:off x="0" y="4013200"/>
+              <a:ext cx="448733" cy="2844800"/>
+            </a:xfrm>
+            <a:prstGeom prst="triangle">
+              <a:avLst>
+                <a:gd name="adj" fmla="val 0"/>
+              </a:avLst>
+            </a:prstGeom>
+            <a:solidFill>
+              <a:schemeClr val="accent1">
+                <a:alpha val="85000"/>
+              </a:schemeClr>
+            </a:solidFill>
+            <a:ln>
+              <a:noFill/>
+            </a:ln>
+            <a:effectLst/>
+          </p:spPr>
+          <p:style>
+            <a:lnRef idx="1">
+              <a:schemeClr val="accent1"/>
+            </a:lnRef>
+            <a:fillRef idx="3">
+              <a:schemeClr val="accent1"/>
+            </a:fillRef>
+            <a:effectRef idx="2">
+              <a:schemeClr val="accent1"/>
+            </a:effectRef>
+            <a:fontRef idx="minor">
+              <a:schemeClr val="lt1"/>
+            </a:fontRef>
+          </p:style>
+        </p:sp>
+      </p:grpSp>
+      <p:sp>
+        <p:nvSpPr>
+          <p:cNvPr id="22" name="Rectangle 21">
+            <a:extLst>
+              <a:ext uri="{FF2B5EF4-FFF2-40B4-BE49-F238E27FC236}">
+                <a16:creationId xmlns:a16="http://schemas.microsoft.com/office/drawing/2014/main" id="{03E8462A-FEBA-4848-81CC-3F8DA3E477BE}"/>
+              </a:ext>
+              <a:ext uri="{C183D7F6-B498-43B3-948B-1728B52AA6E4}">
+                <adec:decorative xmlns:adec="http://schemas.microsoft.com/office/drawing/2017/decorative" val="1"/>
+              </a:ext>
+            </a:extLst>
+          </p:cNvPr>
+          <p:cNvSpPr>
+            <a:spLocks noGrp="1" noRot="1" noChangeAspect="1" noMove="1" noResize="1" noEditPoints="1" noAdjustHandles="1" noChangeArrowheads="1" noChangeShapeType="1" noTextEdit="1"/>
+          </p:cNvSpPr>
+          <p:nvPr>
+            <p:extLst>
+              <p:ext uri="{386F3935-93C4-4BCD-93E2-E3B085C9AB24}">
+                <p16:designElem xmlns:p16="http://schemas.microsoft.com/office/powerpoint/2015/main" val="1"/>
+              </p:ext>
+            </p:extLst>
+          </p:nvPr>
+        </p:nvSpPr>
+        <p:spPr>
+          <a:xfrm>
+            <a:off x="0" y="0"/>
+            <a:ext cx="12188952" cy="6858000"/>
+          </a:xfrm>
+          <a:prstGeom prst="rect">
+            <a:avLst/>
+          </a:prstGeom>
+          <a:solidFill>
+            <a:schemeClr val="accent2"/>
+          </a:solidFill>
+          <a:ln>
+            <a:noFill/>
+          </a:ln>
+        </p:spPr>
+        <p:style>
+          <a:lnRef idx="2">
+            <a:schemeClr val="accent1">
+              <a:shade val="50000"/>
+            </a:schemeClr>
+          </a:lnRef>
+          <a:fillRef idx="1">
+            <a:schemeClr val="accent1"/>
+          </a:fillRef>
+          <a:effectRef idx="0">
+            <a:schemeClr val="accent1"/>
+          </a:effectRef>
+          <a:fontRef idx="minor">
+            <a:schemeClr val="lt1"/>
+          </a:fontRef>
+        </p:style>
+        <p:txBody>
+          <a:bodyPr rtlCol="0" anchor="ctr"/>
+          <a:lstStyle/>
+          <a:p>
+            <a:pPr algn="ctr"/>
+            <a:endParaRPr lang="en-US"/>
+          </a:p>
+        </p:txBody>
+      </p:sp>
+      <p:grpSp>
+        <p:nvGrpSpPr>
+          <p:cNvPr id="24" name="Group 23">
+            <a:extLst>
+              <a:ext uri="{FF2B5EF4-FFF2-40B4-BE49-F238E27FC236}">
+                <a16:creationId xmlns:a16="http://schemas.microsoft.com/office/drawing/2014/main" id="{2109F83F-40FE-4DB3-84CC-09FB3340D06D}"/>
+              </a:ext>
+              <a:ext uri="{C183D7F6-B498-43B3-948B-1728B52AA6E4}">
+                <adec:decorative xmlns:adec="http://schemas.microsoft.com/office/drawing/2017/decorative" val="1"/>
+              </a:ext>
+            </a:extLst>
+          </p:cNvPr>
+          <p:cNvGrpSpPr>
+            <a:grpSpLocks noGrp="1" noUngrp="1" noRot="1" noChangeAspect="1" noMove="1" noResize="1"/>
+          </p:cNvGrpSpPr>
+          <p:nvPr>
+            <p:extLst>
+              <p:ext uri="{386F3935-93C4-4BCD-93E2-E3B085C9AB24}">
+                <p16:designElem xmlns:p16="http://schemas.microsoft.com/office/powerpoint/2015/main" val="1"/>
+              </p:ext>
+            </p:extLst>
+          </p:nvPr>
+        </p:nvGrpSpPr>
+        <p:grpSpPr>
+          <a:xfrm>
+            <a:off x="0" y="-8467"/>
+            <a:ext cx="12192000" cy="6866467"/>
+            <a:chOff x="0" y="-8467"/>
+            <a:chExt cx="12192000" cy="6866467"/>
+          </a:xfrm>
+        </p:grpSpPr>
+        <p:cxnSp>
+          <p:nvCxnSpPr>
+            <p:cNvPr id="25" name="Straight Connector 24">
+              <a:extLst>
+                <a:ext uri="{FF2B5EF4-FFF2-40B4-BE49-F238E27FC236}">
+                  <a16:creationId xmlns:a16="http://schemas.microsoft.com/office/drawing/2014/main" id="{1DE492D7-C3C3-48FF-80C8-37021EA0262F}"/>
+                </a:ext>
+                <a:ext uri="{C183D7F6-B498-43B3-948B-1728B52AA6E4}">
+                  <adec:decorative xmlns:adec="http://schemas.microsoft.com/office/drawing/2017/decorative" val="1"/>
+                </a:ext>
+              </a:extLst>
+            </p:cNvPr>
+            <p:cNvCxnSpPr/>
+            <p:nvPr>
+              <p:extLst>
+                <p:ext uri="{386F3935-93C4-4BCD-93E2-E3B085C9AB24}">
+                  <p16:designElem xmlns:p16="http://schemas.microsoft.com/office/powerpoint/2015/main" val="1"/>
+                </p:ext>
+              </p:extLst>
+            </p:nvPr>
+          </p:nvCxnSpPr>
+          <p:spPr>
+            <a:xfrm flipH="1">
+              <a:off x="7425267" y="3681413"/>
+              <a:ext cx="4763558" cy="3176587"/>
+            </a:xfrm>
+            <a:prstGeom prst="line">
+              <a:avLst/>
+            </a:prstGeom>
+            <a:ln w="9525">
+              <a:solidFill>
+                <a:schemeClr val="bg1">
+                  <a:lumMod val="85000"/>
+                </a:schemeClr>
+              </a:solidFill>
+            </a:ln>
+          </p:spPr>
+          <p:style>
+            <a:lnRef idx="2">
+              <a:schemeClr val="accent1"/>
+            </a:lnRef>
+            <a:fillRef idx="0">
+              <a:schemeClr val="accent1"/>
+            </a:fillRef>
+            <a:effectRef idx="1">
+              <a:schemeClr val="accent1"/>
+            </a:effectRef>
+            <a:fontRef idx="minor">
+              <a:schemeClr val="tx1"/>
+            </a:fontRef>
+          </p:style>
+        </p:cxnSp>
+        <p:sp>
+          <p:nvSpPr>
+            <p:cNvPr id="26" name="Rectangle 23">
+              <a:extLst>
+                <a:ext uri="{FF2B5EF4-FFF2-40B4-BE49-F238E27FC236}">
+                  <a16:creationId xmlns:a16="http://schemas.microsoft.com/office/drawing/2014/main" id="{0B30FF97-2E9A-490A-AED2-90BA2E0EC17F}"/>
+                </a:ext>
+                <a:ext uri="{C183D7F6-B498-43B3-948B-1728B52AA6E4}">
+                  <adec:decorative xmlns:adec="http://schemas.microsoft.com/office/drawing/2017/decorative" val="1"/>
+                </a:ext>
+              </a:extLst>
+            </p:cNvPr>
+            <p:cNvSpPr/>
+            <p:nvPr>
+              <p:extLst>
+                <p:ext uri="{386F3935-93C4-4BCD-93E2-E3B085C9AB24}">
+                  <p16:designElem xmlns:p16="http://schemas.microsoft.com/office/powerpoint/2015/main" val="1"/>
+                </p:ext>
+              </p:extLst>
+            </p:nvPr>
+          </p:nvSpPr>
+          <p:spPr>
+            <a:xfrm>
+              <a:off x="9181476" y="-8467"/>
+              <a:ext cx="3007349" cy="6866467"/>
+            </a:xfrm>
+            <a:custGeom>
+              <a:avLst/>
+              <a:gdLst/>
+              <a:ahLst/>
+              <a:cxnLst/>
+              <a:rect l="l" t="t" r="r" b="b"/>
+              <a:pathLst>
+                <a:path w="3007349" h="6866467">
+                  <a:moveTo>
+                    <a:pt x="2045532" y="0"/>
+                  </a:moveTo>
+                  <a:lnTo>
+                    <a:pt x="3007349" y="0"/>
+                  </a:lnTo>
+                  <a:lnTo>
+                    <a:pt x="3007349" y="6866467"/>
+                  </a:lnTo>
+                  <a:lnTo>
+                    <a:pt x="0" y="6866467"/>
+                  </a:lnTo>
+                  <a:lnTo>
+                    <a:pt x="2045532" y="0"/>
+                  </a:lnTo>
+                  <a:close/>
+                </a:path>
+              </a:pathLst>
+            </a:custGeom>
+            <a:solidFill>
+              <a:schemeClr val="accent1">
+                <a:alpha val="30000"/>
+              </a:schemeClr>
+            </a:solidFill>
+            <a:ln>
+              <a:noFill/>
+            </a:ln>
+            <a:effectLst/>
+          </p:spPr>
+          <p:style>
+            <a:lnRef idx="1">
+              <a:schemeClr val="accent1"/>
+            </a:lnRef>
+            <a:fillRef idx="3">
+              <a:schemeClr val="accent1"/>
+            </a:fillRef>
+            <a:effectRef idx="2">
+              <a:schemeClr val="accent1"/>
+            </a:effectRef>
+            <a:fontRef idx="minor">
+              <a:schemeClr val="lt1"/>
+            </a:fontRef>
+          </p:style>
+        </p:sp>
+        <p:sp>
+          <p:nvSpPr>
+            <p:cNvPr id="27" name="Rectangle 25">
+              <a:extLst>
+                <a:ext uri="{FF2B5EF4-FFF2-40B4-BE49-F238E27FC236}">
+                  <a16:creationId xmlns:a16="http://schemas.microsoft.com/office/drawing/2014/main" id="{B6D53C7D-A312-47B6-A66A-230A19CFACA6}"/>
+                </a:ext>
+                <a:ext uri="{C183D7F6-B498-43B3-948B-1728B52AA6E4}">
+                  <adec:decorative xmlns:adec="http://schemas.microsoft.com/office/drawing/2017/decorative" val="1"/>
+                </a:ext>
+              </a:extLst>
+            </p:cNvPr>
+            <p:cNvSpPr/>
+            <p:nvPr>
+              <p:extLst>
+                <p:ext uri="{386F3935-93C4-4BCD-93E2-E3B085C9AB24}">
+                  <p16:designElem xmlns:p16="http://schemas.microsoft.com/office/powerpoint/2015/main" val="1"/>
+                </p:ext>
+              </p:extLst>
+            </p:nvPr>
+          </p:nvSpPr>
+          <p:spPr>
+            <a:xfrm>
+              <a:off x="9603442" y="-8467"/>
+              <a:ext cx="2588558" cy="6866467"/>
+            </a:xfrm>
+            <a:custGeom>
+              <a:avLst/>
+              <a:gdLst/>
+              <a:ahLst/>
+              <a:cxnLst/>
+              <a:rect l="l" t="t" r="r" b="b"/>
+              <a:pathLst>
+                <a:path w="2573311" h="6866467">
+                  <a:moveTo>
+                    <a:pt x="0" y="0"/>
+                  </a:moveTo>
+                  <a:lnTo>
+                    <a:pt x="2573311" y="0"/>
+                  </a:lnTo>
+                  <a:lnTo>
+                    <a:pt x="2573311" y="6866467"/>
+                  </a:lnTo>
+                  <a:lnTo>
+                    <a:pt x="1202336" y="6866467"/>
+                  </a:lnTo>
+                  <a:lnTo>
+                    <a:pt x="0" y="0"/>
+                  </a:lnTo>
+                  <a:close/>
+                </a:path>
+              </a:pathLst>
+            </a:custGeom>
+            <a:solidFill>
+              <a:schemeClr val="accent1">
+                <a:alpha val="20000"/>
+              </a:schemeClr>
+            </a:solidFill>
+            <a:ln>
+              <a:noFill/>
+            </a:ln>
+            <a:effectLst/>
+          </p:spPr>
+          <p:style>
+            <a:lnRef idx="1">
+              <a:schemeClr val="accent1"/>
+            </a:lnRef>
+            <a:fillRef idx="3">
+              <a:schemeClr val="accent1"/>
+            </a:fillRef>
+            <a:effectRef idx="2">
+              <a:schemeClr val="accent1"/>
+            </a:effectRef>
+            <a:fontRef idx="minor">
+              <a:schemeClr val="lt1"/>
+            </a:fontRef>
+          </p:style>
+        </p:sp>
+        <p:sp>
+          <p:nvSpPr>
+            <p:cNvPr id="28" name="Isosceles Triangle 27">
+              <a:extLst>
+                <a:ext uri="{FF2B5EF4-FFF2-40B4-BE49-F238E27FC236}">
+                  <a16:creationId xmlns:a16="http://schemas.microsoft.com/office/drawing/2014/main" id="{9329D58C-0D2E-4A2B-AD6A-9CEE506784A8}"/>
+                </a:ext>
+                <a:ext uri="{C183D7F6-B498-43B3-948B-1728B52AA6E4}">
+                  <adec:decorative xmlns:adec="http://schemas.microsoft.com/office/drawing/2017/decorative" val="1"/>
+                </a:ext>
+              </a:extLst>
+            </p:cNvPr>
+            <p:cNvSpPr/>
+            <p:nvPr>
+              <p:extLst>
+                <p:ext uri="{386F3935-93C4-4BCD-93E2-E3B085C9AB24}">
+                  <p16:designElem xmlns:p16="http://schemas.microsoft.com/office/powerpoint/2015/main" val="1"/>
+                </p:ext>
+              </p:extLst>
+            </p:nvPr>
+          </p:nvSpPr>
+          <p:spPr>
+            <a:xfrm>
+              <a:off x="8932333" y="3048000"/>
+              <a:ext cx="3259667" cy="3810000"/>
+            </a:xfrm>
+            <a:prstGeom prst="triangle">
+              <a:avLst>
+                <a:gd name="adj" fmla="val 100000"/>
+              </a:avLst>
+            </a:prstGeom>
+            <a:solidFill>
+              <a:schemeClr val="accent2">
+                <a:alpha val="72000"/>
+              </a:schemeClr>
+            </a:solidFill>
+            <a:ln>
+              <a:noFill/>
+            </a:ln>
+            <a:effectLst/>
+          </p:spPr>
+          <p:style>
+            <a:lnRef idx="1">
+              <a:schemeClr val="accent1"/>
+            </a:lnRef>
+            <a:fillRef idx="3">
+              <a:schemeClr val="accent1"/>
+            </a:fillRef>
+            <a:effectRef idx="2">
+              <a:schemeClr val="accent1"/>
+            </a:effectRef>
+            <a:fontRef idx="minor">
+              <a:schemeClr val="lt1"/>
+            </a:fontRef>
+          </p:style>
+        </p:sp>
+        <p:sp>
+          <p:nvSpPr>
+            <p:cNvPr id="29" name="Rectangle 27">
+              <a:extLst>
+                <a:ext uri="{FF2B5EF4-FFF2-40B4-BE49-F238E27FC236}">
+                  <a16:creationId xmlns:a16="http://schemas.microsoft.com/office/drawing/2014/main" id="{9D446EDE-C690-4461-8BF2-7634808FC8B4}"/>
+                </a:ext>
+                <a:ext uri="{C183D7F6-B498-43B3-948B-1728B52AA6E4}">
+                  <adec:decorative xmlns:adec="http://schemas.microsoft.com/office/drawing/2017/decorative" val="1"/>
+                </a:ext>
+              </a:extLst>
+            </p:cNvPr>
+            <p:cNvSpPr/>
+            <p:nvPr>
+              <p:extLst>
+                <p:ext uri="{386F3935-93C4-4BCD-93E2-E3B085C9AB24}">
+                  <p16:designElem xmlns:p16="http://schemas.microsoft.com/office/powerpoint/2015/main" val="1"/>
+                </p:ext>
+              </p:extLst>
+            </p:nvPr>
+          </p:nvSpPr>
+          <p:spPr>
+            <a:xfrm>
+              <a:off x="9334500" y="-8467"/>
+              <a:ext cx="2854326" cy="6866467"/>
+            </a:xfrm>
+            <a:custGeom>
+              <a:avLst/>
+              <a:gdLst/>
+              <a:ahLst/>
+              <a:cxnLst/>
+              <a:rect l="l" t="t" r="r" b="b"/>
+              <a:pathLst>
+                <a:path w="2858013" h="6866467">
+                  <a:moveTo>
+                    <a:pt x="0" y="0"/>
+                  </a:moveTo>
+                  <a:lnTo>
+                    <a:pt x="2858013" y="0"/>
+                  </a:lnTo>
+                  <a:lnTo>
+                    <a:pt x="2858013" y="6866467"/>
+                  </a:lnTo>
+                  <a:lnTo>
+                    <a:pt x="2473942" y="6866467"/>
+                  </a:lnTo>
+                  <a:lnTo>
+                    <a:pt x="0" y="0"/>
+                  </a:lnTo>
+                  <a:close/>
+                </a:path>
+              </a:pathLst>
+            </a:custGeom>
+            <a:solidFill>
+              <a:schemeClr val="accent2">
+                <a:lumMod val="75000"/>
+                <a:alpha val="70000"/>
+              </a:schemeClr>
+            </a:solidFill>
+            <a:ln>
+              <a:noFill/>
+            </a:ln>
+            <a:effectLst/>
+          </p:spPr>
+          <p:style>
+            <a:lnRef idx="1">
+              <a:schemeClr val="accent1"/>
+            </a:lnRef>
+            <a:fillRef idx="3">
+              <a:schemeClr val="accent1"/>
+            </a:fillRef>
+            <a:effectRef idx="2">
+              <a:schemeClr val="accent1"/>
+            </a:effectRef>
+            <a:fontRef idx="minor">
+              <a:schemeClr val="lt1"/>
+            </a:fontRef>
+          </p:style>
+        </p:sp>
+        <p:sp>
+          <p:nvSpPr>
+            <p:cNvPr id="30" name="Rectangle 28">
+              <a:extLst>
+                <a:ext uri="{FF2B5EF4-FFF2-40B4-BE49-F238E27FC236}">
+                  <a16:creationId xmlns:a16="http://schemas.microsoft.com/office/drawing/2014/main" id="{323F3D34-6531-4AD7-A8C6-195A090281A1}"/>
+                </a:ext>
+                <a:ext uri="{C183D7F6-B498-43B3-948B-1728B52AA6E4}">
+                  <adec:decorative xmlns:adec="http://schemas.microsoft.com/office/drawing/2017/decorative" val="1"/>
+                </a:ext>
+              </a:extLst>
+            </p:cNvPr>
+            <p:cNvSpPr/>
+            <p:nvPr>
+              <p:extLst>
+                <p:ext uri="{386F3935-93C4-4BCD-93E2-E3B085C9AB24}">
+                  <p16:designElem xmlns:p16="http://schemas.microsoft.com/office/powerpoint/2015/main" val="1"/>
+                </p:ext>
+              </p:extLst>
+            </p:nvPr>
+          </p:nvSpPr>
+          <p:spPr>
+            <a:xfrm>
+              <a:off x="10898730" y="-8467"/>
+              <a:ext cx="1290094" cy="6866467"/>
+            </a:xfrm>
+            <a:custGeom>
+              <a:avLst/>
+              <a:gdLst/>
+              <a:ahLst/>
+              <a:cxnLst/>
+              <a:rect l="l" t="t" r="r" b="b"/>
+              <a:pathLst>
+                <a:path w="1290094" h="6858000">
+                  <a:moveTo>
+                    <a:pt x="1019735" y="0"/>
+                  </a:moveTo>
+                  <a:lnTo>
+                    <a:pt x="1290094" y="0"/>
+                  </a:lnTo>
+                  <a:lnTo>
+                    <a:pt x="1290094" y="6858000"/>
+                  </a:lnTo>
+                  <a:lnTo>
+                    <a:pt x="0" y="6858000"/>
+                  </a:lnTo>
+                  <a:lnTo>
+                    <a:pt x="1019735" y="0"/>
+                  </a:lnTo>
+                  <a:close/>
+                </a:path>
+              </a:pathLst>
+            </a:custGeom>
+            <a:solidFill>
+              <a:schemeClr val="accent1">
+                <a:lumMod val="60000"/>
+                <a:lumOff val="40000"/>
+                <a:alpha val="70000"/>
+              </a:schemeClr>
+            </a:solidFill>
+            <a:ln>
+              <a:noFill/>
+            </a:ln>
+            <a:effectLst/>
+          </p:spPr>
+          <p:style>
+            <a:lnRef idx="1">
+              <a:schemeClr val="accent1"/>
+            </a:lnRef>
+            <a:fillRef idx="3">
+              <a:schemeClr val="accent1"/>
+            </a:fillRef>
+            <a:effectRef idx="2">
+              <a:schemeClr val="accent1"/>
+            </a:effectRef>
+            <a:fontRef idx="minor">
+              <a:schemeClr val="lt1"/>
+            </a:fontRef>
+          </p:style>
+        </p:sp>
+        <p:sp>
+          <p:nvSpPr>
+            <p:cNvPr id="31" name="Rectangle 29">
+              <a:extLst>
+                <a:ext uri="{FF2B5EF4-FFF2-40B4-BE49-F238E27FC236}">
+                  <a16:creationId xmlns:a16="http://schemas.microsoft.com/office/drawing/2014/main" id="{B9B0AE3F-2350-435F-A9B0-C310BF876385}"/>
+                </a:ext>
+                <a:ext uri="{C183D7F6-B498-43B3-948B-1728B52AA6E4}">
+                  <adec:decorative xmlns:adec="http://schemas.microsoft.com/office/drawing/2017/decorative" val="1"/>
+                </a:ext>
+              </a:extLst>
+            </p:cNvPr>
+            <p:cNvSpPr/>
+            <p:nvPr>
+              <p:extLst>
+                <p:ext uri="{386F3935-93C4-4BCD-93E2-E3B085C9AB24}">
+                  <p16:designElem xmlns:p16="http://schemas.microsoft.com/office/powerpoint/2015/main" val="1"/>
+                </p:ext>
+              </p:extLst>
+            </p:nvPr>
+          </p:nvSpPr>
+          <p:spPr>
+            <a:xfrm>
+              <a:off x="10938999" y="-8467"/>
+              <a:ext cx="1249825" cy="6866467"/>
+            </a:xfrm>
+            <a:custGeom>
+              <a:avLst/>
+              <a:gdLst/>
+              <a:ahLst/>
+              <a:cxnLst/>
+              <a:rect l="l" t="t" r="r" b="b"/>
+              <a:pathLst>
+                <a:path w="1249825" h="6858000">
+                  <a:moveTo>
+                    <a:pt x="0" y="0"/>
+                  </a:moveTo>
+                  <a:lnTo>
+                    <a:pt x="1249825" y="0"/>
+                  </a:lnTo>
+                  <a:lnTo>
+                    <a:pt x="1249825" y="6858000"/>
+                  </a:lnTo>
+                  <a:lnTo>
+                    <a:pt x="1109382" y="6858000"/>
+                  </a:lnTo>
+                  <a:lnTo>
+                    <a:pt x="0" y="0"/>
+                  </a:lnTo>
+                  <a:close/>
+                </a:path>
+              </a:pathLst>
+            </a:custGeom>
+            <a:solidFill>
+              <a:schemeClr val="accent1">
+                <a:alpha val="65000"/>
+              </a:schemeClr>
+            </a:solidFill>
+            <a:ln>
+              <a:noFill/>
+            </a:ln>
+            <a:effectLst/>
+          </p:spPr>
+          <p:style>
+            <a:lnRef idx="1">
+              <a:schemeClr val="accent1"/>
+            </a:lnRef>
+            <a:fillRef idx="3">
+              <a:schemeClr val="accent1"/>
+            </a:fillRef>
+            <a:effectRef idx="2">
+              <a:schemeClr val="accent1"/>
+            </a:effectRef>
+            <a:fontRef idx="minor">
+              <a:schemeClr val="lt1"/>
+            </a:fontRef>
+          </p:style>
+        </p:sp>
+        <p:sp>
+          <p:nvSpPr>
+            <p:cNvPr id="32" name="Isosceles Triangle 31">
+              <a:extLst>
+                <a:ext uri="{FF2B5EF4-FFF2-40B4-BE49-F238E27FC236}">
+                  <a16:creationId xmlns:a16="http://schemas.microsoft.com/office/drawing/2014/main" id="{4EFA655C-9E50-4C14-A89E-AD7B648E4E2B}"/>
+                </a:ext>
+                <a:ext uri="{C183D7F6-B498-43B3-948B-1728B52AA6E4}">
+                  <adec:decorative xmlns:adec="http://schemas.microsoft.com/office/drawing/2017/decorative" val="1"/>
+                </a:ext>
+              </a:extLst>
+            </p:cNvPr>
+            <p:cNvSpPr/>
+            <p:nvPr>
+              <p:extLst>
+                <p:ext uri="{386F3935-93C4-4BCD-93E2-E3B085C9AB24}">
+                  <p16:designElem xmlns:p16="http://schemas.microsoft.com/office/powerpoint/2015/main" val="1"/>
+                </p:ext>
+              </p:extLst>
+            </p:nvPr>
+          </p:nvSpPr>
+          <p:spPr>
+            <a:xfrm>
+              <a:off x="10371666" y="3589867"/>
+              <a:ext cx="1817159" cy="3268133"/>
+            </a:xfrm>
+            <a:prstGeom prst="triangle">
+              <a:avLst>
+                <a:gd name="adj" fmla="val 100000"/>
+              </a:avLst>
+            </a:prstGeom>
+            <a:solidFill>
+              <a:schemeClr val="accent1">
+                <a:alpha val="80000"/>
+              </a:schemeClr>
+            </a:solidFill>
+            <a:ln>
+              <a:noFill/>
+            </a:ln>
+            <a:effectLst/>
+          </p:spPr>
+          <p:style>
+            <a:lnRef idx="1">
+              <a:schemeClr val="accent1"/>
+            </a:lnRef>
+            <a:fillRef idx="3">
+              <a:schemeClr val="accent1"/>
+            </a:fillRef>
+            <a:effectRef idx="2">
+              <a:schemeClr val="accent1"/>
+            </a:effectRef>
+            <a:fontRef idx="minor">
+              <a:schemeClr val="lt1"/>
+            </a:fontRef>
+          </p:style>
+        </p:sp>
+        <p:sp>
+          <p:nvSpPr>
+            <p:cNvPr id="33" name="Isosceles Triangle 32">
+              <a:extLst>
+                <a:ext uri="{FF2B5EF4-FFF2-40B4-BE49-F238E27FC236}">
+                  <a16:creationId xmlns:a16="http://schemas.microsoft.com/office/drawing/2014/main" id="{3E843863-7D25-4C01-9A17-E817CB6D998A}"/>
+                </a:ext>
+                <a:ext uri="{C183D7F6-B498-43B3-948B-1728B52AA6E4}">
+                  <adec:decorative xmlns:adec="http://schemas.microsoft.com/office/drawing/2017/decorative" val="1"/>
+                </a:ext>
+              </a:extLst>
+            </p:cNvPr>
+            <p:cNvSpPr/>
+            <p:nvPr>
+              <p:extLst>
+                <p:ext uri="{386F3935-93C4-4BCD-93E2-E3B085C9AB24}">
+                  <p16:designElem xmlns:p16="http://schemas.microsoft.com/office/powerpoint/2015/main" val="1"/>
+                </p:ext>
+              </p:extLst>
+            </p:nvPr>
+          </p:nvSpPr>
+          <p:spPr>
+            <a:xfrm>
+              <a:off x="0" y="4013200"/>
+              <a:ext cx="448733" cy="2844800"/>
+            </a:xfrm>
+            <a:prstGeom prst="triangle">
+              <a:avLst>
+                <a:gd name="adj" fmla="val 0"/>
+              </a:avLst>
+            </a:prstGeom>
+            <a:solidFill>
+              <a:schemeClr val="accent1">
+                <a:alpha val="85000"/>
+              </a:schemeClr>
+            </a:solidFill>
+            <a:ln>
+              <a:noFill/>
+            </a:ln>
+            <a:effectLst/>
+          </p:spPr>
+          <p:style>
+            <a:lnRef idx="1">
+              <a:schemeClr val="accent1"/>
+            </a:lnRef>
+            <a:fillRef idx="3">
+              <a:schemeClr val="accent1"/>
+            </a:fillRef>
+            <a:effectRef idx="2">
+              <a:schemeClr val="accent1"/>
+            </a:effectRef>
+            <a:fontRef idx="minor">
+              <a:schemeClr val="lt1"/>
+            </a:fontRef>
+          </p:style>
+        </p:sp>
+      </p:grpSp>
+      <p:sp>
+        <p:nvSpPr>
+          <p:cNvPr id="35" name="Rectangle 34">
+            <a:extLst>
+              <a:ext uri="{FF2B5EF4-FFF2-40B4-BE49-F238E27FC236}">
+                <a16:creationId xmlns:a16="http://schemas.microsoft.com/office/drawing/2014/main" id="{7941F9B1-B01B-4A84-89D9-B169AEB4E456}"/>
+              </a:ext>
+              <a:ext uri="{C183D7F6-B498-43B3-948B-1728B52AA6E4}">
+                <adec:decorative xmlns:adec="http://schemas.microsoft.com/office/drawing/2017/decorative" val="1"/>
+              </a:ext>
+            </a:extLst>
+          </p:cNvPr>
+          <p:cNvSpPr>
+            <a:spLocks noGrp="1" noRot="1" noChangeAspect="1" noMove="1" noResize="1" noEditPoints="1" noAdjustHandles="1" noChangeArrowheads="1" noChangeShapeType="1" noTextEdit="1"/>
+          </p:cNvSpPr>
+          <p:nvPr>
+            <p:extLst>
+              <p:ext uri="{386F3935-93C4-4BCD-93E2-E3B085C9AB24}">
+                <p16:designElem xmlns:p16="http://schemas.microsoft.com/office/powerpoint/2015/main" val="1"/>
+              </p:ext>
+            </p:extLst>
+          </p:nvPr>
+        </p:nvSpPr>
+        <p:spPr>
+          <a:xfrm>
+            <a:off x="477012" y="480060"/>
+            <a:ext cx="11237976" cy="5897880"/>
+          </a:xfrm>
+          <a:prstGeom prst="rect">
+            <a:avLst/>
+          </a:prstGeom>
+          <a:solidFill>
+            <a:srgbClr val="FFFFFF"/>
+          </a:solidFill>
+          <a:ln w="9525">
+            <a:noFill/>
+          </a:ln>
+          <a:effectLst>
+            <a:outerShdw blurRad="63500" dist="17780" dir="5400000" algn="t" rotWithShape="0">
+              <a:prstClr val="black">
+                <a:alpha val="43000"/>
+              </a:prstClr>
+            </a:outerShdw>
+          </a:effectLst>
+        </p:spPr>
+        <p:style>
+          <a:lnRef idx="2">
+            <a:schemeClr val="accent1">
+              <a:shade val="50000"/>
+            </a:schemeClr>
+          </a:lnRef>
+          <a:fillRef idx="1">
+            <a:schemeClr val="accent1"/>
+          </a:fillRef>
+          <a:effectRef idx="0">
+            <a:schemeClr val="accent1"/>
+          </a:effectRef>
+          <a:fontRef idx="minor">
+            <a:schemeClr val="lt1"/>
+          </a:fontRef>
+        </p:style>
+        <p:txBody>
+          <a:bodyPr rtlCol="0" anchor="ctr"/>
+          <a:lstStyle/>
+          <a:p>
+            <a:pPr algn="ctr"/>
+            <a:endParaRPr lang="en-US"/>
+          </a:p>
+        </p:txBody>
+      </p:sp>
+      <p:pic>
+        <p:nvPicPr>
+          <p:cNvPr id="5" name="Picture 4">
+            <a:extLst>
+              <a:ext uri="{FF2B5EF4-FFF2-40B4-BE49-F238E27FC236}">
+                <a16:creationId xmlns:a16="http://schemas.microsoft.com/office/drawing/2014/main" id="{DCC8269E-D1C3-B74B-92B2-E004AB409190}"/>
+              </a:ext>
+            </a:extLst>
+          </p:cNvPr>
+          <p:cNvPicPr>
+            <a:picLocks noChangeAspect="1"/>
+          </p:cNvPicPr>
+          <p:nvPr/>
+        </p:nvPicPr>
+        <p:blipFill>
+          <a:blip r:embed="rId2"/>
+          <a:stretch>
+            <a:fillRect/>
+          </a:stretch>
+        </p:blipFill>
+        <p:spPr>
+          <a:xfrm>
             <a:off x="1942742" y="1167394"/>
             <a:ext cx="8308393" cy="4519585"/>
           </a:xfrm>
@@ -13933,93 +16248,6 @@
     <p:extLst>
       <p:ext uri="{BB962C8B-B14F-4D97-AF65-F5344CB8AC3E}">
         <p14:creationId xmlns:p14="http://schemas.microsoft.com/office/powerpoint/2010/main" val="1593452986"/>
-      </p:ext>
-    </p:extLst>
-  </p:cSld>
-  <p:clrMapOvr>
-    <a:masterClrMapping/>
-  </p:clrMapOvr>
-</p:sld>
-</file>
-
-<file path=ppt/slides/slide15.xml><?xml version="1.0" encoding="utf-8"?>
-<p:sld xmlns:a="http://schemas.openxmlformats.org/drawingml/2006/main" xmlns:r="http://schemas.openxmlformats.org/officeDocument/2006/relationships" xmlns:p="http://schemas.openxmlformats.org/presentationml/2006/main">
-  <p:cSld>
-    <p:spTree>
-      <p:nvGrpSpPr>
-        <p:cNvPr id="1" name=""/>
-        <p:cNvGrpSpPr/>
-        <p:nvPr/>
-      </p:nvGrpSpPr>
-      <p:grpSpPr>
-        <a:xfrm>
-          <a:off x="0" y="0"/>
-          <a:ext cx="0" cy="0"/>
-          <a:chOff x="0" y="0"/>
-          <a:chExt cx="0" cy="0"/>
-        </a:xfrm>
-      </p:grpSpPr>
-      <p:sp>
-        <p:nvSpPr>
-          <p:cNvPr id="2" name="Title 1">
-            <a:extLst>
-              <a:ext uri="{FF2B5EF4-FFF2-40B4-BE49-F238E27FC236}">
-                <a16:creationId xmlns:a16="http://schemas.microsoft.com/office/drawing/2014/main" id="{1A7138CC-24D2-F645-98D5-44EA011D358D}"/>
-              </a:ext>
-            </a:extLst>
-          </p:cNvPr>
-          <p:cNvSpPr>
-            <a:spLocks noGrp="1"/>
-          </p:cNvSpPr>
-          <p:nvPr>
-            <p:ph type="title"/>
-          </p:nvPr>
-        </p:nvSpPr>
-        <p:spPr/>
-        <p:txBody>
-          <a:bodyPr/>
-          <a:lstStyle/>
-          <a:p>
-            <a:r>
-              <a:rPr lang="en-US" dirty="0"/>
-              <a:t>Conclusions</a:t>
-            </a:r>
-            <a:br>
-              <a:rPr lang="en-US" dirty="0"/>
-            </a:br>
-            <a:endParaRPr lang="en-US" dirty="0"/>
-          </a:p>
-        </p:txBody>
-      </p:sp>
-      <p:sp>
-        <p:nvSpPr>
-          <p:cNvPr id="3" name="Content Placeholder 2">
-            <a:extLst>
-              <a:ext uri="{FF2B5EF4-FFF2-40B4-BE49-F238E27FC236}">
-                <a16:creationId xmlns:a16="http://schemas.microsoft.com/office/drawing/2014/main" id="{39BD09FC-C17D-D943-A19A-475B0296EC2E}"/>
-              </a:ext>
-            </a:extLst>
-          </p:cNvPr>
-          <p:cNvSpPr>
-            <a:spLocks noGrp="1"/>
-          </p:cNvSpPr>
-          <p:nvPr>
-            <p:ph idx="1"/>
-          </p:nvPr>
-        </p:nvSpPr>
-        <p:spPr/>
-        <p:txBody>
-          <a:bodyPr/>
-          <a:lstStyle/>
-          <a:p>
-            <a:endParaRPr lang="en-US" dirty="0"/>
-          </a:p>
-        </p:txBody>
-      </p:sp>
-    </p:spTree>
-    <p:extLst>
-      <p:ext uri="{BB962C8B-B14F-4D97-AF65-F5344CB8AC3E}">
-        <p14:creationId xmlns:p14="http://schemas.microsoft.com/office/powerpoint/2010/main" val="916969285"/>
       </p:ext>
     </p:extLst>
   </p:cSld>
@@ -14064,8 +16292,8 @@
         </p:nvSpPr>
         <p:spPr>
           <a:xfrm>
-            <a:off x="677334" y="609600"/>
-            <a:ext cx="8596668" cy="600891"/>
+            <a:off x="677334" y="569405"/>
+            <a:ext cx="8596668" cy="837363"/>
           </a:xfrm>
         </p:spPr>
         <p:txBody>
@@ -14075,12 +16303,9 @@
           <a:lstStyle/>
           <a:p>
             <a:r>
-              <a:rPr lang="en-US" dirty="0"/>
-              <a:t>Citations</a:t>
+              <a:rPr lang="en-US" sz="5300" u="sng" dirty="0"/>
+              <a:t>Takeaways</a:t>
             </a:r>
-            <a:br>
-              <a:rPr lang="en-US" dirty="0"/>
-            </a:br>
             <a:br>
               <a:rPr lang="en-US" dirty="0"/>
             </a:br>
@@ -14109,10 +16334,300 @@
           <a:bodyPr/>
           <a:lstStyle/>
           <a:p>
+            <a:r>
+              <a:rPr lang="en-US" dirty="0"/>
+              <a:t>GitHub</a:t>
+            </a:r>
+          </a:p>
+          <a:p>
+            <a:r>
+              <a:rPr lang="en-US" dirty="0"/>
+              <a:t>Data Cleaning</a:t>
+            </a:r>
+          </a:p>
+          <a:p>
+            <a:r>
+              <a:rPr lang="en-US" dirty="0"/>
+              <a:t>Data Transformation</a:t>
+            </a:r>
+          </a:p>
+          <a:p>
+            <a:r>
+              <a:rPr lang="en-US" dirty="0"/>
+              <a:t>Data Visualization</a:t>
+            </a:r>
+          </a:p>
+          <a:p>
+            <a:r>
+              <a:rPr lang="en-US" dirty="0"/>
+              <a:t>Plotting Geo Data</a:t>
+            </a:r>
+          </a:p>
+          <a:p>
+            <a:pPr marL="0" indent="0">
+              <a:buNone/>
+            </a:pPr>
+            <a:endParaRPr lang="en-US" dirty="0"/>
+          </a:p>
+          <a:p>
+            <a:endParaRPr lang="en-US" dirty="0"/>
+          </a:p>
+          <a:p>
             <a:endParaRPr lang="en-US" dirty="0"/>
           </a:p>
         </p:txBody>
       </p:sp>
+    </p:spTree>
+    <p:extLst>
+      <p:ext uri="{BB962C8B-B14F-4D97-AF65-F5344CB8AC3E}">
+        <p14:creationId xmlns:p14="http://schemas.microsoft.com/office/powerpoint/2010/main" val="916969285"/>
+      </p:ext>
+    </p:extLst>
+  </p:cSld>
+  <p:clrMapOvr>
+    <a:masterClrMapping/>
+  </p:clrMapOvr>
+</p:sld>
+</file>
+
+<file path=ppt/slides/slide17.xml><?xml version="1.0" encoding="utf-8"?>
+<p:sld xmlns:a="http://schemas.openxmlformats.org/drawingml/2006/main" xmlns:r="http://schemas.openxmlformats.org/officeDocument/2006/relationships" xmlns:p="http://schemas.openxmlformats.org/presentationml/2006/main">
+  <p:cSld>
+    <p:spTree>
+      <p:nvGrpSpPr>
+        <p:cNvPr id="1" name=""/>
+        <p:cNvGrpSpPr/>
+        <p:nvPr/>
+      </p:nvGrpSpPr>
+      <p:grpSpPr>
+        <a:xfrm>
+          <a:off x="0" y="0"/>
+          <a:ext cx="0" cy="0"/>
+          <a:chOff x="0" y="0"/>
+          <a:chExt cx="0" cy="0"/>
+        </a:xfrm>
+      </p:grpSpPr>
+      <p:sp>
+        <p:nvSpPr>
+          <p:cNvPr id="2" name="Title 1">
+            <a:extLst>
+              <a:ext uri="{FF2B5EF4-FFF2-40B4-BE49-F238E27FC236}">
+                <a16:creationId xmlns:a16="http://schemas.microsoft.com/office/drawing/2014/main" id="{1A7138CC-24D2-F645-98D5-44EA011D358D}"/>
+              </a:ext>
+            </a:extLst>
+          </p:cNvPr>
+          <p:cNvSpPr>
+            <a:spLocks noGrp="1"/>
+          </p:cNvSpPr>
+          <p:nvPr>
+            <p:ph type="title"/>
+          </p:nvPr>
+        </p:nvSpPr>
+        <p:spPr>
+          <a:xfrm>
+            <a:off x="677334" y="442128"/>
+            <a:ext cx="8596668" cy="768364"/>
+          </a:xfrm>
+        </p:spPr>
+        <p:txBody>
+          <a:bodyPr>
+            <a:normAutofit fontScale="90000"/>
+          </a:bodyPr>
+          <a:lstStyle/>
+          <a:p>
+            <a:r>
+              <a:rPr lang="en-US" sz="5300" b="1" u="sng" dirty="0"/>
+              <a:t>Citations</a:t>
+            </a:r>
+            <a:br>
+              <a:rPr lang="en-US" dirty="0"/>
+            </a:br>
+            <a:br>
+              <a:rPr lang="en-US" dirty="0"/>
+            </a:br>
+            <a:endParaRPr lang="en-US" dirty="0"/>
+          </a:p>
+        </p:txBody>
+      </p:sp>
+      <p:pic>
+        <p:nvPicPr>
+          <p:cNvPr id="5" name="Content Placeholder 4">
+            <a:extLst>
+              <a:ext uri="{FF2B5EF4-FFF2-40B4-BE49-F238E27FC236}">
+                <a16:creationId xmlns:a16="http://schemas.microsoft.com/office/drawing/2014/main" id="{5E616ABE-914E-A244-BC1F-A422EF2199A1}"/>
+              </a:ext>
+            </a:extLst>
+          </p:cNvPr>
+          <p:cNvPicPr>
+            <a:picLocks noGrp="1" noChangeAspect="1"/>
+          </p:cNvPicPr>
+          <p:nvPr>
+            <p:ph idx="1"/>
+          </p:nvPr>
+        </p:nvPicPr>
+        <p:blipFill>
+          <a:blip r:embed="rId2"/>
+          <a:stretch>
+            <a:fillRect/>
+          </a:stretch>
+        </p:blipFill>
+        <p:spPr>
+          <a:xfrm>
+            <a:off x="564653" y="1210491"/>
+            <a:ext cx="4140200" cy="2057400"/>
+          </a:xfrm>
+        </p:spPr>
+      </p:pic>
+      <p:pic>
+        <p:nvPicPr>
+          <p:cNvPr id="7" name="Picture 6">
+            <a:extLst>
+              <a:ext uri="{FF2B5EF4-FFF2-40B4-BE49-F238E27FC236}">
+                <a16:creationId xmlns:a16="http://schemas.microsoft.com/office/drawing/2014/main" id="{06EB8884-B2B4-4845-B6CB-9926E475B19A}"/>
+              </a:ext>
+            </a:extLst>
+          </p:cNvPr>
+          <p:cNvPicPr>
+            <a:picLocks noChangeAspect="1"/>
+          </p:cNvPicPr>
+          <p:nvPr/>
+        </p:nvPicPr>
+        <p:blipFill>
+          <a:blip r:embed="rId3"/>
+          <a:stretch>
+            <a:fillRect/>
+          </a:stretch>
+        </p:blipFill>
+        <p:spPr>
+          <a:xfrm>
+            <a:off x="4362718" y="1210491"/>
+            <a:ext cx="4140200" cy="1939171"/>
+          </a:xfrm>
+          <a:prstGeom prst="rect">
+            <a:avLst/>
+          </a:prstGeom>
+        </p:spPr>
+      </p:pic>
+      <p:pic>
+        <p:nvPicPr>
+          <p:cNvPr id="11" name="Picture 10">
+            <a:extLst>
+              <a:ext uri="{FF2B5EF4-FFF2-40B4-BE49-F238E27FC236}">
+                <a16:creationId xmlns:a16="http://schemas.microsoft.com/office/drawing/2014/main" id="{AB7427B4-B80A-6A4F-BBEC-6ADE6CAE6D6B}"/>
+              </a:ext>
+            </a:extLst>
+          </p:cNvPr>
+          <p:cNvPicPr>
+            <a:picLocks noChangeAspect="1"/>
+          </p:cNvPicPr>
+          <p:nvPr/>
+        </p:nvPicPr>
+        <p:blipFill>
+          <a:blip r:embed="rId4"/>
+          <a:stretch>
+            <a:fillRect/>
+          </a:stretch>
+        </p:blipFill>
+        <p:spPr>
+          <a:xfrm>
+            <a:off x="6096000" y="3144556"/>
+            <a:ext cx="3527045" cy="1819330"/>
+          </a:xfrm>
+          <a:prstGeom prst="rect">
+            <a:avLst/>
+          </a:prstGeom>
+        </p:spPr>
+      </p:pic>
+      <p:pic>
+        <p:nvPicPr>
+          <p:cNvPr id="13" name="Picture 12">
+            <a:extLst>
+              <a:ext uri="{FF2B5EF4-FFF2-40B4-BE49-F238E27FC236}">
+                <a16:creationId xmlns:a16="http://schemas.microsoft.com/office/drawing/2014/main" id="{05133FF0-8A2C-014F-BDFB-D974DF94FCFA}"/>
+              </a:ext>
+            </a:extLst>
+          </p:cNvPr>
+          <p:cNvPicPr>
+            <a:picLocks noChangeAspect="1"/>
+          </p:cNvPicPr>
+          <p:nvPr/>
+        </p:nvPicPr>
+        <p:blipFill>
+          <a:blip r:embed="rId5"/>
+          <a:stretch>
+            <a:fillRect/>
+          </a:stretch>
+        </p:blipFill>
+        <p:spPr>
+          <a:xfrm>
+            <a:off x="564653" y="3144556"/>
+            <a:ext cx="4887500" cy="1496354"/>
+          </a:xfrm>
+          <a:prstGeom prst="rect">
+            <a:avLst/>
+          </a:prstGeom>
+        </p:spPr>
+      </p:pic>
+      <p:pic>
+        <p:nvPicPr>
+          <p:cNvPr id="15" name="Picture 14">
+            <a:extLst>
+              <a:ext uri="{FF2B5EF4-FFF2-40B4-BE49-F238E27FC236}">
+                <a16:creationId xmlns:a16="http://schemas.microsoft.com/office/drawing/2014/main" id="{0CCB68FC-49D7-FE4B-8409-ACD507A551FE}"/>
+              </a:ext>
+            </a:extLst>
+          </p:cNvPr>
+          <p:cNvPicPr>
+            <a:picLocks noChangeAspect="1"/>
+          </p:cNvPicPr>
+          <p:nvPr/>
+        </p:nvPicPr>
+        <p:blipFill>
+          <a:blip r:embed="rId6"/>
+          <a:stretch>
+            <a:fillRect/>
+          </a:stretch>
+        </p:blipFill>
+        <p:spPr>
+          <a:xfrm>
+            <a:off x="860033" y="4643423"/>
+            <a:ext cx="3007908" cy="1265008"/>
+          </a:xfrm>
+          <a:prstGeom prst="rect">
+            <a:avLst/>
+          </a:prstGeom>
+        </p:spPr>
+      </p:pic>
+      <p:pic>
+        <p:nvPicPr>
+          <p:cNvPr id="17" name="Picture 16">
+            <a:extLst>
+              <a:ext uri="{FF2B5EF4-FFF2-40B4-BE49-F238E27FC236}">
+                <a16:creationId xmlns:a16="http://schemas.microsoft.com/office/drawing/2014/main" id="{4A989B38-1566-0242-882B-004A089AF45B}"/>
+              </a:ext>
+            </a:extLst>
+          </p:cNvPr>
+          <p:cNvPicPr>
+            <a:picLocks noChangeAspect="1"/>
+          </p:cNvPicPr>
+          <p:nvPr/>
+        </p:nvPicPr>
+        <p:blipFill>
+          <a:blip r:embed="rId7"/>
+          <a:stretch>
+            <a:fillRect/>
+          </a:stretch>
+        </p:blipFill>
+        <p:spPr>
+          <a:xfrm>
+            <a:off x="4292380" y="4805465"/>
+            <a:ext cx="3251200" cy="1409700"/>
+          </a:xfrm>
+          <a:prstGeom prst="rect">
+            <a:avLst/>
+          </a:prstGeom>
+        </p:spPr>
+      </p:pic>
     </p:spTree>
     <p:extLst>
       <p:ext uri="{BB962C8B-B14F-4D97-AF65-F5344CB8AC3E}">
@@ -14199,32 +16714,126 @@
           </a:xfrm>
         </p:spPr>
         <p:txBody>
-          <a:bodyPr/>
+          <a:bodyPr>
+            <a:normAutofit lnSpcReduction="10000"/>
+          </a:bodyPr>
           <a:lstStyle/>
           <a:p>
+            <a:r>
+              <a:rPr lang="en-US" b="1" dirty="0"/>
+              <a:t>Source</a:t>
+            </a:r>
             <a:r>
               <a:rPr lang="en-US" dirty="0"/>
-              <a:t>The data used in this report is from the Center for Responsive Politics (CRP), an independent and nonprofit research group that collects political finance data.</a:t>
+              <a:t>: Center for Responsive Politics (CRP) </a:t>
             </a:r>
           </a:p>
           <a:p>
+            <a:pPr marL="0" indent="0">
+              <a:buNone/>
+            </a:pPr>
+            <a:endParaRPr lang="en-US" dirty="0"/>
+          </a:p>
+          <a:p>
+            <a:pPr marL="0" indent="0">
+              <a:buNone/>
+            </a:pPr>
+            <a:endParaRPr lang="en-US" dirty="0"/>
+          </a:p>
+          <a:p>
+            <a:pPr marL="0" indent="0">
+              <a:buNone/>
+            </a:pPr>
+            <a:endParaRPr lang="en-US" dirty="0"/>
+          </a:p>
+          <a:p>
+            <a:pPr lvl="1"/>
             <a:r>
               <a:rPr lang="en-US" dirty="0"/>
-              <a:t>Our report utilizes two data tables across seven political cycles, from 1992 – 2016. The first table is individual contribution data, which includes 23 attributes including contribution amounts and political affiliation of recipient. </a:t>
+              <a:t>Independent and nonprofit research group that collects political finance data.</a:t>
             </a:r>
           </a:p>
           <a:p>
+            <a:pPr lvl="1"/>
             <a:r>
               <a:rPr lang="en-US" dirty="0"/>
-              <a:t>Since the mid-1980s the amount spent on political elections by campaigns and outside groups, measured by the Federal Election Committee, has grown by 555 percent nationwide. While voting ultimately determines the result of any given election, analyzing political contributions can signal how passionate and invested individuals are in the success of a given candidate.</a:t>
+              <a:t>Required disclosures from Federal Election Committee </a:t>
+            </a:r>
+          </a:p>
+          <a:p>
+            <a:r>
+              <a:rPr lang="en-US" b="1" dirty="0"/>
+              <a:t>Data Tables: </a:t>
+            </a:r>
+            <a:r>
+              <a:rPr lang="en-US" dirty="0"/>
+              <a:t>Across seven political cycles 1992-2016</a:t>
+            </a:r>
+          </a:p>
+          <a:p>
+            <a:pPr lvl="1"/>
+            <a:r>
+              <a:rPr lang="en-US" dirty="0"/>
+              <a:t>1. Individual Contributions – 23 attributes </a:t>
+            </a:r>
+          </a:p>
+          <a:p>
+            <a:pPr lvl="2"/>
+            <a:r>
+              <a:rPr lang="en-US" dirty="0"/>
+              <a:t>Amount, Address, Candidate ID	</a:t>
+            </a:r>
+          </a:p>
+          <a:p>
+            <a:pPr lvl="1"/>
+            <a:r>
+              <a:rPr lang="en-US" dirty="0"/>
+              <a:t>2. Candidate – 12 attributes </a:t>
+            </a:r>
+          </a:p>
+          <a:p>
+            <a:pPr lvl="2"/>
+            <a:r>
+              <a:rPr lang="en-US" dirty="0"/>
+              <a:t>Political Affiliation,  Congressional/Presidential Candidate, Results of the campaign</a:t>
             </a:r>
           </a:p>
         </p:txBody>
       </p:sp>
+      <p:pic>
+        <p:nvPicPr>
+          <p:cNvPr id="5" name="Picture 4">
+            <a:extLst>
+              <a:ext uri="{FF2B5EF4-FFF2-40B4-BE49-F238E27FC236}">
+                <a16:creationId xmlns:a16="http://schemas.microsoft.com/office/drawing/2014/main" id="{AA41D37B-6260-1B4C-BB8B-B53E3B888151}"/>
+              </a:ext>
+            </a:extLst>
+          </p:cNvPr>
+          <p:cNvPicPr>
+            <a:picLocks noChangeAspect="1"/>
+          </p:cNvPicPr>
+          <p:nvPr/>
+        </p:nvPicPr>
+        <p:blipFill>
+          <a:blip r:embed="rId2"/>
+          <a:stretch>
+            <a:fillRect/>
+          </a:stretch>
+        </p:blipFill>
+        <p:spPr>
+          <a:xfrm>
+            <a:off x="2110475" y="1891647"/>
+            <a:ext cx="2484967" cy="1044636"/>
+          </a:xfrm>
+          <a:prstGeom prst="rect">
+            <a:avLst/>
+          </a:prstGeom>
+        </p:spPr>
+      </p:pic>
     </p:spTree>
     <p:extLst>
       <p:ext uri="{BB962C8B-B14F-4D97-AF65-F5344CB8AC3E}">
-        <p14:creationId xmlns:p14="http://schemas.microsoft.com/office/powerpoint/2010/main" val="2022542758"/>
+        <p14:creationId xmlns:p14="http://schemas.microsoft.com/office/powerpoint/2010/main" val="1036181084"/>
       </p:ext>
     </p:extLst>
   </p:cSld>
@@ -14235,6 +16844,323 @@
 </file>
 
 <file path=ppt/slides/slide3.xml><?xml version="1.0" encoding="utf-8"?>
+<p:sld xmlns:a="http://schemas.openxmlformats.org/drawingml/2006/main" xmlns:r="http://schemas.openxmlformats.org/officeDocument/2006/relationships" xmlns:p="http://schemas.openxmlformats.org/presentationml/2006/main">
+  <p:cSld>
+    <p:spTree>
+      <p:nvGrpSpPr>
+        <p:cNvPr id="1" name=""/>
+        <p:cNvGrpSpPr/>
+        <p:nvPr/>
+      </p:nvGrpSpPr>
+      <p:grpSpPr>
+        <a:xfrm>
+          <a:off x="0" y="0"/>
+          <a:ext cx="0" cy="0"/>
+          <a:chOff x="0" y="0"/>
+          <a:chExt cx="0" cy="0"/>
+        </a:xfrm>
+      </p:grpSpPr>
+      <p:sp>
+        <p:nvSpPr>
+          <p:cNvPr id="2" name="Title 1">
+            <a:extLst>
+              <a:ext uri="{FF2B5EF4-FFF2-40B4-BE49-F238E27FC236}">
+                <a16:creationId xmlns:a16="http://schemas.microsoft.com/office/drawing/2014/main" id="{784A0AA9-2DE4-4544-96CD-8B6E18F8324A}"/>
+              </a:ext>
+            </a:extLst>
+          </p:cNvPr>
+          <p:cNvSpPr>
+            <a:spLocks noGrp="1"/>
+          </p:cNvSpPr>
+          <p:nvPr>
+            <p:ph type="title"/>
+          </p:nvPr>
+        </p:nvSpPr>
+        <p:spPr>
+          <a:xfrm>
+            <a:off x="677334" y="609600"/>
+            <a:ext cx="8596668" cy="733425"/>
+          </a:xfrm>
+        </p:spPr>
+        <p:txBody>
+          <a:bodyPr>
+            <a:normAutofit/>
+          </a:bodyPr>
+          <a:lstStyle/>
+          <a:p>
+            <a:r>
+              <a:rPr lang="en-US" dirty="0"/>
+              <a:t>Literature Review</a:t>
+            </a:r>
+          </a:p>
+        </p:txBody>
+      </p:sp>
+      <p:sp>
+        <p:nvSpPr>
+          <p:cNvPr id="3" name="Content Placeholder 2">
+            <a:extLst>
+              <a:ext uri="{FF2B5EF4-FFF2-40B4-BE49-F238E27FC236}">
+                <a16:creationId xmlns:a16="http://schemas.microsoft.com/office/drawing/2014/main" id="{3E1B8B0D-DDB2-724C-B68F-55F60A009E75}"/>
+              </a:ext>
+            </a:extLst>
+          </p:cNvPr>
+          <p:cNvSpPr>
+            <a:spLocks noGrp="1"/>
+          </p:cNvSpPr>
+          <p:nvPr>
+            <p:ph idx="1"/>
+          </p:nvPr>
+        </p:nvSpPr>
+        <p:spPr>
+          <a:xfrm>
+            <a:off x="668369" y="1415680"/>
+            <a:ext cx="9259401" cy="1568684"/>
+          </a:xfrm>
+        </p:spPr>
+        <p:txBody>
+          <a:bodyPr>
+            <a:normAutofit fontScale="92500" lnSpcReduction="10000"/>
+          </a:bodyPr>
+          <a:lstStyle/>
+          <a:p>
+            <a:r>
+              <a:rPr lang="en-US" dirty="0"/>
+              <a:t>Based on our literature review: </a:t>
+            </a:r>
+          </a:p>
+          <a:p>
+            <a:pPr lvl="1"/>
+            <a:r>
+              <a:rPr lang="en-US" dirty="0"/>
+              <a:t>Voting trends in Colorado have shifted rapidly over the last quarter century. </a:t>
+            </a:r>
+          </a:p>
+          <a:p>
+            <a:pPr lvl="1"/>
+            <a:r>
+              <a:rPr lang="en-US" dirty="0"/>
+              <a:t>Once a solidly Republican state. </a:t>
+            </a:r>
+          </a:p>
+          <a:p>
+            <a:pPr lvl="1"/>
+            <a:r>
+              <a:rPr lang="en-US" dirty="0"/>
+              <a:t>Colorado’s changing culture and influx of new residents from other regions has shifted Colorado voters more towards Democrats.</a:t>
+            </a:r>
+          </a:p>
+        </p:txBody>
+      </p:sp>
+      <p:pic>
+        <p:nvPicPr>
+          <p:cNvPr id="5" name="Picture 4" descr="A screenshot of a social media post&#10;&#10;Description automatically generated">
+            <a:extLst>
+              <a:ext uri="{FF2B5EF4-FFF2-40B4-BE49-F238E27FC236}">
+                <a16:creationId xmlns:a16="http://schemas.microsoft.com/office/drawing/2014/main" id="{03CBEF89-0E28-A04C-B744-59D344066C40}"/>
+              </a:ext>
+            </a:extLst>
+          </p:cNvPr>
+          <p:cNvPicPr>
+            <a:picLocks noChangeAspect="1"/>
+          </p:cNvPicPr>
+          <p:nvPr/>
+        </p:nvPicPr>
+        <p:blipFill>
+          <a:blip r:embed="rId2"/>
+          <a:stretch>
+            <a:fillRect/>
+          </a:stretch>
+        </p:blipFill>
+        <p:spPr>
+          <a:xfrm>
+            <a:off x="230635" y="2986875"/>
+            <a:ext cx="10134868" cy="1255282"/>
+          </a:xfrm>
+          <a:prstGeom prst="rect">
+            <a:avLst/>
+          </a:prstGeom>
+        </p:spPr>
+      </p:pic>
+      <p:sp>
+        <p:nvSpPr>
+          <p:cNvPr id="4" name="Rectangle 3">
+            <a:extLst>
+              <a:ext uri="{FF2B5EF4-FFF2-40B4-BE49-F238E27FC236}">
+                <a16:creationId xmlns:a16="http://schemas.microsoft.com/office/drawing/2014/main" id="{72481795-B1B8-BD4F-98FC-16534D36990A}"/>
+              </a:ext>
+            </a:extLst>
+          </p:cNvPr>
+          <p:cNvSpPr/>
+          <p:nvPr/>
+        </p:nvSpPr>
+        <p:spPr>
+          <a:xfrm>
+            <a:off x="395227" y="4130768"/>
+            <a:ext cx="6327119" cy="369332"/>
+          </a:xfrm>
+          <a:prstGeom prst="rect">
+            <a:avLst/>
+          </a:prstGeom>
+        </p:spPr>
+        <p:txBody>
+          <a:bodyPr wrap="square">
+            <a:spAutoFit/>
+          </a:bodyPr>
+          <a:lstStyle/>
+          <a:p>
+            <a:r>
+              <a:rPr lang="en-US" i="1" dirty="0">
+                <a:solidFill>
+                  <a:srgbClr val="000000"/>
+                </a:solidFill>
+                <a:latin typeface="Helvetica Neue" panose="02000503000000020004" pitchFamily="2" charset="0"/>
+              </a:rPr>
+              <a:t>Source: </a:t>
+            </a:r>
+            <a:r>
+              <a:rPr lang="en-US" i="1" u="sng" dirty="0">
+                <a:solidFill>
+                  <a:srgbClr val="00B0F0"/>
+                </a:solidFill>
+                <a:latin typeface="Helvetica Neue" panose="02000503000000020004" pitchFamily="2" charset="0"/>
+                <a:hlinkClick r:id="rId3">
+                  <a:extLst>
+                    <a:ext uri="{A12FA001-AC4F-418D-AE19-62706E023703}">
+                      <ahyp:hlinkClr xmlns:ahyp="http://schemas.microsoft.com/office/drawing/2018/hyperlinkcolor" val="tx"/>
+                    </a:ext>
+                  </a:extLst>
+                </a:hlinkClick>
+              </a:rPr>
+              <a:t>https://ballotpedia.org/Colorado_General_Assembly</a:t>
+            </a:r>
+            <a:endParaRPr lang="en-US" dirty="0">
+              <a:solidFill>
+                <a:srgbClr val="00B0F0"/>
+              </a:solidFill>
+            </a:endParaRPr>
+          </a:p>
+        </p:txBody>
+      </p:sp>
+      <p:sp>
+        <p:nvSpPr>
+          <p:cNvPr id="8" name="Oval 7">
+            <a:extLst>
+              <a:ext uri="{FF2B5EF4-FFF2-40B4-BE49-F238E27FC236}">
+                <a16:creationId xmlns:a16="http://schemas.microsoft.com/office/drawing/2014/main" id="{5F80E4E6-86A0-3A47-BC01-2CD16674FF72}"/>
+              </a:ext>
+            </a:extLst>
+          </p:cNvPr>
+          <p:cNvSpPr/>
+          <p:nvPr/>
+        </p:nvSpPr>
+        <p:spPr>
+          <a:xfrm>
+            <a:off x="395227" y="4783018"/>
+            <a:ext cx="9020078" cy="1728314"/>
+          </a:xfrm>
+          <a:prstGeom prst="ellipse">
+            <a:avLst/>
+          </a:prstGeom>
+          <a:gradFill flip="none" rotWithShape="1">
+            <a:gsLst>
+              <a:gs pos="0">
+                <a:schemeClr val="accent1">
+                  <a:tint val="66000"/>
+                  <a:satMod val="160000"/>
+                </a:schemeClr>
+              </a:gs>
+              <a:gs pos="50000">
+                <a:schemeClr val="accent1">
+                  <a:tint val="44500"/>
+                  <a:satMod val="160000"/>
+                </a:schemeClr>
+              </a:gs>
+              <a:gs pos="100000">
+                <a:schemeClr val="accent1">
+                  <a:tint val="23500"/>
+                  <a:satMod val="160000"/>
+                </a:schemeClr>
+              </a:gs>
+            </a:gsLst>
+            <a:lin ang="16200000" scaled="1"/>
+            <a:tileRect/>
+          </a:gradFill>
+        </p:spPr>
+        <p:style>
+          <a:lnRef idx="2">
+            <a:schemeClr val="accent1">
+              <a:shade val="50000"/>
+            </a:schemeClr>
+          </a:lnRef>
+          <a:fillRef idx="1">
+            <a:schemeClr val="accent1"/>
+          </a:fillRef>
+          <a:effectRef idx="0">
+            <a:schemeClr val="accent1"/>
+          </a:effectRef>
+          <a:fontRef idx="minor">
+            <a:schemeClr val="lt1"/>
+          </a:fontRef>
+        </p:style>
+        <p:txBody>
+          <a:bodyPr rtlCol="0" anchor="ctr"/>
+          <a:lstStyle/>
+          <a:p>
+            <a:pPr algn="ctr"/>
+            <a:endParaRPr lang="en-US"/>
+          </a:p>
+        </p:txBody>
+      </p:sp>
+      <p:sp>
+        <p:nvSpPr>
+          <p:cNvPr id="9" name="TextBox 8">
+            <a:extLst>
+              <a:ext uri="{FF2B5EF4-FFF2-40B4-BE49-F238E27FC236}">
+                <a16:creationId xmlns:a16="http://schemas.microsoft.com/office/drawing/2014/main" id="{1E9D1C69-F20F-2641-98E3-AA27BCEA91AF}"/>
+              </a:ext>
+            </a:extLst>
+          </p:cNvPr>
+          <p:cNvSpPr txBox="1"/>
+          <p:nvPr/>
+        </p:nvSpPr>
+        <p:spPr>
+          <a:xfrm>
+            <a:off x="1085222" y="5215100"/>
+            <a:ext cx="7676941" cy="830997"/>
+          </a:xfrm>
+          <a:prstGeom prst="rect">
+            <a:avLst/>
+          </a:prstGeom>
+          <a:noFill/>
+        </p:spPr>
+        <p:txBody>
+          <a:bodyPr wrap="square" rtlCol="0">
+            <a:spAutoFit/>
+          </a:bodyPr>
+          <a:lstStyle/>
+          <a:p>
+            <a:pPr algn="ctr"/>
+            <a:r>
+              <a:rPr lang="en-US" sz="2400" dirty="0"/>
+              <a:t>How has this Colorado’s shifting political landscape effected trends in campaign donations?</a:t>
+            </a:r>
+          </a:p>
+        </p:txBody>
+      </p:sp>
+    </p:spTree>
+    <p:extLst>
+      <p:ext uri="{BB962C8B-B14F-4D97-AF65-F5344CB8AC3E}">
+        <p14:creationId xmlns:p14="http://schemas.microsoft.com/office/powerpoint/2010/main" val="440818007"/>
+      </p:ext>
+    </p:extLst>
+  </p:cSld>
+  <p:clrMapOvr>
+    <a:masterClrMapping/>
+  </p:clrMapOvr>
+</p:sld>
+</file>
+
+<file path=ppt/slides/slide4.xml><?xml version="1.0" encoding="utf-8"?>
 <p:sld xmlns:a="http://schemas.openxmlformats.org/drawingml/2006/main" xmlns:r="http://schemas.openxmlformats.org/officeDocument/2006/relationships" xmlns:p="http://schemas.openxmlformats.org/presentationml/2006/main">
   <p:cSld>
     <p:spTree>
@@ -14576,7 +17502,7 @@
           <a:p>
             <a:r>
               <a:rPr lang="en-US" dirty="0"/>
-              <a:t>Is there a relationship between the amount of money donated and candidate success in elections?</a:t>
+              <a:t>Has there been a relationship between the amount of money donated and candidate success in elections?</a:t>
             </a:r>
           </a:p>
           <a:p>
@@ -14880,416 +17806,6 @@
 </p:sld>
 </file>
 
-<file path=ppt/slides/slide4.xml><?xml version="1.0" encoding="utf-8"?>
-<p:sld xmlns:a="http://schemas.openxmlformats.org/drawingml/2006/main" xmlns:r="http://schemas.openxmlformats.org/officeDocument/2006/relationships" xmlns:p="http://schemas.openxmlformats.org/presentationml/2006/main">
-  <p:cSld>
-    <p:spTree>
-      <p:nvGrpSpPr>
-        <p:cNvPr id="1" name=""/>
-        <p:cNvGrpSpPr/>
-        <p:nvPr/>
-      </p:nvGrpSpPr>
-      <p:grpSpPr>
-        <a:xfrm>
-          <a:off x="0" y="0"/>
-          <a:ext cx="0" cy="0"/>
-          <a:chOff x="0" y="0"/>
-          <a:chExt cx="0" cy="0"/>
-        </a:xfrm>
-      </p:grpSpPr>
-      <p:sp>
-        <p:nvSpPr>
-          <p:cNvPr id="2" name="Title 1">
-            <a:extLst>
-              <a:ext uri="{FF2B5EF4-FFF2-40B4-BE49-F238E27FC236}">
-                <a16:creationId xmlns:a16="http://schemas.microsoft.com/office/drawing/2014/main" id="{784A0AA9-2DE4-4544-96CD-8B6E18F8324A}"/>
-              </a:ext>
-            </a:extLst>
-          </p:cNvPr>
-          <p:cNvSpPr>
-            <a:spLocks noGrp="1"/>
-          </p:cNvSpPr>
-          <p:nvPr>
-            <p:ph type="title"/>
-          </p:nvPr>
-        </p:nvSpPr>
-        <p:spPr>
-          <a:xfrm>
-            <a:off x="677334" y="609600"/>
-            <a:ext cx="8596668" cy="733425"/>
-          </a:xfrm>
-        </p:spPr>
-        <p:txBody>
-          <a:bodyPr>
-            <a:normAutofit/>
-          </a:bodyPr>
-          <a:lstStyle/>
-          <a:p>
-            <a:r>
-              <a:rPr lang="en-US" dirty="0"/>
-              <a:t>Literature Review</a:t>
-            </a:r>
-          </a:p>
-        </p:txBody>
-      </p:sp>
-      <p:sp>
-        <p:nvSpPr>
-          <p:cNvPr id="3" name="Content Placeholder 2">
-            <a:extLst>
-              <a:ext uri="{FF2B5EF4-FFF2-40B4-BE49-F238E27FC236}">
-                <a16:creationId xmlns:a16="http://schemas.microsoft.com/office/drawing/2014/main" id="{3E1B8B0D-DDB2-724C-B68F-55F60A009E75}"/>
-              </a:ext>
-            </a:extLst>
-          </p:cNvPr>
-          <p:cNvSpPr>
-            <a:spLocks noGrp="1"/>
-          </p:cNvSpPr>
-          <p:nvPr>
-            <p:ph idx="1"/>
-          </p:nvPr>
-        </p:nvSpPr>
-        <p:spPr>
-          <a:xfrm>
-            <a:off x="668370" y="1787465"/>
-            <a:ext cx="8596668" cy="1162640"/>
-          </a:xfrm>
-        </p:spPr>
-        <p:txBody>
-          <a:bodyPr>
-            <a:normAutofit lnSpcReduction="10000"/>
-          </a:bodyPr>
-          <a:lstStyle/>
-          <a:p>
-            <a:r>
-              <a:rPr lang="en-US" dirty="0"/>
-              <a:t>Based on our literature review, voting trends in Colorado have shifted rapidly over the last quarter century. While once a solidly conservative state, Colorado’s changing culture and influx of new residents from other regions has shifted Colorado’s politics more progressive.</a:t>
-            </a:r>
-          </a:p>
-        </p:txBody>
-      </p:sp>
-      <p:pic>
-        <p:nvPicPr>
-          <p:cNvPr id="5" name="Picture 4" descr="A screenshot of a social media post&#10;&#10;Description automatically generated">
-            <a:extLst>
-              <a:ext uri="{FF2B5EF4-FFF2-40B4-BE49-F238E27FC236}">
-                <a16:creationId xmlns:a16="http://schemas.microsoft.com/office/drawing/2014/main" id="{03CBEF89-0E28-A04C-B744-59D344066C40}"/>
-              </a:ext>
-            </a:extLst>
-          </p:cNvPr>
-          <p:cNvPicPr>
-            <a:picLocks noChangeAspect="1"/>
-          </p:cNvPicPr>
-          <p:nvPr/>
-        </p:nvPicPr>
-        <p:blipFill>
-          <a:blip r:embed="rId2"/>
-          <a:stretch>
-            <a:fillRect/>
-          </a:stretch>
-        </p:blipFill>
-        <p:spPr>
-          <a:xfrm>
-            <a:off x="668370" y="2885189"/>
-            <a:ext cx="10134868" cy="1255282"/>
-          </a:xfrm>
-          <a:prstGeom prst="rect">
-            <a:avLst/>
-          </a:prstGeom>
-        </p:spPr>
-      </p:pic>
-      <p:sp>
-        <p:nvSpPr>
-          <p:cNvPr id="6" name="Content Placeholder 2">
-            <a:extLst>
-              <a:ext uri="{FF2B5EF4-FFF2-40B4-BE49-F238E27FC236}">
-                <a16:creationId xmlns:a16="http://schemas.microsoft.com/office/drawing/2014/main" id="{289D8C40-4AD9-6C4B-9547-A16128527208}"/>
-              </a:ext>
-            </a:extLst>
-          </p:cNvPr>
-          <p:cNvSpPr txBox="1">
-            <a:spLocks/>
-          </p:cNvSpPr>
-          <p:nvPr/>
-        </p:nvSpPr>
-        <p:spPr>
-          <a:xfrm>
-            <a:off x="668370" y="3856026"/>
-            <a:ext cx="8596668" cy="2033785"/>
-          </a:xfrm>
-          <a:prstGeom prst="rect">
-            <a:avLst/>
-          </a:prstGeom>
-        </p:spPr>
-        <p:txBody>
-          <a:bodyPr vert="horz" lIns="91440" tIns="45720" rIns="91440" bIns="45720" rtlCol="0">
-            <a:normAutofit/>
-          </a:bodyPr>
-          <a:lstStyle>
-            <a:lvl1pPr marL="342900" indent="-342900" algn="l" defTabSz="457200" rtl="0" eaLnBrk="1" latinLnBrk="0" hangingPunct="1">
-              <a:spcBef>
-                <a:spcPts val="1000"/>
-              </a:spcBef>
-              <a:spcAft>
-                <a:spcPts val="0"/>
-              </a:spcAft>
-              <a:buClr>
-                <a:schemeClr val="accent1">
-                  <a:lumMod val="75000"/>
-                </a:schemeClr>
-              </a:buClr>
-              <a:buSzPct val="80000"/>
-              <a:buFont typeface="Wingdings 3" charset="2"/>
-              <a:buChar char=""/>
-              <a:defRPr sz="1800" kern="1200">
-                <a:solidFill>
-                  <a:schemeClr val="tx1">
-                    <a:lumMod val="75000"/>
-                    <a:lumOff val="25000"/>
-                  </a:schemeClr>
-                </a:solidFill>
-                <a:latin typeface="+mn-lt"/>
-                <a:ea typeface="+mn-ea"/>
-                <a:cs typeface="+mn-cs"/>
-              </a:defRPr>
-            </a:lvl1pPr>
-            <a:lvl2pPr marL="742950" indent="-285750" algn="l" defTabSz="457200" rtl="0" eaLnBrk="1" latinLnBrk="0" hangingPunct="1">
-              <a:spcBef>
-                <a:spcPts val="1000"/>
-              </a:spcBef>
-              <a:spcAft>
-                <a:spcPts val="0"/>
-              </a:spcAft>
-              <a:buClr>
-                <a:schemeClr val="accent1">
-                  <a:lumMod val="75000"/>
-                </a:schemeClr>
-              </a:buClr>
-              <a:buSzPct val="80000"/>
-              <a:buFont typeface="Wingdings 3" charset="2"/>
-              <a:buChar char=""/>
-              <a:defRPr sz="1600" kern="1200">
-                <a:solidFill>
-                  <a:schemeClr val="tx1">
-                    <a:lumMod val="75000"/>
-                    <a:lumOff val="25000"/>
-                  </a:schemeClr>
-                </a:solidFill>
-                <a:latin typeface="+mn-lt"/>
-                <a:ea typeface="+mn-ea"/>
-                <a:cs typeface="+mn-cs"/>
-              </a:defRPr>
-            </a:lvl2pPr>
-            <a:lvl3pPr marL="1143000" indent="-228600" algn="l" defTabSz="457200" rtl="0" eaLnBrk="1" latinLnBrk="0" hangingPunct="1">
-              <a:spcBef>
-                <a:spcPts val="1000"/>
-              </a:spcBef>
-              <a:spcAft>
-                <a:spcPts val="0"/>
-              </a:spcAft>
-              <a:buClr>
-                <a:schemeClr val="accent1">
-                  <a:lumMod val="75000"/>
-                </a:schemeClr>
-              </a:buClr>
-              <a:buSzPct val="80000"/>
-              <a:buFont typeface="Wingdings 3" charset="2"/>
-              <a:buChar char=""/>
-              <a:defRPr sz="1400" kern="1200">
-                <a:solidFill>
-                  <a:schemeClr val="tx1">
-                    <a:lumMod val="75000"/>
-                    <a:lumOff val="25000"/>
-                  </a:schemeClr>
-                </a:solidFill>
-                <a:latin typeface="+mn-lt"/>
-                <a:ea typeface="+mn-ea"/>
-                <a:cs typeface="+mn-cs"/>
-              </a:defRPr>
-            </a:lvl3pPr>
-            <a:lvl4pPr marL="1600200" indent="-228600" algn="l" defTabSz="457200" rtl="0" eaLnBrk="1" latinLnBrk="0" hangingPunct="1">
-              <a:spcBef>
-                <a:spcPts val="1000"/>
-              </a:spcBef>
-              <a:spcAft>
-                <a:spcPts val="0"/>
-              </a:spcAft>
-              <a:buClr>
-                <a:schemeClr val="accent1">
-                  <a:lumMod val="75000"/>
-                </a:schemeClr>
-              </a:buClr>
-              <a:buSzPct val="80000"/>
-              <a:buFont typeface="Wingdings 3" charset="2"/>
-              <a:buChar char=""/>
-              <a:defRPr sz="1200" kern="1200">
-                <a:solidFill>
-                  <a:schemeClr val="tx1">
-                    <a:lumMod val="75000"/>
-                    <a:lumOff val="25000"/>
-                  </a:schemeClr>
-                </a:solidFill>
-                <a:latin typeface="+mn-lt"/>
-                <a:ea typeface="+mn-ea"/>
-                <a:cs typeface="+mn-cs"/>
-              </a:defRPr>
-            </a:lvl4pPr>
-            <a:lvl5pPr marL="2057400" indent="-228600" algn="l" defTabSz="457200" rtl="0" eaLnBrk="1" latinLnBrk="0" hangingPunct="1">
-              <a:spcBef>
-                <a:spcPts val="1000"/>
-              </a:spcBef>
-              <a:spcAft>
-                <a:spcPts val="0"/>
-              </a:spcAft>
-              <a:buClr>
-                <a:schemeClr val="accent1">
-                  <a:lumMod val="75000"/>
-                </a:schemeClr>
-              </a:buClr>
-              <a:buSzPct val="80000"/>
-              <a:buFont typeface="Wingdings 3" charset="2"/>
-              <a:buChar char=""/>
-              <a:defRPr sz="1200" kern="1200">
-                <a:solidFill>
-                  <a:schemeClr val="tx1">
-                    <a:lumMod val="75000"/>
-                    <a:lumOff val="25000"/>
-                  </a:schemeClr>
-                </a:solidFill>
-                <a:latin typeface="+mn-lt"/>
-                <a:ea typeface="+mn-ea"/>
-                <a:cs typeface="+mn-cs"/>
-              </a:defRPr>
-            </a:lvl5pPr>
-            <a:lvl6pPr marL="2514600" indent="-228600" algn="l" defTabSz="457200" rtl="0" eaLnBrk="1" latinLnBrk="0" hangingPunct="1">
-              <a:spcBef>
-                <a:spcPts val="1000"/>
-              </a:spcBef>
-              <a:spcAft>
-                <a:spcPts val="0"/>
-              </a:spcAft>
-              <a:buClr>
-                <a:schemeClr val="accent1">
-                  <a:lumMod val="75000"/>
-                </a:schemeClr>
-              </a:buClr>
-              <a:buSzPct val="80000"/>
-              <a:buFont typeface="Wingdings 3" charset="2"/>
-              <a:buChar char=""/>
-              <a:defRPr sz="1200" kern="1200">
-                <a:solidFill>
-                  <a:schemeClr val="tx1">
-                    <a:lumMod val="75000"/>
-                    <a:lumOff val="25000"/>
-                  </a:schemeClr>
-                </a:solidFill>
-                <a:latin typeface="+mn-lt"/>
-                <a:ea typeface="+mn-ea"/>
-                <a:cs typeface="+mn-cs"/>
-              </a:defRPr>
-            </a:lvl6pPr>
-            <a:lvl7pPr marL="2971800" indent="-228600" algn="l" defTabSz="457200" rtl="0" eaLnBrk="1" latinLnBrk="0" hangingPunct="1">
-              <a:spcBef>
-                <a:spcPts val="1000"/>
-              </a:spcBef>
-              <a:spcAft>
-                <a:spcPts val="0"/>
-              </a:spcAft>
-              <a:buClr>
-                <a:schemeClr val="accent1">
-                  <a:lumMod val="75000"/>
-                </a:schemeClr>
-              </a:buClr>
-              <a:buSzPct val="80000"/>
-              <a:buFont typeface="Wingdings 3" charset="2"/>
-              <a:buChar char=""/>
-              <a:defRPr sz="1200" kern="1200">
-                <a:solidFill>
-                  <a:schemeClr val="tx1">
-                    <a:lumMod val="75000"/>
-                    <a:lumOff val="25000"/>
-                  </a:schemeClr>
-                </a:solidFill>
-                <a:latin typeface="+mn-lt"/>
-                <a:ea typeface="+mn-ea"/>
-                <a:cs typeface="+mn-cs"/>
-              </a:defRPr>
-            </a:lvl7pPr>
-            <a:lvl8pPr marL="3429000" indent="-228600" algn="l" defTabSz="457200" rtl="0" eaLnBrk="1" latinLnBrk="0" hangingPunct="1">
-              <a:spcBef>
-                <a:spcPts val="1000"/>
-              </a:spcBef>
-              <a:spcAft>
-                <a:spcPts val="0"/>
-              </a:spcAft>
-              <a:buClr>
-                <a:schemeClr val="accent1">
-                  <a:lumMod val="75000"/>
-                </a:schemeClr>
-              </a:buClr>
-              <a:buSzPct val="80000"/>
-              <a:buFont typeface="Wingdings 3" charset="2"/>
-              <a:buChar char=""/>
-              <a:defRPr sz="1200" kern="1200">
-                <a:solidFill>
-                  <a:schemeClr val="tx1">
-                    <a:lumMod val="75000"/>
-                    <a:lumOff val="25000"/>
-                  </a:schemeClr>
-                </a:solidFill>
-                <a:latin typeface="+mn-lt"/>
-                <a:ea typeface="+mn-ea"/>
-                <a:cs typeface="+mn-cs"/>
-              </a:defRPr>
-            </a:lvl8pPr>
-            <a:lvl9pPr marL="3886200" indent="-228600" algn="l" defTabSz="457200" rtl="0" eaLnBrk="1" latinLnBrk="0" hangingPunct="1">
-              <a:spcBef>
-                <a:spcPts val="1000"/>
-              </a:spcBef>
-              <a:spcAft>
-                <a:spcPts val="0"/>
-              </a:spcAft>
-              <a:buClr>
-                <a:schemeClr val="accent1">
-                  <a:lumMod val="75000"/>
-                </a:schemeClr>
-              </a:buClr>
-              <a:buSzPct val="80000"/>
-              <a:buFont typeface="Wingdings 3" charset="2"/>
-              <a:buChar char=""/>
-              <a:defRPr sz="1200" kern="1200">
-                <a:solidFill>
-                  <a:schemeClr val="tx1">
-                    <a:lumMod val="75000"/>
-                    <a:lumOff val="25000"/>
-                  </a:schemeClr>
-                </a:solidFill>
-                <a:latin typeface="+mn-lt"/>
-                <a:ea typeface="+mn-ea"/>
-                <a:cs typeface="+mn-cs"/>
-              </a:defRPr>
-            </a:lvl9pPr>
-          </a:lstStyle>
-          <a:p>
-            <a:pPr marL="0" indent="0">
-              <a:buNone/>
-            </a:pPr>
-            <a:endParaRPr lang="en-US" dirty="0"/>
-          </a:p>
-        </p:txBody>
-      </p:sp>
-    </p:spTree>
-    <p:extLst>
-      <p:ext uri="{BB962C8B-B14F-4D97-AF65-F5344CB8AC3E}">
-        <p14:creationId xmlns:p14="http://schemas.microsoft.com/office/powerpoint/2010/main" val="440818007"/>
-      </p:ext>
-    </p:extLst>
-  </p:cSld>
-  <p:clrMapOvr>
-    <a:masterClrMapping/>
-  </p:clrMapOvr>
-</p:sld>
-</file>
-
 <file path=ppt/slides/slide5.xml><?xml version="1.0" encoding="utf-8"?>
 <p:sld xmlns:a="http://schemas.openxmlformats.org/drawingml/2006/main" xmlns:r="http://schemas.openxmlformats.org/officeDocument/2006/relationships" xmlns:p="http://schemas.openxmlformats.org/presentationml/2006/main">
   <p:cSld>
@@ -15358,79 +17874,87 @@
         </p:nvSpPr>
         <p:spPr>
           <a:xfrm>
-            <a:off x="677334" y="1491518"/>
-            <a:ext cx="8596668" cy="3880773"/>
+            <a:off x="677334" y="1597024"/>
+            <a:ext cx="8596668" cy="4569314"/>
           </a:xfrm>
         </p:spPr>
         <p:txBody>
-          <a:bodyPr/>
+          <a:bodyPr>
+            <a:normAutofit/>
+          </a:bodyPr>
           <a:lstStyle/>
           <a:p>
             <a:r>
               <a:rPr lang="en-US" dirty="0"/>
-              <a:t>This was a very large but relatively clean dataset. However the dataset did contain several cleaning and transformation challenges we needed to address in order to get the data we needed to answer our research questions.</a:t>
+              <a:t>This was a relatively large dataset. </a:t>
             </a:r>
           </a:p>
           <a:p>
-            <a:pPr marL="0" indent="0">
-              <a:buNone/>
-            </a:pPr>
             <a:r>
               <a:rPr lang="en-US" dirty="0"/>
-              <a:t>     Some of these cleaning challenges included:</a:t>
+              <a:t>Clean up code </a:t>
             </a:r>
           </a:p>
           <a:p>
-            <a:pPr lvl="1">
-              <a:buFont typeface="Wingdings" pitchFamily="2" charset="2"/>
-              <a:buChar char="Ø"/>
-            </a:pPr>
+            <a:pPr lvl="1"/>
+            <a:r>
+              <a:rPr lang="en-US" dirty="0"/>
+              <a:t>Size of Individuals dataset</a:t>
+            </a:r>
+          </a:p>
+          <a:p>
+            <a:pPr lvl="1"/>
+            <a:r>
+              <a:rPr lang="en-US" dirty="0"/>
+              <a:t>Separator </a:t>
+            </a:r>
+          </a:p>
+          <a:p>
+            <a:r>
+              <a:rPr lang="en-US" dirty="0"/>
+              <a:t>Cleaning and transformation challenges we needed to address in order to get the data we needed to answer our research questions.</a:t>
+            </a:r>
+          </a:p>
+          <a:p>
+            <a:pPr lvl="1"/>
             <a:r>
               <a:rPr lang="en-US" dirty="0"/>
               <a:t>Occasionally missing data</a:t>
             </a:r>
           </a:p>
           <a:p>
-            <a:pPr lvl="1">
-              <a:buFont typeface="Wingdings" pitchFamily="2" charset="2"/>
-              <a:buChar char="Ø"/>
-            </a:pPr>
+            <a:pPr lvl="2"/>
             <a:r>
               <a:rPr lang="en-US" dirty="0"/>
-              <a:t>Improperly formatted data for our uses. For example individual donor’s state and political party was imbedded in string with other information.</a:t>
+              <a:t>Zip Codes</a:t>
             </a:r>
           </a:p>
           <a:p>
-            <a:pPr marL="457200" lvl="1" indent="0">
-              <a:buNone/>
-            </a:pPr>
+            <a:pPr lvl="2"/>
             <a:r>
               <a:rPr lang="en-US" dirty="0"/>
-              <a:t>Additionally, in order work with </a:t>
+              <a:t>Win/Loss</a:t>
             </a:r>
-            <a:r>
-              <a:rPr lang="en-US" dirty="0" err="1"/>
-              <a:t>Plotly</a:t>
-            </a:r>
+          </a:p>
+          <a:p>
+            <a:pPr lvl="1"/>
             <a:r>
               <a:rPr lang="en-US" dirty="0"/>
-              <a:t> Individual donor zip code had to be converted to county, which in turn had to be converted to </a:t>
+              <a:t>Transformation</a:t>
             </a:r>
-            <a:r>
-              <a:rPr lang="en-US" b="1" i="1" dirty="0"/>
-              <a:t>Federal Information Processing Standard(FIPS) </a:t>
-            </a:r>
+          </a:p>
+          <a:p>
+            <a:pPr lvl="2"/>
             <a:r>
               <a:rPr lang="en-US" dirty="0"/>
-              <a:t>required by </a:t>
+              <a:t>CO candidates</a:t>
             </a:r>
-            <a:r>
-              <a:rPr lang="en-US" dirty="0" err="1"/>
-              <a:t>Plotly</a:t>
-            </a:r>
+          </a:p>
+          <a:p>
+            <a:pPr lvl="2"/>
             <a:r>
               <a:rPr lang="en-US" dirty="0"/>
-              <a:t> to plot geographic data by county.</a:t>
+              <a:t>Party/Results</a:t>
             </a:r>
           </a:p>
         </p:txBody>
@@ -15438,7 +17962,7 @@
     </p:spTree>
     <p:extLst>
       <p:ext uri="{BB962C8B-B14F-4D97-AF65-F5344CB8AC3E}">
-        <p14:creationId xmlns:p14="http://schemas.microsoft.com/office/powerpoint/2010/main" val="257640157"/>
+        <p14:creationId xmlns:p14="http://schemas.microsoft.com/office/powerpoint/2010/main" val="2213298964"/>
       </p:ext>
     </p:extLst>
   </p:cSld>
@@ -15481,47 +18005,262 @@
             <p:ph type="title"/>
           </p:nvPr>
         </p:nvSpPr>
-        <p:spPr/>
+        <p:spPr>
+          <a:xfrm>
+            <a:off x="363416" y="211017"/>
+            <a:ext cx="8124092" cy="1144228"/>
+          </a:xfrm>
+        </p:spPr>
         <p:txBody>
-          <a:bodyPr/>
+          <a:bodyPr>
+            <a:normAutofit/>
+          </a:bodyPr>
           <a:lstStyle/>
           <a:p>
             <a:r>
               <a:rPr lang="en-US" dirty="0"/>
-              <a:t>Vis 1</a:t>
+              <a:t>Amounts Given Over All of the Years </a:t>
             </a:r>
           </a:p>
         </p:txBody>
       </p:sp>
-      <p:sp>
-        <p:nvSpPr>
-          <p:cNvPr id="3" name="Content Placeholder 2">
+      <p:pic>
+        <p:nvPicPr>
+          <p:cNvPr id="5" name="Content Placeholder 4">
             <a:extLst>
               <a:ext uri="{FF2B5EF4-FFF2-40B4-BE49-F238E27FC236}">
-                <a16:creationId xmlns:a16="http://schemas.microsoft.com/office/drawing/2014/main" id="{790B17DF-7D2C-F34A-BC9F-061821D05992}"/>
+                <a16:creationId xmlns:a16="http://schemas.microsoft.com/office/drawing/2014/main" id="{8989FA16-466A-6840-BC48-B346C84ABE5B}"/>
               </a:ext>
             </a:extLst>
           </p:cNvPr>
-          <p:cNvSpPr>
-            <a:spLocks noGrp="1"/>
-          </p:cNvSpPr>
+          <p:cNvPicPr>
+            <a:picLocks noGrp="1" noChangeAspect="1"/>
+          </p:cNvPicPr>
           <p:nvPr>
             <p:ph idx="1"/>
           </p:nvPr>
-        </p:nvSpPr>
-        <p:spPr/>
-        <p:txBody>
-          <a:bodyPr/>
-          <a:lstStyle/>
-          <a:p>
-            <a:endParaRPr lang="en-US"/>
-          </a:p>
-        </p:txBody>
-      </p:sp>
+        </p:nvPicPr>
+        <p:blipFill>
+          <a:blip r:embed="rId2"/>
+          <a:stretch>
+            <a:fillRect/>
+          </a:stretch>
+        </p:blipFill>
+        <p:spPr>
+          <a:xfrm>
+            <a:off x="0" y="1112344"/>
+            <a:ext cx="12192000" cy="5745656"/>
+          </a:xfrm>
+        </p:spPr>
+      </p:pic>
+      <mc:AlternateContent xmlns:mc="http://schemas.openxmlformats.org/markup-compatibility/2006" xmlns:p14="http://schemas.microsoft.com/office/powerpoint/2010/main">
+        <mc:Choice Requires="p14">
+          <p:contentPart p14:bwMode="auto" r:id="rId3">
+            <p14:nvContentPartPr>
+              <p14:cNvPr id="6" name="Ink 5">
+                <a:extLst>
+                  <a:ext uri="{FF2B5EF4-FFF2-40B4-BE49-F238E27FC236}">
+                    <a16:creationId xmlns:a16="http://schemas.microsoft.com/office/drawing/2014/main" id="{D4AB16D3-923E-7C47-A2CF-A5A1B6DE8A74}"/>
+                  </a:ext>
+                </a:extLst>
+              </p14:cNvPr>
+              <p14:cNvContentPartPr/>
+              <p14:nvPr/>
+            </p14:nvContentPartPr>
+            <p14:xfrm>
+              <a:off x="655837" y="1119028"/>
+              <a:ext cx="166680" cy="25200"/>
+            </p14:xfrm>
+          </p:contentPart>
+        </mc:Choice>
+        <mc:Fallback xmlns="">
+          <p:pic>
+            <p:nvPicPr>
+              <p:cNvPr id="6" name="Ink 5">
+                <a:extLst>
+                  <a:ext uri="{FF2B5EF4-FFF2-40B4-BE49-F238E27FC236}">
+                    <a16:creationId xmlns:a16="http://schemas.microsoft.com/office/drawing/2014/main" id="{D4AB16D3-923E-7C47-A2CF-A5A1B6DE8A74}"/>
+                  </a:ext>
+                </a:extLst>
+              </p:cNvPr>
+              <p:cNvPicPr/>
+              <p:nvPr/>
+            </p:nvPicPr>
+            <p:blipFill>
+              <a:blip r:embed="rId4"/>
+              <a:stretch>
+                <a:fillRect/>
+              </a:stretch>
+            </p:blipFill>
+            <p:spPr>
+              <a:xfrm>
+                <a:off x="646837" y="1110388"/>
+                <a:ext cx="184320" cy="42840"/>
+              </a:xfrm>
+              <a:prstGeom prst="rect">
+                <a:avLst/>
+              </a:prstGeom>
+            </p:spPr>
+          </p:pic>
+        </mc:Fallback>
+      </mc:AlternateContent>
+      <mc:AlternateContent xmlns:mc="http://schemas.openxmlformats.org/markup-compatibility/2006" xmlns:p14="http://schemas.microsoft.com/office/powerpoint/2010/main">
+        <mc:Choice Requires="p14">
+          <p:contentPart p14:bwMode="auto" r:id="rId5">
+            <p14:nvContentPartPr>
+              <p14:cNvPr id="9" name="Ink 8">
+                <a:extLst>
+                  <a:ext uri="{FF2B5EF4-FFF2-40B4-BE49-F238E27FC236}">
+                    <a16:creationId xmlns:a16="http://schemas.microsoft.com/office/drawing/2014/main" id="{B795EF58-1E16-F34C-AE36-91EAAC99B759}"/>
+                  </a:ext>
+                </a:extLst>
+              </p14:cNvPr>
+              <p14:cNvContentPartPr/>
+              <p14:nvPr/>
+            </p14:nvContentPartPr>
+            <p14:xfrm>
+              <a:off x="2163877" y="1113628"/>
+              <a:ext cx="217080" cy="31320"/>
+            </p14:xfrm>
+          </p:contentPart>
+        </mc:Choice>
+        <mc:Fallback xmlns="">
+          <p:pic>
+            <p:nvPicPr>
+              <p:cNvPr id="9" name="Ink 8">
+                <a:extLst>
+                  <a:ext uri="{FF2B5EF4-FFF2-40B4-BE49-F238E27FC236}">
+                    <a16:creationId xmlns:a16="http://schemas.microsoft.com/office/drawing/2014/main" id="{B795EF58-1E16-F34C-AE36-91EAAC99B759}"/>
+                  </a:ext>
+                </a:extLst>
+              </p:cNvPr>
+              <p:cNvPicPr/>
+              <p:nvPr/>
+            </p:nvPicPr>
+            <p:blipFill>
+              <a:blip r:embed="rId6"/>
+              <a:stretch>
+                <a:fillRect/>
+              </a:stretch>
+            </p:blipFill>
+            <p:spPr>
+              <a:xfrm>
+                <a:off x="2154877" y="1104628"/>
+                <a:ext cx="234720" cy="48960"/>
+              </a:xfrm>
+              <a:prstGeom prst="rect">
+                <a:avLst/>
+              </a:prstGeom>
+            </p:spPr>
+          </p:pic>
+        </mc:Fallback>
+      </mc:AlternateContent>
+      <mc:AlternateContent xmlns:mc="http://schemas.openxmlformats.org/markup-compatibility/2006" xmlns:p14="http://schemas.microsoft.com/office/powerpoint/2010/main">
+        <mc:Choice Requires="p14">
+          <p:contentPart p14:bwMode="auto" r:id="rId7">
+            <p14:nvContentPartPr>
+              <p14:cNvPr id="10" name="Ink 9">
+                <a:extLst>
+                  <a:ext uri="{FF2B5EF4-FFF2-40B4-BE49-F238E27FC236}">
+                    <a16:creationId xmlns:a16="http://schemas.microsoft.com/office/drawing/2014/main" id="{3AF5B185-0F5D-0449-9969-3031A7AA6EBF}"/>
+                  </a:ext>
+                </a:extLst>
+              </p14:cNvPr>
+              <p14:cNvContentPartPr/>
+              <p14:nvPr/>
+            </p14:nvContentPartPr>
+            <p14:xfrm>
+              <a:off x="2656717" y="1114708"/>
+              <a:ext cx="167040" cy="12600"/>
+            </p14:xfrm>
+          </p:contentPart>
+        </mc:Choice>
+        <mc:Fallback xmlns="">
+          <p:pic>
+            <p:nvPicPr>
+              <p:cNvPr id="10" name="Ink 9">
+                <a:extLst>
+                  <a:ext uri="{FF2B5EF4-FFF2-40B4-BE49-F238E27FC236}">
+                    <a16:creationId xmlns:a16="http://schemas.microsoft.com/office/drawing/2014/main" id="{3AF5B185-0F5D-0449-9969-3031A7AA6EBF}"/>
+                  </a:ext>
+                </a:extLst>
+              </p:cNvPr>
+              <p:cNvPicPr/>
+              <p:nvPr/>
+            </p:nvPicPr>
+            <p:blipFill>
+              <a:blip r:embed="rId8"/>
+              <a:stretch>
+                <a:fillRect/>
+              </a:stretch>
+            </p:blipFill>
+            <p:spPr>
+              <a:xfrm>
+                <a:off x="2647717" y="1106068"/>
+                <a:ext cx="184680" cy="30240"/>
+              </a:xfrm>
+              <a:prstGeom prst="rect">
+                <a:avLst/>
+              </a:prstGeom>
+            </p:spPr>
+          </p:pic>
+        </mc:Fallback>
+      </mc:AlternateContent>
+      <mc:AlternateContent xmlns:mc="http://schemas.openxmlformats.org/markup-compatibility/2006" xmlns:p14="http://schemas.microsoft.com/office/powerpoint/2010/main">
+        <mc:Choice Requires="p14">
+          <p:contentPart p14:bwMode="auto" r:id="rId9">
+            <p14:nvContentPartPr>
+              <p14:cNvPr id="11" name="Ink 10">
+                <a:extLst>
+                  <a:ext uri="{FF2B5EF4-FFF2-40B4-BE49-F238E27FC236}">
+                    <a16:creationId xmlns:a16="http://schemas.microsoft.com/office/drawing/2014/main" id="{5BFB1481-3C3E-C743-98D3-69E67C9ECA92}"/>
+                  </a:ext>
+                </a:extLst>
+              </p14:cNvPr>
+              <p14:cNvContentPartPr/>
+              <p14:nvPr/>
+            </p14:nvContentPartPr>
+            <p14:xfrm>
+              <a:off x="4218397" y="1124068"/>
+              <a:ext cx="122040" cy="360"/>
+            </p14:xfrm>
+          </p:contentPart>
+        </mc:Choice>
+        <mc:Fallback xmlns="">
+          <p:pic>
+            <p:nvPicPr>
+              <p:cNvPr id="11" name="Ink 10">
+                <a:extLst>
+                  <a:ext uri="{FF2B5EF4-FFF2-40B4-BE49-F238E27FC236}">
+                    <a16:creationId xmlns:a16="http://schemas.microsoft.com/office/drawing/2014/main" id="{5BFB1481-3C3E-C743-98D3-69E67C9ECA92}"/>
+                  </a:ext>
+                </a:extLst>
+              </p:cNvPr>
+              <p:cNvPicPr/>
+              <p:nvPr/>
+            </p:nvPicPr>
+            <p:blipFill>
+              <a:blip r:embed="rId10"/>
+              <a:stretch>
+                <a:fillRect/>
+              </a:stretch>
+            </p:blipFill>
+            <p:spPr>
+              <a:xfrm>
+                <a:off x="4209397" y="1115068"/>
+                <a:ext cx="139680" cy="18000"/>
+              </a:xfrm>
+              <a:prstGeom prst="rect">
+                <a:avLst/>
+              </a:prstGeom>
+            </p:spPr>
+          </p:pic>
+        </mc:Fallback>
+      </mc:AlternateContent>
     </p:spTree>
     <p:extLst>
       <p:ext uri="{BB962C8B-B14F-4D97-AF65-F5344CB8AC3E}">
-        <p14:creationId xmlns:p14="http://schemas.microsoft.com/office/powerpoint/2010/main" val="3793138607"/>
+        <p14:creationId xmlns:p14="http://schemas.microsoft.com/office/powerpoint/2010/main" val="2417247543"/>
       </p:ext>
     </p:extLst>
   </p:cSld>
@@ -15553,7 +18292,1871 @@
           <p:cNvPr id="2" name="Title 1">
             <a:extLst>
               <a:ext uri="{FF2B5EF4-FFF2-40B4-BE49-F238E27FC236}">
-                <a16:creationId xmlns:a16="http://schemas.microsoft.com/office/drawing/2014/main" id="{1A7138CC-24D2-F645-98D5-44EA011D358D}"/>
+                <a16:creationId xmlns:a16="http://schemas.microsoft.com/office/drawing/2014/main" id="{103C9612-AA9D-8D4D-B622-86C81C7714F6}"/>
+              </a:ext>
+            </a:extLst>
+          </p:cNvPr>
+          <p:cNvSpPr>
+            <a:spLocks noGrp="1"/>
+          </p:cNvSpPr>
+          <p:nvPr>
+            <p:ph type="title"/>
+          </p:nvPr>
+        </p:nvSpPr>
+        <p:spPr>
+          <a:xfrm>
+            <a:off x="677334" y="330924"/>
+            <a:ext cx="8596668" cy="748553"/>
+          </a:xfrm>
+        </p:spPr>
+        <p:txBody>
+          <a:bodyPr/>
+          <a:lstStyle/>
+          <a:p>
+            <a:r>
+              <a:rPr lang="en-US" dirty="0"/>
+              <a:t>Summary Statistics</a:t>
+            </a:r>
+          </a:p>
+        </p:txBody>
+      </p:sp>
+      <p:graphicFrame>
+        <p:nvGraphicFramePr>
+          <p:cNvPr id="8" name="Table 7">
+            <a:extLst>
+              <a:ext uri="{FF2B5EF4-FFF2-40B4-BE49-F238E27FC236}">
+                <a16:creationId xmlns:a16="http://schemas.microsoft.com/office/drawing/2014/main" id="{52FD5A63-EBDB-D74D-9545-B7279A326090}"/>
+              </a:ext>
+            </a:extLst>
+          </p:cNvPr>
+          <p:cNvGraphicFramePr>
+            <a:graphicFrameLocks noGrp="1"/>
+          </p:cNvGraphicFramePr>
+          <p:nvPr>
+            <p:extLst>
+              <p:ext uri="{D42A27DB-BD31-4B8C-83A1-F6EECF244321}">
+                <p14:modId xmlns:p14="http://schemas.microsoft.com/office/powerpoint/2010/main" val="4176642983"/>
+              </p:ext>
+            </p:extLst>
+          </p:nvPr>
+        </p:nvGraphicFramePr>
+        <p:xfrm>
+          <a:off x="790549" y="1593667"/>
+          <a:ext cx="7883192" cy="2314835"/>
+        </p:xfrm>
+        <a:graphic>
+          <a:graphicData uri="http://schemas.openxmlformats.org/drawingml/2006/table">
+            <a:tbl>
+              <a:tblPr firstRow="1" bandRow="1">
+                <a:tableStyleId>{5C22544A-7EE6-4342-B048-85BDC9FD1C3A}</a:tableStyleId>
+              </a:tblPr>
+              <a:tblGrid>
+                <a:gridCol w="635759">
+                  <a:extLst>
+                    <a:ext uri="{9D8B030D-6E8A-4147-A177-3AD203B41FA5}">
+                      <a16:colId xmlns:a16="http://schemas.microsoft.com/office/drawing/2014/main" val="755655665"/>
+                    </a:ext>
+                  </a:extLst>
+                </a:gridCol>
+                <a:gridCol w="1177558">
+                  <a:extLst>
+                    <a:ext uri="{9D8B030D-6E8A-4147-A177-3AD203B41FA5}">
+                      <a16:colId xmlns:a16="http://schemas.microsoft.com/office/drawing/2014/main" val="569154185"/>
+                    </a:ext>
+                  </a:extLst>
+                </a:gridCol>
+                <a:gridCol w="1358538">
+                  <a:extLst>
+                    <a:ext uri="{9D8B030D-6E8A-4147-A177-3AD203B41FA5}">
+                      <a16:colId xmlns:a16="http://schemas.microsoft.com/office/drawing/2014/main" val="10219815"/>
+                    </a:ext>
+                  </a:extLst>
+                </a:gridCol>
+                <a:gridCol w="1280160">
+                  <a:extLst>
+                    <a:ext uri="{9D8B030D-6E8A-4147-A177-3AD203B41FA5}">
+                      <a16:colId xmlns:a16="http://schemas.microsoft.com/office/drawing/2014/main" val="1653269877"/>
+                    </a:ext>
+                  </a:extLst>
+                </a:gridCol>
+                <a:gridCol w="1123405">
+                  <a:extLst>
+                    <a:ext uri="{9D8B030D-6E8A-4147-A177-3AD203B41FA5}">
+                      <a16:colId xmlns:a16="http://schemas.microsoft.com/office/drawing/2014/main" val="4044902209"/>
+                    </a:ext>
+                  </a:extLst>
+                </a:gridCol>
+                <a:gridCol w="1245326">
+                  <a:extLst>
+                    <a:ext uri="{9D8B030D-6E8A-4147-A177-3AD203B41FA5}">
+                      <a16:colId xmlns:a16="http://schemas.microsoft.com/office/drawing/2014/main" val="3607337556"/>
+                    </a:ext>
+                  </a:extLst>
+                </a:gridCol>
+                <a:gridCol w="1062446">
+                  <a:extLst>
+                    <a:ext uri="{9D8B030D-6E8A-4147-A177-3AD203B41FA5}">
+                      <a16:colId xmlns:a16="http://schemas.microsoft.com/office/drawing/2014/main" val="2322787342"/>
+                    </a:ext>
+                  </a:extLst>
+                </a:gridCol>
+              </a:tblGrid>
+              <a:tr h="394595">
+                <a:tc>
+                  <a:txBody>
+                    <a:bodyPr/>
+                    <a:lstStyle/>
+                    <a:p>
+                      <a:endParaRPr lang="en-US" sz="1200" dirty="0"/>
+                    </a:p>
+                  </a:txBody>
+                  <a:tcPr/>
+                </a:tc>
+                <a:tc>
+                  <a:txBody>
+                    <a:bodyPr/>
+                    <a:lstStyle/>
+                    <a:p>
+                      <a:r>
+                        <a:rPr lang="en-US" sz="1200" dirty="0"/>
+                        <a:t>Total Donors</a:t>
+                      </a:r>
+                    </a:p>
+                  </a:txBody>
+                  <a:tcPr/>
+                </a:tc>
+                <a:tc>
+                  <a:txBody>
+                    <a:bodyPr/>
+                    <a:lstStyle/>
+                    <a:p>
+                      <a:r>
+                        <a:rPr lang="en-US" sz="1200" dirty="0"/>
+                        <a:t>Total Amount</a:t>
+                      </a:r>
+                    </a:p>
+                  </a:txBody>
+                  <a:tcPr/>
+                </a:tc>
+                <a:tc>
+                  <a:txBody>
+                    <a:bodyPr/>
+                    <a:lstStyle/>
+                    <a:p>
+                      <a:r>
+                        <a:rPr lang="en-US" sz="1200" dirty="0"/>
+                        <a:t>Max</a:t>
+                      </a:r>
+                    </a:p>
+                  </a:txBody>
+                  <a:tcPr/>
+                </a:tc>
+                <a:tc>
+                  <a:txBody>
+                    <a:bodyPr/>
+                    <a:lstStyle/>
+                    <a:p>
+                      <a:r>
+                        <a:rPr lang="en-US" sz="1200" dirty="0"/>
+                        <a:t>Min </a:t>
+                      </a:r>
+                    </a:p>
+                  </a:txBody>
+                  <a:tcPr/>
+                </a:tc>
+                <a:tc>
+                  <a:txBody>
+                    <a:bodyPr/>
+                    <a:lstStyle/>
+                    <a:p>
+                      <a:r>
+                        <a:rPr lang="en-US" sz="1200" dirty="0"/>
+                        <a:t>Median</a:t>
+                      </a:r>
+                    </a:p>
+                  </a:txBody>
+                  <a:tcPr/>
+                </a:tc>
+                <a:tc>
+                  <a:txBody>
+                    <a:bodyPr/>
+                    <a:lstStyle/>
+                    <a:p>
+                      <a:r>
+                        <a:rPr lang="en-US" sz="1200" dirty="0"/>
+                        <a:t>Mean</a:t>
+                      </a:r>
+                    </a:p>
+                  </a:txBody>
+                  <a:tcPr/>
+                </a:tc>
+                <a:extLst>
+                  <a:ext uri="{0D108BD9-81ED-4DB2-BD59-A6C34878D82A}">
+                    <a16:rowId xmlns:a16="http://schemas.microsoft.com/office/drawing/2014/main" val="1823016952"/>
+                  </a:ext>
+                </a:extLst>
+              </a:tr>
+              <a:tr h="232256">
+                <a:tc>
+                  <a:txBody>
+                    <a:bodyPr/>
+                    <a:lstStyle/>
+                    <a:p>
+                      <a:r>
+                        <a:rPr lang="en-US" sz="1200" dirty="0"/>
+                        <a:t>1992</a:t>
+                      </a:r>
+                    </a:p>
+                  </a:txBody>
+                  <a:tcPr/>
+                </a:tc>
+                <a:tc>
+                  <a:txBody>
+                    <a:bodyPr/>
+                    <a:lstStyle/>
+                    <a:p>
+                      <a:r>
+                        <a:rPr lang="en-US" sz="1200" dirty="0"/>
+                        <a:t>2696</a:t>
+                      </a:r>
+                    </a:p>
+                  </a:txBody>
+                  <a:tcPr/>
+                </a:tc>
+                <a:tc>
+                  <a:txBody>
+                    <a:bodyPr/>
+                    <a:lstStyle/>
+                    <a:p>
+                      <a:r>
+                        <a:rPr lang="en-US" sz="1200" dirty="0"/>
+                        <a:t>$1,283,117</a:t>
+                      </a:r>
+                    </a:p>
+                  </a:txBody>
+                  <a:tcPr/>
+                </a:tc>
+                <a:tc>
+                  <a:txBody>
+                    <a:bodyPr/>
+                    <a:lstStyle/>
+                    <a:p>
+                      <a:r>
+                        <a:rPr lang="en-US" sz="1200" dirty="0"/>
+                        <a:t>$2,5000</a:t>
+                      </a:r>
+                    </a:p>
+                  </a:txBody>
+                  <a:tcPr/>
+                </a:tc>
+                <a:tc>
+                  <a:txBody>
+                    <a:bodyPr/>
+                    <a:lstStyle/>
+                    <a:p>
+                      <a:r>
+                        <a:rPr lang="en-US" sz="1200" dirty="0"/>
+                        <a:t>$200</a:t>
+                      </a:r>
+                    </a:p>
+                  </a:txBody>
+                  <a:tcPr/>
+                </a:tc>
+                <a:tc>
+                  <a:txBody>
+                    <a:bodyPr/>
+                    <a:lstStyle/>
+                    <a:p>
+                      <a:r>
+                        <a:rPr lang="en-US" sz="1200" dirty="0"/>
+                        <a:t>$500</a:t>
+                      </a:r>
+                    </a:p>
+                  </a:txBody>
+                  <a:tcPr/>
+                </a:tc>
+                <a:tc>
+                  <a:txBody>
+                    <a:bodyPr/>
+                    <a:lstStyle/>
+                    <a:p>
+                      <a:r>
+                        <a:rPr lang="en-US" sz="1200" dirty="0"/>
+                        <a:t>$475.93</a:t>
+                      </a:r>
+                    </a:p>
+                  </a:txBody>
+                  <a:tcPr/>
+                </a:tc>
+                <a:extLst>
+                  <a:ext uri="{0D108BD9-81ED-4DB2-BD59-A6C34878D82A}">
+                    <a16:rowId xmlns:a16="http://schemas.microsoft.com/office/drawing/2014/main" val="2083922846"/>
+                  </a:ext>
+                </a:extLst>
+              </a:tr>
+              <a:tr h="232256">
+                <a:tc>
+                  <a:txBody>
+                    <a:bodyPr/>
+                    <a:lstStyle/>
+                    <a:p>
+                      <a:r>
+                        <a:rPr lang="en-US" sz="1200" dirty="0"/>
+                        <a:t>1996</a:t>
+                      </a:r>
+                    </a:p>
+                  </a:txBody>
+                  <a:tcPr/>
+                </a:tc>
+                <a:tc>
+                  <a:txBody>
+                    <a:bodyPr/>
+                    <a:lstStyle/>
+                    <a:p>
+                      <a:r>
+                        <a:rPr lang="en-US" sz="1200" dirty="0"/>
+                        <a:t>5,275</a:t>
+                      </a:r>
+                    </a:p>
+                  </a:txBody>
+                  <a:tcPr/>
+                </a:tc>
+                <a:tc>
+                  <a:txBody>
+                    <a:bodyPr/>
+                    <a:lstStyle/>
+                    <a:p>
+                      <a:r>
+                        <a:rPr lang="en-US" sz="1200" dirty="0"/>
+                        <a:t>$2,817,606</a:t>
+                      </a:r>
+                    </a:p>
+                  </a:txBody>
+                  <a:tcPr/>
+                </a:tc>
+                <a:tc>
+                  <a:txBody>
+                    <a:bodyPr/>
+                    <a:lstStyle/>
+                    <a:p>
+                      <a:r>
+                        <a:rPr lang="en-US" sz="1200" dirty="0"/>
+                        <a:t>$2,000</a:t>
+                      </a:r>
+                    </a:p>
+                  </a:txBody>
+                  <a:tcPr/>
+                </a:tc>
+                <a:tc>
+                  <a:txBody>
+                    <a:bodyPr/>
+                    <a:lstStyle/>
+                    <a:p>
+                      <a:r>
+                        <a:rPr lang="en-US" sz="1200" dirty="0"/>
+                        <a:t>$100</a:t>
+                      </a:r>
+                    </a:p>
+                  </a:txBody>
+                  <a:tcPr/>
+                </a:tc>
+                <a:tc>
+                  <a:txBody>
+                    <a:bodyPr/>
+                    <a:lstStyle/>
+                    <a:p>
+                      <a:r>
+                        <a:rPr lang="en-US" sz="1200" dirty="0"/>
+                        <a:t>$500</a:t>
+                      </a:r>
+                    </a:p>
+                  </a:txBody>
+                  <a:tcPr/>
+                </a:tc>
+                <a:tc>
+                  <a:txBody>
+                    <a:bodyPr/>
+                    <a:lstStyle/>
+                    <a:p>
+                      <a:r>
+                        <a:rPr lang="en-US" sz="1200" dirty="0"/>
+                        <a:t>$534.14</a:t>
+                      </a:r>
+                    </a:p>
+                  </a:txBody>
+                  <a:tcPr/>
+                </a:tc>
+                <a:extLst>
+                  <a:ext uri="{0D108BD9-81ED-4DB2-BD59-A6C34878D82A}">
+                    <a16:rowId xmlns:a16="http://schemas.microsoft.com/office/drawing/2014/main" val="4195007101"/>
+                  </a:ext>
+                </a:extLst>
+              </a:tr>
+              <a:tr h="232256">
+                <a:tc>
+                  <a:txBody>
+                    <a:bodyPr/>
+                    <a:lstStyle/>
+                    <a:p>
+                      <a:r>
+                        <a:rPr lang="en-US" sz="1200" dirty="0"/>
+                        <a:t>2000</a:t>
+                      </a:r>
+                    </a:p>
+                  </a:txBody>
+                  <a:tcPr/>
+                </a:tc>
+                <a:tc>
+                  <a:txBody>
+                    <a:bodyPr/>
+                    <a:lstStyle/>
+                    <a:p>
+                      <a:r>
+                        <a:rPr lang="en-US" sz="1200" dirty="0"/>
+                        <a:t>6,144</a:t>
+                      </a:r>
+                    </a:p>
+                  </a:txBody>
+                  <a:tcPr/>
+                </a:tc>
+                <a:tc>
+                  <a:txBody>
+                    <a:bodyPr/>
+                    <a:lstStyle/>
+                    <a:p>
+                      <a:r>
+                        <a:rPr lang="en-US" sz="1200" dirty="0"/>
+                        <a:t>$3,631,066</a:t>
+                      </a:r>
+                    </a:p>
+                  </a:txBody>
+                  <a:tcPr/>
+                </a:tc>
+                <a:tc>
+                  <a:txBody>
+                    <a:bodyPr/>
+                    <a:lstStyle/>
+                    <a:p>
+                      <a:r>
+                        <a:rPr lang="en-US" sz="1200" dirty="0"/>
+                        <a:t>$3,000</a:t>
+                      </a:r>
+                    </a:p>
+                  </a:txBody>
+                  <a:tcPr/>
+                </a:tc>
+                <a:tc>
+                  <a:txBody>
+                    <a:bodyPr/>
+                    <a:lstStyle/>
+                    <a:p>
+                      <a:r>
+                        <a:rPr lang="en-US" sz="1200" dirty="0"/>
+                        <a:t>$200</a:t>
+                      </a:r>
+                    </a:p>
+                  </a:txBody>
+                  <a:tcPr/>
+                </a:tc>
+                <a:tc>
+                  <a:txBody>
+                    <a:bodyPr/>
+                    <a:lstStyle/>
+                    <a:p>
+                      <a:r>
+                        <a:rPr lang="en-US" sz="1200" dirty="0"/>
+                        <a:t>$500</a:t>
+                      </a:r>
+                    </a:p>
+                  </a:txBody>
+                  <a:tcPr/>
+                </a:tc>
+                <a:tc>
+                  <a:txBody>
+                    <a:bodyPr/>
+                    <a:lstStyle/>
+                    <a:p>
+                      <a:r>
+                        <a:rPr lang="en-US" sz="1200" dirty="0"/>
+                        <a:t>$590.99</a:t>
+                      </a:r>
+                    </a:p>
+                  </a:txBody>
+                  <a:tcPr/>
+                </a:tc>
+                <a:extLst>
+                  <a:ext uri="{0D108BD9-81ED-4DB2-BD59-A6C34878D82A}">
+                    <a16:rowId xmlns:a16="http://schemas.microsoft.com/office/drawing/2014/main" val="340985578"/>
+                  </a:ext>
+                </a:extLst>
+              </a:tr>
+              <a:tr h="232256">
+                <a:tc>
+                  <a:txBody>
+                    <a:bodyPr/>
+                    <a:lstStyle/>
+                    <a:p>
+                      <a:r>
+                        <a:rPr lang="en-US" sz="1200" dirty="0"/>
+                        <a:t>2004</a:t>
+                      </a:r>
+                    </a:p>
+                  </a:txBody>
+                  <a:tcPr/>
+                </a:tc>
+                <a:tc>
+                  <a:txBody>
+                    <a:bodyPr/>
+                    <a:lstStyle/>
+                    <a:p>
+                      <a:r>
+                        <a:rPr lang="en-US" sz="1200" dirty="0"/>
+                        <a:t>15,242</a:t>
+                      </a:r>
+                    </a:p>
+                  </a:txBody>
+                  <a:tcPr/>
+                </a:tc>
+                <a:tc>
+                  <a:txBody>
+                    <a:bodyPr/>
+                    <a:lstStyle/>
+                    <a:p>
+                      <a:r>
+                        <a:rPr lang="en-US" sz="1200" dirty="0"/>
+                        <a:t>$11,034,426</a:t>
+                      </a:r>
+                    </a:p>
+                  </a:txBody>
+                  <a:tcPr/>
+                </a:tc>
+                <a:tc>
+                  <a:txBody>
+                    <a:bodyPr/>
+                    <a:lstStyle/>
+                    <a:p>
+                      <a:r>
+                        <a:rPr lang="en-US" sz="1200" dirty="0"/>
+                        <a:t>$12,000</a:t>
+                      </a:r>
+                    </a:p>
+                  </a:txBody>
+                  <a:tcPr/>
+                </a:tc>
+                <a:tc>
+                  <a:txBody>
+                    <a:bodyPr/>
+                    <a:lstStyle/>
+                    <a:p>
+                      <a:r>
+                        <a:rPr lang="en-US" sz="1200" dirty="0"/>
+                        <a:t>$50</a:t>
+                      </a:r>
+                    </a:p>
+                  </a:txBody>
+                  <a:tcPr/>
+                </a:tc>
+                <a:tc>
+                  <a:txBody>
+                    <a:bodyPr/>
+                    <a:lstStyle/>
+                    <a:p>
+                      <a:r>
+                        <a:rPr lang="en-US" sz="1200" dirty="0"/>
+                        <a:t>$500</a:t>
+                      </a:r>
+                    </a:p>
+                  </a:txBody>
+                  <a:tcPr/>
+                </a:tc>
+                <a:tc>
+                  <a:txBody>
+                    <a:bodyPr/>
+                    <a:lstStyle/>
+                    <a:p>
+                      <a:r>
+                        <a:rPr lang="en-US" sz="1200" dirty="0"/>
+                        <a:t>$723.95</a:t>
+                      </a:r>
+                    </a:p>
+                  </a:txBody>
+                  <a:tcPr/>
+                </a:tc>
+                <a:extLst>
+                  <a:ext uri="{0D108BD9-81ED-4DB2-BD59-A6C34878D82A}">
+                    <a16:rowId xmlns:a16="http://schemas.microsoft.com/office/drawing/2014/main" val="799082826"/>
+                  </a:ext>
+                </a:extLst>
+              </a:tr>
+              <a:tr h="232256">
+                <a:tc>
+                  <a:txBody>
+                    <a:bodyPr/>
+                    <a:lstStyle/>
+                    <a:p>
+                      <a:r>
+                        <a:rPr lang="en-US" sz="1200" dirty="0"/>
+                        <a:t>2008</a:t>
+                      </a:r>
+                    </a:p>
+                  </a:txBody>
+                  <a:tcPr/>
+                </a:tc>
+                <a:tc>
+                  <a:txBody>
+                    <a:bodyPr/>
+                    <a:lstStyle/>
+                    <a:p>
+                      <a:r>
+                        <a:rPr lang="en-US" sz="1200" dirty="0"/>
+                        <a:t>28,817</a:t>
+                      </a:r>
+                    </a:p>
+                  </a:txBody>
+                  <a:tcPr/>
+                </a:tc>
+                <a:tc>
+                  <a:txBody>
+                    <a:bodyPr/>
+                    <a:lstStyle/>
+                    <a:p>
+                      <a:r>
+                        <a:rPr lang="en-US" sz="1200" dirty="0"/>
+                        <a:t>$23,769,233</a:t>
+                      </a:r>
+                    </a:p>
+                  </a:txBody>
+                  <a:tcPr/>
+                </a:tc>
+                <a:tc>
+                  <a:txBody>
+                    <a:bodyPr/>
+                    <a:lstStyle/>
+                    <a:p>
+                      <a:r>
+                        <a:rPr lang="en-US" sz="1200" dirty="0"/>
+                        <a:t>$2,000,000</a:t>
+                      </a:r>
+                    </a:p>
+                  </a:txBody>
+                  <a:tcPr/>
+                </a:tc>
+                <a:tc>
+                  <a:txBody>
+                    <a:bodyPr/>
+                    <a:lstStyle/>
+                    <a:p>
+                      <a:r>
+                        <a:rPr lang="en-US" sz="1200" dirty="0"/>
+                        <a:t>$5</a:t>
+                      </a:r>
+                    </a:p>
+                  </a:txBody>
+                  <a:tcPr/>
+                </a:tc>
+                <a:tc>
+                  <a:txBody>
+                    <a:bodyPr/>
+                    <a:lstStyle/>
+                    <a:p>
+                      <a:r>
+                        <a:rPr lang="en-US" sz="1200" dirty="0"/>
+                        <a:t>$300</a:t>
+                      </a:r>
+                    </a:p>
+                  </a:txBody>
+                  <a:tcPr/>
+                </a:tc>
+                <a:tc>
+                  <a:txBody>
+                    <a:bodyPr/>
+                    <a:lstStyle/>
+                    <a:p>
+                      <a:r>
+                        <a:rPr lang="en-US" sz="1200" dirty="0"/>
+                        <a:t>$824.83</a:t>
+                      </a:r>
+                    </a:p>
+                  </a:txBody>
+                  <a:tcPr/>
+                </a:tc>
+                <a:extLst>
+                  <a:ext uri="{0D108BD9-81ED-4DB2-BD59-A6C34878D82A}">
+                    <a16:rowId xmlns:a16="http://schemas.microsoft.com/office/drawing/2014/main" val="412277751"/>
+                  </a:ext>
+                </a:extLst>
+              </a:tr>
+              <a:tr h="232256">
+                <a:tc>
+                  <a:txBody>
+                    <a:bodyPr/>
+                    <a:lstStyle/>
+                    <a:p>
+                      <a:r>
+                        <a:rPr lang="en-US" sz="1200" dirty="0"/>
+                        <a:t>2012</a:t>
+                      </a:r>
+                    </a:p>
+                  </a:txBody>
+                  <a:tcPr/>
+                </a:tc>
+                <a:tc>
+                  <a:txBody>
+                    <a:bodyPr/>
+                    <a:lstStyle/>
+                    <a:p>
+                      <a:r>
+                        <a:rPr lang="en-US" sz="1200" dirty="0"/>
+                        <a:t>25,998</a:t>
+                      </a:r>
+                    </a:p>
+                  </a:txBody>
+                  <a:tcPr/>
+                </a:tc>
+                <a:tc>
+                  <a:txBody>
+                    <a:bodyPr/>
+                    <a:lstStyle/>
+                    <a:p>
+                      <a:r>
+                        <a:rPr lang="en-US" sz="1200" dirty="0"/>
+                        <a:t>$15,934,877</a:t>
+                      </a:r>
+                    </a:p>
+                  </a:txBody>
+                  <a:tcPr/>
+                </a:tc>
+                <a:tc>
+                  <a:txBody>
+                    <a:bodyPr/>
+                    <a:lstStyle/>
+                    <a:p>
+                      <a:r>
+                        <a:rPr lang="en-US" sz="1200" dirty="0"/>
+                        <a:t>$132,000</a:t>
+                      </a:r>
+                    </a:p>
+                  </a:txBody>
+                  <a:tcPr/>
+                </a:tc>
+                <a:tc>
+                  <a:txBody>
+                    <a:bodyPr/>
+                    <a:lstStyle/>
+                    <a:p>
+                      <a:r>
+                        <a:rPr lang="en-US" sz="1200" dirty="0"/>
+                        <a:t>$3</a:t>
+                      </a:r>
+                    </a:p>
+                  </a:txBody>
+                  <a:tcPr/>
+                </a:tc>
+                <a:tc>
+                  <a:txBody>
+                    <a:bodyPr/>
+                    <a:lstStyle/>
+                    <a:p>
+                      <a:r>
+                        <a:rPr lang="en-US" sz="1200" dirty="0"/>
+                        <a:t>$300</a:t>
+                      </a:r>
+                    </a:p>
+                  </a:txBody>
+                  <a:tcPr/>
+                </a:tc>
+                <a:tc>
+                  <a:txBody>
+                    <a:bodyPr/>
+                    <a:lstStyle/>
+                    <a:p>
+                      <a:r>
+                        <a:rPr lang="en-US" sz="1200" dirty="0"/>
+                        <a:t>$612.93</a:t>
+                      </a:r>
+                    </a:p>
+                  </a:txBody>
+                  <a:tcPr/>
+                </a:tc>
+                <a:extLst>
+                  <a:ext uri="{0D108BD9-81ED-4DB2-BD59-A6C34878D82A}">
+                    <a16:rowId xmlns:a16="http://schemas.microsoft.com/office/drawing/2014/main" val="2742129964"/>
+                  </a:ext>
+                </a:extLst>
+              </a:tr>
+              <a:tr h="232256">
+                <a:tc>
+                  <a:txBody>
+                    <a:bodyPr/>
+                    <a:lstStyle/>
+                    <a:p>
+                      <a:r>
+                        <a:rPr lang="en-US" sz="1200" dirty="0"/>
+                        <a:t>2016</a:t>
+                      </a:r>
+                    </a:p>
+                  </a:txBody>
+                  <a:tcPr/>
+                </a:tc>
+                <a:tc>
+                  <a:txBody>
+                    <a:bodyPr/>
+                    <a:lstStyle/>
+                    <a:p>
+                      <a:r>
+                        <a:rPr lang="en-US" sz="1200" dirty="0"/>
+                        <a:t>56,921</a:t>
+                      </a:r>
+                    </a:p>
+                  </a:txBody>
+                  <a:tcPr/>
+                </a:tc>
+                <a:tc>
+                  <a:txBody>
+                    <a:bodyPr/>
+                    <a:lstStyle/>
+                    <a:p>
+                      <a:r>
+                        <a:rPr lang="en-US" sz="1200" dirty="0"/>
+                        <a:t>$19,258,224</a:t>
+                      </a:r>
+                    </a:p>
+                  </a:txBody>
+                  <a:tcPr/>
+                </a:tc>
+                <a:tc>
+                  <a:txBody>
+                    <a:bodyPr/>
+                    <a:lstStyle/>
+                    <a:p>
+                      <a:r>
+                        <a:rPr lang="en-US" sz="1200" dirty="0"/>
+                        <a:t>$200,000</a:t>
+                      </a:r>
+                    </a:p>
+                  </a:txBody>
+                  <a:tcPr/>
+                </a:tc>
+                <a:tc>
+                  <a:txBody>
+                    <a:bodyPr/>
+                    <a:lstStyle/>
+                    <a:p>
+                      <a:r>
+                        <a:rPr lang="en-US" sz="1200" dirty="0"/>
+                        <a:t>$1</a:t>
+                      </a:r>
+                    </a:p>
+                  </a:txBody>
+                  <a:tcPr/>
+                </a:tc>
+                <a:tc>
+                  <a:txBody>
+                    <a:bodyPr/>
+                    <a:lstStyle/>
+                    <a:p>
+                      <a:r>
+                        <a:rPr lang="en-US" sz="1200" dirty="0"/>
+                        <a:t>$100</a:t>
+                      </a:r>
+                    </a:p>
+                  </a:txBody>
+                  <a:tcPr/>
+                </a:tc>
+                <a:tc>
+                  <a:txBody>
+                    <a:bodyPr/>
+                    <a:lstStyle/>
+                    <a:p>
+                      <a:r>
+                        <a:rPr lang="en-US" sz="1200" dirty="0"/>
+                        <a:t>$338.33</a:t>
+                      </a:r>
+                    </a:p>
+                  </a:txBody>
+                  <a:tcPr/>
+                </a:tc>
+                <a:extLst>
+                  <a:ext uri="{0D108BD9-81ED-4DB2-BD59-A6C34878D82A}">
+                    <a16:rowId xmlns:a16="http://schemas.microsoft.com/office/drawing/2014/main" val="2133921564"/>
+                  </a:ext>
+                </a:extLst>
+              </a:tr>
+            </a:tbl>
+          </a:graphicData>
+        </a:graphic>
+      </p:graphicFrame>
+      <p:sp>
+        <p:nvSpPr>
+          <p:cNvPr id="9" name="TextBox 8">
+            <a:extLst>
+              <a:ext uri="{FF2B5EF4-FFF2-40B4-BE49-F238E27FC236}">
+                <a16:creationId xmlns:a16="http://schemas.microsoft.com/office/drawing/2014/main" id="{2DD79E80-3FC4-1E4E-869D-80BD27A8B34F}"/>
+              </a:ext>
+            </a:extLst>
+          </p:cNvPr>
+          <p:cNvSpPr txBox="1"/>
+          <p:nvPr/>
+        </p:nvSpPr>
+        <p:spPr>
+          <a:xfrm>
+            <a:off x="722808" y="1123402"/>
+            <a:ext cx="3684022" cy="369332"/>
+          </a:xfrm>
+          <a:prstGeom prst="rect">
+            <a:avLst/>
+          </a:prstGeom>
+          <a:noFill/>
+        </p:spPr>
+        <p:txBody>
+          <a:bodyPr wrap="none" rtlCol="0">
+            <a:spAutoFit/>
+          </a:bodyPr>
+          <a:lstStyle/>
+          <a:p>
+            <a:r>
+              <a:rPr lang="en-US" b="1" u="sng" dirty="0"/>
+              <a:t>Donations to winning candidates</a:t>
+            </a:r>
+          </a:p>
+        </p:txBody>
+      </p:sp>
+      <p:graphicFrame>
+        <p:nvGraphicFramePr>
+          <p:cNvPr id="11" name="Table 10">
+            <a:extLst>
+              <a:ext uri="{FF2B5EF4-FFF2-40B4-BE49-F238E27FC236}">
+                <a16:creationId xmlns:a16="http://schemas.microsoft.com/office/drawing/2014/main" id="{DC1DB803-83ED-F343-8587-7E70978241D9}"/>
+              </a:ext>
+            </a:extLst>
+          </p:cNvPr>
+          <p:cNvGraphicFramePr>
+            <a:graphicFrameLocks noGrp="1"/>
+          </p:cNvGraphicFramePr>
+          <p:nvPr>
+            <p:extLst>
+              <p:ext uri="{D42A27DB-BD31-4B8C-83A1-F6EECF244321}">
+                <p14:modId xmlns:p14="http://schemas.microsoft.com/office/powerpoint/2010/main" val="3368331631"/>
+              </p:ext>
+            </p:extLst>
+          </p:nvPr>
+        </p:nvGraphicFramePr>
+        <p:xfrm>
+          <a:off x="829734" y="4428310"/>
+          <a:ext cx="7883192" cy="2314835"/>
+        </p:xfrm>
+        <a:graphic>
+          <a:graphicData uri="http://schemas.openxmlformats.org/drawingml/2006/table">
+            <a:tbl>
+              <a:tblPr firstRow="1" bandRow="1">
+                <a:tableStyleId>{5C22544A-7EE6-4342-B048-85BDC9FD1C3A}</a:tableStyleId>
+              </a:tblPr>
+              <a:tblGrid>
+                <a:gridCol w="635759">
+                  <a:extLst>
+                    <a:ext uri="{9D8B030D-6E8A-4147-A177-3AD203B41FA5}">
+                      <a16:colId xmlns:a16="http://schemas.microsoft.com/office/drawing/2014/main" val="755655665"/>
+                    </a:ext>
+                  </a:extLst>
+                </a:gridCol>
+                <a:gridCol w="1177558">
+                  <a:extLst>
+                    <a:ext uri="{9D8B030D-6E8A-4147-A177-3AD203B41FA5}">
+                      <a16:colId xmlns:a16="http://schemas.microsoft.com/office/drawing/2014/main" val="569154185"/>
+                    </a:ext>
+                  </a:extLst>
+                </a:gridCol>
+                <a:gridCol w="1358538">
+                  <a:extLst>
+                    <a:ext uri="{9D8B030D-6E8A-4147-A177-3AD203B41FA5}">
+                      <a16:colId xmlns:a16="http://schemas.microsoft.com/office/drawing/2014/main" val="10219815"/>
+                    </a:ext>
+                  </a:extLst>
+                </a:gridCol>
+                <a:gridCol w="1280160">
+                  <a:extLst>
+                    <a:ext uri="{9D8B030D-6E8A-4147-A177-3AD203B41FA5}">
+                      <a16:colId xmlns:a16="http://schemas.microsoft.com/office/drawing/2014/main" val="1653269877"/>
+                    </a:ext>
+                  </a:extLst>
+                </a:gridCol>
+                <a:gridCol w="1123405">
+                  <a:extLst>
+                    <a:ext uri="{9D8B030D-6E8A-4147-A177-3AD203B41FA5}">
+                      <a16:colId xmlns:a16="http://schemas.microsoft.com/office/drawing/2014/main" val="4044902209"/>
+                    </a:ext>
+                  </a:extLst>
+                </a:gridCol>
+                <a:gridCol w="1245326">
+                  <a:extLst>
+                    <a:ext uri="{9D8B030D-6E8A-4147-A177-3AD203B41FA5}">
+                      <a16:colId xmlns:a16="http://schemas.microsoft.com/office/drawing/2014/main" val="3607337556"/>
+                    </a:ext>
+                  </a:extLst>
+                </a:gridCol>
+                <a:gridCol w="1062446">
+                  <a:extLst>
+                    <a:ext uri="{9D8B030D-6E8A-4147-A177-3AD203B41FA5}">
+                      <a16:colId xmlns:a16="http://schemas.microsoft.com/office/drawing/2014/main" val="2322787342"/>
+                    </a:ext>
+                  </a:extLst>
+                </a:gridCol>
+              </a:tblGrid>
+              <a:tr h="394595">
+                <a:tc>
+                  <a:txBody>
+                    <a:bodyPr/>
+                    <a:lstStyle/>
+                    <a:p>
+                      <a:endParaRPr lang="en-US" sz="1200" dirty="0"/>
+                    </a:p>
+                  </a:txBody>
+                  <a:tcPr/>
+                </a:tc>
+                <a:tc>
+                  <a:txBody>
+                    <a:bodyPr/>
+                    <a:lstStyle/>
+                    <a:p>
+                      <a:r>
+                        <a:rPr lang="en-US" sz="1200" dirty="0"/>
+                        <a:t>Total Donors</a:t>
+                      </a:r>
+                    </a:p>
+                  </a:txBody>
+                  <a:tcPr/>
+                </a:tc>
+                <a:tc>
+                  <a:txBody>
+                    <a:bodyPr/>
+                    <a:lstStyle/>
+                    <a:p>
+                      <a:r>
+                        <a:rPr lang="en-US" sz="1200" dirty="0"/>
+                        <a:t>Total Amount</a:t>
+                      </a:r>
+                    </a:p>
+                  </a:txBody>
+                  <a:tcPr/>
+                </a:tc>
+                <a:tc>
+                  <a:txBody>
+                    <a:bodyPr/>
+                    <a:lstStyle/>
+                    <a:p>
+                      <a:r>
+                        <a:rPr lang="en-US" sz="1200" dirty="0"/>
+                        <a:t>Max</a:t>
+                      </a:r>
+                    </a:p>
+                  </a:txBody>
+                  <a:tcPr/>
+                </a:tc>
+                <a:tc>
+                  <a:txBody>
+                    <a:bodyPr/>
+                    <a:lstStyle/>
+                    <a:p>
+                      <a:r>
+                        <a:rPr lang="en-US" sz="1200" dirty="0"/>
+                        <a:t>Min </a:t>
+                      </a:r>
+                    </a:p>
+                  </a:txBody>
+                  <a:tcPr/>
+                </a:tc>
+                <a:tc>
+                  <a:txBody>
+                    <a:bodyPr/>
+                    <a:lstStyle/>
+                    <a:p>
+                      <a:r>
+                        <a:rPr lang="en-US" sz="1200" dirty="0"/>
+                        <a:t>Median</a:t>
+                      </a:r>
+                    </a:p>
+                  </a:txBody>
+                  <a:tcPr/>
+                </a:tc>
+                <a:tc>
+                  <a:txBody>
+                    <a:bodyPr/>
+                    <a:lstStyle/>
+                    <a:p>
+                      <a:r>
+                        <a:rPr lang="en-US" sz="1200" dirty="0"/>
+                        <a:t>Mean</a:t>
+                      </a:r>
+                    </a:p>
+                  </a:txBody>
+                  <a:tcPr/>
+                </a:tc>
+                <a:extLst>
+                  <a:ext uri="{0D108BD9-81ED-4DB2-BD59-A6C34878D82A}">
+                    <a16:rowId xmlns:a16="http://schemas.microsoft.com/office/drawing/2014/main" val="1823016952"/>
+                  </a:ext>
+                </a:extLst>
+              </a:tr>
+              <a:tr h="232256">
+                <a:tc>
+                  <a:txBody>
+                    <a:bodyPr/>
+                    <a:lstStyle/>
+                    <a:p>
+                      <a:r>
+                        <a:rPr lang="en-US" sz="1200" dirty="0"/>
+                        <a:t>1992</a:t>
+                      </a:r>
+                    </a:p>
+                  </a:txBody>
+                  <a:tcPr/>
+                </a:tc>
+                <a:tc>
+                  <a:txBody>
+                    <a:bodyPr/>
+                    <a:lstStyle/>
+                    <a:p>
+                      <a:r>
+                        <a:rPr lang="en-US" sz="1200" dirty="0"/>
+                        <a:t>3,195</a:t>
+                      </a:r>
+                    </a:p>
+                  </a:txBody>
+                  <a:tcPr/>
+                </a:tc>
+                <a:tc>
+                  <a:txBody>
+                    <a:bodyPr/>
+                    <a:lstStyle/>
+                    <a:p>
+                      <a:r>
+                        <a:rPr lang="en-US" sz="1200" dirty="0"/>
+                        <a:t>$1,760,000</a:t>
+                      </a:r>
+                    </a:p>
+                  </a:txBody>
+                  <a:tcPr/>
+                </a:tc>
+                <a:tc>
+                  <a:txBody>
+                    <a:bodyPr/>
+                    <a:lstStyle/>
+                    <a:p>
+                      <a:r>
+                        <a:rPr lang="en-US" sz="1200" dirty="0"/>
+                        <a:t>$10,000</a:t>
+                      </a:r>
+                    </a:p>
+                  </a:txBody>
+                  <a:tcPr/>
+                </a:tc>
+                <a:tc>
+                  <a:txBody>
+                    <a:bodyPr/>
+                    <a:lstStyle/>
+                    <a:p>
+                      <a:r>
+                        <a:rPr lang="en-US" sz="1200" dirty="0"/>
+                        <a:t>$200</a:t>
+                      </a:r>
+                    </a:p>
+                  </a:txBody>
+                  <a:tcPr/>
+                </a:tc>
+                <a:tc>
+                  <a:txBody>
+                    <a:bodyPr/>
+                    <a:lstStyle/>
+                    <a:p>
+                      <a:r>
+                        <a:rPr lang="en-US" sz="1200" dirty="0"/>
+                        <a:t>$500</a:t>
+                      </a:r>
+                    </a:p>
+                  </a:txBody>
+                  <a:tcPr/>
+                </a:tc>
+                <a:tc>
+                  <a:txBody>
+                    <a:bodyPr/>
+                    <a:lstStyle/>
+                    <a:p>
+                      <a:r>
+                        <a:rPr lang="en-US" sz="1200" dirty="0"/>
+                        <a:t>$550.87</a:t>
+                      </a:r>
+                    </a:p>
+                  </a:txBody>
+                  <a:tcPr/>
+                </a:tc>
+                <a:extLst>
+                  <a:ext uri="{0D108BD9-81ED-4DB2-BD59-A6C34878D82A}">
+                    <a16:rowId xmlns:a16="http://schemas.microsoft.com/office/drawing/2014/main" val="2083922846"/>
+                  </a:ext>
+                </a:extLst>
+              </a:tr>
+              <a:tr h="232256">
+                <a:tc>
+                  <a:txBody>
+                    <a:bodyPr/>
+                    <a:lstStyle/>
+                    <a:p>
+                      <a:r>
+                        <a:rPr lang="en-US" sz="1200" dirty="0"/>
+                        <a:t>1996</a:t>
+                      </a:r>
+                    </a:p>
+                  </a:txBody>
+                  <a:tcPr/>
+                </a:tc>
+                <a:tc>
+                  <a:txBody>
+                    <a:bodyPr/>
+                    <a:lstStyle/>
+                    <a:p>
+                      <a:r>
+                        <a:rPr lang="en-US" sz="1200" dirty="0"/>
+                        <a:t>7,082</a:t>
+                      </a:r>
+                    </a:p>
+                  </a:txBody>
+                  <a:tcPr/>
+                </a:tc>
+                <a:tc>
+                  <a:txBody>
+                    <a:bodyPr/>
+                    <a:lstStyle/>
+                    <a:p>
+                      <a:r>
+                        <a:rPr lang="en-US" sz="1200" dirty="0"/>
+                        <a:t>$3,577,436</a:t>
+                      </a:r>
+                    </a:p>
+                  </a:txBody>
+                  <a:tcPr/>
+                </a:tc>
+                <a:tc>
+                  <a:txBody>
+                    <a:bodyPr/>
+                    <a:lstStyle/>
+                    <a:p>
+                      <a:r>
+                        <a:rPr lang="en-US" sz="1200" dirty="0"/>
+                        <a:t>$5,000</a:t>
+                      </a:r>
+                    </a:p>
+                  </a:txBody>
+                  <a:tcPr/>
+                </a:tc>
+                <a:tc>
+                  <a:txBody>
+                    <a:bodyPr/>
+                    <a:lstStyle/>
+                    <a:p>
+                      <a:r>
+                        <a:rPr lang="en-US" sz="1200" dirty="0"/>
+                        <a:t>$100</a:t>
+                      </a:r>
+                    </a:p>
+                  </a:txBody>
+                  <a:tcPr/>
+                </a:tc>
+                <a:tc>
+                  <a:txBody>
+                    <a:bodyPr/>
+                    <a:lstStyle/>
+                    <a:p>
+                      <a:r>
+                        <a:rPr lang="en-US" sz="1200" dirty="0"/>
+                        <a:t>$500</a:t>
+                      </a:r>
+                    </a:p>
+                  </a:txBody>
+                  <a:tcPr/>
+                </a:tc>
+                <a:tc>
+                  <a:txBody>
+                    <a:bodyPr/>
+                    <a:lstStyle/>
+                    <a:p>
+                      <a:r>
+                        <a:rPr lang="en-US" sz="1200" dirty="0"/>
+                        <a:t>$505.15</a:t>
+                      </a:r>
+                    </a:p>
+                  </a:txBody>
+                  <a:tcPr/>
+                </a:tc>
+                <a:extLst>
+                  <a:ext uri="{0D108BD9-81ED-4DB2-BD59-A6C34878D82A}">
+                    <a16:rowId xmlns:a16="http://schemas.microsoft.com/office/drawing/2014/main" val="4195007101"/>
+                  </a:ext>
+                </a:extLst>
+              </a:tr>
+              <a:tr h="232256">
+                <a:tc>
+                  <a:txBody>
+                    <a:bodyPr/>
+                    <a:lstStyle/>
+                    <a:p>
+                      <a:r>
+                        <a:rPr lang="en-US" sz="1200" dirty="0"/>
+                        <a:t>2000</a:t>
+                      </a:r>
+                    </a:p>
+                  </a:txBody>
+                  <a:tcPr/>
+                </a:tc>
+                <a:tc>
+                  <a:txBody>
+                    <a:bodyPr/>
+                    <a:lstStyle/>
+                    <a:p>
+                      <a:r>
+                        <a:rPr lang="en-US" sz="1200" dirty="0"/>
+                        <a:t>4,732</a:t>
+                      </a:r>
+                    </a:p>
+                  </a:txBody>
+                  <a:tcPr/>
+                </a:tc>
+                <a:tc>
+                  <a:txBody>
+                    <a:bodyPr/>
+                    <a:lstStyle/>
+                    <a:p>
+                      <a:r>
+                        <a:rPr lang="en-US" sz="1200" dirty="0"/>
+                        <a:t>$2,551,061</a:t>
+                      </a:r>
+                    </a:p>
+                  </a:txBody>
+                  <a:tcPr/>
+                </a:tc>
+                <a:tc>
+                  <a:txBody>
+                    <a:bodyPr/>
+                    <a:lstStyle/>
+                    <a:p>
+                      <a:r>
+                        <a:rPr lang="en-US" sz="1200" dirty="0"/>
+                        <a:t>$2,000</a:t>
+                      </a:r>
+                    </a:p>
+                  </a:txBody>
+                  <a:tcPr/>
+                </a:tc>
+                <a:tc>
+                  <a:txBody>
+                    <a:bodyPr/>
+                    <a:lstStyle/>
+                    <a:p>
+                      <a:r>
+                        <a:rPr lang="en-US" sz="1200" dirty="0"/>
+                        <a:t>$9</a:t>
+                      </a:r>
+                    </a:p>
+                  </a:txBody>
+                  <a:tcPr/>
+                </a:tc>
+                <a:tc>
+                  <a:txBody>
+                    <a:bodyPr/>
+                    <a:lstStyle/>
+                    <a:p>
+                      <a:r>
+                        <a:rPr lang="en-US" sz="1200" dirty="0"/>
+                        <a:t>$500</a:t>
+                      </a:r>
+                    </a:p>
+                  </a:txBody>
+                  <a:tcPr/>
+                </a:tc>
+                <a:tc>
+                  <a:txBody>
+                    <a:bodyPr/>
+                    <a:lstStyle/>
+                    <a:p>
+                      <a:r>
+                        <a:rPr lang="en-US" sz="1200" dirty="0"/>
+                        <a:t>$539.11</a:t>
+                      </a:r>
+                    </a:p>
+                  </a:txBody>
+                  <a:tcPr/>
+                </a:tc>
+                <a:extLst>
+                  <a:ext uri="{0D108BD9-81ED-4DB2-BD59-A6C34878D82A}">
+                    <a16:rowId xmlns:a16="http://schemas.microsoft.com/office/drawing/2014/main" val="340985578"/>
+                  </a:ext>
+                </a:extLst>
+              </a:tr>
+              <a:tr h="232256">
+                <a:tc>
+                  <a:txBody>
+                    <a:bodyPr/>
+                    <a:lstStyle/>
+                    <a:p>
+                      <a:r>
+                        <a:rPr lang="en-US" sz="1200" dirty="0"/>
+                        <a:t>2004</a:t>
+                      </a:r>
+                    </a:p>
+                  </a:txBody>
+                  <a:tcPr/>
+                </a:tc>
+                <a:tc>
+                  <a:txBody>
+                    <a:bodyPr/>
+                    <a:lstStyle/>
+                    <a:p>
+                      <a:r>
+                        <a:rPr lang="en-US" sz="1200" dirty="0"/>
+                        <a:t>13,257</a:t>
+                      </a:r>
+                    </a:p>
+                  </a:txBody>
+                  <a:tcPr/>
+                </a:tc>
+                <a:tc>
+                  <a:txBody>
+                    <a:bodyPr/>
+                    <a:lstStyle/>
+                    <a:p>
+                      <a:r>
+                        <a:rPr lang="en-US" sz="1200" dirty="0"/>
+                        <a:t>$9,485,471</a:t>
+                      </a:r>
+                    </a:p>
+                  </a:txBody>
+                  <a:tcPr/>
+                </a:tc>
+                <a:tc>
+                  <a:txBody>
+                    <a:bodyPr/>
+                    <a:lstStyle/>
+                    <a:p>
+                      <a:r>
+                        <a:rPr lang="en-US" sz="1200" dirty="0"/>
+                        <a:t>$150,000</a:t>
+                      </a:r>
+                    </a:p>
+                  </a:txBody>
+                  <a:tcPr/>
+                </a:tc>
+                <a:tc>
+                  <a:txBody>
+                    <a:bodyPr/>
+                    <a:lstStyle/>
+                    <a:p>
+                      <a:r>
+                        <a:rPr lang="en-US" sz="1200" dirty="0"/>
+                        <a:t>2</a:t>
+                      </a:r>
+                    </a:p>
+                  </a:txBody>
+                  <a:tcPr/>
+                </a:tc>
+                <a:tc>
+                  <a:txBody>
+                    <a:bodyPr/>
+                    <a:lstStyle/>
+                    <a:p>
+                      <a:r>
+                        <a:rPr lang="en-US" sz="1200" dirty="0"/>
+                        <a:t>$500</a:t>
+                      </a:r>
+                    </a:p>
+                  </a:txBody>
+                  <a:tcPr/>
+                </a:tc>
+                <a:tc>
+                  <a:txBody>
+                    <a:bodyPr/>
+                    <a:lstStyle/>
+                    <a:p>
+                      <a:r>
+                        <a:rPr lang="en-US" sz="1200" dirty="0"/>
+                        <a:t>$715.51</a:t>
+                      </a:r>
+                    </a:p>
+                  </a:txBody>
+                  <a:tcPr/>
+                </a:tc>
+                <a:extLst>
+                  <a:ext uri="{0D108BD9-81ED-4DB2-BD59-A6C34878D82A}">
+                    <a16:rowId xmlns:a16="http://schemas.microsoft.com/office/drawing/2014/main" val="799082826"/>
+                  </a:ext>
+                </a:extLst>
+              </a:tr>
+              <a:tr h="232256">
+                <a:tc>
+                  <a:txBody>
+                    <a:bodyPr/>
+                    <a:lstStyle/>
+                    <a:p>
+                      <a:r>
+                        <a:rPr lang="en-US" sz="1200" dirty="0"/>
+                        <a:t>2008</a:t>
+                      </a:r>
+                    </a:p>
+                  </a:txBody>
+                  <a:tcPr/>
+                </a:tc>
+                <a:tc>
+                  <a:txBody>
+                    <a:bodyPr/>
+                    <a:lstStyle/>
+                    <a:p>
+                      <a:r>
+                        <a:rPr lang="en-US" sz="1200" dirty="0"/>
+                        <a:t>19,779</a:t>
+                      </a:r>
+                    </a:p>
+                  </a:txBody>
+                  <a:tcPr/>
+                </a:tc>
+                <a:tc>
+                  <a:txBody>
+                    <a:bodyPr/>
+                    <a:lstStyle/>
+                    <a:p>
+                      <a:r>
+                        <a:rPr lang="en-US" sz="1200" dirty="0"/>
+                        <a:t>$13,518,081</a:t>
+                      </a:r>
+                    </a:p>
+                  </a:txBody>
+                  <a:tcPr/>
+                </a:tc>
+                <a:tc>
+                  <a:txBody>
+                    <a:bodyPr/>
+                    <a:lstStyle/>
+                    <a:p>
+                      <a:r>
+                        <a:rPr lang="en-US" sz="1200" dirty="0"/>
+                        <a:t>$50,000</a:t>
+                      </a:r>
+                    </a:p>
+                  </a:txBody>
+                  <a:tcPr/>
+                </a:tc>
+                <a:tc>
+                  <a:txBody>
+                    <a:bodyPr/>
+                    <a:lstStyle/>
+                    <a:p>
+                      <a:r>
+                        <a:rPr lang="en-US" sz="1200" dirty="0"/>
+                        <a:t>$1</a:t>
+                      </a:r>
+                    </a:p>
+                  </a:txBody>
+                  <a:tcPr/>
+                </a:tc>
+                <a:tc>
+                  <a:txBody>
+                    <a:bodyPr/>
+                    <a:lstStyle/>
+                    <a:p>
+                      <a:r>
+                        <a:rPr lang="en-US" sz="1200" dirty="0"/>
+                        <a:t>$500</a:t>
+                      </a:r>
+                    </a:p>
+                  </a:txBody>
+                  <a:tcPr/>
+                </a:tc>
+                <a:tc>
+                  <a:txBody>
+                    <a:bodyPr/>
+                    <a:lstStyle/>
+                    <a:p>
+                      <a:r>
+                        <a:rPr lang="en-US" sz="1200" dirty="0"/>
+                        <a:t>$683.46</a:t>
+                      </a:r>
+                    </a:p>
+                  </a:txBody>
+                  <a:tcPr/>
+                </a:tc>
+                <a:extLst>
+                  <a:ext uri="{0D108BD9-81ED-4DB2-BD59-A6C34878D82A}">
+                    <a16:rowId xmlns:a16="http://schemas.microsoft.com/office/drawing/2014/main" val="412277751"/>
+                  </a:ext>
+                </a:extLst>
+              </a:tr>
+              <a:tr h="232256">
+                <a:tc>
+                  <a:txBody>
+                    <a:bodyPr/>
+                    <a:lstStyle/>
+                    <a:p>
+                      <a:r>
+                        <a:rPr lang="en-US" sz="1200" dirty="0"/>
+                        <a:t>2012</a:t>
+                      </a:r>
+                    </a:p>
+                  </a:txBody>
+                  <a:tcPr/>
+                </a:tc>
+                <a:tc>
+                  <a:txBody>
+                    <a:bodyPr/>
+                    <a:lstStyle/>
+                    <a:p>
+                      <a:r>
+                        <a:rPr lang="en-US" sz="1200" dirty="0"/>
+                        <a:t>22,095</a:t>
+                      </a:r>
+                    </a:p>
+                  </a:txBody>
+                  <a:tcPr/>
+                </a:tc>
+                <a:tc>
+                  <a:txBody>
+                    <a:bodyPr/>
+                    <a:lstStyle/>
+                    <a:p>
+                      <a:r>
+                        <a:rPr lang="en-US" sz="1200" dirty="0"/>
+                        <a:t>$18,613853</a:t>
+                      </a:r>
+                    </a:p>
+                  </a:txBody>
+                  <a:tcPr/>
+                </a:tc>
+                <a:tc>
+                  <a:txBody>
+                    <a:bodyPr/>
+                    <a:lstStyle/>
+                    <a:p>
+                      <a:r>
+                        <a:rPr lang="en-US" sz="1200" dirty="0"/>
+                        <a:t>$1,000,000</a:t>
+                      </a:r>
+                    </a:p>
+                  </a:txBody>
+                  <a:tcPr/>
+                </a:tc>
+                <a:tc>
+                  <a:txBody>
+                    <a:bodyPr/>
+                    <a:lstStyle/>
+                    <a:p>
+                      <a:r>
+                        <a:rPr lang="en-US" sz="1200" dirty="0"/>
+                        <a:t>$1</a:t>
+                      </a:r>
+                    </a:p>
+                  </a:txBody>
+                  <a:tcPr/>
+                </a:tc>
+                <a:tc>
+                  <a:txBody>
+                    <a:bodyPr/>
+                    <a:lstStyle/>
+                    <a:p>
+                      <a:r>
+                        <a:rPr lang="en-US" sz="1200" dirty="0"/>
+                        <a:t>$300</a:t>
+                      </a:r>
+                    </a:p>
+                  </a:txBody>
+                  <a:tcPr/>
+                </a:tc>
+                <a:tc>
+                  <a:txBody>
+                    <a:bodyPr/>
+                    <a:lstStyle/>
+                    <a:p>
+                      <a:r>
+                        <a:rPr lang="en-US" sz="1200" dirty="0"/>
+                        <a:t>$842.47</a:t>
+                      </a:r>
+                    </a:p>
+                  </a:txBody>
+                  <a:tcPr/>
+                </a:tc>
+                <a:extLst>
+                  <a:ext uri="{0D108BD9-81ED-4DB2-BD59-A6C34878D82A}">
+                    <a16:rowId xmlns:a16="http://schemas.microsoft.com/office/drawing/2014/main" val="2742129964"/>
+                  </a:ext>
+                </a:extLst>
+              </a:tr>
+              <a:tr h="232256">
+                <a:tc>
+                  <a:txBody>
+                    <a:bodyPr/>
+                    <a:lstStyle/>
+                    <a:p>
+                      <a:r>
+                        <a:rPr lang="en-US" sz="1200" dirty="0"/>
+                        <a:t>2016</a:t>
+                      </a:r>
+                    </a:p>
+                  </a:txBody>
+                  <a:tcPr/>
+                </a:tc>
+                <a:tc>
+                  <a:txBody>
+                    <a:bodyPr/>
+                    <a:lstStyle/>
+                    <a:p>
+                      <a:r>
+                        <a:rPr lang="en-US" sz="1200" dirty="0"/>
+                        <a:t>99,347</a:t>
+                      </a:r>
+                    </a:p>
+                  </a:txBody>
+                  <a:tcPr/>
+                </a:tc>
+                <a:tc>
+                  <a:txBody>
+                    <a:bodyPr/>
+                    <a:lstStyle/>
+                    <a:p>
+                      <a:r>
+                        <a:rPr lang="en-US" sz="1200" dirty="0"/>
+                        <a:t>$19,981,887</a:t>
+                      </a:r>
+                    </a:p>
+                  </a:txBody>
+                  <a:tcPr/>
+                </a:tc>
+                <a:tc>
+                  <a:txBody>
+                    <a:bodyPr/>
+                    <a:lstStyle/>
+                    <a:p>
+                      <a:r>
+                        <a:rPr lang="en-US" sz="1200" dirty="0"/>
+                        <a:t>$1,000,000</a:t>
+                      </a:r>
+                    </a:p>
+                  </a:txBody>
+                  <a:tcPr/>
+                </a:tc>
+                <a:tc>
+                  <a:txBody>
+                    <a:bodyPr/>
+                    <a:lstStyle/>
+                    <a:p>
+                      <a:r>
+                        <a:rPr lang="en-US" sz="1200" dirty="0"/>
+                        <a:t>$1</a:t>
+                      </a:r>
+                    </a:p>
+                  </a:txBody>
+                  <a:tcPr/>
+                </a:tc>
+                <a:tc>
+                  <a:txBody>
+                    <a:bodyPr/>
+                    <a:lstStyle/>
+                    <a:p>
+                      <a:r>
+                        <a:rPr lang="en-US" sz="1200" dirty="0"/>
+                        <a:t>$38</a:t>
+                      </a:r>
+                    </a:p>
+                  </a:txBody>
+                  <a:tcPr/>
+                </a:tc>
+                <a:tc>
+                  <a:txBody>
+                    <a:bodyPr/>
+                    <a:lstStyle/>
+                    <a:p>
+                      <a:r>
+                        <a:rPr lang="en-US" sz="1200" dirty="0"/>
+                        <a:t>$201.13</a:t>
+                      </a:r>
+                    </a:p>
+                  </a:txBody>
+                  <a:tcPr/>
+                </a:tc>
+                <a:extLst>
+                  <a:ext uri="{0D108BD9-81ED-4DB2-BD59-A6C34878D82A}">
+                    <a16:rowId xmlns:a16="http://schemas.microsoft.com/office/drawing/2014/main" val="2133921564"/>
+                  </a:ext>
+                </a:extLst>
+              </a:tr>
+            </a:tbl>
+          </a:graphicData>
+        </a:graphic>
+      </p:graphicFrame>
+      <p:sp>
+        <p:nvSpPr>
+          <p:cNvPr id="12" name="Rectangle 11">
+            <a:extLst>
+              <a:ext uri="{FF2B5EF4-FFF2-40B4-BE49-F238E27FC236}">
+                <a16:creationId xmlns:a16="http://schemas.microsoft.com/office/drawing/2014/main" id="{DBE8132A-564F-3D47-8818-C4F904164476}"/>
+              </a:ext>
+            </a:extLst>
+          </p:cNvPr>
+          <p:cNvSpPr/>
+          <p:nvPr/>
+        </p:nvSpPr>
+        <p:spPr>
+          <a:xfrm>
+            <a:off x="787305" y="3957763"/>
+            <a:ext cx="3457998" cy="369332"/>
+          </a:xfrm>
+          <a:prstGeom prst="rect">
+            <a:avLst/>
+          </a:prstGeom>
+        </p:spPr>
+        <p:txBody>
+          <a:bodyPr wrap="none">
+            <a:spAutoFit/>
+          </a:bodyPr>
+          <a:lstStyle/>
+          <a:p>
+            <a:r>
+              <a:rPr lang="en-US" b="1" u="sng" dirty="0"/>
+              <a:t>Donations to losing candidates</a:t>
+            </a:r>
+          </a:p>
+        </p:txBody>
+      </p:sp>
+    </p:spTree>
+    <p:extLst>
+      <p:ext uri="{BB962C8B-B14F-4D97-AF65-F5344CB8AC3E}">
+        <p14:creationId xmlns:p14="http://schemas.microsoft.com/office/powerpoint/2010/main" val="3219115758"/>
+      </p:ext>
+    </p:extLst>
+  </p:cSld>
+  <p:clrMapOvr>
+    <a:masterClrMapping/>
+  </p:clrMapOvr>
+</p:sld>
+</file>
+
+<file path=ppt/slides/slide8.xml><?xml version="1.0" encoding="utf-8"?>
+<p:sld xmlns:a="http://schemas.openxmlformats.org/drawingml/2006/main" xmlns:r="http://schemas.openxmlformats.org/officeDocument/2006/relationships" xmlns:p="http://schemas.openxmlformats.org/presentationml/2006/main">
+  <p:cSld>
+    <p:spTree>
+      <p:nvGrpSpPr>
+        <p:cNvPr id="1" name=""/>
+        <p:cNvGrpSpPr/>
+        <p:nvPr/>
+      </p:nvGrpSpPr>
+      <p:grpSpPr>
+        <a:xfrm>
+          <a:off x="0" y="0"/>
+          <a:ext cx="0" cy="0"/>
+          <a:chOff x="0" y="0"/>
+          <a:chExt cx="0" cy="0"/>
+        </a:xfrm>
+      </p:grpSpPr>
+      <p:sp>
+        <p:nvSpPr>
+          <p:cNvPr id="2" name="Title 1">
+            <a:extLst>
+              <a:ext uri="{FF2B5EF4-FFF2-40B4-BE49-F238E27FC236}">
+                <a16:creationId xmlns:a16="http://schemas.microsoft.com/office/drawing/2014/main" id="{92378798-8F45-8242-9147-3A5DAA7B9E2F}"/>
               </a:ext>
             </a:extLst>
           </p:cNvPr>
@@ -15571,40 +20174,104 @@
           <a:p>
             <a:r>
               <a:rPr lang="en-US" dirty="0"/>
-              <a:t>Vis 2</a:t>
+              <a:t>Summary Visualizations</a:t>
             </a:r>
           </a:p>
         </p:txBody>
       </p:sp>
-      <p:sp>
-        <p:nvSpPr>
-          <p:cNvPr id="3" name="Content Placeholder 2">
+      <p:pic>
+        <p:nvPicPr>
+          <p:cNvPr id="5" name="Content Placeholder 4" descr="A screenshot of a cell phone&#10;&#10;Description automatically generated">
             <a:extLst>
               <a:ext uri="{FF2B5EF4-FFF2-40B4-BE49-F238E27FC236}">
-                <a16:creationId xmlns:a16="http://schemas.microsoft.com/office/drawing/2014/main" id="{39BD09FC-C17D-D943-A19A-475B0296EC2E}"/>
+                <a16:creationId xmlns:a16="http://schemas.microsoft.com/office/drawing/2014/main" id="{35CEFD97-8DF1-DA47-9076-9D61A15076B9}"/>
               </a:ext>
             </a:extLst>
           </p:cNvPr>
-          <p:cNvSpPr>
-            <a:spLocks noGrp="1"/>
-          </p:cNvSpPr>
+          <p:cNvPicPr>
+            <a:picLocks noGrp="1" noChangeAspect="1"/>
+          </p:cNvPicPr>
           <p:nvPr>
             <p:ph idx="1"/>
           </p:nvPr>
-        </p:nvSpPr>
-        <p:spPr/>
-        <p:txBody>
-          <a:bodyPr/>
-          <a:lstStyle/>
-          <a:p>
-            <a:endParaRPr lang="en-US"/>
-          </a:p>
-        </p:txBody>
-      </p:sp>
+        </p:nvPicPr>
+        <p:blipFill>
+          <a:blip r:embed="rId2"/>
+          <a:stretch>
+            <a:fillRect/>
+          </a:stretch>
+        </p:blipFill>
+        <p:spPr>
+          <a:xfrm>
+            <a:off x="555956" y="1460665"/>
+            <a:ext cx="3130977" cy="2593624"/>
+          </a:xfrm>
+        </p:spPr>
+      </p:pic>
+      <p:pic>
+        <p:nvPicPr>
+          <p:cNvPr id="7" name="Picture 6" descr="A screenshot of a cell phone&#10;&#10;Description automatically generated">
+            <a:extLst>
+              <a:ext uri="{FF2B5EF4-FFF2-40B4-BE49-F238E27FC236}">
+                <a16:creationId xmlns:a16="http://schemas.microsoft.com/office/drawing/2014/main" id="{B2B79D21-24D2-E548-B240-D8189EAE36E3}"/>
+              </a:ext>
+            </a:extLst>
+          </p:cNvPr>
+          <p:cNvPicPr>
+            <a:picLocks noChangeAspect="1"/>
+          </p:cNvPicPr>
+          <p:nvPr/>
+        </p:nvPicPr>
+        <p:blipFill>
+          <a:blip r:embed="rId3"/>
+          <a:stretch>
+            <a:fillRect/>
+          </a:stretch>
+        </p:blipFill>
+        <p:spPr>
+          <a:xfrm>
+            <a:off x="679349" y="4054289"/>
+            <a:ext cx="2884189" cy="2452588"/>
+          </a:xfrm>
+          <a:prstGeom prst="rect">
+            <a:avLst/>
+          </a:prstGeom>
+        </p:spPr>
+      </p:pic>
+      <p:pic>
+        <p:nvPicPr>
+          <p:cNvPr id="10" name="Picture 9" descr="A close up of a map&#10;&#10;Description automatically generated">
+            <a:extLst>
+              <a:ext uri="{FF2B5EF4-FFF2-40B4-BE49-F238E27FC236}">
+                <a16:creationId xmlns:a16="http://schemas.microsoft.com/office/drawing/2014/main" id="{68842E2E-43B6-A545-88A2-08999AB7EE19}"/>
+              </a:ext>
+            </a:extLst>
+          </p:cNvPr>
+          <p:cNvPicPr>
+            <a:picLocks noChangeAspect="1"/>
+          </p:cNvPicPr>
+          <p:nvPr/>
+        </p:nvPicPr>
+        <p:blipFill>
+          <a:blip r:embed="rId4"/>
+          <a:stretch>
+            <a:fillRect/>
+          </a:stretch>
+        </p:blipFill>
+        <p:spPr>
+          <a:xfrm>
+            <a:off x="3940467" y="1460665"/>
+            <a:ext cx="5080000" cy="4699000"/>
+          </a:xfrm>
+          <a:prstGeom prst="rect">
+            <a:avLst/>
+          </a:prstGeom>
+        </p:spPr>
+      </p:pic>
     </p:spTree>
     <p:extLst>
       <p:ext uri="{BB962C8B-B14F-4D97-AF65-F5344CB8AC3E}">
-        <p14:creationId xmlns:p14="http://schemas.microsoft.com/office/powerpoint/2010/main" val="2553192149"/>
+        <p14:creationId xmlns:p14="http://schemas.microsoft.com/office/powerpoint/2010/main" val="3812818127"/>
       </p:ext>
     </p:extLst>
   </p:cSld>
@@ -15614,7 +20281,7 @@
 </p:sld>
 </file>
 
-<file path=ppt/slides/slide8.xml><?xml version="1.0" encoding="utf-8"?>
+<file path=ppt/slides/slide9.xml><?xml version="1.0" encoding="utf-8"?>
 <p:sld xmlns:a="http://schemas.openxmlformats.org/drawingml/2006/main" xmlns:r="http://schemas.openxmlformats.org/officeDocument/2006/relationships" xmlns:p="http://schemas.openxmlformats.org/presentationml/2006/main">
   <p:cSld>
     <p:bg>
@@ -17197,1598 +21864,6 @@
     <p:extLst>
       <p:ext uri="{BB962C8B-B14F-4D97-AF65-F5344CB8AC3E}">
         <p14:creationId xmlns:p14="http://schemas.microsoft.com/office/powerpoint/2010/main" val="3591148975"/>
-      </p:ext>
-    </p:extLst>
-  </p:cSld>
-  <p:clrMapOvr>
-    <a:masterClrMapping/>
-  </p:clrMapOvr>
-</p:sld>
-</file>
-
-<file path=ppt/slides/slide9.xml><?xml version="1.0" encoding="utf-8"?>
-<p:sld xmlns:a="http://schemas.openxmlformats.org/drawingml/2006/main" xmlns:r="http://schemas.openxmlformats.org/officeDocument/2006/relationships" xmlns:p="http://schemas.openxmlformats.org/presentationml/2006/main">
-  <p:cSld>
-    <p:bg>
-      <p:bgPr>
-        <a:solidFill>
-          <a:schemeClr val="bg2"/>
-        </a:solidFill>
-        <a:effectLst/>
-      </p:bgPr>
-    </p:bg>
-    <p:spTree>
-      <p:nvGrpSpPr>
-        <p:cNvPr id="1" name=""/>
-        <p:cNvGrpSpPr/>
-        <p:nvPr/>
-      </p:nvGrpSpPr>
-      <p:grpSpPr>
-        <a:xfrm>
-          <a:off x="0" y="0"/>
-          <a:ext cx="0" cy="0"/>
-          <a:chOff x="0" y="0"/>
-          <a:chExt cx="0" cy="0"/>
-        </a:xfrm>
-      </p:grpSpPr>
-      <p:grpSp>
-        <p:nvGrpSpPr>
-          <p:cNvPr id="10" name="Group 9">
-            <a:extLst>
-              <a:ext uri="{FF2B5EF4-FFF2-40B4-BE49-F238E27FC236}">
-                <a16:creationId xmlns:a16="http://schemas.microsoft.com/office/drawing/2014/main" id="{5F054EF5-EFE6-45A2-834C-0F0931F39F1E}"/>
-              </a:ext>
-              <a:ext uri="{C183D7F6-B498-43B3-948B-1728B52AA6E4}">
-                <adec:decorative xmlns:adec="http://schemas.microsoft.com/office/drawing/2017/decorative" val="1"/>
-              </a:ext>
-            </a:extLst>
-          </p:cNvPr>
-          <p:cNvGrpSpPr>
-            <a:grpSpLocks noGrp="1" noUngrp="1" noRot="1" noChangeAspect="1" noMove="1" noResize="1"/>
-          </p:cNvGrpSpPr>
-          <p:nvPr>
-            <p:extLst>
-              <p:ext uri="{386F3935-93C4-4BCD-93E2-E3B085C9AB24}">
-                <p16:designElem xmlns:p16="http://schemas.microsoft.com/office/powerpoint/2015/main" val="1"/>
-              </p:ext>
-            </p:extLst>
-          </p:nvPr>
-        </p:nvGrpSpPr>
-        <p:grpSpPr>
-          <a:xfrm>
-            <a:off x="0" y="-8467"/>
-            <a:ext cx="12192000" cy="6866467"/>
-            <a:chOff x="0" y="-8467"/>
-            <a:chExt cx="12192000" cy="6866467"/>
-          </a:xfrm>
-        </p:grpSpPr>
-        <p:cxnSp>
-          <p:nvCxnSpPr>
-            <p:cNvPr id="11" name="Straight Connector 10">
-              <a:extLst>
-                <a:ext uri="{FF2B5EF4-FFF2-40B4-BE49-F238E27FC236}">
-                  <a16:creationId xmlns:a16="http://schemas.microsoft.com/office/drawing/2014/main" id="{CFE3C88A-FEDB-4B9C-94EE-5026B326B3EB}"/>
-                </a:ext>
-                <a:ext uri="{C183D7F6-B498-43B3-948B-1728B52AA6E4}">
-                  <adec:decorative xmlns:adec="http://schemas.microsoft.com/office/drawing/2017/decorative" val="1"/>
-                </a:ext>
-              </a:extLst>
-            </p:cNvPr>
-            <p:cNvCxnSpPr/>
-            <p:nvPr>
-              <p:extLst>
-                <p:ext uri="{386F3935-93C4-4BCD-93E2-E3B085C9AB24}">
-                  <p16:designElem xmlns:p16="http://schemas.microsoft.com/office/powerpoint/2015/main" val="1"/>
-                </p:ext>
-              </p:extLst>
-            </p:nvPr>
-          </p:nvCxnSpPr>
-          <p:spPr>
-            <a:xfrm>
-              <a:off x="9371012" y="0"/>
-              <a:ext cx="1219200" cy="6858000"/>
-            </a:xfrm>
-            <a:prstGeom prst="line">
-              <a:avLst/>
-            </a:prstGeom>
-            <a:ln w="9525">
-              <a:solidFill>
-                <a:schemeClr val="bg1">
-                  <a:lumMod val="85000"/>
-                  <a:lumOff val="15000"/>
-                </a:schemeClr>
-              </a:solidFill>
-            </a:ln>
-          </p:spPr>
-          <p:style>
-            <a:lnRef idx="2">
-              <a:schemeClr val="accent1"/>
-            </a:lnRef>
-            <a:fillRef idx="0">
-              <a:schemeClr val="accent1"/>
-            </a:fillRef>
-            <a:effectRef idx="1">
-              <a:schemeClr val="accent1"/>
-            </a:effectRef>
-            <a:fontRef idx="minor">
-              <a:schemeClr val="tx1"/>
-            </a:fontRef>
-          </p:style>
-        </p:cxnSp>
-        <p:cxnSp>
-          <p:nvCxnSpPr>
-            <p:cNvPr id="12" name="Straight Connector 11">
-              <a:extLst>
-                <a:ext uri="{FF2B5EF4-FFF2-40B4-BE49-F238E27FC236}">
-                  <a16:creationId xmlns:a16="http://schemas.microsoft.com/office/drawing/2014/main" id="{B5D51D9B-0E7C-44D3-9215-81F9915232E9}"/>
-                </a:ext>
-                <a:ext uri="{C183D7F6-B498-43B3-948B-1728B52AA6E4}">
-                  <adec:decorative xmlns:adec="http://schemas.microsoft.com/office/drawing/2017/decorative" val="1"/>
-                </a:ext>
-              </a:extLst>
-            </p:cNvPr>
-            <p:cNvCxnSpPr/>
-            <p:nvPr>
-              <p:extLst>
-                <p:ext uri="{386F3935-93C4-4BCD-93E2-E3B085C9AB24}">
-                  <p16:designElem xmlns:p16="http://schemas.microsoft.com/office/powerpoint/2015/main" val="1"/>
-                </p:ext>
-              </p:extLst>
-            </p:nvPr>
-          </p:nvCxnSpPr>
-          <p:spPr>
-            <a:xfrm flipH="1">
-              <a:off x="7425267" y="3681413"/>
-              <a:ext cx="4763558" cy="3176587"/>
-            </a:xfrm>
-            <a:prstGeom prst="line">
-              <a:avLst/>
-            </a:prstGeom>
-            <a:ln w="9525">
-              <a:solidFill>
-                <a:schemeClr val="bg1">
-                  <a:lumMod val="85000"/>
-                  <a:lumOff val="15000"/>
-                </a:schemeClr>
-              </a:solidFill>
-            </a:ln>
-          </p:spPr>
-          <p:style>
-            <a:lnRef idx="2">
-              <a:schemeClr val="accent1"/>
-            </a:lnRef>
-            <a:fillRef idx="0">
-              <a:schemeClr val="accent1"/>
-            </a:fillRef>
-            <a:effectRef idx="1">
-              <a:schemeClr val="accent1"/>
-            </a:effectRef>
-            <a:fontRef idx="minor">
-              <a:schemeClr val="tx1"/>
-            </a:fontRef>
-          </p:style>
-        </p:cxnSp>
-        <p:sp>
-          <p:nvSpPr>
-            <p:cNvPr id="13" name="Rectangle 23">
-              <a:extLst>
-                <a:ext uri="{FF2B5EF4-FFF2-40B4-BE49-F238E27FC236}">
-                  <a16:creationId xmlns:a16="http://schemas.microsoft.com/office/drawing/2014/main" id="{16EFB339-1D4E-4824-A20B-AF30D07CF73A}"/>
-                </a:ext>
-                <a:ext uri="{C183D7F6-B498-43B3-948B-1728B52AA6E4}">
-                  <adec:decorative xmlns:adec="http://schemas.microsoft.com/office/drawing/2017/decorative" val="1"/>
-                </a:ext>
-              </a:extLst>
-            </p:cNvPr>
-            <p:cNvSpPr/>
-            <p:nvPr>
-              <p:extLst>
-                <p:ext uri="{386F3935-93C4-4BCD-93E2-E3B085C9AB24}">
-                  <p16:designElem xmlns:p16="http://schemas.microsoft.com/office/powerpoint/2015/main" val="1"/>
-                </p:ext>
-              </p:extLst>
-            </p:nvPr>
-          </p:nvSpPr>
-          <p:spPr>
-            <a:xfrm>
-              <a:off x="9181476" y="-8467"/>
-              <a:ext cx="3007349" cy="6866467"/>
-            </a:xfrm>
-            <a:custGeom>
-              <a:avLst/>
-              <a:gdLst/>
-              <a:ahLst/>
-              <a:cxnLst/>
-              <a:rect l="l" t="t" r="r" b="b"/>
-              <a:pathLst>
-                <a:path w="3007349" h="6866467">
-                  <a:moveTo>
-                    <a:pt x="2045532" y="0"/>
-                  </a:moveTo>
-                  <a:lnTo>
-                    <a:pt x="3007349" y="0"/>
-                  </a:lnTo>
-                  <a:lnTo>
-                    <a:pt x="3007349" y="6866467"/>
-                  </a:lnTo>
-                  <a:lnTo>
-                    <a:pt x="0" y="6866467"/>
-                  </a:lnTo>
-                  <a:lnTo>
-                    <a:pt x="2045532" y="0"/>
-                  </a:lnTo>
-                  <a:close/>
-                </a:path>
-              </a:pathLst>
-            </a:custGeom>
-            <a:solidFill>
-              <a:schemeClr val="accent1">
-                <a:alpha val="30000"/>
-              </a:schemeClr>
-            </a:solidFill>
-            <a:ln>
-              <a:noFill/>
-            </a:ln>
-            <a:effectLst/>
-          </p:spPr>
-          <p:style>
-            <a:lnRef idx="1">
-              <a:schemeClr val="accent1"/>
-            </a:lnRef>
-            <a:fillRef idx="3">
-              <a:schemeClr val="accent1"/>
-            </a:fillRef>
-            <a:effectRef idx="2">
-              <a:schemeClr val="accent1"/>
-            </a:effectRef>
-            <a:fontRef idx="minor">
-              <a:schemeClr val="lt1"/>
-            </a:fontRef>
-          </p:style>
-        </p:sp>
-        <p:sp>
-          <p:nvSpPr>
-            <p:cNvPr id="14" name="Rectangle 25">
-              <a:extLst>
-                <a:ext uri="{FF2B5EF4-FFF2-40B4-BE49-F238E27FC236}">
-                  <a16:creationId xmlns:a16="http://schemas.microsoft.com/office/drawing/2014/main" id="{00030831-8136-4C61-8F00-6F190C5AEBEA}"/>
-                </a:ext>
-                <a:ext uri="{C183D7F6-B498-43B3-948B-1728B52AA6E4}">
-                  <adec:decorative xmlns:adec="http://schemas.microsoft.com/office/drawing/2017/decorative" val="1"/>
-                </a:ext>
-              </a:extLst>
-            </p:cNvPr>
-            <p:cNvSpPr/>
-            <p:nvPr>
-              <p:extLst>
-                <p:ext uri="{386F3935-93C4-4BCD-93E2-E3B085C9AB24}">
-                  <p16:designElem xmlns:p16="http://schemas.microsoft.com/office/powerpoint/2015/main" val="1"/>
-                </p:ext>
-              </p:extLst>
-            </p:nvPr>
-          </p:nvSpPr>
-          <p:spPr>
-            <a:xfrm>
-              <a:off x="9603442" y="-8467"/>
-              <a:ext cx="2588558" cy="6866467"/>
-            </a:xfrm>
-            <a:custGeom>
-              <a:avLst/>
-              <a:gdLst/>
-              <a:ahLst/>
-              <a:cxnLst/>
-              <a:rect l="l" t="t" r="r" b="b"/>
-              <a:pathLst>
-                <a:path w="2573311" h="6866467">
-                  <a:moveTo>
-                    <a:pt x="0" y="0"/>
-                  </a:moveTo>
-                  <a:lnTo>
-                    <a:pt x="2573311" y="0"/>
-                  </a:lnTo>
-                  <a:lnTo>
-                    <a:pt x="2573311" y="6866467"/>
-                  </a:lnTo>
-                  <a:lnTo>
-                    <a:pt x="1202336" y="6866467"/>
-                  </a:lnTo>
-                  <a:lnTo>
-                    <a:pt x="0" y="0"/>
-                  </a:lnTo>
-                  <a:close/>
-                </a:path>
-              </a:pathLst>
-            </a:custGeom>
-            <a:solidFill>
-              <a:schemeClr val="accent1">
-                <a:alpha val="20000"/>
-              </a:schemeClr>
-            </a:solidFill>
-            <a:ln>
-              <a:noFill/>
-            </a:ln>
-            <a:effectLst/>
-          </p:spPr>
-          <p:style>
-            <a:lnRef idx="1">
-              <a:schemeClr val="accent1"/>
-            </a:lnRef>
-            <a:fillRef idx="3">
-              <a:schemeClr val="accent1"/>
-            </a:fillRef>
-            <a:effectRef idx="2">
-              <a:schemeClr val="accent1"/>
-            </a:effectRef>
-            <a:fontRef idx="minor">
-              <a:schemeClr val="lt1"/>
-            </a:fontRef>
-          </p:style>
-        </p:sp>
-        <p:sp>
-          <p:nvSpPr>
-            <p:cNvPr id="15" name="Isosceles Triangle 14">
-              <a:extLst>
-                <a:ext uri="{FF2B5EF4-FFF2-40B4-BE49-F238E27FC236}">
-                  <a16:creationId xmlns:a16="http://schemas.microsoft.com/office/drawing/2014/main" id="{9B14B360-4798-467E-ADE9-756959EC521D}"/>
-                </a:ext>
-                <a:ext uri="{C183D7F6-B498-43B3-948B-1728B52AA6E4}">
-                  <adec:decorative xmlns:adec="http://schemas.microsoft.com/office/drawing/2017/decorative" val="1"/>
-                </a:ext>
-              </a:extLst>
-            </p:cNvPr>
-            <p:cNvSpPr/>
-            <p:nvPr>
-              <p:extLst>
-                <p:ext uri="{386F3935-93C4-4BCD-93E2-E3B085C9AB24}">
-                  <p16:designElem xmlns:p16="http://schemas.microsoft.com/office/powerpoint/2015/main" val="1"/>
-                </p:ext>
-              </p:extLst>
-            </p:nvPr>
-          </p:nvSpPr>
-          <p:spPr>
-            <a:xfrm>
-              <a:off x="8932333" y="3048000"/>
-              <a:ext cx="3259667" cy="3810000"/>
-            </a:xfrm>
-            <a:prstGeom prst="triangle">
-              <a:avLst>
-                <a:gd name="adj" fmla="val 100000"/>
-              </a:avLst>
-            </a:prstGeom>
-            <a:solidFill>
-              <a:schemeClr val="accent2">
-                <a:alpha val="72000"/>
-              </a:schemeClr>
-            </a:solidFill>
-            <a:ln>
-              <a:noFill/>
-            </a:ln>
-            <a:effectLst/>
-          </p:spPr>
-          <p:style>
-            <a:lnRef idx="1">
-              <a:schemeClr val="accent1"/>
-            </a:lnRef>
-            <a:fillRef idx="3">
-              <a:schemeClr val="accent1"/>
-            </a:fillRef>
-            <a:effectRef idx="2">
-              <a:schemeClr val="accent1"/>
-            </a:effectRef>
-            <a:fontRef idx="minor">
-              <a:schemeClr val="lt1"/>
-            </a:fontRef>
-          </p:style>
-        </p:sp>
-        <p:sp>
-          <p:nvSpPr>
-            <p:cNvPr id="16" name="Rectangle 27">
-              <a:extLst>
-                <a:ext uri="{FF2B5EF4-FFF2-40B4-BE49-F238E27FC236}">
-                  <a16:creationId xmlns:a16="http://schemas.microsoft.com/office/drawing/2014/main" id="{9433F2F7-DA21-430A-A31C-D529D9C6A186}"/>
-                </a:ext>
-                <a:ext uri="{C183D7F6-B498-43B3-948B-1728B52AA6E4}">
-                  <adec:decorative xmlns:adec="http://schemas.microsoft.com/office/drawing/2017/decorative" val="1"/>
-                </a:ext>
-              </a:extLst>
-            </p:cNvPr>
-            <p:cNvSpPr/>
-            <p:nvPr>
-              <p:extLst>
-                <p:ext uri="{386F3935-93C4-4BCD-93E2-E3B085C9AB24}">
-                  <p16:designElem xmlns:p16="http://schemas.microsoft.com/office/powerpoint/2015/main" val="1"/>
-                </p:ext>
-              </p:extLst>
-            </p:nvPr>
-          </p:nvSpPr>
-          <p:spPr>
-            <a:xfrm>
-              <a:off x="9334500" y="-8467"/>
-              <a:ext cx="2854326" cy="6866467"/>
-            </a:xfrm>
-            <a:custGeom>
-              <a:avLst/>
-              <a:gdLst/>
-              <a:ahLst/>
-              <a:cxnLst/>
-              <a:rect l="l" t="t" r="r" b="b"/>
-              <a:pathLst>
-                <a:path w="2858013" h="6866467">
-                  <a:moveTo>
-                    <a:pt x="0" y="0"/>
-                  </a:moveTo>
-                  <a:lnTo>
-                    <a:pt x="2858013" y="0"/>
-                  </a:lnTo>
-                  <a:lnTo>
-                    <a:pt x="2858013" y="6866467"/>
-                  </a:lnTo>
-                  <a:lnTo>
-                    <a:pt x="2473942" y="6866467"/>
-                  </a:lnTo>
-                  <a:lnTo>
-                    <a:pt x="0" y="0"/>
-                  </a:lnTo>
-                  <a:close/>
-                </a:path>
-              </a:pathLst>
-            </a:custGeom>
-            <a:solidFill>
-              <a:schemeClr val="accent2">
-                <a:lumMod val="75000"/>
-                <a:alpha val="70000"/>
-              </a:schemeClr>
-            </a:solidFill>
-            <a:ln>
-              <a:noFill/>
-            </a:ln>
-            <a:effectLst/>
-          </p:spPr>
-          <p:style>
-            <a:lnRef idx="1">
-              <a:schemeClr val="accent1"/>
-            </a:lnRef>
-            <a:fillRef idx="3">
-              <a:schemeClr val="accent1"/>
-            </a:fillRef>
-            <a:effectRef idx="2">
-              <a:schemeClr val="accent1"/>
-            </a:effectRef>
-            <a:fontRef idx="minor">
-              <a:schemeClr val="lt1"/>
-            </a:fontRef>
-          </p:style>
-        </p:sp>
-        <p:sp>
-          <p:nvSpPr>
-            <p:cNvPr id="17" name="Rectangle 28">
-              <a:extLst>
-                <a:ext uri="{FF2B5EF4-FFF2-40B4-BE49-F238E27FC236}">
-                  <a16:creationId xmlns:a16="http://schemas.microsoft.com/office/drawing/2014/main" id="{0B24FFF9-F75D-4A88-90F8-D2D7BBB8E89E}"/>
-                </a:ext>
-                <a:ext uri="{C183D7F6-B498-43B3-948B-1728B52AA6E4}">
-                  <adec:decorative xmlns:adec="http://schemas.microsoft.com/office/drawing/2017/decorative" val="1"/>
-                </a:ext>
-              </a:extLst>
-            </p:cNvPr>
-            <p:cNvSpPr/>
-            <p:nvPr>
-              <p:extLst>
-                <p:ext uri="{386F3935-93C4-4BCD-93E2-E3B085C9AB24}">
-                  <p16:designElem xmlns:p16="http://schemas.microsoft.com/office/powerpoint/2015/main" val="1"/>
-                </p:ext>
-              </p:extLst>
-            </p:nvPr>
-          </p:nvSpPr>
-          <p:spPr>
-            <a:xfrm>
-              <a:off x="10898730" y="-8467"/>
-              <a:ext cx="1290094" cy="6866467"/>
-            </a:xfrm>
-            <a:custGeom>
-              <a:avLst/>
-              <a:gdLst/>
-              <a:ahLst/>
-              <a:cxnLst/>
-              <a:rect l="l" t="t" r="r" b="b"/>
-              <a:pathLst>
-                <a:path w="1290094" h="6858000">
-                  <a:moveTo>
-                    <a:pt x="1019735" y="0"/>
-                  </a:moveTo>
-                  <a:lnTo>
-                    <a:pt x="1290094" y="0"/>
-                  </a:lnTo>
-                  <a:lnTo>
-                    <a:pt x="1290094" y="6858000"/>
-                  </a:lnTo>
-                  <a:lnTo>
-                    <a:pt x="0" y="6858000"/>
-                  </a:lnTo>
-                  <a:lnTo>
-                    <a:pt x="1019735" y="0"/>
-                  </a:lnTo>
-                  <a:close/>
-                </a:path>
-              </a:pathLst>
-            </a:custGeom>
-            <a:solidFill>
-              <a:schemeClr val="accent1">
-                <a:lumMod val="60000"/>
-                <a:lumOff val="40000"/>
-                <a:alpha val="70000"/>
-              </a:schemeClr>
-            </a:solidFill>
-            <a:ln>
-              <a:noFill/>
-            </a:ln>
-            <a:effectLst/>
-          </p:spPr>
-          <p:style>
-            <a:lnRef idx="1">
-              <a:schemeClr val="accent1"/>
-            </a:lnRef>
-            <a:fillRef idx="3">
-              <a:schemeClr val="accent1"/>
-            </a:fillRef>
-            <a:effectRef idx="2">
-              <a:schemeClr val="accent1"/>
-            </a:effectRef>
-            <a:fontRef idx="minor">
-              <a:schemeClr val="lt1"/>
-            </a:fontRef>
-          </p:style>
-        </p:sp>
-        <p:sp>
-          <p:nvSpPr>
-            <p:cNvPr id="18" name="Rectangle 29">
-              <a:extLst>
-                <a:ext uri="{FF2B5EF4-FFF2-40B4-BE49-F238E27FC236}">
-                  <a16:creationId xmlns:a16="http://schemas.microsoft.com/office/drawing/2014/main" id="{A0A2A2C4-404D-431C-8F9A-227932A42E45}"/>
-                </a:ext>
-                <a:ext uri="{C183D7F6-B498-43B3-948B-1728B52AA6E4}">
-                  <adec:decorative xmlns:adec="http://schemas.microsoft.com/office/drawing/2017/decorative" val="1"/>
-                </a:ext>
-              </a:extLst>
-            </p:cNvPr>
-            <p:cNvSpPr/>
-            <p:nvPr>
-              <p:extLst>
-                <p:ext uri="{386F3935-93C4-4BCD-93E2-E3B085C9AB24}">
-                  <p16:designElem xmlns:p16="http://schemas.microsoft.com/office/powerpoint/2015/main" val="1"/>
-                </p:ext>
-              </p:extLst>
-            </p:nvPr>
-          </p:nvSpPr>
-          <p:spPr>
-            <a:xfrm>
-              <a:off x="10938999" y="-8467"/>
-              <a:ext cx="1249825" cy="6866467"/>
-            </a:xfrm>
-            <a:custGeom>
-              <a:avLst/>
-              <a:gdLst/>
-              <a:ahLst/>
-              <a:cxnLst/>
-              <a:rect l="l" t="t" r="r" b="b"/>
-              <a:pathLst>
-                <a:path w="1249825" h="6858000">
-                  <a:moveTo>
-                    <a:pt x="0" y="0"/>
-                  </a:moveTo>
-                  <a:lnTo>
-                    <a:pt x="1249825" y="0"/>
-                  </a:lnTo>
-                  <a:lnTo>
-                    <a:pt x="1249825" y="6858000"/>
-                  </a:lnTo>
-                  <a:lnTo>
-                    <a:pt x="1109382" y="6858000"/>
-                  </a:lnTo>
-                  <a:lnTo>
-                    <a:pt x="0" y="0"/>
-                  </a:lnTo>
-                  <a:close/>
-                </a:path>
-              </a:pathLst>
-            </a:custGeom>
-            <a:solidFill>
-              <a:schemeClr val="accent1">
-                <a:alpha val="65000"/>
-              </a:schemeClr>
-            </a:solidFill>
-            <a:ln>
-              <a:noFill/>
-            </a:ln>
-            <a:effectLst/>
-          </p:spPr>
-          <p:style>
-            <a:lnRef idx="1">
-              <a:schemeClr val="accent1"/>
-            </a:lnRef>
-            <a:fillRef idx="3">
-              <a:schemeClr val="accent1"/>
-            </a:fillRef>
-            <a:effectRef idx="2">
-              <a:schemeClr val="accent1"/>
-            </a:effectRef>
-            <a:fontRef idx="minor">
-              <a:schemeClr val="lt1"/>
-            </a:fontRef>
-          </p:style>
-        </p:sp>
-        <p:sp>
-          <p:nvSpPr>
-            <p:cNvPr id="19" name="Isosceles Triangle 18">
-              <a:extLst>
-                <a:ext uri="{FF2B5EF4-FFF2-40B4-BE49-F238E27FC236}">
-                  <a16:creationId xmlns:a16="http://schemas.microsoft.com/office/drawing/2014/main" id="{4661DBE2-1BC5-463F-BBB8-199B890D1C4E}"/>
-                </a:ext>
-                <a:ext uri="{C183D7F6-B498-43B3-948B-1728B52AA6E4}">
-                  <adec:decorative xmlns:adec="http://schemas.microsoft.com/office/drawing/2017/decorative" val="1"/>
-                </a:ext>
-              </a:extLst>
-            </p:cNvPr>
-            <p:cNvSpPr/>
-            <p:nvPr>
-              <p:extLst>
-                <p:ext uri="{386F3935-93C4-4BCD-93E2-E3B085C9AB24}">
-                  <p16:designElem xmlns:p16="http://schemas.microsoft.com/office/powerpoint/2015/main" val="1"/>
-                </p:ext>
-              </p:extLst>
-            </p:nvPr>
-          </p:nvSpPr>
-          <p:spPr>
-            <a:xfrm>
-              <a:off x="10371666" y="3589867"/>
-              <a:ext cx="1817159" cy="3268133"/>
-            </a:xfrm>
-            <a:prstGeom prst="triangle">
-              <a:avLst>
-                <a:gd name="adj" fmla="val 100000"/>
-              </a:avLst>
-            </a:prstGeom>
-            <a:solidFill>
-              <a:schemeClr val="accent1">
-                <a:alpha val="80000"/>
-              </a:schemeClr>
-            </a:solidFill>
-            <a:ln>
-              <a:noFill/>
-            </a:ln>
-            <a:effectLst/>
-          </p:spPr>
-          <p:style>
-            <a:lnRef idx="1">
-              <a:schemeClr val="accent1"/>
-            </a:lnRef>
-            <a:fillRef idx="3">
-              <a:schemeClr val="accent1"/>
-            </a:fillRef>
-            <a:effectRef idx="2">
-              <a:schemeClr val="accent1"/>
-            </a:effectRef>
-            <a:fontRef idx="minor">
-              <a:schemeClr val="lt1"/>
-            </a:fontRef>
-          </p:style>
-        </p:sp>
-        <p:sp>
-          <p:nvSpPr>
-            <p:cNvPr id="20" name="Isosceles Triangle 19">
-              <a:extLst>
-                <a:ext uri="{FF2B5EF4-FFF2-40B4-BE49-F238E27FC236}">
-                  <a16:creationId xmlns:a16="http://schemas.microsoft.com/office/drawing/2014/main" id="{710A6E70-F0B9-4E3D-9A78-2D2FEE5DF3C5}"/>
-                </a:ext>
-                <a:ext uri="{C183D7F6-B498-43B3-948B-1728B52AA6E4}">
-                  <adec:decorative xmlns:adec="http://schemas.microsoft.com/office/drawing/2017/decorative" val="1"/>
-                </a:ext>
-              </a:extLst>
-            </p:cNvPr>
-            <p:cNvSpPr/>
-            <p:nvPr>
-              <p:extLst>
-                <p:ext uri="{386F3935-93C4-4BCD-93E2-E3B085C9AB24}">
-                  <p16:designElem xmlns:p16="http://schemas.microsoft.com/office/powerpoint/2015/main" val="1"/>
-                </p:ext>
-              </p:extLst>
-            </p:nvPr>
-          </p:nvSpPr>
-          <p:spPr>
-            <a:xfrm>
-              <a:off x="0" y="4013200"/>
-              <a:ext cx="448733" cy="2844800"/>
-            </a:xfrm>
-            <a:prstGeom prst="triangle">
-              <a:avLst>
-                <a:gd name="adj" fmla="val 0"/>
-              </a:avLst>
-            </a:prstGeom>
-            <a:solidFill>
-              <a:schemeClr val="accent1">
-                <a:alpha val="85000"/>
-              </a:schemeClr>
-            </a:solidFill>
-            <a:ln>
-              <a:noFill/>
-            </a:ln>
-            <a:effectLst/>
-          </p:spPr>
-          <p:style>
-            <a:lnRef idx="1">
-              <a:schemeClr val="accent1"/>
-            </a:lnRef>
-            <a:fillRef idx="3">
-              <a:schemeClr val="accent1"/>
-            </a:fillRef>
-            <a:effectRef idx="2">
-              <a:schemeClr val="accent1"/>
-            </a:effectRef>
-            <a:fontRef idx="minor">
-              <a:schemeClr val="lt1"/>
-            </a:fontRef>
-          </p:style>
-        </p:sp>
-      </p:grpSp>
-      <p:sp>
-        <p:nvSpPr>
-          <p:cNvPr id="22" name="Rectangle 21">
-            <a:extLst>
-              <a:ext uri="{FF2B5EF4-FFF2-40B4-BE49-F238E27FC236}">
-                <a16:creationId xmlns:a16="http://schemas.microsoft.com/office/drawing/2014/main" id="{03E8462A-FEBA-4848-81CC-3F8DA3E477BE}"/>
-              </a:ext>
-              <a:ext uri="{C183D7F6-B498-43B3-948B-1728B52AA6E4}">
-                <adec:decorative xmlns:adec="http://schemas.microsoft.com/office/drawing/2017/decorative" val="1"/>
-              </a:ext>
-            </a:extLst>
-          </p:cNvPr>
-          <p:cNvSpPr>
-            <a:spLocks noGrp="1" noRot="1" noChangeAspect="1" noMove="1" noResize="1" noEditPoints="1" noAdjustHandles="1" noChangeArrowheads="1" noChangeShapeType="1" noTextEdit="1"/>
-          </p:cNvSpPr>
-          <p:nvPr>
-            <p:extLst>
-              <p:ext uri="{386F3935-93C4-4BCD-93E2-E3B085C9AB24}">
-                <p16:designElem xmlns:p16="http://schemas.microsoft.com/office/powerpoint/2015/main" val="1"/>
-              </p:ext>
-            </p:extLst>
-          </p:nvPr>
-        </p:nvSpPr>
-        <p:spPr>
-          <a:xfrm>
-            <a:off x="0" y="0"/>
-            <a:ext cx="12188952" cy="6858000"/>
-          </a:xfrm>
-          <a:prstGeom prst="rect">
-            <a:avLst/>
-          </a:prstGeom>
-          <a:solidFill>
-            <a:schemeClr val="accent2"/>
-          </a:solidFill>
-          <a:ln>
-            <a:noFill/>
-          </a:ln>
-        </p:spPr>
-        <p:style>
-          <a:lnRef idx="2">
-            <a:schemeClr val="accent1">
-              <a:shade val="50000"/>
-            </a:schemeClr>
-          </a:lnRef>
-          <a:fillRef idx="1">
-            <a:schemeClr val="accent1"/>
-          </a:fillRef>
-          <a:effectRef idx="0">
-            <a:schemeClr val="accent1"/>
-          </a:effectRef>
-          <a:fontRef idx="minor">
-            <a:schemeClr val="lt1"/>
-          </a:fontRef>
-        </p:style>
-        <p:txBody>
-          <a:bodyPr rtlCol="0" anchor="ctr"/>
-          <a:lstStyle/>
-          <a:p>
-            <a:pPr algn="ctr"/>
-            <a:endParaRPr lang="en-US"/>
-          </a:p>
-        </p:txBody>
-      </p:sp>
-      <p:grpSp>
-        <p:nvGrpSpPr>
-          <p:cNvPr id="24" name="Group 23">
-            <a:extLst>
-              <a:ext uri="{FF2B5EF4-FFF2-40B4-BE49-F238E27FC236}">
-                <a16:creationId xmlns:a16="http://schemas.microsoft.com/office/drawing/2014/main" id="{2109F83F-40FE-4DB3-84CC-09FB3340D06D}"/>
-              </a:ext>
-              <a:ext uri="{C183D7F6-B498-43B3-948B-1728B52AA6E4}">
-                <adec:decorative xmlns:adec="http://schemas.microsoft.com/office/drawing/2017/decorative" val="1"/>
-              </a:ext>
-            </a:extLst>
-          </p:cNvPr>
-          <p:cNvGrpSpPr>
-            <a:grpSpLocks noGrp="1" noUngrp="1" noRot="1" noChangeAspect="1" noMove="1" noResize="1"/>
-          </p:cNvGrpSpPr>
-          <p:nvPr>
-            <p:extLst>
-              <p:ext uri="{386F3935-93C4-4BCD-93E2-E3B085C9AB24}">
-                <p16:designElem xmlns:p16="http://schemas.microsoft.com/office/powerpoint/2015/main" val="1"/>
-              </p:ext>
-            </p:extLst>
-          </p:nvPr>
-        </p:nvGrpSpPr>
-        <p:grpSpPr>
-          <a:xfrm>
-            <a:off x="0" y="-8467"/>
-            <a:ext cx="12192000" cy="6866467"/>
-            <a:chOff x="0" y="-8467"/>
-            <a:chExt cx="12192000" cy="6866467"/>
-          </a:xfrm>
-        </p:grpSpPr>
-        <p:cxnSp>
-          <p:nvCxnSpPr>
-            <p:cNvPr id="25" name="Straight Connector 24">
-              <a:extLst>
-                <a:ext uri="{FF2B5EF4-FFF2-40B4-BE49-F238E27FC236}">
-                  <a16:creationId xmlns:a16="http://schemas.microsoft.com/office/drawing/2014/main" id="{1DE492D7-C3C3-48FF-80C8-37021EA0262F}"/>
-                </a:ext>
-                <a:ext uri="{C183D7F6-B498-43B3-948B-1728B52AA6E4}">
-                  <adec:decorative xmlns:adec="http://schemas.microsoft.com/office/drawing/2017/decorative" val="1"/>
-                </a:ext>
-              </a:extLst>
-            </p:cNvPr>
-            <p:cNvCxnSpPr/>
-            <p:nvPr>
-              <p:extLst>
-                <p:ext uri="{386F3935-93C4-4BCD-93E2-E3B085C9AB24}">
-                  <p16:designElem xmlns:p16="http://schemas.microsoft.com/office/powerpoint/2015/main" val="1"/>
-                </p:ext>
-              </p:extLst>
-            </p:nvPr>
-          </p:nvCxnSpPr>
-          <p:spPr>
-            <a:xfrm flipH="1">
-              <a:off x="7425267" y="3681413"/>
-              <a:ext cx="4763558" cy="3176587"/>
-            </a:xfrm>
-            <a:prstGeom prst="line">
-              <a:avLst/>
-            </a:prstGeom>
-            <a:ln w="9525">
-              <a:solidFill>
-                <a:schemeClr val="bg1">
-                  <a:lumMod val="85000"/>
-                </a:schemeClr>
-              </a:solidFill>
-            </a:ln>
-          </p:spPr>
-          <p:style>
-            <a:lnRef idx="2">
-              <a:schemeClr val="accent1"/>
-            </a:lnRef>
-            <a:fillRef idx="0">
-              <a:schemeClr val="accent1"/>
-            </a:fillRef>
-            <a:effectRef idx="1">
-              <a:schemeClr val="accent1"/>
-            </a:effectRef>
-            <a:fontRef idx="minor">
-              <a:schemeClr val="tx1"/>
-            </a:fontRef>
-          </p:style>
-        </p:cxnSp>
-        <p:sp>
-          <p:nvSpPr>
-            <p:cNvPr id="26" name="Rectangle 23">
-              <a:extLst>
-                <a:ext uri="{FF2B5EF4-FFF2-40B4-BE49-F238E27FC236}">
-                  <a16:creationId xmlns:a16="http://schemas.microsoft.com/office/drawing/2014/main" id="{0B30FF97-2E9A-490A-AED2-90BA2E0EC17F}"/>
-                </a:ext>
-                <a:ext uri="{C183D7F6-B498-43B3-948B-1728B52AA6E4}">
-                  <adec:decorative xmlns:adec="http://schemas.microsoft.com/office/drawing/2017/decorative" val="1"/>
-                </a:ext>
-              </a:extLst>
-            </p:cNvPr>
-            <p:cNvSpPr/>
-            <p:nvPr>
-              <p:extLst>
-                <p:ext uri="{386F3935-93C4-4BCD-93E2-E3B085C9AB24}">
-                  <p16:designElem xmlns:p16="http://schemas.microsoft.com/office/powerpoint/2015/main" val="1"/>
-                </p:ext>
-              </p:extLst>
-            </p:nvPr>
-          </p:nvSpPr>
-          <p:spPr>
-            <a:xfrm>
-              <a:off x="9181476" y="-8467"/>
-              <a:ext cx="3007349" cy="6866467"/>
-            </a:xfrm>
-            <a:custGeom>
-              <a:avLst/>
-              <a:gdLst/>
-              <a:ahLst/>
-              <a:cxnLst/>
-              <a:rect l="l" t="t" r="r" b="b"/>
-              <a:pathLst>
-                <a:path w="3007349" h="6866467">
-                  <a:moveTo>
-                    <a:pt x="2045532" y="0"/>
-                  </a:moveTo>
-                  <a:lnTo>
-                    <a:pt x="3007349" y="0"/>
-                  </a:lnTo>
-                  <a:lnTo>
-                    <a:pt x="3007349" y="6866467"/>
-                  </a:lnTo>
-                  <a:lnTo>
-                    <a:pt x="0" y="6866467"/>
-                  </a:lnTo>
-                  <a:lnTo>
-                    <a:pt x="2045532" y="0"/>
-                  </a:lnTo>
-                  <a:close/>
-                </a:path>
-              </a:pathLst>
-            </a:custGeom>
-            <a:solidFill>
-              <a:schemeClr val="accent1">
-                <a:alpha val="30000"/>
-              </a:schemeClr>
-            </a:solidFill>
-            <a:ln>
-              <a:noFill/>
-            </a:ln>
-            <a:effectLst/>
-          </p:spPr>
-          <p:style>
-            <a:lnRef idx="1">
-              <a:schemeClr val="accent1"/>
-            </a:lnRef>
-            <a:fillRef idx="3">
-              <a:schemeClr val="accent1"/>
-            </a:fillRef>
-            <a:effectRef idx="2">
-              <a:schemeClr val="accent1"/>
-            </a:effectRef>
-            <a:fontRef idx="minor">
-              <a:schemeClr val="lt1"/>
-            </a:fontRef>
-          </p:style>
-        </p:sp>
-        <p:sp>
-          <p:nvSpPr>
-            <p:cNvPr id="27" name="Rectangle 25">
-              <a:extLst>
-                <a:ext uri="{FF2B5EF4-FFF2-40B4-BE49-F238E27FC236}">
-                  <a16:creationId xmlns:a16="http://schemas.microsoft.com/office/drawing/2014/main" id="{B6D53C7D-A312-47B6-A66A-230A19CFACA6}"/>
-                </a:ext>
-                <a:ext uri="{C183D7F6-B498-43B3-948B-1728B52AA6E4}">
-                  <adec:decorative xmlns:adec="http://schemas.microsoft.com/office/drawing/2017/decorative" val="1"/>
-                </a:ext>
-              </a:extLst>
-            </p:cNvPr>
-            <p:cNvSpPr/>
-            <p:nvPr>
-              <p:extLst>
-                <p:ext uri="{386F3935-93C4-4BCD-93E2-E3B085C9AB24}">
-                  <p16:designElem xmlns:p16="http://schemas.microsoft.com/office/powerpoint/2015/main" val="1"/>
-                </p:ext>
-              </p:extLst>
-            </p:nvPr>
-          </p:nvSpPr>
-          <p:spPr>
-            <a:xfrm>
-              <a:off x="9603442" y="-8467"/>
-              <a:ext cx="2588558" cy="6866467"/>
-            </a:xfrm>
-            <a:custGeom>
-              <a:avLst/>
-              <a:gdLst/>
-              <a:ahLst/>
-              <a:cxnLst/>
-              <a:rect l="l" t="t" r="r" b="b"/>
-              <a:pathLst>
-                <a:path w="2573311" h="6866467">
-                  <a:moveTo>
-                    <a:pt x="0" y="0"/>
-                  </a:moveTo>
-                  <a:lnTo>
-                    <a:pt x="2573311" y="0"/>
-                  </a:lnTo>
-                  <a:lnTo>
-                    <a:pt x="2573311" y="6866467"/>
-                  </a:lnTo>
-                  <a:lnTo>
-                    <a:pt x="1202336" y="6866467"/>
-                  </a:lnTo>
-                  <a:lnTo>
-                    <a:pt x="0" y="0"/>
-                  </a:lnTo>
-                  <a:close/>
-                </a:path>
-              </a:pathLst>
-            </a:custGeom>
-            <a:solidFill>
-              <a:schemeClr val="accent1">
-                <a:alpha val="20000"/>
-              </a:schemeClr>
-            </a:solidFill>
-            <a:ln>
-              <a:noFill/>
-            </a:ln>
-            <a:effectLst/>
-          </p:spPr>
-          <p:style>
-            <a:lnRef idx="1">
-              <a:schemeClr val="accent1"/>
-            </a:lnRef>
-            <a:fillRef idx="3">
-              <a:schemeClr val="accent1"/>
-            </a:fillRef>
-            <a:effectRef idx="2">
-              <a:schemeClr val="accent1"/>
-            </a:effectRef>
-            <a:fontRef idx="minor">
-              <a:schemeClr val="lt1"/>
-            </a:fontRef>
-          </p:style>
-        </p:sp>
-        <p:sp>
-          <p:nvSpPr>
-            <p:cNvPr id="28" name="Isosceles Triangle 27">
-              <a:extLst>
-                <a:ext uri="{FF2B5EF4-FFF2-40B4-BE49-F238E27FC236}">
-                  <a16:creationId xmlns:a16="http://schemas.microsoft.com/office/drawing/2014/main" id="{9329D58C-0D2E-4A2B-AD6A-9CEE506784A8}"/>
-                </a:ext>
-                <a:ext uri="{C183D7F6-B498-43B3-948B-1728B52AA6E4}">
-                  <adec:decorative xmlns:adec="http://schemas.microsoft.com/office/drawing/2017/decorative" val="1"/>
-                </a:ext>
-              </a:extLst>
-            </p:cNvPr>
-            <p:cNvSpPr/>
-            <p:nvPr>
-              <p:extLst>
-                <p:ext uri="{386F3935-93C4-4BCD-93E2-E3B085C9AB24}">
-                  <p16:designElem xmlns:p16="http://schemas.microsoft.com/office/powerpoint/2015/main" val="1"/>
-                </p:ext>
-              </p:extLst>
-            </p:nvPr>
-          </p:nvSpPr>
-          <p:spPr>
-            <a:xfrm>
-              <a:off x="8932333" y="3048000"/>
-              <a:ext cx="3259667" cy="3810000"/>
-            </a:xfrm>
-            <a:prstGeom prst="triangle">
-              <a:avLst>
-                <a:gd name="adj" fmla="val 100000"/>
-              </a:avLst>
-            </a:prstGeom>
-            <a:solidFill>
-              <a:schemeClr val="accent2">
-                <a:alpha val="72000"/>
-              </a:schemeClr>
-            </a:solidFill>
-            <a:ln>
-              <a:noFill/>
-            </a:ln>
-            <a:effectLst/>
-          </p:spPr>
-          <p:style>
-            <a:lnRef idx="1">
-              <a:schemeClr val="accent1"/>
-            </a:lnRef>
-            <a:fillRef idx="3">
-              <a:schemeClr val="accent1"/>
-            </a:fillRef>
-            <a:effectRef idx="2">
-              <a:schemeClr val="accent1"/>
-            </a:effectRef>
-            <a:fontRef idx="minor">
-              <a:schemeClr val="lt1"/>
-            </a:fontRef>
-          </p:style>
-        </p:sp>
-        <p:sp>
-          <p:nvSpPr>
-            <p:cNvPr id="29" name="Rectangle 27">
-              <a:extLst>
-                <a:ext uri="{FF2B5EF4-FFF2-40B4-BE49-F238E27FC236}">
-                  <a16:creationId xmlns:a16="http://schemas.microsoft.com/office/drawing/2014/main" id="{9D446EDE-C690-4461-8BF2-7634808FC8B4}"/>
-                </a:ext>
-                <a:ext uri="{C183D7F6-B498-43B3-948B-1728B52AA6E4}">
-                  <adec:decorative xmlns:adec="http://schemas.microsoft.com/office/drawing/2017/decorative" val="1"/>
-                </a:ext>
-              </a:extLst>
-            </p:cNvPr>
-            <p:cNvSpPr/>
-            <p:nvPr>
-              <p:extLst>
-                <p:ext uri="{386F3935-93C4-4BCD-93E2-E3B085C9AB24}">
-                  <p16:designElem xmlns:p16="http://schemas.microsoft.com/office/powerpoint/2015/main" val="1"/>
-                </p:ext>
-              </p:extLst>
-            </p:nvPr>
-          </p:nvSpPr>
-          <p:spPr>
-            <a:xfrm>
-              <a:off x="9334500" y="-8467"/>
-              <a:ext cx="2854326" cy="6866467"/>
-            </a:xfrm>
-            <a:custGeom>
-              <a:avLst/>
-              <a:gdLst/>
-              <a:ahLst/>
-              <a:cxnLst/>
-              <a:rect l="l" t="t" r="r" b="b"/>
-              <a:pathLst>
-                <a:path w="2858013" h="6866467">
-                  <a:moveTo>
-                    <a:pt x="0" y="0"/>
-                  </a:moveTo>
-                  <a:lnTo>
-                    <a:pt x="2858013" y="0"/>
-                  </a:lnTo>
-                  <a:lnTo>
-                    <a:pt x="2858013" y="6866467"/>
-                  </a:lnTo>
-                  <a:lnTo>
-                    <a:pt x="2473942" y="6866467"/>
-                  </a:lnTo>
-                  <a:lnTo>
-                    <a:pt x="0" y="0"/>
-                  </a:lnTo>
-                  <a:close/>
-                </a:path>
-              </a:pathLst>
-            </a:custGeom>
-            <a:solidFill>
-              <a:schemeClr val="accent2">
-                <a:lumMod val="75000"/>
-                <a:alpha val="70000"/>
-              </a:schemeClr>
-            </a:solidFill>
-            <a:ln>
-              <a:noFill/>
-            </a:ln>
-            <a:effectLst/>
-          </p:spPr>
-          <p:style>
-            <a:lnRef idx="1">
-              <a:schemeClr val="accent1"/>
-            </a:lnRef>
-            <a:fillRef idx="3">
-              <a:schemeClr val="accent1"/>
-            </a:fillRef>
-            <a:effectRef idx="2">
-              <a:schemeClr val="accent1"/>
-            </a:effectRef>
-            <a:fontRef idx="minor">
-              <a:schemeClr val="lt1"/>
-            </a:fontRef>
-          </p:style>
-        </p:sp>
-        <p:sp>
-          <p:nvSpPr>
-            <p:cNvPr id="30" name="Rectangle 28">
-              <a:extLst>
-                <a:ext uri="{FF2B5EF4-FFF2-40B4-BE49-F238E27FC236}">
-                  <a16:creationId xmlns:a16="http://schemas.microsoft.com/office/drawing/2014/main" id="{323F3D34-6531-4AD7-A8C6-195A090281A1}"/>
-                </a:ext>
-                <a:ext uri="{C183D7F6-B498-43B3-948B-1728B52AA6E4}">
-                  <adec:decorative xmlns:adec="http://schemas.microsoft.com/office/drawing/2017/decorative" val="1"/>
-                </a:ext>
-              </a:extLst>
-            </p:cNvPr>
-            <p:cNvSpPr/>
-            <p:nvPr>
-              <p:extLst>
-                <p:ext uri="{386F3935-93C4-4BCD-93E2-E3B085C9AB24}">
-                  <p16:designElem xmlns:p16="http://schemas.microsoft.com/office/powerpoint/2015/main" val="1"/>
-                </p:ext>
-              </p:extLst>
-            </p:nvPr>
-          </p:nvSpPr>
-          <p:spPr>
-            <a:xfrm>
-              <a:off x="10898730" y="-8467"/>
-              <a:ext cx="1290094" cy="6866467"/>
-            </a:xfrm>
-            <a:custGeom>
-              <a:avLst/>
-              <a:gdLst/>
-              <a:ahLst/>
-              <a:cxnLst/>
-              <a:rect l="l" t="t" r="r" b="b"/>
-              <a:pathLst>
-                <a:path w="1290094" h="6858000">
-                  <a:moveTo>
-                    <a:pt x="1019735" y="0"/>
-                  </a:moveTo>
-                  <a:lnTo>
-                    <a:pt x="1290094" y="0"/>
-                  </a:lnTo>
-                  <a:lnTo>
-                    <a:pt x="1290094" y="6858000"/>
-                  </a:lnTo>
-                  <a:lnTo>
-                    <a:pt x="0" y="6858000"/>
-                  </a:lnTo>
-                  <a:lnTo>
-                    <a:pt x="1019735" y="0"/>
-                  </a:lnTo>
-                  <a:close/>
-                </a:path>
-              </a:pathLst>
-            </a:custGeom>
-            <a:solidFill>
-              <a:schemeClr val="accent1">
-                <a:lumMod val="60000"/>
-                <a:lumOff val="40000"/>
-                <a:alpha val="70000"/>
-              </a:schemeClr>
-            </a:solidFill>
-            <a:ln>
-              <a:noFill/>
-            </a:ln>
-            <a:effectLst/>
-          </p:spPr>
-          <p:style>
-            <a:lnRef idx="1">
-              <a:schemeClr val="accent1"/>
-            </a:lnRef>
-            <a:fillRef idx="3">
-              <a:schemeClr val="accent1"/>
-            </a:fillRef>
-            <a:effectRef idx="2">
-              <a:schemeClr val="accent1"/>
-            </a:effectRef>
-            <a:fontRef idx="minor">
-              <a:schemeClr val="lt1"/>
-            </a:fontRef>
-          </p:style>
-        </p:sp>
-        <p:sp>
-          <p:nvSpPr>
-            <p:cNvPr id="31" name="Rectangle 29">
-              <a:extLst>
-                <a:ext uri="{FF2B5EF4-FFF2-40B4-BE49-F238E27FC236}">
-                  <a16:creationId xmlns:a16="http://schemas.microsoft.com/office/drawing/2014/main" id="{B9B0AE3F-2350-435F-A9B0-C310BF876385}"/>
-                </a:ext>
-                <a:ext uri="{C183D7F6-B498-43B3-948B-1728B52AA6E4}">
-                  <adec:decorative xmlns:adec="http://schemas.microsoft.com/office/drawing/2017/decorative" val="1"/>
-                </a:ext>
-              </a:extLst>
-            </p:cNvPr>
-            <p:cNvSpPr/>
-            <p:nvPr>
-              <p:extLst>
-                <p:ext uri="{386F3935-93C4-4BCD-93E2-E3B085C9AB24}">
-                  <p16:designElem xmlns:p16="http://schemas.microsoft.com/office/powerpoint/2015/main" val="1"/>
-                </p:ext>
-              </p:extLst>
-            </p:nvPr>
-          </p:nvSpPr>
-          <p:spPr>
-            <a:xfrm>
-              <a:off x="10938999" y="-8467"/>
-              <a:ext cx="1249825" cy="6866467"/>
-            </a:xfrm>
-            <a:custGeom>
-              <a:avLst/>
-              <a:gdLst/>
-              <a:ahLst/>
-              <a:cxnLst/>
-              <a:rect l="l" t="t" r="r" b="b"/>
-              <a:pathLst>
-                <a:path w="1249825" h="6858000">
-                  <a:moveTo>
-                    <a:pt x="0" y="0"/>
-                  </a:moveTo>
-                  <a:lnTo>
-                    <a:pt x="1249825" y="0"/>
-                  </a:lnTo>
-                  <a:lnTo>
-                    <a:pt x="1249825" y="6858000"/>
-                  </a:lnTo>
-                  <a:lnTo>
-                    <a:pt x="1109382" y="6858000"/>
-                  </a:lnTo>
-                  <a:lnTo>
-                    <a:pt x="0" y="0"/>
-                  </a:lnTo>
-                  <a:close/>
-                </a:path>
-              </a:pathLst>
-            </a:custGeom>
-            <a:solidFill>
-              <a:schemeClr val="accent1">
-                <a:alpha val="65000"/>
-              </a:schemeClr>
-            </a:solidFill>
-            <a:ln>
-              <a:noFill/>
-            </a:ln>
-            <a:effectLst/>
-          </p:spPr>
-          <p:style>
-            <a:lnRef idx="1">
-              <a:schemeClr val="accent1"/>
-            </a:lnRef>
-            <a:fillRef idx="3">
-              <a:schemeClr val="accent1"/>
-            </a:fillRef>
-            <a:effectRef idx="2">
-              <a:schemeClr val="accent1"/>
-            </a:effectRef>
-            <a:fontRef idx="minor">
-              <a:schemeClr val="lt1"/>
-            </a:fontRef>
-          </p:style>
-        </p:sp>
-        <p:sp>
-          <p:nvSpPr>
-            <p:cNvPr id="32" name="Isosceles Triangle 31">
-              <a:extLst>
-                <a:ext uri="{FF2B5EF4-FFF2-40B4-BE49-F238E27FC236}">
-                  <a16:creationId xmlns:a16="http://schemas.microsoft.com/office/drawing/2014/main" id="{4EFA655C-9E50-4C14-A89E-AD7B648E4E2B}"/>
-                </a:ext>
-                <a:ext uri="{C183D7F6-B498-43B3-948B-1728B52AA6E4}">
-                  <adec:decorative xmlns:adec="http://schemas.microsoft.com/office/drawing/2017/decorative" val="1"/>
-                </a:ext>
-              </a:extLst>
-            </p:cNvPr>
-            <p:cNvSpPr/>
-            <p:nvPr>
-              <p:extLst>
-                <p:ext uri="{386F3935-93C4-4BCD-93E2-E3B085C9AB24}">
-                  <p16:designElem xmlns:p16="http://schemas.microsoft.com/office/powerpoint/2015/main" val="1"/>
-                </p:ext>
-              </p:extLst>
-            </p:nvPr>
-          </p:nvSpPr>
-          <p:spPr>
-            <a:xfrm>
-              <a:off x="10371666" y="3589867"/>
-              <a:ext cx="1817159" cy="3268133"/>
-            </a:xfrm>
-            <a:prstGeom prst="triangle">
-              <a:avLst>
-                <a:gd name="adj" fmla="val 100000"/>
-              </a:avLst>
-            </a:prstGeom>
-            <a:solidFill>
-              <a:schemeClr val="accent1">
-                <a:alpha val="80000"/>
-              </a:schemeClr>
-            </a:solidFill>
-            <a:ln>
-              <a:noFill/>
-            </a:ln>
-            <a:effectLst/>
-          </p:spPr>
-          <p:style>
-            <a:lnRef idx="1">
-              <a:schemeClr val="accent1"/>
-            </a:lnRef>
-            <a:fillRef idx="3">
-              <a:schemeClr val="accent1"/>
-            </a:fillRef>
-            <a:effectRef idx="2">
-              <a:schemeClr val="accent1"/>
-            </a:effectRef>
-            <a:fontRef idx="minor">
-              <a:schemeClr val="lt1"/>
-            </a:fontRef>
-          </p:style>
-        </p:sp>
-        <p:sp>
-          <p:nvSpPr>
-            <p:cNvPr id="33" name="Isosceles Triangle 32">
-              <a:extLst>
-                <a:ext uri="{FF2B5EF4-FFF2-40B4-BE49-F238E27FC236}">
-                  <a16:creationId xmlns:a16="http://schemas.microsoft.com/office/drawing/2014/main" id="{3E843863-7D25-4C01-9A17-E817CB6D998A}"/>
-                </a:ext>
-                <a:ext uri="{C183D7F6-B498-43B3-948B-1728B52AA6E4}">
-                  <adec:decorative xmlns:adec="http://schemas.microsoft.com/office/drawing/2017/decorative" val="1"/>
-                </a:ext>
-              </a:extLst>
-            </p:cNvPr>
-            <p:cNvSpPr/>
-            <p:nvPr>
-              <p:extLst>
-                <p:ext uri="{386F3935-93C4-4BCD-93E2-E3B085C9AB24}">
-                  <p16:designElem xmlns:p16="http://schemas.microsoft.com/office/powerpoint/2015/main" val="1"/>
-                </p:ext>
-              </p:extLst>
-            </p:nvPr>
-          </p:nvSpPr>
-          <p:spPr>
-            <a:xfrm>
-              <a:off x="0" y="4013200"/>
-              <a:ext cx="448733" cy="2844800"/>
-            </a:xfrm>
-            <a:prstGeom prst="triangle">
-              <a:avLst>
-                <a:gd name="adj" fmla="val 0"/>
-              </a:avLst>
-            </a:prstGeom>
-            <a:solidFill>
-              <a:schemeClr val="accent1">
-                <a:alpha val="85000"/>
-              </a:schemeClr>
-            </a:solidFill>
-            <a:ln>
-              <a:noFill/>
-            </a:ln>
-            <a:effectLst/>
-          </p:spPr>
-          <p:style>
-            <a:lnRef idx="1">
-              <a:schemeClr val="accent1"/>
-            </a:lnRef>
-            <a:fillRef idx="3">
-              <a:schemeClr val="accent1"/>
-            </a:fillRef>
-            <a:effectRef idx="2">
-              <a:schemeClr val="accent1"/>
-            </a:effectRef>
-            <a:fontRef idx="minor">
-              <a:schemeClr val="lt1"/>
-            </a:fontRef>
-          </p:style>
-        </p:sp>
-      </p:grpSp>
-      <p:sp>
-        <p:nvSpPr>
-          <p:cNvPr id="35" name="Rectangle 34">
-            <a:extLst>
-              <a:ext uri="{FF2B5EF4-FFF2-40B4-BE49-F238E27FC236}">
-                <a16:creationId xmlns:a16="http://schemas.microsoft.com/office/drawing/2014/main" id="{7941F9B1-B01B-4A84-89D9-B169AEB4E456}"/>
-              </a:ext>
-              <a:ext uri="{C183D7F6-B498-43B3-948B-1728B52AA6E4}">
-                <adec:decorative xmlns:adec="http://schemas.microsoft.com/office/drawing/2017/decorative" val="1"/>
-              </a:ext>
-            </a:extLst>
-          </p:cNvPr>
-          <p:cNvSpPr>
-            <a:spLocks noGrp="1" noRot="1" noChangeAspect="1" noMove="1" noResize="1" noEditPoints="1" noAdjustHandles="1" noChangeArrowheads="1" noChangeShapeType="1" noTextEdit="1"/>
-          </p:cNvSpPr>
-          <p:nvPr>
-            <p:extLst>
-              <p:ext uri="{386F3935-93C4-4BCD-93E2-E3B085C9AB24}">
-                <p16:designElem xmlns:p16="http://schemas.microsoft.com/office/powerpoint/2015/main" val="1"/>
-              </p:ext>
-            </p:extLst>
-          </p:nvPr>
-        </p:nvSpPr>
-        <p:spPr>
-          <a:xfrm>
-            <a:off x="477012" y="480060"/>
-            <a:ext cx="11237976" cy="5897880"/>
-          </a:xfrm>
-          <a:prstGeom prst="rect">
-            <a:avLst/>
-          </a:prstGeom>
-          <a:solidFill>
-            <a:srgbClr val="FFFFFF"/>
-          </a:solidFill>
-          <a:ln w="9525">
-            <a:noFill/>
-          </a:ln>
-          <a:effectLst>
-            <a:outerShdw blurRad="63500" dist="17780" dir="5400000" algn="t" rotWithShape="0">
-              <a:prstClr val="black">
-                <a:alpha val="43000"/>
-              </a:prstClr>
-            </a:outerShdw>
-          </a:effectLst>
-        </p:spPr>
-        <p:style>
-          <a:lnRef idx="2">
-            <a:schemeClr val="accent1">
-              <a:shade val="50000"/>
-            </a:schemeClr>
-          </a:lnRef>
-          <a:fillRef idx="1">
-            <a:schemeClr val="accent1"/>
-          </a:fillRef>
-          <a:effectRef idx="0">
-            <a:schemeClr val="accent1"/>
-          </a:effectRef>
-          <a:fontRef idx="minor">
-            <a:schemeClr val="lt1"/>
-          </a:fontRef>
-        </p:style>
-        <p:txBody>
-          <a:bodyPr rtlCol="0" anchor="ctr"/>
-          <a:lstStyle/>
-          <a:p>
-            <a:pPr algn="ctr"/>
-            <a:endParaRPr lang="en-US"/>
-          </a:p>
-        </p:txBody>
-      </p:sp>
-      <p:pic>
-        <p:nvPicPr>
-          <p:cNvPr id="5" name="Picture 4">
-            <a:extLst>
-              <a:ext uri="{FF2B5EF4-FFF2-40B4-BE49-F238E27FC236}">
-                <a16:creationId xmlns:a16="http://schemas.microsoft.com/office/drawing/2014/main" id="{DCC8269E-D1C3-B74B-92B2-E004AB409190}"/>
-              </a:ext>
-            </a:extLst>
-          </p:cNvPr>
-          <p:cNvPicPr>
-            <a:picLocks noChangeAspect="1"/>
-          </p:cNvPicPr>
-          <p:nvPr/>
-        </p:nvPicPr>
-        <p:blipFill>
-          <a:blip r:embed="rId2"/>
-          <a:stretch>
-            <a:fillRect/>
-          </a:stretch>
-        </p:blipFill>
-        <p:spPr>
-          <a:xfrm>
-            <a:off x="1942742" y="1157661"/>
-            <a:ext cx="8308393" cy="4539053"/>
-          </a:xfrm>
-          <a:prstGeom prst="rect">
-            <a:avLst/>
-          </a:prstGeom>
-        </p:spPr>
-      </p:pic>
-      <p:sp>
-        <p:nvSpPr>
-          <p:cNvPr id="6" name="TextBox 5">
-            <a:extLst>
-              <a:ext uri="{FF2B5EF4-FFF2-40B4-BE49-F238E27FC236}">
-                <a16:creationId xmlns:a16="http://schemas.microsoft.com/office/drawing/2014/main" id="{9B833DF5-00C9-DD41-9E78-F689CB28F99E}"/>
-              </a:ext>
-            </a:extLst>
-          </p:cNvPr>
-          <p:cNvSpPr txBox="1"/>
-          <p:nvPr/>
-        </p:nvSpPr>
-        <p:spPr>
-          <a:xfrm>
-            <a:off x="1211498" y="539565"/>
-            <a:ext cx="8512368" cy="830997"/>
-          </a:xfrm>
-          <a:prstGeom prst="rect">
-            <a:avLst/>
-          </a:prstGeom>
-          <a:noFill/>
-        </p:spPr>
-        <p:txBody>
-          <a:bodyPr wrap="square" rtlCol="0">
-            <a:spAutoFit/>
-          </a:bodyPr>
-          <a:lstStyle/>
-          <a:p>
-            <a:pPr algn="ctr"/>
-            <a:r>
-              <a:rPr lang="en-US" sz="2400" dirty="0"/>
-              <a:t>Colorado Net Democratic Political Contributions by County </a:t>
-            </a:r>
-          </a:p>
-          <a:p>
-            <a:pPr algn="ctr"/>
-            <a:r>
-              <a:rPr lang="en-US" sz="2400" dirty="0"/>
-              <a:t>1996</a:t>
-            </a:r>
-            <a:r>
-              <a:rPr lang="en-US" dirty="0"/>
-              <a:t> </a:t>
-            </a:r>
-          </a:p>
-        </p:txBody>
-      </p:sp>
-    </p:spTree>
-    <p:extLst>
-      <p:ext uri="{BB962C8B-B14F-4D97-AF65-F5344CB8AC3E}">
-        <p14:creationId xmlns:p14="http://schemas.microsoft.com/office/powerpoint/2010/main" val="3825872773"/>
       </p:ext>
     </p:extLst>
   </p:cSld>
@@ -19053,4 +22128,299 @@
     </a:ext>
   </a:extLst>
 </a:theme>
+</file>
+
+<file path=ppt/theme/theme2.xml><?xml version="1.0" encoding="utf-8"?>
+<a:theme xmlns:a="http://schemas.openxmlformats.org/drawingml/2006/main" name="Office Theme">
+  <a:themeElements>
+    <a:clrScheme name="Office">
+      <a:dk1>
+        <a:sysClr val="windowText" lastClr="000000"/>
+      </a:dk1>
+      <a:lt1>
+        <a:sysClr val="window" lastClr="FFFFFF"/>
+      </a:lt1>
+      <a:dk2>
+        <a:srgbClr val="44546A"/>
+      </a:dk2>
+      <a:lt2>
+        <a:srgbClr val="E7E6E6"/>
+      </a:lt2>
+      <a:accent1>
+        <a:srgbClr val="4472C4"/>
+      </a:accent1>
+      <a:accent2>
+        <a:srgbClr val="ED7D31"/>
+      </a:accent2>
+      <a:accent3>
+        <a:srgbClr val="A5A5A5"/>
+      </a:accent3>
+      <a:accent4>
+        <a:srgbClr val="FFC000"/>
+      </a:accent4>
+      <a:accent5>
+        <a:srgbClr val="5B9BD5"/>
+      </a:accent5>
+      <a:accent6>
+        <a:srgbClr val="70AD47"/>
+      </a:accent6>
+      <a:hlink>
+        <a:srgbClr val="0563C1"/>
+      </a:hlink>
+      <a:folHlink>
+        <a:srgbClr val="954F72"/>
+      </a:folHlink>
+    </a:clrScheme>
+    <a:fontScheme name="Office">
+      <a:majorFont>
+        <a:latin typeface="Calibri Light" panose="020F0302020204030204"/>
+        <a:ea typeface=""/>
+        <a:cs typeface=""/>
+        <a:font script="Jpan" typeface="游ゴシック Light"/>
+        <a:font script="Hang" typeface="맑은 고딕"/>
+        <a:font script="Hans" typeface="等线 Light"/>
+        <a:font script="Hant" typeface="新細明體"/>
+        <a:font script="Arab" typeface="Times New Roman"/>
+        <a:font script="Hebr" typeface="Times New Roman"/>
+        <a:font script="Thai" typeface="Angsana New"/>
+        <a:font script="Ethi" typeface="Nyala"/>
+        <a:font script="Beng" typeface="Vrinda"/>
+        <a:font script="Gujr" typeface="Shruti"/>
+        <a:font script="Khmr" typeface="MoolBoran"/>
+        <a:font script="Knda" typeface="Tunga"/>
+        <a:font script="Guru" typeface="Raavi"/>
+        <a:font script="Cans" typeface="Euphemia"/>
+        <a:font script="Cher" typeface="Plantagenet Cherokee"/>
+        <a:font script="Yiii" typeface="Microsoft Yi Baiti"/>
+        <a:font script="Tibt" typeface="Microsoft Himalaya"/>
+        <a:font script="Thaa" typeface="MV Boli"/>
+        <a:font script="Deva" typeface="Mangal"/>
+        <a:font script="Telu" typeface="Gautami"/>
+        <a:font script="Taml" typeface="Latha"/>
+        <a:font script="Syrc" typeface="Estrangelo Edessa"/>
+        <a:font script="Orya" typeface="Kalinga"/>
+        <a:font script="Mlym" typeface="Kartika"/>
+        <a:font script="Laoo" typeface="DokChampa"/>
+        <a:font script="Sinh" typeface="Iskoola Pota"/>
+        <a:font script="Mong" typeface="Mongolian Baiti"/>
+        <a:font script="Viet" typeface="Times New Roman"/>
+        <a:font script="Uigh" typeface="Microsoft Uighur"/>
+        <a:font script="Geor" typeface="Sylfaen"/>
+        <a:font script="Armn" typeface="Arial"/>
+        <a:font script="Bugi" typeface="Leelawadee UI"/>
+        <a:font script="Bopo" typeface="Microsoft JhengHei"/>
+        <a:font script="Java" typeface="Javanese Text"/>
+        <a:font script="Lisu" typeface="Segoe UI"/>
+        <a:font script="Mymr" typeface="Myanmar Text"/>
+        <a:font script="Nkoo" typeface="Ebrima"/>
+        <a:font script="Olck" typeface="Nirmala UI"/>
+        <a:font script="Osma" typeface="Ebrima"/>
+        <a:font script="Phag" typeface="Phagspa"/>
+        <a:font script="Syrn" typeface="Estrangelo Edessa"/>
+        <a:font script="Syrj" typeface="Estrangelo Edessa"/>
+        <a:font script="Syre" typeface="Estrangelo Edessa"/>
+        <a:font script="Sora" typeface="Nirmala UI"/>
+        <a:font script="Tale" typeface="Microsoft Tai Le"/>
+        <a:font script="Talu" typeface="Microsoft New Tai Lue"/>
+        <a:font script="Tfng" typeface="Ebrima"/>
+      </a:majorFont>
+      <a:minorFont>
+        <a:latin typeface="Calibri" panose="020F0502020204030204"/>
+        <a:ea typeface=""/>
+        <a:cs typeface=""/>
+        <a:font script="Jpan" typeface="游ゴシック"/>
+        <a:font script="Hang" typeface="맑은 고딕"/>
+        <a:font script="Hans" typeface="等线"/>
+        <a:font script="Hant" typeface="新細明體"/>
+        <a:font script="Arab" typeface="Arial"/>
+        <a:font script="Hebr" typeface="Arial"/>
+        <a:font script="Thai" typeface="Cordia New"/>
+        <a:font script="Ethi" typeface="Nyala"/>
+        <a:font script="Beng" typeface="Vrinda"/>
+        <a:font script="Gujr" typeface="Shruti"/>
+        <a:font script="Khmr" typeface="DaunPenh"/>
+        <a:font script="Knda" typeface="Tunga"/>
+        <a:font script="Guru" typeface="Raavi"/>
+        <a:font script="Cans" typeface="Euphemia"/>
+        <a:font script="Cher" typeface="Plantagenet Cherokee"/>
+        <a:font script="Yiii" typeface="Microsoft Yi Baiti"/>
+        <a:font script="Tibt" typeface="Microsoft Himalaya"/>
+        <a:font script="Thaa" typeface="MV Boli"/>
+        <a:font script="Deva" typeface="Mangal"/>
+        <a:font script="Telu" typeface="Gautami"/>
+        <a:font script="Taml" typeface="Latha"/>
+        <a:font script="Syrc" typeface="Estrangelo Edessa"/>
+        <a:font script="Orya" typeface="Kalinga"/>
+        <a:font script="Mlym" typeface="Kartika"/>
+        <a:font script="Laoo" typeface="DokChampa"/>
+        <a:font script="Sinh" typeface="Iskoola Pota"/>
+        <a:font script="Mong" typeface="Mongolian Baiti"/>
+        <a:font script="Viet" typeface="Arial"/>
+        <a:font script="Uigh" typeface="Microsoft Uighur"/>
+        <a:font script="Geor" typeface="Sylfaen"/>
+        <a:font script="Armn" typeface="Arial"/>
+        <a:font script="Bugi" typeface="Leelawadee UI"/>
+        <a:font script="Bopo" typeface="Microsoft JhengHei"/>
+        <a:font script="Java" typeface="Javanese Text"/>
+        <a:font script="Lisu" typeface="Segoe UI"/>
+        <a:font script="Mymr" typeface="Myanmar Text"/>
+        <a:font script="Nkoo" typeface="Ebrima"/>
+        <a:font script="Olck" typeface="Nirmala UI"/>
+        <a:font script="Osma" typeface="Ebrima"/>
+        <a:font script="Phag" typeface="Phagspa"/>
+        <a:font script="Syrn" typeface="Estrangelo Edessa"/>
+        <a:font script="Syrj" typeface="Estrangelo Edessa"/>
+        <a:font script="Syre" typeface="Estrangelo Edessa"/>
+        <a:font script="Sora" typeface="Nirmala UI"/>
+        <a:font script="Tale" typeface="Microsoft Tai Le"/>
+        <a:font script="Talu" typeface="Microsoft New Tai Lue"/>
+        <a:font script="Tfng" typeface="Ebrima"/>
+      </a:minorFont>
+    </a:fontScheme>
+    <a:fmtScheme name="Office">
+      <a:fillStyleLst>
+        <a:solidFill>
+          <a:schemeClr val="phClr"/>
+        </a:solidFill>
+        <a:gradFill rotWithShape="1">
+          <a:gsLst>
+            <a:gs pos="0">
+              <a:schemeClr val="phClr">
+                <a:lumMod val="110000"/>
+                <a:satMod val="105000"/>
+                <a:tint val="67000"/>
+              </a:schemeClr>
+            </a:gs>
+            <a:gs pos="50000">
+              <a:schemeClr val="phClr">
+                <a:lumMod val="105000"/>
+                <a:satMod val="103000"/>
+                <a:tint val="73000"/>
+              </a:schemeClr>
+            </a:gs>
+            <a:gs pos="100000">
+              <a:schemeClr val="phClr">
+                <a:lumMod val="105000"/>
+                <a:satMod val="109000"/>
+                <a:tint val="81000"/>
+              </a:schemeClr>
+            </a:gs>
+          </a:gsLst>
+          <a:lin ang="5400000" scaled="0"/>
+        </a:gradFill>
+        <a:gradFill rotWithShape="1">
+          <a:gsLst>
+            <a:gs pos="0">
+              <a:schemeClr val="phClr">
+                <a:satMod val="103000"/>
+                <a:lumMod val="102000"/>
+                <a:tint val="94000"/>
+              </a:schemeClr>
+            </a:gs>
+            <a:gs pos="50000">
+              <a:schemeClr val="phClr">
+                <a:satMod val="110000"/>
+                <a:lumMod val="100000"/>
+                <a:shade val="100000"/>
+              </a:schemeClr>
+            </a:gs>
+            <a:gs pos="100000">
+              <a:schemeClr val="phClr">
+                <a:lumMod val="99000"/>
+                <a:satMod val="120000"/>
+                <a:shade val="78000"/>
+              </a:schemeClr>
+            </a:gs>
+          </a:gsLst>
+          <a:lin ang="5400000" scaled="0"/>
+        </a:gradFill>
+      </a:fillStyleLst>
+      <a:lnStyleLst>
+        <a:ln w="6350" cap="flat" cmpd="sng" algn="ctr">
+          <a:solidFill>
+            <a:schemeClr val="phClr"/>
+          </a:solidFill>
+          <a:prstDash val="solid"/>
+          <a:miter lim="800000"/>
+        </a:ln>
+        <a:ln w="12700" cap="flat" cmpd="sng" algn="ctr">
+          <a:solidFill>
+            <a:schemeClr val="phClr"/>
+          </a:solidFill>
+          <a:prstDash val="solid"/>
+          <a:miter lim="800000"/>
+        </a:ln>
+        <a:ln w="19050" cap="flat" cmpd="sng" algn="ctr">
+          <a:solidFill>
+            <a:schemeClr val="phClr"/>
+          </a:solidFill>
+          <a:prstDash val="solid"/>
+          <a:miter lim="800000"/>
+        </a:ln>
+      </a:lnStyleLst>
+      <a:effectStyleLst>
+        <a:effectStyle>
+          <a:effectLst/>
+        </a:effectStyle>
+        <a:effectStyle>
+          <a:effectLst/>
+        </a:effectStyle>
+        <a:effectStyle>
+          <a:effectLst>
+            <a:outerShdw blurRad="57150" dist="19050" dir="5400000" algn="ctr" rotWithShape="0">
+              <a:srgbClr val="000000">
+                <a:alpha val="63000"/>
+              </a:srgbClr>
+            </a:outerShdw>
+          </a:effectLst>
+        </a:effectStyle>
+      </a:effectStyleLst>
+      <a:bgFillStyleLst>
+        <a:solidFill>
+          <a:schemeClr val="phClr"/>
+        </a:solidFill>
+        <a:solidFill>
+          <a:schemeClr val="phClr">
+            <a:tint val="95000"/>
+            <a:satMod val="170000"/>
+          </a:schemeClr>
+        </a:solidFill>
+        <a:gradFill rotWithShape="1">
+          <a:gsLst>
+            <a:gs pos="0">
+              <a:schemeClr val="phClr">
+                <a:tint val="93000"/>
+                <a:satMod val="150000"/>
+                <a:shade val="98000"/>
+                <a:lumMod val="102000"/>
+              </a:schemeClr>
+            </a:gs>
+            <a:gs pos="50000">
+              <a:schemeClr val="phClr">
+                <a:tint val="98000"/>
+                <a:satMod val="130000"/>
+                <a:shade val="90000"/>
+                <a:lumMod val="103000"/>
+              </a:schemeClr>
+            </a:gs>
+            <a:gs pos="100000">
+              <a:schemeClr val="phClr">
+                <a:shade val="63000"/>
+                <a:satMod val="120000"/>
+              </a:schemeClr>
+            </a:gs>
+          </a:gsLst>
+          <a:lin ang="5400000" scaled="0"/>
+        </a:gradFill>
+      </a:bgFillStyleLst>
+    </a:fmtScheme>
+  </a:themeElements>
+  <a:objectDefaults/>
+  <a:extraClrSchemeLst/>
+  <a:extLst>
+    <a:ext uri="{05A4C25C-085E-4340-85A3-A5531E510DB2}">
+      <thm15:themeFamily xmlns:thm15="http://schemas.microsoft.com/office/thememl/2012/main" name="Office Theme" id="{62F939B6-93AF-4DB8-9C6B-D6C7DFDC589F}" vid="{4A3C46E8-61CC-4603-A589-7422A47A8E4A}"/>
+    </a:ext>
+  </a:extLst>
+</a:theme>
 </file>
--- a/project_presention.pptx
+++ b/project_presention.pptx
@@ -5,7 +5,7 @@
     <p:sldMasterId id="2147483719" r:id="rId1"/>
   </p:sldMasterIdLst>
   <p:notesMasterIdLst>
-    <p:notesMasterId r:id="rId19"/>
+    <p:notesMasterId r:id="rId18"/>
   </p:notesMasterIdLst>
   <p:sldIdLst>
     <p:sldId id="256" r:id="rId2"/>
@@ -13,9 +13,9 @@
     <p:sldId id="280" r:id="rId4"/>
     <p:sldId id="258" r:id="rId5"/>
     <p:sldId id="282" r:id="rId6"/>
-    <p:sldId id="283" r:id="rId7"/>
-    <p:sldId id="281" r:id="rId8"/>
-    <p:sldId id="285" r:id="rId9"/>
+    <p:sldId id="286" r:id="rId7"/>
+    <p:sldId id="285" r:id="rId8"/>
+    <p:sldId id="283" r:id="rId9"/>
     <p:sldId id="262" r:id="rId10"/>
     <p:sldId id="276" r:id="rId11"/>
     <p:sldId id="271" r:id="rId12"/>
@@ -23,8 +23,7 @@
     <p:sldId id="274" r:id="rId14"/>
     <p:sldId id="275" r:id="rId15"/>
     <p:sldId id="273" r:id="rId16"/>
-    <p:sldId id="278" r:id="rId17"/>
-    <p:sldId id="279" r:id="rId18"/>
+    <p:sldId id="279" r:id="rId17"/>
   </p:sldIdLst>
   <p:sldSz cx="12192000" cy="6858000"/>
   <p:notesSz cx="6858000" cy="9144000"/>
@@ -241,6 +240,119 @@
     </inkml:brush>
   </inkml:definitions>
   <inkml:trace contextRef="#ctx0" brushRef="#br0">338 0 24575,'-12'0'0,"0"0"0,0 0 0,2 0 0,-7 0 0,-3 0 0,5 0 0,-8 0 0,9 0 0,-5 0 0,0 0 0,5 0 0,1 0 0,4 0 0,1 0 0,0 0 0,0 0 0,0 0 0,-5 0 0,-2 0 0,1 0 0,1 0 0,5 0 0,-1 0 0,1 0 0,-1 0 0,5 0 0,0 0 0</inkml:trace>
+</inkml:ink>
+</file>
+
+<file path=ppt/ink/ink5.xml><?xml version="1.0" encoding="utf-8"?>
+<inkml:ink xmlns:inkml="http://www.w3.org/2003/InkML">
+  <inkml:definitions>
+    <inkml:context xml:id="ctx0">
+      <inkml:inkSource xml:id="inkSrc0">
+        <inkml:traceFormat>
+          <inkml:channel name="X" type="integer" min="-2.14748E9" max="2.14748E9" units="cm"/>
+          <inkml:channel name="Y" type="integer" min="-2.14748E9" max="2.14748E9" units="cm"/>
+          <inkml:channel name="F" type="integer" max="32767" units="dev"/>
+        </inkml:traceFormat>
+        <inkml:channelProperties>
+          <inkml:channelProperty channel="X" name="resolution" value="1000" units="1/cm"/>
+          <inkml:channelProperty channel="Y" name="resolution" value="1000" units="1/cm"/>
+          <inkml:channelProperty channel="F" name="resolution" value="0" units="1/dev"/>
+        </inkml:channelProperties>
+      </inkml:inkSource>
+      <inkml:timestamp xml:id="ts0" timeString="2019-03-18T21:46:58.450"/>
+    </inkml:context>
+    <inkml:brush xml:id="br0">
+      <inkml:brushProperty name="width" value="0.05" units="cm"/>
+      <inkml:brushProperty name="height" value="0.05" units="cm"/>
+      <inkml:brushProperty name="color" value="#FFFFFF"/>
+    </inkml:brush>
+  </inkml:definitions>
+  <inkml:trace contextRef="#ctx0" brushRef="#br0">308 1 24575,'-34'0'0,"13"0"0,-19 0 0,17 0 0,8 0 0,-8 0 0,7 0 0,-2 0 0,7 0 0,-2 0 0,6 0 0,-3 0 0,3 0 0,1 0 0,-3 0 0,2 0 0,-2 0 0,3 0 0,-1 0 0,1 0 0,-1 0 0,1 0 0,2 0 0,1 0 0</inkml:trace>
+</inkml:ink>
+</file>
+
+<file path=ppt/ink/ink6.xml><?xml version="1.0" encoding="utf-8"?>
+<inkml:ink xmlns:inkml="http://www.w3.org/2003/InkML">
+  <inkml:definitions>
+    <inkml:context xml:id="ctx0">
+      <inkml:inkSource xml:id="inkSrc0">
+        <inkml:traceFormat>
+          <inkml:channel name="X" type="integer" min="-2.14748E9" max="2.14748E9" units="cm"/>
+          <inkml:channel name="Y" type="integer" min="-2.14748E9" max="2.14748E9" units="cm"/>
+          <inkml:channel name="F" type="integer" max="32767" units="dev"/>
+        </inkml:traceFormat>
+        <inkml:channelProperties>
+          <inkml:channelProperty channel="X" name="resolution" value="1000" units="1/cm"/>
+          <inkml:channelProperty channel="Y" name="resolution" value="1000" units="1/cm"/>
+          <inkml:channelProperty channel="F" name="resolution" value="0" units="1/dev"/>
+        </inkml:channelProperties>
+      </inkml:inkSource>
+      <inkml:timestamp xml:id="ts0" timeString="2019-03-18T21:47:02.082"/>
+    </inkml:context>
+    <inkml:brush xml:id="br0">
+      <inkml:brushProperty name="width" value="0.05" units="cm"/>
+      <inkml:brushProperty name="height" value="0.05" units="cm"/>
+      <inkml:brushProperty name="color" value="#FFFFFF"/>
+    </inkml:brush>
+  </inkml:definitions>
+  <inkml:trace contextRef="#ctx0" brushRef="#br0">592 49 24575,'-14'0'0,"3"0"0,-22 0 0,6 0 0,-25 0 0,9 5 0,-10 0 0,7 4 0,4-4 0,-3-1 0,13-4 0,-7 0 0,14 0 0,1 0 0,1 0 0,7 0 0,-2 0 0,7 0 0,0 0 0,5 0 0,-1 0 0,1 0 0,-1 0 0,6 0 0,5-3 0,6-1 0,4 1 0,4-1 0,-2 1 0,3 2 0,-5-2 0,-3 3 0,3 0 0,-7 0 0,3 0 0,0 0 0,-3 0 0,7 0 0,-3 0 0,3 0 0,1 0 0,-1 0 0,-3 0 0,3 0 0,-3 3 0,0-2 0,2 6 0,-2-7 0,0 6 0,-1-5 0,-3 2 0,-1-3 0,1 0 0,-1 0 0,1 3 0,0-2 0,-1 2 0,0-3 0,0 0 0,0 0 0,1 0 0,-1 0 0,0 0 0,0 0 0,-2 0 0,-2 0 0</inkml:trace>
+  <inkml:trace contextRef="#ctx0" brushRef="#br0" timeOffset="2099">258 15 24575,'17'0'0,"-3"0"0,5-3 0,-1 2 0,-2-5 0,7 5 0,-11-2 0,6 3 0,-8 0 0,1 0 0,-1 0 0,-3 0 0,-1 0 0,-2 2 0,-1 2 0,-3 2 0,0 1 0,0-1 0,0 1 0,0-1 0,0 1 0,0-1 0,0 1 0,-3-1 0,-1 1 0,-3-1 0,1 1 0,-1-1 0,1 1 0,-1-1 0,0-2 0,1-1 0,0-3 0,0 0 0,2 0 0,2 0 0</inkml:trace>
+</inkml:ink>
+</file>
+
+<file path=ppt/ink/ink7.xml><?xml version="1.0" encoding="utf-8"?>
+<inkml:ink xmlns:inkml="http://www.w3.org/2003/InkML">
+  <inkml:definitions>
+    <inkml:context xml:id="ctx0">
+      <inkml:inkSource xml:id="inkSrc0">
+        <inkml:traceFormat>
+          <inkml:channel name="X" type="integer" min="-2.14748E9" max="2.14748E9" units="cm"/>
+          <inkml:channel name="Y" type="integer" min="-2.14748E9" max="2.14748E9" units="cm"/>
+          <inkml:channel name="F" type="integer" max="32767" units="dev"/>
+        </inkml:traceFormat>
+        <inkml:channelProperties>
+          <inkml:channelProperty channel="X" name="resolution" value="1000" units="1/cm"/>
+          <inkml:channelProperty channel="Y" name="resolution" value="1000" units="1/cm"/>
+          <inkml:channelProperty channel="F" name="resolution" value="0" units="1/dev"/>
+        </inkml:channelProperties>
+      </inkml:inkSource>
+      <inkml:timestamp xml:id="ts0" timeString="2019-03-18T21:47:05.667"/>
+    </inkml:context>
+    <inkml:brush xml:id="br0">
+      <inkml:brushProperty name="width" value="0.05" units="cm"/>
+      <inkml:brushProperty name="height" value="0.05" units="cm"/>
+      <inkml:brushProperty name="color" value="#FFFFFF"/>
+    </inkml:brush>
+  </inkml:definitions>
+  <inkml:trace contextRef="#ctx0" brushRef="#br0">412 0 24575,'-17'0'0,"1"0"0,-3 0 0,0 0 0,-5 0 0,0 0 0,0 0 0,0 0 0,0 0 0,-5 0 0,8 0 0,-6 0 0,11 0 0,-7 0 0,8 0 0,-8 0 0,11 0 0,-6 0 0,10 0 0,-2 0 0,1 0 0,5 0 0,-1 0 0</inkml:trace>
+</inkml:ink>
+</file>
+
+<file path=ppt/ink/ink8.xml><?xml version="1.0" encoding="utf-8"?>
+<inkml:ink xmlns:inkml="http://www.w3.org/2003/InkML">
+  <inkml:definitions>
+    <inkml:context xml:id="ctx0">
+      <inkml:inkSource xml:id="inkSrc0">
+        <inkml:traceFormat>
+          <inkml:channel name="X" type="integer" min="-2.14748E9" max="2.14748E9" units="cm"/>
+          <inkml:channel name="Y" type="integer" min="-2.14748E9" max="2.14748E9" units="cm"/>
+          <inkml:channel name="F" type="integer" max="32767" units="dev"/>
+        </inkml:traceFormat>
+        <inkml:channelProperties>
+          <inkml:channelProperty channel="X" name="resolution" value="1000" units="1/cm"/>
+          <inkml:channelProperty channel="Y" name="resolution" value="1000" units="1/cm"/>
+          <inkml:channelProperty channel="F" name="resolution" value="0" units="1/dev"/>
+        </inkml:channelProperties>
+      </inkml:inkSource>
+      <inkml:timestamp xml:id="ts0" timeString="2019-03-18T21:47:07.628"/>
+    </inkml:context>
+    <inkml:brush xml:id="br0">
+      <inkml:brushProperty name="width" value="0.05" units="cm"/>
+      <inkml:brushProperty name="height" value="0.05" units="cm"/>
+      <inkml:brushProperty name="color" value="#FFFFFF"/>
+    </inkml:brush>
+  </inkml:definitions>
+  <inkml:trace contextRef="#ctx0" brushRef="#br0">448 1 24575,'-18'0'0,"-5"0"0,-12 0 0,-1 0 0,-10 0 0,10 0 0,-10 0 0,10 0 0,5 0 0,3 0 0,9 0 0,-1 0 0,1 0 0,8 0 0,1 0 0,3 0 0,1 0 0,-1 0 0,0 0 0,4 2 0,0-1 0,3 1 0</inkml:trace>
 </inkml:ink>
 </file>
 
@@ -16292,139 +16404,6 @@
         </p:nvSpPr>
         <p:spPr>
           <a:xfrm>
-            <a:off x="677334" y="569405"/>
-            <a:ext cx="8596668" cy="837363"/>
-          </a:xfrm>
-        </p:spPr>
-        <p:txBody>
-          <a:bodyPr>
-            <a:normAutofit fontScale="90000"/>
-          </a:bodyPr>
-          <a:lstStyle/>
-          <a:p>
-            <a:r>
-              <a:rPr lang="en-US" sz="5300" u="sng" dirty="0"/>
-              <a:t>Takeaways</a:t>
-            </a:r>
-            <a:br>
-              <a:rPr lang="en-US" dirty="0"/>
-            </a:br>
-            <a:endParaRPr lang="en-US" dirty="0"/>
-          </a:p>
-        </p:txBody>
-      </p:sp>
-      <p:sp>
-        <p:nvSpPr>
-          <p:cNvPr id="3" name="Content Placeholder 2">
-            <a:extLst>
-              <a:ext uri="{FF2B5EF4-FFF2-40B4-BE49-F238E27FC236}">
-                <a16:creationId xmlns:a16="http://schemas.microsoft.com/office/drawing/2014/main" id="{39BD09FC-C17D-D943-A19A-475B0296EC2E}"/>
-              </a:ext>
-            </a:extLst>
-          </p:cNvPr>
-          <p:cNvSpPr>
-            <a:spLocks noGrp="1"/>
-          </p:cNvSpPr>
-          <p:nvPr>
-            <p:ph idx="1"/>
-          </p:nvPr>
-        </p:nvSpPr>
-        <p:spPr/>
-        <p:txBody>
-          <a:bodyPr/>
-          <a:lstStyle/>
-          <a:p>
-            <a:r>
-              <a:rPr lang="en-US" dirty="0"/>
-              <a:t>GitHub</a:t>
-            </a:r>
-          </a:p>
-          <a:p>
-            <a:r>
-              <a:rPr lang="en-US" dirty="0"/>
-              <a:t>Data Cleaning</a:t>
-            </a:r>
-          </a:p>
-          <a:p>
-            <a:r>
-              <a:rPr lang="en-US" dirty="0"/>
-              <a:t>Data Transformation</a:t>
-            </a:r>
-          </a:p>
-          <a:p>
-            <a:r>
-              <a:rPr lang="en-US" dirty="0"/>
-              <a:t>Data Visualization</a:t>
-            </a:r>
-          </a:p>
-          <a:p>
-            <a:r>
-              <a:rPr lang="en-US" dirty="0"/>
-              <a:t>Plotting Geo Data</a:t>
-            </a:r>
-          </a:p>
-          <a:p>
-            <a:pPr marL="0" indent="0">
-              <a:buNone/>
-            </a:pPr>
-            <a:endParaRPr lang="en-US" dirty="0"/>
-          </a:p>
-          <a:p>
-            <a:endParaRPr lang="en-US" dirty="0"/>
-          </a:p>
-          <a:p>
-            <a:endParaRPr lang="en-US" dirty="0"/>
-          </a:p>
-        </p:txBody>
-      </p:sp>
-    </p:spTree>
-    <p:extLst>
-      <p:ext uri="{BB962C8B-B14F-4D97-AF65-F5344CB8AC3E}">
-        <p14:creationId xmlns:p14="http://schemas.microsoft.com/office/powerpoint/2010/main" val="916969285"/>
-      </p:ext>
-    </p:extLst>
-  </p:cSld>
-  <p:clrMapOvr>
-    <a:masterClrMapping/>
-  </p:clrMapOvr>
-</p:sld>
-</file>
-
-<file path=ppt/slides/slide17.xml><?xml version="1.0" encoding="utf-8"?>
-<p:sld xmlns:a="http://schemas.openxmlformats.org/drawingml/2006/main" xmlns:r="http://schemas.openxmlformats.org/officeDocument/2006/relationships" xmlns:p="http://schemas.openxmlformats.org/presentationml/2006/main">
-  <p:cSld>
-    <p:spTree>
-      <p:nvGrpSpPr>
-        <p:cNvPr id="1" name=""/>
-        <p:cNvGrpSpPr/>
-        <p:nvPr/>
-      </p:nvGrpSpPr>
-      <p:grpSpPr>
-        <a:xfrm>
-          <a:off x="0" y="0"/>
-          <a:ext cx="0" cy="0"/>
-          <a:chOff x="0" y="0"/>
-          <a:chExt cx="0" cy="0"/>
-        </a:xfrm>
-      </p:grpSpPr>
-      <p:sp>
-        <p:nvSpPr>
-          <p:cNvPr id="2" name="Title 1">
-            <a:extLst>
-              <a:ext uri="{FF2B5EF4-FFF2-40B4-BE49-F238E27FC236}">
-                <a16:creationId xmlns:a16="http://schemas.microsoft.com/office/drawing/2014/main" id="{1A7138CC-24D2-F645-98D5-44EA011D358D}"/>
-              </a:ext>
-            </a:extLst>
-          </p:cNvPr>
-          <p:cNvSpPr>
-            <a:spLocks noGrp="1"/>
-          </p:cNvSpPr>
-          <p:nvPr>
-            <p:ph type="title"/>
-          </p:nvPr>
-        </p:nvSpPr>
-        <p:spPr>
-          <a:xfrm>
             <a:off x="677334" y="442128"/>
             <a:ext cx="8596668" cy="768364"/>
           </a:xfrm>
@@ -17043,106 +17022,305 @@
       </p:sp>
       <p:sp>
         <p:nvSpPr>
-          <p:cNvPr id="8" name="Oval 7">
+          <p:cNvPr id="10" name="Content Placeholder 2">
             <a:extLst>
               <a:ext uri="{FF2B5EF4-FFF2-40B4-BE49-F238E27FC236}">
-                <a16:creationId xmlns:a16="http://schemas.microsoft.com/office/drawing/2014/main" id="{5F80E4E6-86A0-3A47-BC01-2CD16674FF72}"/>
+                <a16:creationId xmlns:a16="http://schemas.microsoft.com/office/drawing/2014/main" id="{4B1C3F38-1B02-464A-9EEA-4F7952016040}"/>
               </a:ext>
             </a:extLst>
           </p:cNvPr>
-          <p:cNvSpPr/>
+          <p:cNvSpPr txBox="1">
+            <a:spLocks/>
+          </p:cNvSpPr>
           <p:nvPr/>
         </p:nvSpPr>
         <p:spPr>
           <a:xfrm>
-            <a:off x="395227" y="4783018"/>
-            <a:ext cx="9020078" cy="1728314"/>
-          </a:xfrm>
-          <a:prstGeom prst="ellipse">
-            <a:avLst/>
-          </a:prstGeom>
-          <a:gradFill flip="none" rotWithShape="1">
-            <a:gsLst>
-              <a:gs pos="0">
-                <a:schemeClr val="accent1">
-                  <a:tint val="66000"/>
-                  <a:satMod val="160000"/>
-                </a:schemeClr>
-              </a:gs>
-              <a:gs pos="50000">
-                <a:schemeClr val="accent1">
-                  <a:tint val="44500"/>
-                  <a:satMod val="160000"/>
-                </a:schemeClr>
-              </a:gs>
-              <a:gs pos="100000">
-                <a:schemeClr val="accent1">
-                  <a:tint val="23500"/>
-                  <a:satMod val="160000"/>
-                </a:schemeClr>
-              </a:gs>
-            </a:gsLst>
-            <a:lin ang="16200000" scaled="1"/>
-            <a:tileRect/>
-          </a:gradFill>
-        </p:spPr>
-        <p:style>
-          <a:lnRef idx="2">
-            <a:schemeClr val="accent1">
-              <a:shade val="50000"/>
-            </a:schemeClr>
-          </a:lnRef>
-          <a:fillRef idx="1">
-            <a:schemeClr val="accent1"/>
-          </a:fillRef>
-          <a:effectRef idx="0">
-            <a:schemeClr val="accent1"/>
-          </a:effectRef>
-          <a:fontRef idx="minor">
-            <a:schemeClr val="lt1"/>
-          </a:fontRef>
-        </p:style>
-        <p:txBody>
-          <a:bodyPr rtlCol="0" anchor="ctr"/>
-          <a:lstStyle/>
-          <a:p>
-            <a:pPr algn="ctr"/>
-            <a:endParaRPr lang="en-US"/>
-          </a:p>
-        </p:txBody>
-      </p:sp>
-      <p:sp>
-        <p:nvSpPr>
-          <p:cNvPr id="9" name="TextBox 8">
-            <a:extLst>
-              <a:ext uri="{FF2B5EF4-FFF2-40B4-BE49-F238E27FC236}">
-                <a16:creationId xmlns:a16="http://schemas.microsoft.com/office/drawing/2014/main" id="{1E9D1C69-F20F-2641-98E3-AA27BCEA91AF}"/>
-              </a:ext>
-            </a:extLst>
-          </p:cNvPr>
-          <p:cNvSpPr txBox="1"/>
-          <p:nvPr/>
-        </p:nvSpPr>
-        <p:spPr>
-          <a:xfrm>
-            <a:off x="1085222" y="5215100"/>
-            <a:ext cx="7676941" cy="830997"/>
+            <a:off x="551829" y="4741585"/>
+            <a:ext cx="8722173" cy="1568684"/>
           </a:xfrm>
           <a:prstGeom prst="rect">
             <a:avLst/>
           </a:prstGeom>
-          <a:noFill/>
         </p:spPr>
         <p:txBody>
-          <a:bodyPr wrap="square" rtlCol="0">
-            <a:spAutoFit/>
+          <a:bodyPr vert="horz" lIns="91440" tIns="45720" rIns="91440" bIns="45720" rtlCol="0">
+            <a:normAutofit/>
           </a:bodyPr>
-          <a:lstStyle/>
+          <a:lstStyle>
+            <a:lvl1pPr marL="342900" indent="-342900" algn="l" defTabSz="457200" rtl="0" eaLnBrk="1" latinLnBrk="0" hangingPunct="1">
+              <a:spcBef>
+                <a:spcPts val="1000"/>
+              </a:spcBef>
+              <a:spcAft>
+                <a:spcPts val="0"/>
+              </a:spcAft>
+              <a:buClr>
+                <a:schemeClr val="accent1">
+                  <a:lumMod val="75000"/>
+                </a:schemeClr>
+              </a:buClr>
+              <a:buSzPct val="80000"/>
+              <a:buFont typeface="Wingdings 3" charset="2"/>
+              <a:buChar char=""/>
+              <a:defRPr sz="1800" kern="1200">
+                <a:solidFill>
+                  <a:schemeClr val="tx1">
+                    <a:lumMod val="75000"/>
+                    <a:lumOff val="25000"/>
+                  </a:schemeClr>
+                </a:solidFill>
+                <a:latin typeface="+mn-lt"/>
+                <a:ea typeface="+mn-ea"/>
+                <a:cs typeface="+mn-cs"/>
+              </a:defRPr>
+            </a:lvl1pPr>
+            <a:lvl2pPr marL="742950" indent="-285750" algn="l" defTabSz="457200" rtl="0" eaLnBrk="1" latinLnBrk="0" hangingPunct="1">
+              <a:spcBef>
+                <a:spcPts val="1000"/>
+              </a:spcBef>
+              <a:spcAft>
+                <a:spcPts val="0"/>
+              </a:spcAft>
+              <a:buClr>
+                <a:schemeClr val="accent1">
+                  <a:lumMod val="75000"/>
+                </a:schemeClr>
+              </a:buClr>
+              <a:buSzPct val="80000"/>
+              <a:buFont typeface="Wingdings 3" charset="2"/>
+              <a:buChar char=""/>
+              <a:defRPr sz="1600" kern="1200">
+                <a:solidFill>
+                  <a:schemeClr val="tx1">
+                    <a:lumMod val="75000"/>
+                    <a:lumOff val="25000"/>
+                  </a:schemeClr>
+                </a:solidFill>
+                <a:latin typeface="+mn-lt"/>
+                <a:ea typeface="+mn-ea"/>
+                <a:cs typeface="+mn-cs"/>
+              </a:defRPr>
+            </a:lvl2pPr>
+            <a:lvl3pPr marL="1143000" indent="-228600" algn="l" defTabSz="457200" rtl="0" eaLnBrk="1" latinLnBrk="0" hangingPunct="1">
+              <a:spcBef>
+                <a:spcPts val="1000"/>
+              </a:spcBef>
+              <a:spcAft>
+                <a:spcPts val="0"/>
+              </a:spcAft>
+              <a:buClr>
+                <a:schemeClr val="accent1">
+                  <a:lumMod val="75000"/>
+                </a:schemeClr>
+              </a:buClr>
+              <a:buSzPct val="80000"/>
+              <a:buFont typeface="Wingdings 3" charset="2"/>
+              <a:buChar char=""/>
+              <a:defRPr sz="1400" kern="1200">
+                <a:solidFill>
+                  <a:schemeClr val="tx1">
+                    <a:lumMod val="75000"/>
+                    <a:lumOff val="25000"/>
+                  </a:schemeClr>
+                </a:solidFill>
+                <a:latin typeface="+mn-lt"/>
+                <a:ea typeface="+mn-ea"/>
+                <a:cs typeface="+mn-cs"/>
+              </a:defRPr>
+            </a:lvl3pPr>
+            <a:lvl4pPr marL="1600200" indent="-228600" algn="l" defTabSz="457200" rtl="0" eaLnBrk="1" latinLnBrk="0" hangingPunct="1">
+              <a:spcBef>
+                <a:spcPts val="1000"/>
+              </a:spcBef>
+              <a:spcAft>
+                <a:spcPts val="0"/>
+              </a:spcAft>
+              <a:buClr>
+                <a:schemeClr val="accent1">
+                  <a:lumMod val="75000"/>
+                </a:schemeClr>
+              </a:buClr>
+              <a:buSzPct val="80000"/>
+              <a:buFont typeface="Wingdings 3" charset="2"/>
+              <a:buChar char=""/>
+              <a:defRPr sz="1200" kern="1200">
+                <a:solidFill>
+                  <a:schemeClr val="tx1">
+                    <a:lumMod val="75000"/>
+                    <a:lumOff val="25000"/>
+                  </a:schemeClr>
+                </a:solidFill>
+                <a:latin typeface="+mn-lt"/>
+                <a:ea typeface="+mn-ea"/>
+                <a:cs typeface="+mn-cs"/>
+              </a:defRPr>
+            </a:lvl4pPr>
+            <a:lvl5pPr marL="2057400" indent="-228600" algn="l" defTabSz="457200" rtl="0" eaLnBrk="1" latinLnBrk="0" hangingPunct="1">
+              <a:spcBef>
+                <a:spcPts val="1000"/>
+              </a:spcBef>
+              <a:spcAft>
+                <a:spcPts val="0"/>
+              </a:spcAft>
+              <a:buClr>
+                <a:schemeClr val="accent1">
+                  <a:lumMod val="75000"/>
+                </a:schemeClr>
+              </a:buClr>
+              <a:buSzPct val="80000"/>
+              <a:buFont typeface="Wingdings 3" charset="2"/>
+              <a:buChar char=""/>
+              <a:defRPr sz="1200" kern="1200">
+                <a:solidFill>
+                  <a:schemeClr val="tx1">
+                    <a:lumMod val="75000"/>
+                    <a:lumOff val="25000"/>
+                  </a:schemeClr>
+                </a:solidFill>
+                <a:latin typeface="+mn-lt"/>
+                <a:ea typeface="+mn-ea"/>
+                <a:cs typeface="+mn-cs"/>
+              </a:defRPr>
+            </a:lvl5pPr>
+            <a:lvl6pPr marL="2514600" indent="-228600" algn="l" defTabSz="457200" rtl="0" eaLnBrk="1" latinLnBrk="0" hangingPunct="1">
+              <a:spcBef>
+                <a:spcPts val="1000"/>
+              </a:spcBef>
+              <a:spcAft>
+                <a:spcPts val="0"/>
+              </a:spcAft>
+              <a:buClr>
+                <a:schemeClr val="accent1">
+                  <a:lumMod val="75000"/>
+                </a:schemeClr>
+              </a:buClr>
+              <a:buSzPct val="80000"/>
+              <a:buFont typeface="Wingdings 3" charset="2"/>
+              <a:buChar char=""/>
+              <a:defRPr sz="1200" kern="1200">
+                <a:solidFill>
+                  <a:schemeClr val="tx1">
+                    <a:lumMod val="75000"/>
+                    <a:lumOff val="25000"/>
+                  </a:schemeClr>
+                </a:solidFill>
+                <a:latin typeface="+mn-lt"/>
+                <a:ea typeface="+mn-ea"/>
+                <a:cs typeface="+mn-cs"/>
+              </a:defRPr>
+            </a:lvl6pPr>
+            <a:lvl7pPr marL="2971800" indent="-228600" algn="l" defTabSz="457200" rtl="0" eaLnBrk="1" latinLnBrk="0" hangingPunct="1">
+              <a:spcBef>
+                <a:spcPts val="1000"/>
+              </a:spcBef>
+              <a:spcAft>
+                <a:spcPts val="0"/>
+              </a:spcAft>
+              <a:buClr>
+                <a:schemeClr val="accent1">
+                  <a:lumMod val="75000"/>
+                </a:schemeClr>
+              </a:buClr>
+              <a:buSzPct val="80000"/>
+              <a:buFont typeface="Wingdings 3" charset="2"/>
+              <a:buChar char=""/>
+              <a:defRPr sz="1200" kern="1200">
+                <a:solidFill>
+                  <a:schemeClr val="tx1">
+                    <a:lumMod val="75000"/>
+                    <a:lumOff val="25000"/>
+                  </a:schemeClr>
+                </a:solidFill>
+                <a:latin typeface="+mn-lt"/>
+                <a:ea typeface="+mn-ea"/>
+                <a:cs typeface="+mn-cs"/>
+              </a:defRPr>
+            </a:lvl7pPr>
+            <a:lvl8pPr marL="3429000" indent="-228600" algn="l" defTabSz="457200" rtl="0" eaLnBrk="1" latinLnBrk="0" hangingPunct="1">
+              <a:spcBef>
+                <a:spcPts val="1000"/>
+              </a:spcBef>
+              <a:spcAft>
+                <a:spcPts val="0"/>
+              </a:spcAft>
+              <a:buClr>
+                <a:schemeClr val="accent1">
+                  <a:lumMod val="75000"/>
+                </a:schemeClr>
+              </a:buClr>
+              <a:buSzPct val="80000"/>
+              <a:buFont typeface="Wingdings 3" charset="2"/>
+              <a:buChar char=""/>
+              <a:defRPr sz="1200" kern="1200">
+                <a:solidFill>
+                  <a:schemeClr val="tx1">
+                    <a:lumMod val="75000"/>
+                    <a:lumOff val="25000"/>
+                  </a:schemeClr>
+                </a:solidFill>
+                <a:latin typeface="+mn-lt"/>
+                <a:ea typeface="+mn-ea"/>
+                <a:cs typeface="+mn-cs"/>
+              </a:defRPr>
+            </a:lvl8pPr>
+            <a:lvl9pPr marL="3886200" indent="-228600" algn="l" defTabSz="457200" rtl="0" eaLnBrk="1" latinLnBrk="0" hangingPunct="1">
+              <a:spcBef>
+                <a:spcPts val="1000"/>
+              </a:spcBef>
+              <a:spcAft>
+                <a:spcPts val="0"/>
+              </a:spcAft>
+              <a:buClr>
+                <a:schemeClr val="accent1">
+                  <a:lumMod val="75000"/>
+                </a:schemeClr>
+              </a:buClr>
+              <a:buSzPct val="80000"/>
+              <a:buFont typeface="Wingdings 3" charset="2"/>
+              <a:buChar char=""/>
+              <a:defRPr sz="1200" kern="1200">
+                <a:solidFill>
+                  <a:schemeClr val="tx1">
+                    <a:lumMod val="75000"/>
+                    <a:lumOff val="25000"/>
+                  </a:schemeClr>
+                </a:solidFill>
+                <a:latin typeface="+mn-lt"/>
+                <a:ea typeface="+mn-ea"/>
+                <a:cs typeface="+mn-cs"/>
+              </a:defRPr>
+            </a:lvl9pPr>
+          </a:lstStyle>
           <a:p>
-            <a:pPr algn="ctr"/>
+            <a:pPr marL="457200" lvl="1" indent="0">
+              <a:buNone/>
+            </a:pPr>
             <a:r>
-              <a:rPr lang="en-US" sz="2400" dirty="0"/>
-              <a:t>How has this Colorado’s shifting political landscape effected trends in campaign donations?</a:t>
+              <a:rPr lang="en-US" sz="2600" dirty="0">
+                <a:solidFill>
+                  <a:schemeClr val="accent1">
+                    <a:lumMod val="75000"/>
+                  </a:schemeClr>
+                </a:solidFill>
+              </a:rPr>
+              <a:t>Why look at donor data when we have voter data?</a:t>
+            </a:r>
+          </a:p>
+          <a:p>
+            <a:pPr lvl="1">
+              <a:buFont typeface="Wingdings" pitchFamily="2" charset="2"/>
+              <a:buChar char="Ø"/>
+            </a:pPr>
+            <a:r>
+              <a:rPr lang="en-US" sz="2600" dirty="0">
+                <a:solidFill>
+                  <a:schemeClr val="accent1">
+                    <a:lumMod val="75000"/>
+                  </a:schemeClr>
+                </a:solidFill>
+              </a:rPr>
+              <a:t>Donor data provides additional insight into passion and intensity for a party, candidate, or issue.</a:t>
             </a:r>
           </a:p>
         </p:txBody>
@@ -17195,7 +17373,7 @@
         </p:nvSpPr>
         <p:spPr>
           <a:xfrm>
-            <a:off x="677334" y="609600"/>
+            <a:off x="677334" y="2451841"/>
             <a:ext cx="8596668" cy="733425"/>
           </a:xfrm>
         </p:spPr>
@@ -17228,7 +17406,7 @@
         </p:nvSpPr>
         <p:spPr>
           <a:xfrm>
-            <a:off x="668370" y="1447364"/>
+            <a:off x="668370" y="3504760"/>
             <a:ext cx="8596668" cy="3068880"/>
           </a:xfrm>
           <a:prstGeom prst="rect">
@@ -17502,7 +17680,7 @@
           <a:p>
             <a:r>
               <a:rPr lang="en-US" dirty="0"/>
-              <a:t>Has there been a relationship between the amount of money donated and candidate success in elections?</a:t>
+              <a:t>Has there been a correlation between the amount of money donated and candidate success in elections?</a:t>
             </a:r>
           </a:p>
           <a:p>
@@ -17793,6 +17971,133 @@
           </a:p>
         </p:txBody>
       </p:sp>
+      <p:grpSp>
+        <p:nvGrpSpPr>
+          <p:cNvPr id="5" name="Group 4">
+            <a:extLst>
+              <a:ext uri="{FF2B5EF4-FFF2-40B4-BE49-F238E27FC236}">
+                <a16:creationId xmlns:a16="http://schemas.microsoft.com/office/drawing/2014/main" id="{164A8E78-0048-674D-93AC-0821EBF9C23D}"/>
+              </a:ext>
+            </a:extLst>
+          </p:cNvPr>
+          <p:cNvGrpSpPr/>
+          <p:nvPr/>
+        </p:nvGrpSpPr>
+        <p:grpSpPr>
+          <a:xfrm>
+            <a:off x="395227" y="439616"/>
+            <a:ext cx="9020078" cy="1728314"/>
+            <a:chOff x="395227" y="4783018"/>
+            <a:chExt cx="9020078" cy="1728314"/>
+          </a:xfrm>
+        </p:grpSpPr>
+        <p:sp>
+          <p:nvSpPr>
+            <p:cNvPr id="7" name="Oval 6">
+              <a:extLst>
+                <a:ext uri="{FF2B5EF4-FFF2-40B4-BE49-F238E27FC236}">
+                  <a16:creationId xmlns:a16="http://schemas.microsoft.com/office/drawing/2014/main" id="{B01F4230-BB28-E142-8EDE-9FF1BA77FE9A}"/>
+                </a:ext>
+              </a:extLst>
+            </p:cNvPr>
+            <p:cNvSpPr/>
+            <p:nvPr/>
+          </p:nvSpPr>
+          <p:spPr>
+            <a:xfrm>
+              <a:off x="395227" y="4783018"/>
+              <a:ext cx="9020078" cy="1728314"/>
+            </a:xfrm>
+            <a:prstGeom prst="ellipse">
+              <a:avLst/>
+            </a:prstGeom>
+            <a:gradFill flip="none" rotWithShape="1">
+              <a:gsLst>
+                <a:gs pos="0">
+                  <a:schemeClr val="accent1">
+                    <a:tint val="66000"/>
+                    <a:satMod val="160000"/>
+                  </a:schemeClr>
+                </a:gs>
+                <a:gs pos="50000">
+                  <a:schemeClr val="accent1">
+                    <a:tint val="44500"/>
+                    <a:satMod val="160000"/>
+                  </a:schemeClr>
+                </a:gs>
+                <a:gs pos="100000">
+                  <a:schemeClr val="accent1">
+                    <a:tint val="23500"/>
+                    <a:satMod val="160000"/>
+                  </a:schemeClr>
+                </a:gs>
+              </a:gsLst>
+              <a:lin ang="16200000" scaled="1"/>
+              <a:tileRect/>
+            </a:gradFill>
+          </p:spPr>
+          <p:style>
+            <a:lnRef idx="2">
+              <a:schemeClr val="accent1">
+                <a:shade val="50000"/>
+              </a:schemeClr>
+            </a:lnRef>
+            <a:fillRef idx="1">
+              <a:schemeClr val="accent1"/>
+            </a:fillRef>
+            <a:effectRef idx="0">
+              <a:schemeClr val="accent1"/>
+            </a:effectRef>
+            <a:fontRef idx="minor">
+              <a:schemeClr val="lt1"/>
+            </a:fontRef>
+          </p:style>
+          <p:txBody>
+            <a:bodyPr rtlCol="0" anchor="ctr"/>
+            <a:lstStyle/>
+            <a:p>
+              <a:pPr algn="ctr"/>
+              <a:endParaRPr lang="en-US"/>
+            </a:p>
+          </p:txBody>
+        </p:sp>
+        <p:sp>
+          <p:nvSpPr>
+            <p:cNvPr id="9" name="TextBox 8">
+              <a:extLst>
+                <a:ext uri="{FF2B5EF4-FFF2-40B4-BE49-F238E27FC236}">
+                  <a16:creationId xmlns:a16="http://schemas.microsoft.com/office/drawing/2014/main" id="{FCFB2EF0-341D-4D47-B5B6-6478C84CA1C6}"/>
+                </a:ext>
+              </a:extLst>
+            </p:cNvPr>
+            <p:cNvSpPr txBox="1"/>
+            <p:nvPr/>
+          </p:nvSpPr>
+          <p:spPr>
+            <a:xfrm>
+              <a:off x="1085222" y="5215100"/>
+              <a:ext cx="7676941" cy="830997"/>
+            </a:xfrm>
+            <a:prstGeom prst="rect">
+              <a:avLst/>
+            </a:prstGeom>
+            <a:noFill/>
+          </p:spPr>
+          <p:txBody>
+            <a:bodyPr wrap="square" rtlCol="0">
+              <a:spAutoFit/>
+            </a:bodyPr>
+            <a:lstStyle/>
+            <a:p>
+              <a:pPr algn="ctr"/>
+              <a:r>
+                <a:rPr lang="en-US" sz="2400" dirty="0"/>
+                <a:t>How has this Colorado’s shifting political landscape effected trends in campaign donations?</a:t>
+              </a:r>
+            </a:p>
+          </p:txBody>
+        </p:sp>
+      </p:grpSp>
     </p:spTree>
     <p:extLst>
       <p:ext uri="{BB962C8B-B14F-4D97-AF65-F5344CB8AC3E}">
@@ -17994,6 +18299,1082 @@
           <p:cNvPr id="2" name="Title 1">
             <a:extLst>
               <a:ext uri="{FF2B5EF4-FFF2-40B4-BE49-F238E27FC236}">
+                <a16:creationId xmlns:a16="http://schemas.microsoft.com/office/drawing/2014/main" id="{103C9612-AA9D-8D4D-B622-86C81C7714F6}"/>
+              </a:ext>
+            </a:extLst>
+          </p:cNvPr>
+          <p:cNvSpPr>
+            <a:spLocks noGrp="1"/>
+          </p:cNvSpPr>
+          <p:nvPr>
+            <p:ph type="title"/>
+          </p:nvPr>
+        </p:nvSpPr>
+        <p:spPr>
+          <a:xfrm>
+            <a:off x="677334" y="330924"/>
+            <a:ext cx="8596668" cy="748553"/>
+          </a:xfrm>
+        </p:spPr>
+        <p:txBody>
+          <a:bodyPr/>
+          <a:lstStyle/>
+          <a:p>
+            <a:r>
+              <a:rPr lang="en-US" dirty="0"/>
+              <a:t>Summary Statistics</a:t>
+            </a:r>
+          </a:p>
+        </p:txBody>
+      </p:sp>
+      <p:graphicFrame>
+        <p:nvGraphicFramePr>
+          <p:cNvPr id="8" name="Table 7">
+            <a:extLst>
+              <a:ext uri="{FF2B5EF4-FFF2-40B4-BE49-F238E27FC236}">
+                <a16:creationId xmlns:a16="http://schemas.microsoft.com/office/drawing/2014/main" id="{52FD5A63-EBDB-D74D-9545-B7279A326090}"/>
+              </a:ext>
+            </a:extLst>
+          </p:cNvPr>
+          <p:cNvGraphicFramePr>
+            <a:graphicFrameLocks noGrp="1"/>
+          </p:cNvGraphicFramePr>
+          <p:nvPr>
+            <p:extLst>
+              <p:ext uri="{D42A27DB-BD31-4B8C-83A1-F6EECF244321}">
+                <p14:modId xmlns:p14="http://schemas.microsoft.com/office/powerpoint/2010/main" val="3080437026"/>
+              </p:ext>
+            </p:extLst>
+          </p:nvPr>
+        </p:nvGraphicFramePr>
+        <p:xfrm>
+          <a:off x="677334" y="2133318"/>
+          <a:ext cx="8355830" cy="2591363"/>
+        </p:xfrm>
+        <a:graphic>
+          <a:graphicData uri="http://schemas.openxmlformats.org/drawingml/2006/table">
+            <a:tbl>
+              <a:tblPr firstRow="1" bandRow="1">
+                <a:tableStyleId>{5C22544A-7EE6-4342-B048-85BDC9FD1C3A}</a:tableStyleId>
+              </a:tblPr>
+              <a:tblGrid>
+                <a:gridCol w="673876">
+                  <a:extLst>
+                    <a:ext uri="{9D8B030D-6E8A-4147-A177-3AD203B41FA5}">
+                      <a16:colId xmlns:a16="http://schemas.microsoft.com/office/drawing/2014/main" val="755655665"/>
+                    </a:ext>
+                  </a:extLst>
+                </a:gridCol>
+                <a:gridCol w="1248159">
+                  <a:extLst>
+                    <a:ext uri="{9D8B030D-6E8A-4147-A177-3AD203B41FA5}">
+                      <a16:colId xmlns:a16="http://schemas.microsoft.com/office/drawing/2014/main" val="569154185"/>
+                    </a:ext>
+                  </a:extLst>
+                </a:gridCol>
+                <a:gridCol w="1439989">
+                  <a:extLst>
+                    <a:ext uri="{9D8B030D-6E8A-4147-A177-3AD203B41FA5}">
+                      <a16:colId xmlns:a16="http://schemas.microsoft.com/office/drawing/2014/main" val="10219815"/>
+                    </a:ext>
+                  </a:extLst>
+                </a:gridCol>
+                <a:gridCol w="1356912">
+                  <a:extLst>
+                    <a:ext uri="{9D8B030D-6E8A-4147-A177-3AD203B41FA5}">
+                      <a16:colId xmlns:a16="http://schemas.microsoft.com/office/drawing/2014/main" val="1653269877"/>
+                    </a:ext>
+                  </a:extLst>
+                </a:gridCol>
+                <a:gridCol w="1190759">
+                  <a:extLst>
+                    <a:ext uri="{9D8B030D-6E8A-4147-A177-3AD203B41FA5}">
+                      <a16:colId xmlns:a16="http://schemas.microsoft.com/office/drawing/2014/main" val="4044902209"/>
+                    </a:ext>
+                  </a:extLst>
+                </a:gridCol>
+                <a:gridCol w="1319990">
+                  <a:extLst>
+                    <a:ext uri="{9D8B030D-6E8A-4147-A177-3AD203B41FA5}">
+                      <a16:colId xmlns:a16="http://schemas.microsoft.com/office/drawing/2014/main" val="3607337556"/>
+                    </a:ext>
+                  </a:extLst>
+                </a:gridCol>
+                <a:gridCol w="1126145">
+                  <a:extLst>
+                    <a:ext uri="{9D8B030D-6E8A-4147-A177-3AD203B41FA5}">
+                      <a16:colId xmlns:a16="http://schemas.microsoft.com/office/drawing/2014/main" val="2322787342"/>
+                    </a:ext>
+                  </a:extLst>
+                </a:gridCol>
+              </a:tblGrid>
+              <a:tr h="441733">
+                <a:tc>
+                  <a:txBody>
+                    <a:bodyPr/>
+                    <a:lstStyle/>
+                    <a:p>
+                      <a:endParaRPr lang="en-US" sz="1200" dirty="0"/>
+                    </a:p>
+                  </a:txBody>
+                  <a:tcPr/>
+                </a:tc>
+                <a:tc>
+                  <a:txBody>
+                    <a:bodyPr/>
+                    <a:lstStyle/>
+                    <a:p>
+                      <a:r>
+                        <a:rPr lang="en-US" sz="1200" dirty="0"/>
+                        <a:t>Total Donors</a:t>
+                      </a:r>
+                    </a:p>
+                  </a:txBody>
+                  <a:tcPr/>
+                </a:tc>
+                <a:tc>
+                  <a:txBody>
+                    <a:bodyPr/>
+                    <a:lstStyle/>
+                    <a:p>
+                      <a:r>
+                        <a:rPr lang="en-US" sz="1200" dirty="0"/>
+                        <a:t>Total Amount</a:t>
+                      </a:r>
+                    </a:p>
+                  </a:txBody>
+                  <a:tcPr/>
+                </a:tc>
+                <a:tc>
+                  <a:txBody>
+                    <a:bodyPr/>
+                    <a:lstStyle/>
+                    <a:p>
+                      <a:r>
+                        <a:rPr lang="en-US" sz="1200" dirty="0"/>
+                        <a:t>Max</a:t>
+                      </a:r>
+                    </a:p>
+                  </a:txBody>
+                  <a:tcPr/>
+                </a:tc>
+                <a:tc>
+                  <a:txBody>
+                    <a:bodyPr/>
+                    <a:lstStyle/>
+                    <a:p>
+                      <a:r>
+                        <a:rPr lang="en-US" sz="1200" dirty="0"/>
+                        <a:t>Min </a:t>
+                      </a:r>
+                    </a:p>
+                  </a:txBody>
+                  <a:tcPr/>
+                </a:tc>
+                <a:tc>
+                  <a:txBody>
+                    <a:bodyPr/>
+                    <a:lstStyle/>
+                    <a:p>
+                      <a:r>
+                        <a:rPr lang="en-US" sz="1200" dirty="0"/>
+                        <a:t>Median</a:t>
+                      </a:r>
+                    </a:p>
+                  </a:txBody>
+                  <a:tcPr/>
+                </a:tc>
+                <a:tc>
+                  <a:txBody>
+                    <a:bodyPr/>
+                    <a:lstStyle/>
+                    <a:p>
+                      <a:r>
+                        <a:rPr lang="en-US" sz="1200" dirty="0"/>
+                        <a:t>Mean</a:t>
+                      </a:r>
+                    </a:p>
+                  </a:txBody>
+                  <a:tcPr/>
+                </a:tc>
+                <a:extLst>
+                  <a:ext uri="{0D108BD9-81ED-4DB2-BD59-A6C34878D82A}">
+                    <a16:rowId xmlns:a16="http://schemas.microsoft.com/office/drawing/2014/main" val="1823016952"/>
+                  </a:ext>
+                </a:extLst>
+              </a:tr>
+              <a:tr h="307090">
+                <a:tc>
+                  <a:txBody>
+                    <a:bodyPr/>
+                    <a:lstStyle/>
+                    <a:p>
+                      <a:r>
+                        <a:rPr lang="en-US" sz="1200" dirty="0"/>
+                        <a:t>1992</a:t>
+                      </a:r>
+                    </a:p>
+                  </a:txBody>
+                  <a:tcPr/>
+                </a:tc>
+                <a:tc>
+                  <a:txBody>
+                    <a:bodyPr/>
+                    <a:lstStyle/>
+                    <a:p>
+                      <a:r>
+                        <a:rPr lang="en-US" sz="1200" dirty="0"/>
+                        <a:t>10,898</a:t>
+                      </a:r>
+                    </a:p>
+                  </a:txBody>
+                  <a:tcPr/>
+                </a:tc>
+                <a:tc>
+                  <a:txBody>
+                    <a:bodyPr/>
+                    <a:lstStyle/>
+                    <a:p>
+                      <a:r>
+                        <a:rPr lang="en-US" sz="1200" dirty="0"/>
+                        <a:t>$7,113,570</a:t>
+                      </a:r>
+                    </a:p>
+                  </a:txBody>
+                  <a:tcPr/>
+                </a:tc>
+                <a:tc>
+                  <a:txBody>
+                    <a:bodyPr/>
+                    <a:lstStyle/>
+                    <a:p>
+                      <a:r>
+                        <a:rPr lang="en-US" sz="1200" dirty="0"/>
+                        <a:t>$10,000</a:t>
+                      </a:r>
+                    </a:p>
+                  </a:txBody>
+                  <a:tcPr/>
+                </a:tc>
+                <a:tc>
+                  <a:txBody>
+                    <a:bodyPr/>
+                    <a:lstStyle/>
+                    <a:p>
+                      <a:r>
+                        <a:rPr lang="en-US" sz="1200" dirty="0"/>
+                        <a:t>$200</a:t>
+                      </a:r>
+                    </a:p>
+                  </a:txBody>
+                  <a:tcPr/>
+                </a:tc>
+                <a:tc>
+                  <a:txBody>
+                    <a:bodyPr/>
+                    <a:lstStyle/>
+                    <a:p>
+                      <a:r>
+                        <a:rPr lang="en-US" sz="1200" dirty="0"/>
+                        <a:t>$325</a:t>
+                      </a:r>
+                    </a:p>
+                  </a:txBody>
+                  <a:tcPr/>
+                </a:tc>
+                <a:tc>
+                  <a:txBody>
+                    <a:bodyPr/>
+                    <a:lstStyle/>
+                    <a:p>
+                      <a:r>
+                        <a:rPr lang="en-US" sz="1200" dirty="0"/>
+                        <a:t>$652.75</a:t>
+                      </a:r>
+                    </a:p>
+                  </a:txBody>
+                  <a:tcPr/>
+                </a:tc>
+                <a:extLst>
+                  <a:ext uri="{0D108BD9-81ED-4DB2-BD59-A6C34878D82A}">
+                    <a16:rowId xmlns:a16="http://schemas.microsoft.com/office/drawing/2014/main" val="2083922846"/>
+                  </a:ext>
+                </a:extLst>
+              </a:tr>
+              <a:tr h="307090">
+                <a:tc>
+                  <a:txBody>
+                    <a:bodyPr/>
+                    <a:lstStyle/>
+                    <a:p>
+                      <a:r>
+                        <a:rPr lang="en-US" sz="1200" dirty="0"/>
+                        <a:t>1996</a:t>
+                      </a:r>
+                    </a:p>
+                  </a:txBody>
+                  <a:tcPr/>
+                </a:tc>
+                <a:tc>
+                  <a:txBody>
+                    <a:bodyPr/>
+                    <a:lstStyle/>
+                    <a:p>
+                      <a:r>
+                        <a:rPr lang="en-US" sz="1200" dirty="0"/>
+                        <a:t>18,728</a:t>
+                      </a:r>
+                    </a:p>
+                  </a:txBody>
+                  <a:tcPr/>
+                </a:tc>
+                <a:tc>
+                  <a:txBody>
+                    <a:bodyPr/>
+                    <a:lstStyle/>
+                    <a:p>
+                      <a:r>
+                        <a:rPr lang="en-US" sz="1200" dirty="0"/>
+                        <a:t>$13,774,660</a:t>
+                      </a:r>
+                    </a:p>
+                  </a:txBody>
+                  <a:tcPr/>
+                </a:tc>
+                <a:tc>
+                  <a:txBody>
+                    <a:bodyPr/>
+                    <a:lstStyle/>
+                    <a:p>
+                      <a:r>
+                        <a:rPr lang="en-US" sz="1200" dirty="0"/>
+                        <a:t>$5,000</a:t>
+                      </a:r>
+                    </a:p>
+                  </a:txBody>
+                  <a:tcPr/>
+                </a:tc>
+                <a:tc>
+                  <a:txBody>
+                    <a:bodyPr/>
+                    <a:lstStyle/>
+                    <a:p>
+                      <a:r>
+                        <a:rPr lang="en-US" sz="1200" dirty="0"/>
+                        <a:t>$100</a:t>
+                      </a:r>
+                    </a:p>
+                  </a:txBody>
+                  <a:tcPr/>
+                </a:tc>
+                <a:tc>
+                  <a:txBody>
+                    <a:bodyPr/>
+                    <a:lstStyle/>
+                    <a:p>
+                      <a:r>
+                        <a:rPr lang="en-US" sz="1200" dirty="0"/>
+                        <a:t>$400</a:t>
+                      </a:r>
+                    </a:p>
+                  </a:txBody>
+                  <a:tcPr/>
+                </a:tc>
+                <a:tc>
+                  <a:txBody>
+                    <a:bodyPr/>
+                    <a:lstStyle/>
+                    <a:p>
+                      <a:r>
+                        <a:rPr lang="en-US" sz="1200" dirty="0"/>
+                        <a:t>$735.51</a:t>
+                      </a:r>
+                    </a:p>
+                  </a:txBody>
+                  <a:tcPr/>
+                </a:tc>
+                <a:extLst>
+                  <a:ext uri="{0D108BD9-81ED-4DB2-BD59-A6C34878D82A}">
+                    <a16:rowId xmlns:a16="http://schemas.microsoft.com/office/drawing/2014/main" val="4195007101"/>
+                  </a:ext>
+                </a:extLst>
+              </a:tr>
+              <a:tr h="307090">
+                <a:tc>
+                  <a:txBody>
+                    <a:bodyPr/>
+                    <a:lstStyle/>
+                    <a:p>
+                      <a:r>
+                        <a:rPr lang="en-US" sz="1200" dirty="0"/>
+                        <a:t>2000</a:t>
+                      </a:r>
+                    </a:p>
+                  </a:txBody>
+                  <a:tcPr/>
+                </a:tc>
+                <a:tc>
+                  <a:txBody>
+                    <a:bodyPr/>
+                    <a:lstStyle/>
+                    <a:p>
+                      <a:r>
+                        <a:rPr lang="en-US" sz="1200" dirty="0"/>
+                        <a:t>22,284</a:t>
+                      </a:r>
+                    </a:p>
+                  </a:txBody>
+                  <a:tcPr/>
+                </a:tc>
+                <a:tc>
+                  <a:txBody>
+                    <a:bodyPr/>
+                    <a:lstStyle/>
+                    <a:p>
+                      <a:r>
+                        <a:rPr lang="en-US" sz="1200" dirty="0"/>
+                        <a:t>$21,976,086</a:t>
+                      </a:r>
+                    </a:p>
+                  </a:txBody>
+                  <a:tcPr/>
+                </a:tc>
+                <a:tc>
+                  <a:txBody>
+                    <a:bodyPr/>
+                    <a:lstStyle/>
+                    <a:p>
+                      <a:r>
+                        <a:rPr lang="en-US" sz="1200" dirty="0"/>
+                        <a:t>$3,000</a:t>
+                      </a:r>
+                    </a:p>
+                  </a:txBody>
+                  <a:tcPr/>
+                </a:tc>
+                <a:tc>
+                  <a:txBody>
+                    <a:bodyPr/>
+                    <a:lstStyle/>
+                    <a:p>
+                      <a:r>
+                        <a:rPr lang="en-US" sz="1200" dirty="0"/>
+                        <a:t>$9</a:t>
+                      </a:r>
+                    </a:p>
+                  </a:txBody>
+                  <a:tcPr/>
+                </a:tc>
+                <a:tc>
+                  <a:txBody>
+                    <a:bodyPr/>
+                    <a:lstStyle/>
+                    <a:p>
+                      <a:r>
+                        <a:rPr lang="en-US" sz="1200" dirty="0"/>
+                        <a:t>$500</a:t>
+                      </a:r>
+                    </a:p>
+                  </a:txBody>
+                  <a:tcPr/>
+                </a:tc>
+                <a:tc>
+                  <a:txBody>
+                    <a:bodyPr/>
+                    <a:lstStyle/>
+                    <a:p>
+                      <a:r>
+                        <a:rPr lang="en-US" sz="1200" dirty="0"/>
+                        <a:t>$986.18</a:t>
+                      </a:r>
+                    </a:p>
+                  </a:txBody>
+                  <a:tcPr/>
+                </a:tc>
+                <a:extLst>
+                  <a:ext uri="{0D108BD9-81ED-4DB2-BD59-A6C34878D82A}">
+                    <a16:rowId xmlns:a16="http://schemas.microsoft.com/office/drawing/2014/main" val="340985578"/>
+                  </a:ext>
+                </a:extLst>
+              </a:tr>
+              <a:tr h="307090">
+                <a:tc>
+                  <a:txBody>
+                    <a:bodyPr/>
+                    <a:lstStyle/>
+                    <a:p>
+                      <a:r>
+                        <a:rPr lang="en-US" sz="1200" dirty="0"/>
+                        <a:t>2004</a:t>
+                      </a:r>
+                    </a:p>
+                  </a:txBody>
+                  <a:tcPr/>
+                </a:tc>
+                <a:tc>
+                  <a:txBody>
+                    <a:bodyPr/>
+                    <a:lstStyle/>
+                    <a:p>
+                      <a:r>
+                        <a:rPr lang="en-US" sz="1200" dirty="0"/>
+                        <a:t>49,145</a:t>
+                      </a:r>
+                    </a:p>
+                  </a:txBody>
+                  <a:tcPr/>
+                </a:tc>
+                <a:tc>
+                  <a:txBody>
+                    <a:bodyPr/>
+                    <a:lstStyle/>
+                    <a:p>
+                      <a:r>
+                        <a:rPr lang="en-US" sz="1200" dirty="0"/>
+                        <a:t>$39,929,759</a:t>
+                      </a:r>
+                    </a:p>
+                  </a:txBody>
+                  <a:tcPr/>
+                </a:tc>
+                <a:tc>
+                  <a:txBody>
+                    <a:bodyPr/>
+                    <a:lstStyle/>
+                    <a:p>
+                      <a:r>
+                        <a:rPr lang="en-US" sz="1200" dirty="0"/>
+                        <a:t>$150,000</a:t>
+                      </a:r>
+                    </a:p>
+                  </a:txBody>
+                  <a:tcPr/>
+                </a:tc>
+                <a:tc>
+                  <a:txBody>
+                    <a:bodyPr/>
+                    <a:lstStyle/>
+                    <a:p>
+                      <a:r>
+                        <a:rPr lang="en-US" sz="1200" dirty="0"/>
+                        <a:t>$2</a:t>
+                      </a:r>
+                    </a:p>
+                  </a:txBody>
+                  <a:tcPr/>
+                </a:tc>
+                <a:tc>
+                  <a:txBody>
+                    <a:bodyPr/>
+                    <a:lstStyle/>
+                    <a:p>
+                      <a:r>
+                        <a:rPr lang="en-US" sz="1200" dirty="0"/>
+                        <a:t>$500</a:t>
+                      </a:r>
+                    </a:p>
+                  </a:txBody>
+                  <a:tcPr/>
+                </a:tc>
+                <a:tc>
+                  <a:txBody>
+                    <a:bodyPr/>
+                    <a:lstStyle/>
+                    <a:p>
+                      <a:r>
+                        <a:rPr lang="en-US" sz="1200" dirty="0"/>
+                        <a:t>$812.49</a:t>
+                      </a:r>
+                    </a:p>
+                  </a:txBody>
+                  <a:tcPr/>
+                </a:tc>
+                <a:extLst>
+                  <a:ext uri="{0D108BD9-81ED-4DB2-BD59-A6C34878D82A}">
+                    <a16:rowId xmlns:a16="http://schemas.microsoft.com/office/drawing/2014/main" val="799082826"/>
+                  </a:ext>
+                </a:extLst>
+              </a:tr>
+              <a:tr h="307090">
+                <a:tc>
+                  <a:txBody>
+                    <a:bodyPr/>
+                    <a:lstStyle/>
+                    <a:p>
+                      <a:r>
+                        <a:rPr lang="en-US" sz="1200" dirty="0"/>
+                        <a:t>2008</a:t>
+                      </a:r>
+                    </a:p>
+                  </a:txBody>
+                  <a:tcPr/>
+                </a:tc>
+                <a:tc>
+                  <a:txBody>
+                    <a:bodyPr/>
+                    <a:lstStyle/>
+                    <a:p>
+                      <a:r>
+                        <a:rPr lang="en-US" sz="1200" dirty="0"/>
+                        <a:t>79,315</a:t>
+                      </a:r>
+                    </a:p>
+                  </a:txBody>
+                  <a:tcPr/>
+                </a:tc>
+                <a:tc>
+                  <a:txBody>
+                    <a:bodyPr/>
+                    <a:lstStyle/>
+                    <a:p>
+                      <a:r>
+                        <a:rPr lang="en-US" sz="1200" dirty="0"/>
+                        <a:t>$72,180,357</a:t>
+                      </a:r>
+                    </a:p>
+                  </a:txBody>
+                  <a:tcPr/>
+                </a:tc>
+                <a:tc>
+                  <a:txBody>
+                    <a:bodyPr/>
+                    <a:lstStyle/>
+                    <a:p>
+                      <a:r>
+                        <a:rPr lang="en-US" sz="1200" dirty="0"/>
+                        <a:t>$2,000,000</a:t>
+                      </a:r>
+                    </a:p>
+                  </a:txBody>
+                  <a:tcPr/>
+                </a:tc>
+                <a:tc>
+                  <a:txBody>
+                    <a:bodyPr/>
+                    <a:lstStyle/>
+                    <a:p>
+                      <a:r>
+                        <a:rPr lang="en-US" sz="1200" dirty="0"/>
+                        <a:t>$1</a:t>
+                      </a:r>
+                    </a:p>
+                  </a:txBody>
+                  <a:tcPr/>
+                </a:tc>
+                <a:tc>
+                  <a:txBody>
+                    <a:bodyPr/>
+                    <a:lstStyle/>
+                    <a:p>
+                      <a:r>
+                        <a:rPr lang="en-US" sz="1200" dirty="0"/>
+                        <a:t>$400</a:t>
+                      </a:r>
+                    </a:p>
+                  </a:txBody>
+                  <a:tcPr/>
+                </a:tc>
+                <a:tc>
+                  <a:txBody>
+                    <a:bodyPr/>
+                    <a:lstStyle/>
+                    <a:p>
+                      <a:r>
+                        <a:rPr lang="en-US" sz="1200" dirty="0"/>
+                        <a:t>$910.05</a:t>
+                      </a:r>
+                    </a:p>
+                  </a:txBody>
+                  <a:tcPr/>
+                </a:tc>
+                <a:extLst>
+                  <a:ext uri="{0D108BD9-81ED-4DB2-BD59-A6C34878D82A}">
+                    <a16:rowId xmlns:a16="http://schemas.microsoft.com/office/drawing/2014/main" val="412277751"/>
+                  </a:ext>
+                </a:extLst>
+              </a:tr>
+              <a:tr h="307090">
+                <a:tc>
+                  <a:txBody>
+                    <a:bodyPr/>
+                    <a:lstStyle/>
+                    <a:p>
+                      <a:r>
+                        <a:rPr lang="en-US" sz="1200" dirty="0"/>
+                        <a:t>2012</a:t>
+                      </a:r>
+                    </a:p>
+                  </a:txBody>
+                  <a:tcPr/>
+                </a:tc>
+                <a:tc>
+                  <a:txBody>
+                    <a:bodyPr/>
+                    <a:lstStyle/>
+                    <a:p>
+                      <a:r>
+                        <a:rPr lang="en-US" sz="1200" dirty="0"/>
+                        <a:t>80,692</a:t>
+                      </a:r>
+                    </a:p>
+                  </a:txBody>
+                  <a:tcPr/>
+                </a:tc>
+                <a:tc>
+                  <a:txBody>
+                    <a:bodyPr/>
+                    <a:lstStyle/>
+                    <a:p>
+                      <a:r>
+                        <a:rPr lang="en-US" sz="1200" dirty="0"/>
+                        <a:t>$82,503,809</a:t>
+                      </a:r>
+                    </a:p>
+                  </a:txBody>
+                  <a:tcPr/>
+                </a:tc>
+                <a:tc>
+                  <a:txBody>
+                    <a:bodyPr/>
+                    <a:lstStyle/>
+                    <a:p>
+                      <a:r>
+                        <a:rPr lang="en-US" sz="1200" dirty="0"/>
+                        <a:t>$1,000,000</a:t>
+                      </a:r>
+                    </a:p>
+                  </a:txBody>
+                  <a:tcPr/>
+                </a:tc>
+                <a:tc>
+                  <a:txBody>
+                    <a:bodyPr/>
+                    <a:lstStyle/>
+                    <a:p>
+                      <a:r>
+                        <a:rPr lang="en-US" sz="1200" dirty="0"/>
+                        <a:t>$1</a:t>
+                      </a:r>
+                    </a:p>
+                  </a:txBody>
+                  <a:tcPr/>
+                </a:tc>
+                <a:tc>
+                  <a:txBody>
+                    <a:bodyPr/>
+                    <a:lstStyle/>
+                    <a:p>
+                      <a:r>
+                        <a:rPr lang="en-US" sz="1200" dirty="0"/>
+                        <a:t>$320</a:t>
+                      </a:r>
+                    </a:p>
+                  </a:txBody>
+                  <a:tcPr/>
+                </a:tc>
+                <a:tc>
+                  <a:txBody>
+                    <a:bodyPr/>
+                    <a:lstStyle/>
+                    <a:p>
+                      <a:r>
+                        <a:rPr lang="en-US" sz="1200" dirty="0"/>
+                        <a:t>$1022.45</a:t>
+                      </a:r>
+                    </a:p>
+                  </a:txBody>
+                  <a:tcPr/>
+                </a:tc>
+                <a:extLst>
+                  <a:ext uri="{0D108BD9-81ED-4DB2-BD59-A6C34878D82A}">
+                    <a16:rowId xmlns:a16="http://schemas.microsoft.com/office/drawing/2014/main" val="2742129964"/>
+                  </a:ext>
+                </a:extLst>
+              </a:tr>
+              <a:tr h="307090">
+                <a:tc>
+                  <a:txBody>
+                    <a:bodyPr/>
+                    <a:lstStyle/>
+                    <a:p>
+                      <a:r>
+                        <a:rPr lang="en-US" sz="1200" dirty="0"/>
+                        <a:t>2016</a:t>
+                      </a:r>
+                    </a:p>
+                  </a:txBody>
+                  <a:tcPr/>
+                </a:tc>
+                <a:tc>
+                  <a:txBody>
+                    <a:bodyPr/>
+                    <a:lstStyle/>
+                    <a:p>
+                      <a:r>
+                        <a:rPr lang="en-US" sz="1200" dirty="0"/>
+                        <a:t>500,376</a:t>
+                      </a:r>
+                    </a:p>
+                  </a:txBody>
+                  <a:tcPr/>
+                </a:tc>
+                <a:tc>
+                  <a:txBody>
+                    <a:bodyPr/>
+                    <a:lstStyle/>
+                    <a:p>
+                      <a:r>
+                        <a:rPr lang="en-US" sz="1200" dirty="0"/>
+                        <a:t>$108,923,999</a:t>
+                      </a:r>
+                    </a:p>
+                  </a:txBody>
+                  <a:tcPr/>
+                </a:tc>
+                <a:tc>
+                  <a:txBody>
+                    <a:bodyPr/>
+                    <a:lstStyle/>
+                    <a:p>
+                      <a:r>
+                        <a:rPr lang="en-US" sz="1200" dirty="0"/>
+                        <a:t>$1,000,000</a:t>
+                      </a:r>
+                    </a:p>
+                  </a:txBody>
+                  <a:tcPr/>
+                </a:tc>
+                <a:tc>
+                  <a:txBody>
+                    <a:bodyPr/>
+                    <a:lstStyle/>
+                    <a:p>
+                      <a:r>
+                        <a:rPr lang="en-US" sz="1200" dirty="0"/>
+                        <a:t>$1</a:t>
+                      </a:r>
+                    </a:p>
+                  </a:txBody>
+                  <a:tcPr/>
+                </a:tc>
+                <a:tc>
+                  <a:txBody>
+                    <a:bodyPr/>
+                    <a:lstStyle/>
+                    <a:p>
+                      <a:r>
+                        <a:rPr lang="en-US" sz="1200" dirty="0"/>
+                        <a:t>$35</a:t>
+                      </a:r>
+                    </a:p>
+                  </a:txBody>
+                  <a:tcPr/>
+                </a:tc>
+                <a:tc>
+                  <a:txBody>
+                    <a:bodyPr/>
+                    <a:lstStyle/>
+                    <a:p>
+                      <a:r>
+                        <a:rPr lang="en-US" sz="1200" dirty="0"/>
+                        <a:t>$217.68</a:t>
+                      </a:r>
+                    </a:p>
+                  </a:txBody>
+                  <a:tcPr/>
+                </a:tc>
+                <a:extLst>
+                  <a:ext uri="{0D108BD9-81ED-4DB2-BD59-A6C34878D82A}">
+                    <a16:rowId xmlns:a16="http://schemas.microsoft.com/office/drawing/2014/main" val="2133921564"/>
+                  </a:ext>
+                </a:extLst>
+              </a:tr>
+            </a:tbl>
+          </a:graphicData>
+        </a:graphic>
+      </p:graphicFrame>
+    </p:spTree>
+    <p:extLst>
+      <p:ext uri="{BB962C8B-B14F-4D97-AF65-F5344CB8AC3E}">
+        <p14:creationId xmlns:p14="http://schemas.microsoft.com/office/powerpoint/2010/main" val="1089015559"/>
+      </p:ext>
+    </p:extLst>
+  </p:cSld>
+  <p:clrMapOvr>
+    <a:masterClrMapping/>
+  </p:clrMapOvr>
+</p:sld>
+</file>
+
+<file path=ppt/slides/slide7.xml><?xml version="1.0" encoding="utf-8"?>
+<p:sld xmlns:a="http://schemas.openxmlformats.org/drawingml/2006/main" xmlns:r="http://schemas.openxmlformats.org/officeDocument/2006/relationships" xmlns:p="http://schemas.openxmlformats.org/presentationml/2006/main">
+  <p:cSld>
+    <p:spTree>
+      <p:nvGrpSpPr>
+        <p:cNvPr id="1" name=""/>
+        <p:cNvGrpSpPr/>
+        <p:nvPr/>
+      </p:nvGrpSpPr>
+      <p:grpSpPr>
+        <a:xfrm>
+          <a:off x="0" y="0"/>
+          <a:ext cx="0" cy="0"/>
+          <a:chOff x="0" y="0"/>
+          <a:chExt cx="0" cy="0"/>
+        </a:xfrm>
+      </p:grpSpPr>
+      <p:sp>
+        <p:nvSpPr>
+          <p:cNvPr id="2" name="Title 1">
+            <a:extLst>
+              <a:ext uri="{FF2B5EF4-FFF2-40B4-BE49-F238E27FC236}">
+                <a16:creationId xmlns:a16="http://schemas.microsoft.com/office/drawing/2014/main" id="{92378798-8F45-8242-9147-3A5DAA7B9E2F}"/>
+              </a:ext>
+            </a:extLst>
+          </p:cNvPr>
+          <p:cNvSpPr>
+            <a:spLocks noGrp="1"/>
+          </p:cNvSpPr>
+          <p:nvPr>
+            <p:ph type="title"/>
+          </p:nvPr>
+        </p:nvSpPr>
+        <p:spPr/>
+        <p:txBody>
+          <a:bodyPr/>
+          <a:lstStyle/>
+          <a:p>
+            <a:r>
+              <a:rPr lang="en-US" dirty="0"/>
+              <a:t>Summary Visualizations</a:t>
+            </a:r>
+          </a:p>
+        </p:txBody>
+      </p:sp>
+      <p:pic>
+        <p:nvPicPr>
+          <p:cNvPr id="5" name="Content Placeholder 4" descr="A screenshot of a cell phone&#10;&#10;Description automatically generated">
+            <a:extLst>
+              <a:ext uri="{FF2B5EF4-FFF2-40B4-BE49-F238E27FC236}">
+                <a16:creationId xmlns:a16="http://schemas.microsoft.com/office/drawing/2014/main" id="{35CEFD97-8DF1-DA47-9076-9D61A15076B9}"/>
+              </a:ext>
+            </a:extLst>
+          </p:cNvPr>
+          <p:cNvPicPr>
+            <a:picLocks noGrp="1" noChangeAspect="1"/>
+          </p:cNvPicPr>
+          <p:nvPr>
+            <p:ph idx="1"/>
+          </p:nvPr>
+        </p:nvPicPr>
+        <p:blipFill>
+          <a:blip r:embed="rId2"/>
+          <a:stretch>
+            <a:fillRect/>
+          </a:stretch>
+        </p:blipFill>
+        <p:spPr>
+          <a:xfrm>
+            <a:off x="555956" y="1460665"/>
+            <a:ext cx="3130977" cy="2593624"/>
+          </a:xfrm>
+        </p:spPr>
+      </p:pic>
+      <p:pic>
+        <p:nvPicPr>
+          <p:cNvPr id="7" name="Picture 6" descr="A screenshot of a cell phone&#10;&#10;Description automatically generated">
+            <a:extLst>
+              <a:ext uri="{FF2B5EF4-FFF2-40B4-BE49-F238E27FC236}">
+                <a16:creationId xmlns:a16="http://schemas.microsoft.com/office/drawing/2014/main" id="{B2B79D21-24D2-E548-B240-D8189EAE36E3}"/>
+              </a:ext>
+            </a:extLst>
+          </p:cNvPr>
+          <p:cNvPicPr>
+            <a:picLocks noChangeAspect="1"/>
+          </p:cNvPicPr>
+          <p:nvPr/>
+        </p:nvPicPr>
+        <p:blipFill>
+          <a:blip r:embed="rId3"/>
+          <a:stretch>
+            <a:fillRect/>
+          </a:stretch>
+        </p:blipFill>
+        <p:spPr>
+          <a:xfrm>
+            <a:off x="679349" y="4054289"/>
+            <a:ext cx="2884189" cy="2452588"/>
+          </a:xfrm>
+          <a:prstGeom prst="rect">
+            <a:avLst/>
+          </a:prstGeom>
+        </p:spPr>
+      </p:pic>
+      <p:pic>
+        <p:nvPicPr>
+          <p:cNvPr id="10" name="Picture 9" descr="A close up of a map&#10;&#10;Description automatically generated">
+            <a:extLst>
+              <a:ext uri="{FF2B5EF4-FFF2-40B4-BE49-F238E27FC236}">
+                <a16:creationId xmlns:a16="http://schemas.microsoft.com/office/drawing/2014/main" id="{68842E2E-43B6-A545-88A2-08999AB7EE19}"/>
+              </a:ext>
+            </a:extLst>
+          </p:cNvPr>
+          <p:cNvPicPr>
+            <a:picLocks noChangeAspect="1"/>
+          </p:cNvPicPr>
+          <p:nvPr/>
+        </p:nvPicPr>
+        <p:blipFill>
+          <a:blip r:embed="rId4"/>
+          <a:stretch>
+            <a:fillRect/>
+          </a:stretch>
+        </p:blipFill>
+        <p:spPr>
+          <a:xfrm>
+            <a:off x="3940467" y="1460665"/>
+            <a:ext cx="5080000" cy="4699000"/>
+          </a:xfrm>
+          <a:prstGeom prst="rect">
+            <a:avLst/>
+          </a:prstGeom>
+        </p:spPr>
+      </p:pic>
+    </p:spTree>
+    <p:extLst>
+      <p:ext uri="{BB962C8B-B14F-4D97-AF65-F5344CB8AC3E}">
+        <p14:creationId xmlns:p14="http://schemas.microsoft.com/office/powerpoint/2010/main" val="3812818127"/>
+      </p:ext>
+    </p:extLst>
+  </p:cSld>
+  <p:clrMapOvr>
+    <a:masterClrMapping/>
+  </p:clrMapOvr>
+</p:sld>
+</file>
+
+<file path=ppt/slides/slide8.xml><?xml version="1.0" encoding="utf-8"?>
+<p:sld xmlns:a="http://schemas.openxmlformats.org/drawingml/2006/main" xmlns:r="http://schemas.openxmlformats.org/officeDocument/2006/relationships" xmlns:p="http://schemas.openxmlformats.org/presentationml/2006/main">
+  <p:cSld>
+    <p:spTree>
+      <p:nvGrpSpPr>
+        <p:cNvPr id="1" name=""/>
+        <p:cNvGrpSpPr/>
+        <p:nvPr/>
+      </p:nvGrpSpPr>
+      <p:grpSpPr>
+        <a:xfrm>
+          <a:off x="0" y="0"/>
+          <a:ext cx="0" cy="0"/>
+          <a:chOff x="0" y="0"/>
+          <a:chExt cx="0" cy="0"/>
+        </a:xfrm>
+      </p:grpSpPr>
+      <p:sp>
+        <p:nvSpPr>
+          <p:cNvPr id="2" name="Title 1">
+            <a:extLst>
+              <a:ext uri="{FF2B5EF4-FFF2-40B4-BE49-F238E27FC236}">
                 <a16:creationId xmlns:a16="http://schemas.microsoft.com/office/drawing/2014/main" id="{92378798-8F45-8242-9147-3A5DAA7B9E2F}"/>
               </a:ext>
             </a:extLst>
@@ -18007,7 +19388,7 @@
         </p:nvSpPr>
         <p:spPr>
           <a:xfrm>
-            <a:off x="363416" y="211017"/>
+            <a:off x="363416" y="238449"/>
             <a:ext cx="8124092" cy="1144228"/>
           </a:xfrm>
         </p:spPr>
@@ -18048,8 +19429,8 @@
         </p:blipFill>
         <p:spPr>
           <a:xfrm>
-            <a:off x="0" y="1112344"/>
-            <a:ext cx="12192000" cy="5745656"/>
+            <a:off x="655837" y="1144228"/>
+            <a:ext cx="10189464" cy="4801932"/>
           </a:xfrm>
         </p:spPr>
       </p:pic>
@@ -18257,2021 +19638,214 @@
           </p:pic>
         </mc:Fallback>
       </mc:AlternateContent>
+      <mc:AlternateContent xmlns:mc="http://schemas.openxmlformats.org/markup-compatibility/2006">
+        <mc:Choice xmlns:p14="http://schemas.microsoft.com/office/powerpoint/2010/main" Requires="p14">
+          <p:contentPart p14:bwMode="auto" r:id="rId11">
+            <p14:nvContentPartPr>
+              <p14:cNvPr id="3" name="Ink 2">
+                <a:extLst>
+                  <a:ext uri="{FF2B5EF4-FFF2-40B4-BE49-F238E27FC236}">
+                    <a16:creationId xmlns:a16="http://schemas.microsoft.com/office/drawing/2014/main" id="{7BD54E91-31BF-7646-8CB4-4EA2AECD3E73}"/>
+                  </a:ext>
+                </a:extLst>
+              </p14:cNvPr>
+              <p14:cNvContentPartPr/>
+              <p14:nvPr/>
+            </p14:nvContentPartPr>
+            <p14:xfrm>
+              <a:off x="1221624" y="1151280"/>
+              <a:ext cx="111240" cy="360"/>
+            </p14:xfrm>
+          </p:contentPart>
+        </mc:Choice>
+        <mc:Fallback>
+          <p:pic>
+            <p:nvPicPr>
+              <p:cNvPr id="3" name="Ink 2">
+                <a:extLst>
+                  <a:ext uri="{FF2B5EF4-FFF2-40B4-BE49-F238E27FC236}">
+                    <a16:creationId xmlns:a16="http://schemas.microsoft.com/office/drawing/2014/main" id="{7BD54E91-31BF-7646-8CB4-4EA2AECD3E73}"/>
+                  </a:ext>
+                </a:extLst>
+              </p:cNvPr>
+              <p:cNvPicPr/>
+              <p:nvPr/>
+            </p:nvPicPr>
+            <p:blipFill>
+              <a:blip r:embed="rId12"/>
+              <a:stretch>
+                <a:fillRect/>
+              </a:stretch>
+            </p:blipFill>
+            <p:spPr>
+              <a:xfrm>
+                <a:off x="1212624" y="1142640"/>
+                <a:ext cx="128880" cy="18000"/>
+              </a:xfrm>
+              <a:prstGeom prst="rect">
+                <a:avLst/>
+              </a:prstGeom>
+            </p:spPr>
+          </p:pic>
+        </mc:Fallback>
+      </mc:AlternateContent>
+      <mc:AlternateContent xmlns:mc="http://schemas.openxmlformats.org/markup-compatibility/2006">
+        <mc:Choice xmlns:p14="http://schemas.microsoft.com/office/powerpoint/2010/main" Requires="p14">
+          <p:contentPart p14:bwMode="auto" r:id="rId13">
+            <p14:nvContentPartPr>
+              <p14:cNvPr id="8" name="Ink 7">
+                <a:extLst>
+                  <a:ext uri="{FF2B5EF4-FFF2-40B4-BE49-F238E27FC236}">
+                    <a16:creationId xmlns:a16="http://schemas.microsoft.com/office/drawing/2014/main" id="{7F179BA2-A9B9-584C-A08E-D87A2D64D387}"/>
+                  </a:ext>
+                </a:extLst>
+              </p14:cNvPr>
+              <p14:cNvContentPartPr/>
+              <p14:nvPr/>
+            </p14:nvContentPartPr>
+            <p14:xfrm>
+              <a:off x="2434464" y="1143720"/>
+              <a:ext cx="213480" cy="39960"/>
+            </p14:xfrm>
+          </p:contentPart>
+        </mc:Choice>
+        <mc:Fallback>
+          <p:pic>
+            <p:nvPicPr>
+              <p:cNvPr id="8" name="Ink 7">
+                <a:extLst>
+                  <a:ext uri="{FF2B5EF4-FFF2-40B4-BE49-F238E27FC236}">
+                    <a16:creationId xmlns:a16="http://schemas.microsoft.com/office/drawing/2014/main" id="{7F179BA2-A9B9-584C-A08E-D87A2D64D387}"/>
+                  </a:ext>
+                </a:extLst>
+              </p:cNvPr>
+              <p:cNvPicPr/>
+              <p:nvPr/>
+            </p:nvPicPr>
+            <p:blipFill>
+              <a:blip r:embed="rId14"/>
+              <a:stretch>
+                <a:fillRect/>
+              </a:stretch>
+            </p:blipFill>
+            <p:spPr>
+              <a:xfrm>
+                <a:off x="2425464" y="1135080"/>
+                <a:ext cx="231120" cy="57600"/>
+              </a:xfrm>
+              <a:prstGeom prst="rect">
+                <a:avLst/>
+              </a:prstGeom>
+            </p:spPr>
+          </p:pic>
+        </mc:Fallback>
+      </mc:AlternateContent>
+      <mc:AlternateContent xmlns:mc="http://schemas.openxmlformats.org/markup-compatibility/2006">
+        <mc:Choice xmlns:p14="http://schemas.microsoft.com/office/powerpoint/2010/main" Requires="p14">
+          <p:contentPart p14:bwMode="auto" r:id="rId15">
+            <p14:nvContentPartPr>
+              <p14:cNvPr id="12" name="Ink 11">
+                <a:extLst>
+                  <a:ext uri="{FF2B5EF4-FFF2-40B4-BE49-F238E27FC236}">
+                    <a16:creationId xmlns:a16="http://schemas.microsoft.com/office/drawing/2014/main" id="{207E316E-E82B-AF44-8B12-63ED5A1DA0B8}"/>
+                  </a:ext>
+                </a:extLst>
+              </p14:cNvPr>
+              <p14:cNvContentPartPr/>
+              <p14:nvPr/>
+            </p14:nvContentPartPr>
+            <p14:xfrm>
+              <a:off x="2885184" y="1149840"/>
+              <a:ext cx="148320" cy="360"/>
+            </p14:xfrm>
+          </p:contentPart>
+        </mc:Choice>
+        <mc:Fallback>
+          <p:pic>
+            <p:nvPicPr>
+              <p:cNvPr id="12" name="Ink 11">
+                <a:extLst>
+                  <a:ext uri="{FF2B5EF4-FFF2-40B4-BE49-F238E27FC236}">
+                    <a16:creationId xmlns:a16="http://schemas.microsoft.com/office/drawing/2014/main" id="{207E316E-E82B-AF44-8B12-63ED5A1DA0B8}"/>
+                  </a:ext>
+                </a:extLst>
+              </p:cNvPr>
+              <p:cNvPicPr/>
+              <p:nvPr/>
+            </p:nvPicPr>
+            <p:blipFill>
+              <a:blip r:embed="rId16"/>
+              <a:stretch>
+                <a:fillRect/>
+              </a:stretch>
+            </p:blipFill>
+            <p:spPr>
+              <a:xfrm>
+                <a:off x="2876544" y="1140840"/>
+                <a:ext cx="165960" cy="18000"/>
+              </a:xfrm>
+              <a:prstGeom prst="rect">
+                <a:avLst/>
+              </a:prstGeom>
+            </p:spPr>
+          </p:pic>
+        </mc:Fallback>
+      </mc:AlternateContent>
+      <mc:AlternateContent xmlns:mc="http://schemas.openxmlformats.org/markup-compatibility/2006">
+        <mc:Choice xmlns:p14="http://schemas.microsoft.com/office/powerpoint/2010/main" Requires="p14">
+          <p:contentPart p14:bwMode="auto" r:id="rId17">
+            <p14:nvContentPartPr>
+              <p14:cNvPr id="13" name="Ink 12">
+                <a:extLst>
+                  <a:ext uri="{FF2B5EF4-FFF2-40B4-BE49-F238E27FC236}">
+                    <a16:creationId xmlns:a16="http://schemas.microsoft.com/office/drawing/2014/main" id="{6204735E-7948-2142-8D6B-C92A54DB2557}"/>
+                  </a:ext>
+                </a:extLst>
+              </p14:cNvPr>
+              <p14:cNvContentPartPr/>
+              <p14:nvPr/>
+            </p14:nvContentPartPr>
+            <p14:xfrm>
+              <a:off x="4120344" y="1155240"/>
+              <a:ext cx="161280" cy="2520"/>
+            </p14:xfrm>
+          </p:contentPart>
+        </mc:Choice>
+        <mc:Fallback>
+          <p:pic>
+            <p:nvPicPr>
+              <p:cNvPr id="13" name="Ink 12">
+                <a:extLst>
+                  <a:ext uri="{FF2B5EF4-FFF2-40B4-BE49-F238E27FC236}">
+                    <a16:creationId xmlns:a16="http://schemas.microsoft.com/office/drawing/2014/main" id="{6204735E-7948-2142-8D6B-C92A54DB2557}"/>
+                  </a:ext>
+                </a:extLst>
+              </p:cNvPr>
+              <p:cNvPicPr/>
+              <p:nvPr/>
+            </p:nvPicPr>
+            <p:blipFill>
+              <a:blip r:embed="rId18"/>
+              <a:stretch>
+                <a:fillRect/>
+              </a:stretch>
+            </p:blipFill>
+            <p:spPr>
+              <a:xfrm>
+                <a:off x="4111704" y="1146600"/>
+                <a:ext cx="178920" cy="20160"/>
+              </a:xfrm>
+              <a:prstGeom prst="rect">
+                <a:avLst/>
+              </a:prstGeom>
+            </p:spPr>
+          </p:pic>
+        </mc:Fallback>
+      </mc:AlternateContent>
     </p:spTree>
     <p:extLst>
       <p:ext uri="{BB962C8B-B14F-4D97-AF65-F5344CB8AC3E}">
         <p14:creationId xmlns:p14="http://schemas.microsoft.com/office/powerpoint/2010/main" val="2417247543"/>
-      </p:ext>
-    </p:extLst>
-  </p:cSld>
-  <p:clrMapOvr>
-    <a:masterClrMapping/>
-  </p:clrMapOvr>
-</p:sld>
-</file>
-
-<file path=ppt/slides/slide7.xml><?xml version="1.0" encoding="utf-8"?>
-<p:sld xmlns:a="http://schemas.openxmlformats.org/drawingml/2006/main" xmlns:r="http://schemas.openxmlformats.org/officeDocument/2006/relationships" xmlns:p="http://schemas.openxmlformats.org/presentationml/2006/main">
-  <p:cSld>
-    <p:spTree>
-      <p:nvGrpSpPr>
-        <p:cNvPr id="1" name=""/>
-        <p:cNvGrpSpPr/>
-        <p:nvPr/>
-      </p:nvGrpSpPr>
-      <p:grpSpPr>
-        <a:xfrm>
-          <a:off x="0" y="0"/>
-          <a:ext cx="0" cy="0"/>
-          <a:chOff x="0" y="0"/>
-          <a:chExt cx="0" cy="0"/>
-        </a:xfrm>
-      </p:grpSpPr>
-      <p:sp>
-        <p:nvSpPr>
-          <p:cNvPr id="2" name="Title 1">
-            <a:extLst>
-              <a:ext uri="{FF2B5EF4-FFF2-40B4-BE49-F238E27FC236}">
-                <a16:creationId xmlns:a16="http://schemas.microsoft.com/office/drawing/2014/main" id="{103C9612-AA9D-8D4D-B622-86C81C7714F6}"/>
-              </a:ext>
-            </a:extLst>
-          </p:cNvPr>
-          <p:cNvSpPr>
-            <a:spLocks noGrp="1"/>
-          </p:cNvSpPr>
-          <p:nvPr>
-            <p:ph type="title"/>
-          </p:nvPr>
-        </p:nvSpPr>
-        <p:spPr>
-          <a:xfrm>
-            <a:off x="677334" y="330924"/>
-            <a:ext cx="8596668" cy="748553"/>
-          </a:xfrm>
-        </p:spPr>
-        <p:txBody>
-          <a:bodyPr/>
-          <a:lstStyle/>
-          <a:p>
-            <a:r>
-              <a:rPr lang="en-US" dirty="0"/>
-              <a:t>Summary Statistics</a:t>
-            </a:r>
-          </a:p>
-        </p:txBody>
-      </p:sp>
-      <p:graphicFrame>
-        <p:nvGraphicFramePr>
-          <p:cNvPr id="8" name="Table 7">
-            <a:extLst>
-              <a:ext uri="{FF2B5EF4-FFF2-40B4-BE49-F238E27FC236}">
-                <a16:creationId xmlns:a16="http://schemas.microsoft.com/office/drawing/2014/main" id="{52FD5A63-EBDB-D74D-9545-B7279A326090}"/>
-              </a:ext>
-            </a:extLst>
-          </p:cNvPr>
-          <p:cNvGraphicFramePr>
-            <a:graphicFrameLocks noGrp="1"/>
-          </p:cNvGraphicFramePr>
-          <p:nvPr>
-            <p:extLst>
-              <p:ext uri="{D42A27DB-BD31-4B8C-83A1-F6EECF244321}">
-                <p14:modId xmlns:p14="http://schemas.microsoft.com/office/powerpoint/2010/main" val="4176642983"/>
-              </p:ext>
-            </p:extLst>
-          </p:nvPr>
-        </p:nvGraphicFramePr>
-        <p:xfrm>
-          <a:off x="790549" y="1593667"/>
-          <a:ext cx="7883192" cy="2314835"/>
-        </p:xfrm>
-        <a:graphic>
-          <a:graphicData uri="http://schemas.openxmlformats.org/drawingml/2006/table">
-            <a:tbl>
-              <a:tblPr firstRow="1" bandRow="1">
-                <a:tableStyleId>{5C22544A-7EE6-4342-B048-85BDC9FD1C3A}</a:tableStyleId>
-              </a:tblPr>
-              <a:tblGrid>
-                <a:gridCol w="635759">
-                  <a:extLst>
-                    <a:ext uri="{9D8B030D-6E8A-4147-A177-3AD203B41FA5}">
-                      <a16:colId xmlns:a16="http://schemas.microsoft.com/office/drawing/2014/main" val="755655665"/>
-                    </a:ext>
-                  </a:extLst>
-                </a:gridCol>
-                <a:gridCol w="1177558">
-                  <a:extLst>
-                    <a:ext uri="{9D8B030D-6E8A-4147-A177-3AD203B41FA5}">
-                      <a16:colId xmlns:a16="http://schemas.microsoft.com/office/drawing/2014/main" val="569154185"/>
-                    </a:ext>
-                  </a:extLst>
-                </a:gridCol>
-                <a:gridCol w="1358538">
-                  <a:extLst>
-                    <a:ext uri="{9D8B030D-6E8A-4147-A177-3AD203B41FA5}">
-                      <a16:colId xmlns:a16="http://schemas.microsoft.com/office/drawing/2014/main" val="10219815"/>
-                    </a:ext>
-                  </a:extLst>
-                </a:gridCol>
-                <a:gridCol w="1280160">
-                  <a:extLst>
-                    <a:ext uri="{9D8B030D-6E8A-4147-A177-3AD203B41FA5}">
-                      <a16:colId xmlns:a16="http://schemas.microsoft.com/office/drawing/2014/main" val="1653269877"/>
-                    </a:ext>
-                  </a:extLst>
-                </a:gridCol>
-                <a:gridCol w="1123405">
-                  <a:extLst>
-                    <a:ext uri="{9D8B030D-6E8A-4147-A177-3AD203B41FA5}">
-                      <a16:colId xmlns:a16="http://schemas.microsoft.com/office/drawing/2014/main" val="4044902209"/>
-                    </a:ext>
-                  </a:extLst>
-                </a:gridCol>
-                <a:gridCol w="1245326">
-                  <a:extLst>
-                    <a:ext uri="{9D8B030D-6E8A-4147-A177-3AD203B41FA5}">
-                      <a16:colId xmlns:a16="http://schemas.microsoft.com/office/drawing/2014/main" val="3607337556"/>
-                    </a:ext>
-                  </a:extLst>
-                </a:gridCol>
-                <a:gridCol w="1062446">
-                  <a:extLst>
-                    <a:ext uri="{9D8B030D-6E8A-4147-A177-3AD203B41FA5}">
-                      <a16:colId xmlns:a16="http://schemas.microsoft.com/office/drawing/2014/main" val="2322787342"/>
-                    </a:ext>
-                  </a:extLst>
-                </a:gridCol>
-              </a:tblGrid>
-              <a:tr h="394595">
-                <a:tc>
-                  <a:txBody>
-                    <a:bodyPr/>
-                    <a:lstStyle/>
-                    <a:p>
-                      <a:endParaRPr lang="en-US" sz="1200" dirty="0"/>
-                    </a:p>
-                  </a:txBody>
-                  <a:tcPr/>
-                </a:tc>
-                <a:tc>
-                  <a:txBody>
-                    <a:bodyPr/>
-                    <a:lstStyle/>
-                    <a:p>
-                      <a:r>
-                        <a:rPr lang="en-US" sz="1200" dirty="0"/>
-                        <a:t>Total Donors</a:t>
-                      </a:r>
-                    </a:p>
-                  </a:txBody>
-                  <a:tcPr/>
-                </a:tc>
-                <a:tc>
-                  <a:txBody>
-                    <a:bodyPr/>
-                    <a:lstStyle/>
-                    <a:p>
-                      <a:r>
-                        <a:rPr lang="en-US" sz="1200" dirty="0"/>
-                        <a:t>Total Amount</a:t>
-                      </a:r>
-                    </a:p>
-                  </a:txBody>
-                  <a:tcPr/>
-                </a:tc>
-                <a:tc>
-                  <a:txBody>
-                    <a:bodyPr/>
-                    <a:lstStyle/>
-                    <a:p>
-                      <a:r>
-                        <a:rPr lang="en-US" sz="1200" dirty="0"/>
-                        <a:t>Max</a:t>
-                      </a:r>
-                    </a:p>
-                  </a:txBody>
-                  <a:tcPr/>
-                </a:tc>
-                <a:tc>
-                  <a:txBody>
-                    <a:bodyPr/>
-                    <a:lstStyle/>
-                    <a:p>
-                      <a:r>
-                        <a:rPr lang="en-US" sz="1200" dirty="0"/>
-                        <a:t>Min </a:t>
-                      </a:r>
-                    </a:p>
-                  </a:txBody>
-                  <a:tcPr/>
-                </a:tc>
-                <a:tc>
-                  <a:txBody>
-                    <a:bodyPr/>
-                    <a:lstStyle/>
-                    <a:p>
-                      <a:r>
-                        <a:rPr lang="en-US" sz="1200" dirty="0"/>
-                        <a:t>Median</a:t>
-                      </a:r>
-                    </a:p>
-                  </a:txBody>
-                  <a:tcPr/>
-                </a:tc>
-                <a:tc>
-                  <a:txBody>
-                    <a:bodyPr/>
-                    <a:lstStyle/>
-                    <a:p>
-                      <a:r>
-                        <a:rPr lang="en-US" sz="1200" dirty="0"/>
-                        <a:t>Mean</a:t>
-                      </a:r>
-                    </a:p>
-                  </a:txBody>
-                  <a:tcPr/>
-                </a:tc>
-                <a:extLst>
-                  <a:ext uri="{0D108BD9-81ED-4DB2-BD59-A6C34878D82A}">
-                    <a16:rowId xmlns:a16="http://schemas.microsoft.com/office/drawing/2014/main" val="1823016952"/>
-                  </a:ext>
-                </a:extLst>
-              </a:tr>
-              <a:tr h="232256">
-                <a:tc>
-                  <a:txBody>
-                    <a:bodyPr/>
-                    <a:lstStyle/>
-                    <a:p>
-                      <a:r>
-                        <a:rPr lang="en-US" sz="1200" dirty="0"/>
-                        <a:t>1992</a:t>
-                      </a:r>
-                    </a:p>
-                  </a:txBody>
-                  <a:tcPr/>
-                </a:tc>
-                <a:tc>
-                  <a:txBody>
-                    <a:bodyPr/>
-                    <a:lstStyle/>
-                    <a:p>
-                      <a:r>
-                        <a:rPr lang="en-US" sz="1200" dirty="0"/>
-                        <a:t>2696</a:t>
-                      </a:r>
-                    </a:p>
-                  </a:txBody>
-                  <a:tcPr/>
-                </a:tc>
-                <a:tc>
-                  <a:txBody>
-                    <a:bodyPr/>
-                    <a:lstStyle/>
-                    <a:p>
-                      <a:r>
-                        <a:rPr lang="en-US" sz="1200" dirty="0"/>
-                        <a:t>$1,283,117</a:t>
-                      </a:r>
-                    </a:p>
-                  </a:txBody>
-                  <a:tcPr/>
-                </a:tc>
-                <a:tc>
-                  <a:txBody>
-                    <a:bodyPr/>
-                    <a:lstStyle/>
-                    <a:p>
-                      <a:r>
-                        <a:rPr lang="en-US" sz="1200" dirty="0"/>
-                        <a:t>$2,5000</a:t>
-                      </a:r>
-                    </a:p>
-                  </a:txBody>
-                  <a:tcPr/>
-                </a:tc>
-                <a:tc>
-                  <a:txBody>
-                    <a:bodyPr/>
-                    <a:lstStyle/>
-                    <a:p>
-                      <a:r>
-                        <a:rPr lang="en-US" sz="1200" dirty="0"/>
-                        <a:t>$200</a:t>
-                      </a:r>
-                    </a:p>
-                  </a:txBody>
-                  <a:tcPr/>
-                </a:tc>
-                <a:tc>
-                  <a:txBody>
-                    <a:bodyPr/>
-                    <a:lstStyle/>
-                    <a:p>
-                      <a:r>
-                        <a:rPr lang="en-US" sz="1200" dirty="0"/>
-                        <a:t>$500</a:t>
-                      </a:r>
-                    </a:p>
-                  </a:txBody>
-                  <a:tcPr/>
-                </a:tc>
-                <a:tc>
-                  <a:txBody>
-                    <a:bodyPr/>
-                    <a:lstStyle/>
-                    <a:p>
-                      <a:r>
-                        <a:rPr lang="en-US" sz="1200" dirty="0"/>
-                        <a:t>$475.93</a:t>
-                      </a:r>
-                    </a:p>
-                  </a:txBody>
-                  <a:tcPr/>
-                </a:tc>
-                <a:extLst>
-                  <a:ext uri="{0D108BD9-81ED-4DB2-BD59-A6C34878D82A}">
-                    <a16:rowId xmlns:a16="http://schemas.microsoft.com/office/drawing/2014/main" val="2083922846"/>
-                  </a:ext>
-                </a:extLst>
-              </a:tr>
-              <a:tr h="232256">
-                <a:tc>
-                  <a:txBody>
-                    <a:bodyPr/>
-                    <a:lstStyle/>
-                    <a:p>
-                      <a:r>
-                        <a:rPr lang="en-US" sz="1200" dirty="0"/>
-                        <a:t>1996</a:t>
-                      </a:r>
-                    </a:p>
-                  </a:txBody>
-                  <a:tcPr/>
-                </a:tc>
-                <a:tc>
-                  <a:txBody>
-                    <a:bodyPr/>
-                    <a:lstStyle/>
-                    <a:p>
-                      <a:r>
-                        <a:rPr lang="en-US" sz="1200" dirty="0"/>
-                        <a:t>5,275</a:t>
-                      </a:r>
-                    </a:p>
-                  </a:txBody>
-                  <a:tcPr/>
-                </a:tc>
-                <a:tc>
-                  <a:txBody>
-                    <a:bodyPr/>
-                    <a:lstStyle/>
-                    <a:p>
-                      <a:r>
-                        <a:rPr lang="en-US" sz="1200" dirty="0"/>
-                        <a:t>$2,817,606</a:t>
-                      </a:r>
-                    </a:p>
-                  </a:txBody>
-                  <a:tcPr/>
-                </a:tc>
-                <a:tc>
-                  <a:txBody>
-                    <a:bodyPr/>
-                    <a:lstStyle/>
-                    <a:p>
-                      <a:r>
-                        <a:rPr lang="en-US" sz="1200" dirty="0"/>
-                        <a:t>$2,000</a:t>
-                      </a:r>
-                    </a:p>
-                  </a:txBody>
-                  <a:tcPr/>
-                </a:tc>
-                <a:tc>
-                  <a:txBody>
-                    <a:bodyPr/>
-                    <a:lstStyle/>
-                    <a:p>
-                      <a:r>
-                        <a:rPr lang="en-US" sz="1200" dirty="0"/>
-                        <a:t>$100</a:t>
-                      </a:r>
-                    </a:p>
-                  </a:txBody>
-                  <a:tcPr/>
-                </a:tc>
-                <a:tc>
-                  <a:txBody>
-                    <a:bodyPr/>
-                    <a:lstStyle/>
-                    <a:p>
-                      <a:r>
-                        <a:rPr lang="en-US" sz="1200" dirty="0"/>
-                        <a:t>$500</a:t>
-                      </a:r>
-                    </a:p>
-                  </a:txBody>
-                  <a:tcPr/>
-                </a:tc>
-                <a:tc>
-                  <a:txBody>
-                    <a:bodyPr/>
-                    <a:lstStyle/>
-                    <a:p>
-                      <a:r>
-                        <a:rPr lang="en-US" sz="1200" dirty="0"/>
-                        <a:t>$534.14</a:t>
-                      </a:r>
-                    </a:p>
-                  </a:txBody>
-                  <a:tcPr/>
-                </a:tc>
-                <a:extLst>
-                  <a:ext uri="{0D108BD9-81ED-4DB2-BD59-A6C34878D82A}">
-                    <a16:rowId xmlns:a16="http://schemas.microsoft.com/office/drawing/2014/main" val="4195007101"/>
-                  </a:ext>
-                </a:extLst>
-              </a:tr>
-              <a:tr h="232256">
-                <a:tc>
-                  <a:txBody>
-                    <a:bodyPr/>
-                    <a:lstStyle/>
-                    <a:p>
-                      <a:r>
-                        <a:rPr lang="en-US" sz="1200" dirty="0"/>
-                        <a:t>2000</a:t>
-                      </a:r>
-                    </a:p>
-                  </a:txBody>
-                  <a:tcPr/>
-                </a:tc>
-                <a:tc>
-                  <a:txBody>
-                    <a:bodyPr/>
-                    <a:lstStyle/>
-                    <a:p>
-                      <a:r>
-                        <a:rPr lang="en-US" sz="1200" dirty="0"/>
-                        <a:t>6,144</a:t>
-                      </a:r>
-                    </a:p>
-                  </a:txBody>
-                  <a:tcPr/>
-                </a:tc>
-                <a:tc>
-                  <a:txBody>
-                    <a:bodyPr/>
-                    <a:lstStyle/>
-                    <a:p>
-                      <a:r>
-                        <a:rPr lang="en-US" sz="1200" dirty="0"/>
-                        <a:t>$3,631,066</a:t>
-                      </a:r>
-                    </a:p>
-                  </a:txBody>
-                  <a:tcPr/>
-                </a:tc>
-                <a:tc>
-                  <a:txBody>
-                    <a:bodyPr/>
-                    <a:lstStyle/>
-                    <a:p>
-                      <a:r>
-                        <a:rPr lang="en-US" sz="1200" dirty="0"/>
-                        <a:t>$3,000</a:t>
-                      </a:r>
-                    </a:p>
-                  </a:txBody>
-                  <a:tcPr/>
-                </a:tc>
-                <a:tc>
-                  <a:txBody>
-                    <a:bodyPr/>
-                    <a:lstStyle/>
-                    <a:p>
-                      <a:r>
-                        <a:rPr lang="en-US" sz="1200" dirty="0"/>
-                        <a:t>$200</a:t>
-                      </a:r>
-                    </a:p>
-                  </a:txBody>
-                  <a:tcPr/>
-                </a:tc>
-                <a:tc>
-                  <a:txBody>
-                    <a:bodyPr/>
-                    <a:lstStyle/>
-                    <a:p>
-                      <a:r>
-                        <a:rPr lang="en-US" sz="1200" dirty="0"/>
-                        <a:t>$500</a:t>
-                      </a:r>
-                    </a:p>
-                  </a:txBody>
-                  <a:tcPr/>
-                </a:tc>
-                <a:tc>
-                  <a:txBody>
-                    <a:bodyPr/>
-                    <a:lstStyle/>
-                    <a:p>
-                      <a:r>
-                        <a:rPr lang="en-US" sz="1200" dirty="0"/>
-                        <a:t>$590.99</a:t>
-                      </a:r>
-                    </a:p>
-                  </a:txBody>
-                  <a:tcPr/>
-                </a:tc>
-                <a:extLst>
-                  <a:ext uri="{0D108BD9-81ED-4DB2-BD59-A6C34878D82A}">
-                    <a16:rowId xmlns:a16="http://schemas.microsoft.com/office/drawing/2014/main" val="340985578"/>
-                  </a:ext>
-                </a:extLst>
-              </a:tr>
-              <a:tr h="232256">
-                <a:tc>
-                  <a:txBody>
-                    <a:bodyPr/>
-                    <a:lstStyle/>
-                    <a:p>
-                      <a:r>
-                        <a:rPr lang="en-US" sz="1200" dirty="0"/>
-                        <a:t>2004</a:t>
-                      </a:r>
-                    </a:p>
-                  </a:txBody>
-                  <a:tcPr/>
-                </a:tc>
-                <a:tc>
-                  <a:txBody>
-                    <a:bodyPr/>
-                    <a:lstStyle/>
-                    <a:p>
-                      <a:r>
-                        <a:rPr lang="en-US" sz="1200" dirty="0"/>
-                        <a:t>15,242</a:t>
-                      </a:r>
-                    </a:p>
-                  </a:txBody>
-                  <a:tcPr/>
-                </a:tc>
-                <a:tc>
-                  <a:txBody>
-                    <a:bodyPr/>
-                    <a:lstStyle/>
-                    <a:p>
-                      <a:r>
-                        <a:rPr lang="en-US" sz="1200" dirty="0"/>
-                        <a:t>$11,034,426</a:t>
-                      </a:r>
-                    </a:p>
-                  </a:txBody>
-                  <a:tcPr/>
-                </a:tc>
-                <a:tc>
-                  <a:txBody>
-                    <a:bodyPr/>
-                    <a:lstStyle/>
-                    <a:p>
-                      <a:r>
-                        <a:rPr lang="en-US" sz="1200" dirty="0"/>
-                        <a:t>$12,000</a:t>
-                      </a:r>
-                    </a:p>
-                  </a:txBody>
-                  <a:tcPr/>
-                </a:tc>
-                <a:tc>
-                  <a:txBody>
-                    <a:bodyPr/>
-                    <a:lstStyle/>
-                    <a:p>
-                      <a:r>
-                        <a:rPr lang="en-US" sz="1200" dirty="0"/>
-                        <a:t>$50</a:t>
-                      </a:r>
-                    </a:p>
-                  </a:txBody>
-                  <a:tcPr/>
-                </a:tc>
-                <a:tc>
-                  <a:txBody>
-                    <a:bodyPr/>
-                    <a:lstStyle/>
-                    <a:p>
-                      <a:r>
-                        <a:rPr lang="en-US" sz="1200" dirty="0"/>
-                        <a:t>$500</a:t>
-                      </a:r>
-                    </a:p>
-                  </a:txBody>
-                  <a:tcPr/>
-                </a:tc>
-                <a:tc>
-                  <a:txBody>
-                    <a:bodyPr/>
-                    <a:lstStyle/>
-                    <a:p>
-                      <a:r>
-                        <a:rPr lang="en-US" sz="1200" dirty="0"/>
-                        <a:t>$723.95</a:t>
-                      </a:r>
-                    </a:p>
-                  </a:txBody>
-                  <a:tcPr/>
-                </a:tc>
-                <a:extLst>
-                  <a:ext uri="{0D108BD9-81ED-4DB2-BD59-A6C34878D82A}">
-                    <a16:rowId xmlns:a16="http://schemas.microsoft.com/office/drawing/2014/main" val="799082826"/>
-                  </a:ext>
-                </a:extLst>
-              </a:tr>
-              <a:tr h="232256">
-                <a:tc>
-                  <a:txBody>
-                    <a:bodyPr/>
-                    <a:lstStyle/>
-                    <a:p>
-                      <a:r>
-                        <a:rPr lang="en-US" sz="1200" dirty="0"/>
-                        <a:t>2008</a:t>
-                      </a:r>
-                    </a:p>
-                  </a:txBody>
-                  <a:tcPr/>
-                </a:tc>
-                <a:tc>
-                  <a:txBody>
-                    <a:bodyPr/>
-                    <a:lstStyle/>
-                    <a:p>
-                      <a:r>
-                        <a:rPr lang="en-US" sz="1200" dirty="0"/>
-                        <a:t>28,817</a:t>
-                      </a:r>
-                    </a:p>
-                  </a:txBody>
-                  <a:tcPr/>
-                </a:tc>
-                <a:tc>
-                  <a:txBody>
-                    <a:bodyPr/>
-                    <a:lstStyle/>
-                    <a:p>
-                      <a:r>
-                        <a:rPr lang="en-US" sz="1200" dirty="0"/>
-                        <a:t>$23,769,233</a:t>
-                      </a:r>
-                    </a:p>
-                  </a:txBody>
-                  <a:tcPr/>
-                </a:tc>
-                <a:tc>
-                  <a:txBody>
-                    <a:bodyPr/>
-                    <a:lstStyle/>
-                    <a:p>
-                      <a:r>
-                        <a:rPr lang="en-US" sz="1200" dirty="0"/>
-                        <a:t>$2,000,000</a:t>
-                      </a:r>
-                    </a:p>
-                  </a:txBody>
-                  <a:tcPr/>
-                </a:tc>
-                <a:tc>
-                  <a:txBody>
-                    <a:bodyPr/>
-                    <a:lstStyle/>
-                    <a:p>
-                      <a:r>
-                        <a:rPr lang="en-US" sz="1200" dirty="0"/>
-                        <a:t>$5</a:t>
-                      </a:r>
-                    </a:p>
-                  </a:txBody>
-                  <a:tcPr/>
-                </a:tc>
-                <a:tc>
-                  <a:txBody>
-                    <a:bodyPr/>
-                    <a:lstStyle/>
-                    <a:p>
-                      <a:r>
-                        <a:rPr lang="en-US" sz="1200" dirty="0"/>
-                        <a:t>$300</a:t>
-                      </a:r>
-                    </a:p>
-                  </a:txBody>
-                  <a:tcPr/>
-                </a:tc>
-                <a:tc>
-                  <a:txBody>
-                    <a:bodyPr/>
-                    <a:lstStyle/>
-                    <a:p>
-                      <a:r>
-                        <a:rPr lang="en-US" sz="1200" dirty="0"/>
-                        <a:t>$824.83</a:t>
-                      </a:r>
-                    </a:p>
-                  </a:txBody>
-                  <a:tcPr/>
-                </a:tc>
-                <a:extLst>
-                  <a:ext uri="{0D108BD9-81ED-4DB2-BD59-A6C34878D82A}">
-                    <a16:rowId xmlns:a16="http://schemas.microsoft.com/office/drawing/2014/main" val="412277751"/>
-                  </a:ext>
-                </a:extLst>
-              </a:tr>
-              <a:tr h="232256">
-                <a:tc>
-                  <a:txBody>
-                    <a:bodyPr/>
-                    <a:lstStyle/>
-                    <a:p>
-                      <a:r>
-                        <a:rPr lang="en-US" sz="1200" dirty="0"/>
-                        <a:t>2012</a:t>
-                      </a:r>
-                    </a:p>
-                  </a:txBody>
-                  <a:tcPr/>
-                </a:tc>
-                <a:tc>
-                  <a:txBody>
-                    <a:bodyPr/>
-                    <a:lstStyle/>
-                    <a:p>
-                      <a:r>
-                        <a:rPr lang="en-US" sz="1200" dirty="0"/>
-                        <a:t>25,998</a:t>
-                      </a:r>
-                    </a:p>
-                  </a:txBody>
-                  <a:tcPr/>
-                </a:tc>
-                <a:tc>
-                  <a:txBody>
-                    <a:bodyPr/>
-                    <a:lstStyle/>
-                    <a:p>
-                      <a:r>
-                        <a:rPr lang="en-US" sz="1200" dirty="0"/>
-                        <a:t>$15,934,877</a:t>
-                      </a:r>
-                    </a:p>
-                  </a:txBody>
-                  <a:tcPr/>
-                </a:tc>
-                <a:tc>
-                  <a:txBody>
-                    <a:bodyPr/>
-                    <a:lstStyle/>
-                    <a:p>
-                      <a:r>
-                        <a:rPr lang="en-US" sz="1200" dirty="0"/>
-                        <a:t>$132,000</a:t>
-                      </a:r>
-                    </a:p>
-                  </a:txBody>
-                  <a:tcPr/>
-                </a:tc>
-                <a:tc>
-                  <a:txBody>
-                    <a:bodyPr/>
-                    <a:lstStyle/>
-                    <a:p>
-                      <a:r>
-                        <a:rPr lang="en-US" sz="1200" dirty="0"/>
-                        <a:t>$3</a:t>
-                      </a:r>
-                    </a:p>
-                  </a:txBody>
-                  <a:tcPr/>
-                </a:tc>
-                <a:tc>
-                  <a:txBody>
-                    <a:bodyPr/>
-                    <a:lstStyle/>
-                    <a:p>
-                      <a:r>
-                        <a:rPr lang="en-US" sz="1200" dirty="0"/>
-                        <a:t>$300</a:t>
-                      </a:r>
-                    </a:p>
-                  </a:txBody>
-                  <a:tcPr/>
-                </a:tc>
-                <a:tc>
-                  <a:txBody>
-                    <a:bodyPr/>
-                    <a:lstStyle/>
-                    <a:p>
-                      <a:r>
-                        <a:rPr lang="en-US" sz="1200" dirty="0"/>
-                        <a:t>$612.93</a:t>
-                      </a:r>
-                    </a:p>
-                  </a:txBody>
-                  <a:tcPr/>
-                </a:tc>
-                <a:extLst>
-                  <a:ext uri="{0D108BD9-81ED-4DB2-BD59-A6C34878D82A}">
-                    <a16:rowId xmlns:a16="http://schemas.microsoft.com/office/drawing/2014/main" val="2742129964"/>
-                  </a:ext>
-                </a:extLst>
-              </a:tr>
-              <a:tr h="232256">
-                <a:tc>
-                  <a:txBody>
-                    <a:bodyPr/>
-                    <a:lstStyle/>
-                    <a:p>
-                      <a:r>
-                        <a:rPr lang="en-US" sz="1200" dirty="0"/>
-                        <a:t>2016</a:t>
-                      </a:r>
-                    </a:p>
-                  </a:txBody>
-                  <a:tcPr/>
-                </a:tc>
-                <a:tc>
-                  <a:txBody>
-                    <a:bodyPr/>
-                    <a:lstStyle/>
-                    <a:p>
-                      <a:r>
-                        <a:rPr lang="en-US" sz="1200" dirty="0"/>
-                        <a:t>56,921</a:t>
-                      </a:r>
-                    </a:p>
-                  </a:txBody>
-                  <a:tcPr/>
-                </a:tc>
-                <a:tc>
-                  <a:txBody>
-                    <a:bodyPr/>
-                    <a:lstStyle/>
-                    <a:p>
-                      <a:r>
-                        <a:rPr lang="en-US" sz="1200" dirty="0"/>
-                        <a:t>$19,258,224</a:t>
-                      </a:r>
-                    </a:p>
-                  </a:txBody>
-                  <a:tcPr/>
-                </a:tc>
-                <a:tc>
-                  <a:txBody>
-                    <a:bodyPr/>
-                    <a:lstStyle/>
-                    <a:p>
-                      <a:r>
-                        <a:rPr lang="en-US" sz="1200" dirty="0"/>
-                        <a:t>$200,000</a:t>
-                      </a:r>
-                    </a:p>
-                  </a:txBody>
-                  <a:tcPr/>
-                </a:tc>
-                <a:tc>
-                  <a:txBody>
-                    <a:bodyPr/>
-                    <a:lstStyle/>
-                    <a:p>
-                      <a:r>
-                        <a:rPr lang="en-US" sz="1200" dirty="0"/>
-                        <a:t>$1</a:t>
-                      </a:r>
-                    </a:p>
-                  </a:txBody>
-                  <a:tcPr/>
-                </a:tc>
-                <a:tc>
-                  <a:txBody>
-                    <a:bodyPr/>
-                    <a:lstStyle/>
-                    <a:p>
-                      <a:r>
-                        <a:rPr lang="en-US" sz="1200" dirty="0"/>
-                        <a:t>$100</a:t>
-                      </a:r>
-                    </a:p>
-                  </a:txBody>
-                  <a:tcPr/>
-                </a:tc>
-                <a:tc>
-                  <a:txBody>
-                    <a:bodyPr/>
-                    <a:lstStyle/>
-                    <a:p>
-                      <a:r>
-                        <a:rPr lang="en-US" sz="1200" dirty="0"/>
-                        <a:t>$338.33</a:t>
-                      </a:r>
-                    </a:p>
-                  </a:txBody>
-                  <a:tcPr/>
-                </a:tc>
-                <a:extLst>
-                  <a:ext uri="{0D108BD9-81ED-4DB2-BD59-A6C34878D82A}">
-                    <a16:rowId xmlns:a16="http://schemas.microsoft.com/office/drawing/2014/main" val="2133921564"/>
-                  </a:ext>
-                </a:extLst>
-              </a:tr>
-            </a:tbl>
-          </a:graphicData>
-        </a:graphic>
-      </p:graphicFrame>
-      <p:sp>
-        <p:nvSpPr>
-          <p:cNvPr id="9" name="TextBox 8">
-            <a:extLst>
-              <a:ext uri="{FF2B5EF4-FFF2-40B4-BE49-F238E27FC236}">
-                <a16:creationId xmlns:a16="http://schemas.microsoft.com/office/drawing/2014/main" id="{2DD79E80-3FC4-1E4E-869D-80BD27A8B34F}"/>
-              </a:ext>
-            </a:extLst>
-          </p:cNvPr>
-          <p:cNvSpPr txBox="1"/>
-          <p:nvPr/>
-        </p:nvSpPr>
-        <p:spPr>
-          <a:xfrm>
-            <a:off x="722808" y="1123402"/>
-            <a:ext cx="3684022" cy="369332"/>
-          </a:xfrm>
-          <a:prstGeom prst="rect">
-            <a:avLst/>
-          </a:prstGeom>
-          <a:noFill/>
-        </p:spPr>
-        <p:txBody>
-          <a:bodyPr wrap="none" rtlCol="0">
-            <a:spAutoFit/>
-          </a:bodyPr>
-          <a:lstStyle/>
-          <a:p>
-            <a:r>
-              <a:rPr lang="en-US" b="1" u="sng" dirty="0"/>
-              <a:t>Donations to winning candidates</a:t>
-            </a:r>
-          </a:p>
-        </p:txBody>
-      </p:sp>
-      <p:graphicFrame>
-        <p:nvGraphicFramePr>
-          <p:cNvPr id="11" name="Table 10">
-            <a:extLst>
-              <a:ext uri="{FF2B5EF4-FFF2-40B4-BE49-F238E27FC236}">
-                <a16:creationId xmlns:a16="http://schemas.microsoft.com/office/drawing/2014/main" id="{DC1DB803-83ED-F343-8587-7E70978241D9}"/>
-              </a:ext>
-            </a:extLst>
-          </p:cNvPr>
-          <p:cNvGraphicFramePr>
-            <a:graphicFrameLocks noGrp="1"/>
-          </p:cNvGraphicFramePr>
-          <p:nvPr>
-            <p:extLst>
-              <p:ext uri="{D42A27DB-BD31-4B8C-83A1-F6EECF244321}">
-                <p14:modId xmlns:p14="http://schemas.microsoft.com/office/powerpoint/2010/main" val="3368331631"/>
-              </p:ext>
-            </p:extLst>
-          </p:nvPr>
-        </p:nvGraphicFramePr>
-        <p:xfrm>
-          <a:off x="829734" y="4428310"/>
-          <a:ext cx="7883192" cy="2314835"/>
-        </p:xfrm>
-        <a:graphic>
-          <a:graphicData uri="http://schemas.openxmlformats.org/drawingml/2006/table">
-            <a:tbl>
-              <a:tblPr firstRow="1" bandRow="1">
-                <a:tableStyleId>{5C22544A-7EE6-4342-B048-85BDC9FD1C3A}</a:tableStyleId>
-              </a:tblPr>
-              <a:tblGrid>
-                <a:gridCol w="635759">
-                  <a:extLst>
-                    <a:ext uri="{9D8B030D-6E8A-4147-A177-3AD203B41FA5}">
-                      <a16:colId xmlns:a16="http://schemas.microsoft.com/office/drawing/2014/main" val="755655665"/>
-                    </a:ext>
-                  </a:extLst>
-                </a:gridCol>
-                <a:gridCol w="1177558">
-                  <a:extLst>
-                    <a:ext uri="{9D8B030D-6E8A-4147-A177-3AD203B41FA5}">
-                      <a16:colId xmlns:a16="http://schemas.microsoft.com/office/drawing/2014/main" val="569154185"/>
-                    </a:ext>
-                  </a:extLst>
-                </a:gridCol>
-                <a:gridCol w="1358538">
-                  <a:extLst>
-                    <a:ext uri="{9D8B030D-6E8A-4147-A177-3AD203B41FA5}">
-                      <a16:colId xmlns:a16="http://schemas.microsoft.com/office/drawing/2014/main" val="10219815"/>
-                    </a:ext>
-                  </a:extLst>
-                </a:gridCol>
-                <a:gridCol w="1280160">
-                  <a:extLst>
-                    <a:ext uri="{9D8B030D-6E8A-4147-A177-3AD203B41FA5}">
-                      <a16:colId xmlns:a16="http://schemas.microsoft.com/office/drawing/2014/main" val="1653269877"/>
-                    </a:ext>
-                  </a:extLst>
-                </a:gridCol>
-                <a:gridCol w="1123405">
-                  <a:extLst>
-                    <a:ext uri="{9D8B030D-6E8A-4147-A177-3AD203B41FA5}">
-                      <a16:colId xmlns:a16="http://schemas.microsoft.com/office/drawing/2014/main" val="4044902209"/>
-                    </a:ext>
-                  </a:extLst>
-                </a:gridCol>
-                <a:gridCol w="1245326">
-                  <a:extLst>
-                    <a:ext uri="{9D8B030D-6E8A-4147-A177-3AD203B41FA5}">
-                      <a16:colId xmlns:a16="http://schemas.microsoft.com/office/drawing/2014/main" val="3607337556"/>
-                    </a:ext>
-                  </a:extLst>
-                </a:gridCol>
-                <a:gridCol w="1062446">
-                  <a:extLst>
-                    <a:ext uri="{9D8B030D-6E8A-4147-A177-3AD203B41FA5}">
-                      <a16:colId xmlns:a16="http://schemas.microsoft.com/office/drawing/2014/main" val="2322787342"/>
-                    </a:ext>
-                  </a:extLst>
-                </a:gridCol>
-              </a:tblGrid>
-              <a:tr h="394595">
-                <a:tc>
-                  <a:txBody>
-                    <a:bodyPr/>
-                    <a:lstStyle/>
-                    <a:p>
-                      <a:endParaRPr lang="en-US" sz="1200" dirty="0"/>
-                    </a:p>
-                  </a:txBody>
-                  <a:tcPr/>
-                </a:tc>
-                <a:tc>
-                  <a:txBody>
-                    <a:bodyPr/>
-                    <a:lstStyle/>
-                    <a:p>
-                      <a:r>
-                        <a:rPr lang="en-US" sz="1200" dirty="0"/>
-                        <a:t>Total Donors</a:t>
-                      </a:r>
-                    </a:p>
-                  </a:txBody>
-                  <a:tcPr/>
-                </a:tc>
-                <a:tc>
-                  <a:txBody>
-                    <a:bodyPr/>
-                    <a:lstStyle/>
-                    <a:p>
-                      <a:r>
-                        <a:rPr lang="en-US" sz="1200" dirty="0"/>
-                        <a:t>Total Amount</a:t>
-                      </a:r>
-                    </a:p>
-                  </a:txBody>
-                  <a:tcPr/>
-                </a:tc>
-                <a:tc>
-                  <a:txBody>
-                    <a:bodyPr/>
-                    <a:lstStyle/>
-                    <a:p>
-                      <a:r>
-                        <a:rPr lang="en-US" sz="1200" dirty="0"/>
-                        <a:t>Max</a:t>
-                      </a:r>
-                    </a:p>
-                  </a:txBody>
-                  <a:tcPr/>
-                </a:tc>
-                <a:tc>
-                  <a:txBody>
-                    <a:bodyPr/>
-                    <a:lstStyle/>
-                    <a:p>
-                      <a:r>
-                        <a:rPr lang="en-US" sz="1200" dirty="0"/>
-                        <a:t>Min </a:t>
-                      </a:r>
-                    </a:p>
-                  </a:txBody>
-                  <a:tcPr/>
-                </a:tc>
-                <a:tc>
-                  <a:txBody>
-                    <a:bodyPr/>
-                    <a:lstStyle/>
-                    <a:p>
-                      <a:r>
-                        <a:rPr lang="en-US" sz="1200" dirty="0"/>
-                        <a:t>Median</a:t>
-                      </a:r>
-                    </a:p>
-                  </a:txBody>
-                  <a:tcPr/>
-                </a:tc>
-                <a:tc>
-                  <a:txBody>
-                    <a:bodyPr/>
-                    <a:lstStyle/>
-                    <a:p>
-                      <a:r>
-                        <a:rPr lang="en-US" sz="1200" dirty="0"/>
-                        <a:t>Mean</a:t>
-                      </a:r>
-                    </a:p>
-                  </a:txBody>
-                  <a:tcPr/>
-                </a:tc>
-                <a:extLst>
-                  <a:ext uri="{0D108BD9-81ED-4DB2-BD59-A6C34878D82A}">
-                    <a16:rowId xmlns:a16="http://schemas.microsoft.com/office/drawing/2014/main" val="1823016952"/>
-                  </a:ext>
-                </a:extLst>
-              </a:tr>
-              <a:tr h="232256">
-                <a:tc>
-                  <a:txBody>
-                    <a:bodyPr/>
-                    <a:lstStyle/>
-                    <a:p>
-                      <a:r>
-                        <a:rPr lang="en-US" sz="1200" dirty="0"/>
-                        <a:t>1992</a:t>
-                      </a:r>
-                    </a:p>
-                  </a:txBody>
-                  <a:tcPr/>
-                </a:tc>
-                <a:tc>
-                  <a:txBody>
-                    <a:bodyPr/>
-                    <a:lstStyle/>
-                    <a:p>
-                      <a:r>
-                        <a:rPr lang="en-US" sz="1200" dirty="0"/>
-                        <a:t>3,195</a:t>
-                      </a:r>
-                    </a:p>
-                  </a:txBody>
-                  <a:tcPr/>
-                </a:tc>
-                <a:tc>
-                  <a:txBody>
-                    <a:bodyPr/>
-                    <a:lstStyle/>
-                    <a:p>
-                      <a:r>
-                        <a:rPr lang="en-US" sz="1200" dirty="0"/>
-                        <a:t>$1,760,000</a:t>
-                      </a:r>
-                    </a:p>
-                  </a:txBody>
-                  <a:tcPr/>
-                </a:tc>
-                <a:tc>
-                  <a:txBody>
-                    <a:bodyPr/>
-                    <a:lstStyle/>
-                    <a:p>
-                      <a:r>
-                        <a:rPr lang="en-US" sz="1200" dirty="0"/>
-                        <a:t>$10,000</a:t>
-                      </a:r>
-                    </a:p>
-                  </a:txBody>
-                  <a:tcPr/>
-                </a:tc>
-                <a:tc>
-                  <a:txBody>
-                    <a:bodyPr/>
-                    <a:lstStyle/>
-                    <a:p>
-                      <a:r>
-                        <a:rPr lang="en-US" sz="1200" dirty="0"/>
-                        <a:t>$200</a:t>
-                      </a:r>
-                    </a:p>
-                  </a:txBody>
-                  <a:tcPr/>
-                </a:tc>
-                <a:tc>
-                  <a:txBody>
-                    <a:bodyPr/>
-                    <a:lstStyle/>
-                    <a:p>
-                      <a:r>
-                        <a:rPr lang="en-US" sz="1200" dirty="0"/>
-                        <a:t>$500</a:t>
-                      </a:r>
-                    </a:p>
-                  </a:txBody>
-                  <a:tcPr/>
-                </a:tc>
-                <a:tc>
-                  <a:txBody>
-                    <a:bodyPr/>
-                    <a:lstStyle/>
-                    <a:p>
-                      <a:r>
-                        <a:rPr lang="en-US" sz="1200" dirty="0"/>
-                        <a:t>$550.87</a:t>
-                      </a:r>
-                    </a:p>
-                  </a:txBody>
-                  <a:tcPr/>
-                </a:tc>
-                <a:extLst>
-                  <a:ext uri="{0D108BD9-81ED-4DB2-BD59-A6C34878D82A}">
-                    <a16:rowId xmlns:a16="http://schemas.microsoft.com/office/drawing/2014/main" val="2083922846"/>
-                  </a:ext>
-                </a:extLst>
-              </a:tr>
-              <a:tr h="232256">
-                <a:tc>
-                  <a:txBody>
-                    <a:bodyPr/>
-                    <a:lstStyle/>
-                    <a:p>
-                      <a:r>
-                        <a:rPr lang="en-US" sz="1200" dirty="0"/>
-                        <a:t>1996</a:t>
-                      </a:r>
-                    </a:p>
-                  </a:txBody>
-                  <a:tcPr/>
-                </a:tc>
-                <a:tc>
-                  <a:txBody>
-                    <a:bodyPr/>
-                    <a:lstStyle/>
-                    <a:p>
-                      <a:r>
-                        <a:rPr lang="en-US" sz="1200" dirty="0"/>
-                        <a:t>7,082</a:t>
-                      </a:r>
-                    </a:p>
-                  </a:txBody>
-                  <a:tcPr/>
-                </a:tc>
-                <a:tc>
-                  <a:txBody>
-                    <a:bodyPr/>
-                    <a:lstStyle/>
-                    <a:p>
-                      <a:r>
-                        <a:rPr lang="en-US" sz="1200" dirty="0"/>
-                        <a:t>$3,577,436</a:t>
-                      </a:r>
-                    </a:p>
-                  </a:txBody>
-                  <a:tcPr/>
-                </a:tc>
-                <a:tc>
-                  <a:txBody>
-                    <a:bodyPr/>
-                    <a:lstStyle/>
-                    <a:p>
-                      <a:r>
-                        <a:rPr lang="en-US" sz="1200" dirty="0"/>
-                        <a:t>$5,000</a:t>
-                      </a:r>
-                    </a:p>
-                  </a:txBody>
-                  <a:tcPr/>
-                </a:tc>
-                <a:tc>
-                  <a:txBody>
-                    <a:bodyPr/>
-                    <a:lstStyle/>
-                    <a:p>
-                      <a:r>
-                        <a:rPr lang="en-US" sz="1200" dirty="0"/>
-                        <a:t>$100</a:t>
-                      </a:r>
-                    </a:p>
-                  </a:txBody>
-                  <a:tcPr/>
-                </a:tc>
-                <a:tc>
-                  <a:txBody>
-                    <a:bodyPr/>
-                    <a:lstStyle/>
-                    <a:p>
-                      <a:r>
-                        <a:rPr lang="en-US" sz="1200" dirty="0"/>
-                        <a:t>$500</a:t>
-                      </a:r>
-                    </a:p>
-                  </a:txBody>
-                  <a:tcPr/>
-                </a:tc>
-                <a:tc>
-                  <a:txBody>
-                    <a:bodyPr/>
-                    <a:lstStyle/>
-                    <a:p>
-                      <a:r>
-                        <a:rPr lang="en-US" sz="1200" dirty="0"/>
-                        <a:t>$505.15</a:t>
-                      </a:r>
-                    </a:p>
-                  </a:txBody>
-                  <a:tcPr/>
-                </a:tc>
-                <a:extLst>
-                  <a:ext uri="{0D108BD9-81ED-4DB2-BD59-A6C34878D82A}">
-                    <a16:rowId xmlns:a16="http://schemas.microsoft.com/office/drawing/2014/main" val="4195007101"/>
-                  </a:ext>
-                </a:extLst>
-              </a:tr>
-              <a:tr h="232256">
-                <a:tc>
-                  <a:txBody>
-                    <a:bodyPr/>
-                    <a:lstStyle/>
-                    <a:p>
-                      <a:r>
-                        <a:rPr lang="en-US" sz="1200" dirty="0"/>
-                        <a:t>2000</a:t>
-                      </a:r>
-                    </a:p>
-                  </a:txBody>
-                  <a:tcPr/>
-                </a:tc>
-                <a:tc>
-                  <a:txBody>
-                    <a:bodyPr/>
-                    <a:lstStyle/>
-                    <a:p>
-                      <a:r>
-                        <a:rPr lang="en-US" sz="1200" dirty="0"/>
-                        <a:t>4,732</a:t>
-                      </a:r>
-                    </a:p>
-                  </a:txBody>
-                  <a:tcPr/>
-                </a:tc>
-                <a:tc>
-                  <a:txBody>
-                    <a:bodyPr/>
-                    <a:lstStyle/>
-                    <a:p>
-                      <a:r>
-                        <a:rPr lang="en-US" sz="1200" dirty="0"/>
-                        <a:t>$2,551,061</a:t>
-                      </a:r>
-                    </a:p>
-                  </a:txBody>
-                  <a:tcPr/>
-                </a:tc>
-                <a:tc>
-                  <a:txBody>
-                    <a:bodyPr/>
-                    <a:lstStyle/>
-                    <a:p>
-                      <a:r>
-                        <a:rPr lang="en-US" sz="1200" dirty="0"/>
-                        <a:t>$2,000</a:t>
-                      </a:r>
-                    </a:p>
-                  </a:txBody>
-                  <a:tcPr/>
-                </a:tc>
-                <a:tc>
-                  <a:txBody>
-                    <a:bodyPr/>
-                    <a:lstStyle/>
-                    <a:p>
-                      <a:r>
-                        <a:rPr lang="en-US" sz="1200" dirty="0"/>
-                        <a:t>$9</a:t>
-                      </a:r>
-                    </a:p>
-                  </a:txBody>
-                  <a:tcPr/>
-                </a:tc>
-                <a:tc>
-                  <a:txBody>
-                    <a:bodyPr/>
-                    <a:lstStyle/>
-                    <a:p>
-                      <a:r>
-                        <a:rPr lang="en-US" sz="1200" dirty="0"/>
-                        <a:t>$500</a:t>
-                      </a:r>
-                    </a:p>
-                  </a:txBody>
-                  <a:tcPr/>
-                </a:tc>
-                <a:tc>
-                  <a:txBody>
-                    <a:bodyPr/>
-                    <a:lstStyle/>
-                    <a:p>
-                      <a:r>
-                        <a:rPr lang="en-US" sz="1200" dirty="0"/>
-                        <a:t>$539.11</a:t>
-                      </a:r>
-                    </a:p>
-                  </a:txBody>
-                  <a:tcPr/>
-                </a:tc>
-                <a:extLst>
-                  <a:ext uri="{0D108BD9-81ED-4DB2-BD59-A6C34878D82A}">
-                    <a16:rowId xmlns:a16="http://schemas.microsoft.com/office/drawing/2014/main" val="340985578"/>
-                  </a:ext>
-                </a:extLst>
-              </a:tr>
-              <a:tr h="232256">
-                <a:tc>
-                  <a:txBody>
-                    <a:bodyPr/>
-                    <a:lstStyle/>
-                    <a:p>
-                      <a:r>
-                        <a:rPr lang="en-US" sz="1200" dirty="0"/>
-                        <a:t>2004</a:t>
-                      </a:r>
-                    </a:p>
-                  </a:txBody>
-                  <a:tcPr/>
-                </a:tc>
-                <a:tc>
-                  <a:txBody>
-                    <a:bodyPr/>
-                    <a:lstStyle/>
-                    <a:p>
-                      <a:r>
-                        <a:rPr lang="en-US" sz="1200" dirty="0"/>
-                        <a:t>13,257</a:t>
-                      </a:r>
-                    </a:p>
-                  </a:txBody>
-                  <a:tcPr/>
-                </a:tc>
-                <a:tc>
-                  <a:txBody>
-                    <a:bodyPr/>
-                    <a:lstStyle/>
-                    <a:p>
-                      <a:r>
-                        <a:rPr lang="en-US" sz="1200" dirty="0"/>
-                        <a:t>$9,485,471</a:t>
-                      </a:r>
-                    </a:p>
-                  </a:txBody>
-                  <a:tcPr/>
-                </a:tc>
-                <a:tc>
-                  <a:txBody>
-                    <a:bodyPr/>
-                    <a:lstStyle/>
-                    <a:p>
-                      <a:r>
-                        <a:rPr lang="en-US" sz="1200" dirty="0"/>
-                        <a:t>$150,000</a:t>
-                      </a:r>
-                    </a:p>
-                  </a:txBody>
-                  <a:tcPr/>
-                </a:tc>
-                <a:tc>
-                  <a:txBody>
-                    <a:bodyPr/>
-                    <a:lstStyle/>
-                    <a:p>
-                      <a:r>
-                        <a:rPr lang="en-US" sz="1200" dirty="0"/>
-                        <a:t>2</a:t>
-                      </a:r>
-                    </a:p>
-                  </a:txBody>
-                  <a:tcPr/>
-                </a:tc>
-                <a:tc>
-                  <a:txBody>
-                    <a:bodyPr/>
-                    <a:lstStyle/>
-                    <a:p>
-                      <a:r>
-                        <a:rPr lang="en-US" sz="1200" dirty="0"/>
-                        <a:t>$500</a:t>
-                      </a:r>
-                    </a:p>
-                  </a:txBody>
-                  <a:tcPr/>
-                </a:tc>
-                <a:tc>
-                  <a:txBody>
-                    <a:bodyPr/>
-                    <a:lstStyle/>
-                    <a:p>
-                      <a:r>
-                        <a:rPr lang="en-US" sz="1200" dirty="0"/>
-                        <a:t>$715.51</a:t>
-                      </a:r>
-                    </a:p>
-                  </a:txBody>
-                  <a:tcPr/>
-                </a:tc>
-                <a:extLst>
-                  <a:ext uri="{0D108BD9-81ED-4DB2-BD59-A6C34878D82A}">
-                    <a16:rowId xmlns:a16="http://schemas.microsoft.com/office/drawing/2014/main" val="799082826"/>
-                  </a:ext>
-                </a:extLst>
-              </a:tr>
-              <a:tr h="232256">
-                <a:tc>
-                  <a:txBody>
-                    <a:bodyPr/>
-                    <a:lstStyle/>
-                    <a:p>
-                      <a:r>
-                        <a:rPr lang="en-US" sz="1200" dirty="0"/>
-                        <a:t>2008</a:t>
-                      </a:r>
-                    </a:p>
-                  </a:txBody>
-                  <a:tcPr/>
-                </a:tc>
-                <a:tc>
-                  <a:txBody>
-                    <a:bodyPr/>
-                    <a:lstStyle/>
-                    <a:p>
-                      <a:r>
-                        <a:rPr lang="en-US" sz="1200" dirty="0"/>
-                        <a:t>19,779</a:t>
-                      </a:r>
-                    </a:p>
-                  </a:txBody>
-                  <a:tcPr/>
-                </a:tc>
-                <a:tc>
-                  <a:txBody>
-                    <a:bodyPr/>
-                    <a:lstStyle/>
-                    <a:p>
-                      <a:r>
-                        <a:rPr lang="en-US" sz="1200" dirty="0"/>
-                        <a:t>$13,518,081</a:t>
-                      </a:r>
-                    </a:p>
-                  </a:txBody>
-                  <a:tcPr/>
-                </a:tc>
-                <a:tc>
-                  <a:txBody>
-                    <a:bodyPr/>
-                    <a:lstStyle/>
-                    <a:p>
-                      <a:r>
-                        <a:rPr lang="en-US" sz="1200" dirty="0"/>
-                        <a:t>$50,000</a:t>
-                      </a:r>
-                    </a:p>
-                  </a:txBody>
-                  <a:tcPr/>
-                </a:tc>
-                <a:tc>
-                  <a:txBody>
-                    <a:bodyPr/>
-                    <a:lstStyle/>
-                    <a:p>
-                      <a:r>
-                        <a:rPr lang="en-US" sz="1200" dirty="0"/>
-                        <a:t>$1</a:t>
-                      </a:r>
-                    </a:p>
-                  </a:txBody>
-                  <a:tcPr/>
-                </a:tc>
-                <a:tc>
-                  <a:txBody>
-                    <a:bodyPr/>
-                    <a:lstStyle/>
-                    <a:p>
-                      <a:r>
-                        <a:rPr lang="en-US" sz="1200" dirty="0"/>
-                        <a:t>$500</a:t>
-                      </a:r>
-                    </a:p>
-                  </a:txBody>
-                  <a:tcPr/>
-                </a:tc>
-                <a:tc>
-                  <a:txBody>
-                    <a:bodyPr/>
-                    <a:lstStyle/>
-                    <a:p>
-                      <a:r>
-                        <a:rPr lang="en-US" sz="1200" dirty="0"/>
-                        <a:t>$683.46</a:t>
-                      </a:r>
-                    </a:p>
-                  </a:txBody>
-                  <a:tcPr/>
-                </a:tc>
-                <a:extLst>
-                  <a:ext uri="{0D108BD9-81ED-4DB2-BD59-A6C34878D82A}">
-                    <a16:rowId xmlns:a16="http://schemas.microsoft.com/office/drawing/2014/main" val="412277751"/>
-                  </a:ext>
-                </a:extLst>
-              </a:tr>
-              <a:tr h="232256">
-                <a:tc>
-                  <a:txBody>
-                    <a:bodyPr/>
-                    <a:lstStyle/>
-                    <a:p>
-                      <a:r>
-                        <a:rPr lang="en-US" sz="1200" dirty="0"/>
-                        <a:t>2012</a:t>
-                      </a:r>
-                    </a:p>
-                  </a:txBody>
-                  <a:tcPr/>
-                </a:tc>
-                <a:tc>
-                  <a:txBody>
-                    <a:bodyPr/>
-                    <a:lstStyle/>
-                    <a:p>
-                      <a:r>
-                        <a:rPr lang="en-US" sz="1200" dirty="0"/>
-                        <a:t>22,095</a:t>
-                      </a:r>
-                    </a:p>
-                  </a:txBody>
-                  <a:tcPr/>
-                </a:tc>
-                <a:tc>
-                  <a:txBody>
-                    <a:bodyPr/>
-                    <a:lstStyle/>
-                    <a:p>
-                      <a:r>
-                        <a:rPr lang="en-US" sz="1200" dirty="0"/>
-                        <a:t>$18,613853</a:t>
-                      </a:r>
-                    </a:p>
-                  </a:txBody>
-                  <a:tcPr/>
-                </a:tc>
-                <a:tc>
-                  <a:txBody>
-                    <a:bodyPr/>
-                    <a:lstStyle/>
-                    <a:p>
-                      <a:r>
-                        <a:rPr lang="en-US" sz="1200" dirty="0"/>
-                        <a:t>$1,000,000</a:t>
-                      </a:r>
-                    </a:p>
-                  </a:txBody>
-                  <a:tcPr/>
-                </a:tc>
-                <a:tc>
-                  <a:txBody>
-                    <a:bodyPr/>
-                    <a:lstStyle/>
-                    <a:p>
-                      <a:r>
-                        <a:rPr lang="en-US" sz="1200" dirty="0"/>
-                        <a:t>$1</a:t>
-                      </a:r>
-                    </a:p>
-                  </a:txBody>
-                  <a:tcPr/>
-                </a:tc>
-                <a:tc>
-                  <a:txBody>
-                    <a:bodyPr/>
-                    <a:lstStyle/>
-                    <a:p>
-                      <a:r>
-                        <a:rPr lang="en-US" sz="1200" dirty="0"/>
-                        <a:t>$300</a:t>
-                      </a:r>
-                    </a:p>
-                  </a:txBody>
-                  <a:tcPr/>
-                </a:tc>
-                <a:tc>
-                  <a:txBody>
-                    <a:bodyPr/>
-                    <a:lstStyle/>
-                    <a:p>
-                      <a:r>
-                        <a:rPr lang="en-US" sz="1200" dirty="0"/>
-                        <a:t>$842.47</a:t>
-                      </a:r>
-                    </a:p>
-                  </a:txBody>
-                  <a:tcPr/>
-                </a:tc>
-                <a:extLst>
-                  <a:ext uri="{0D108BD9-81ED-4DB2-BD59-A6C34878D82A}">
-                    <a16:rowId xmlns:a16="http://schemas.microsoft.com/office/drawing/2014/main" val="2742129964"/>
-                  </a:ext>
-                </a:extLst>
-              </a:tr>
-              <a:tr h="232256">
-                <a:tc>
-                  <a:txBody>
-                    <a:bodyPr/>
-                    <a:lstStyle/>
-                    <a:p>
-                      <a:r>
-                        <a:rPr lang="en-US" sz="1200" dirty="0"/>
-                        <a:t>2016</a:t>
-                      </a:r>
-                    </a:p>
-                  </a:txBody>
-                  <a:tcPr/>
-                </a:tc>
-                <a:tc>
-                  <a:txBody>
-                    <a:bodyPr/>
-                    <a:lstStyle/>
-                    <a:p>
-                      <a:r>
-                        <a:rPr lang="en-US" sz="1200" dirty="0"/>
-                        <a:t>99,347</a:t>
-                      </a:r>
-                    </a:p>
-                  </a:txBody>
-                  <a:tcPr/>
-                </a:tc>
-                <a:tc>
-                  <a:txBody>
-                    <a:bodyPr/>
-                    <a:lstStyle/>
-                    <a:p>
-                      <a:r>
-                        <a:rPr lang="en-US" sz="1200" dirty="0"/>
-                        <a:t>$19,981,887</a:t>
-                      </a:r>
-                    </a:p>
-                  </a:txBody>
-                  <a:tcPr/>
-                </a:tc>
-                <a:tc>
-                  <a:txBody>
-                    <a:bodyPr/>
-                    <a:lstStyle/>
-                    <a:p>
-                      <a:r>
-                        <a:rPr lang="en-US" sz="1200" dirty="0"/>
-                        <a:t>$1,000,000</a:t>
-                      </a:r>
-                    </a:p>
-                  </a:txBody>
-                  <a:tcPr/>
-                </a:tc>
-                <a:tc>
-                  <a:txBody>
-                    <a:bodyPr/>
-                    <a:lstStyle/>
-                    <a:p>
-                      <a:r>
-                        <a:rPr lang="en-US" sz="1200" dirty="0"/>
-                        <a:t>$1</a:t>
-                      </a:r>
-                    </a:p>
-                  </a:txBody>
-                  <a:tcPr/>
-                </a:tc>
-                <a:tc>
-                  <a:txBody>
-                    <a:bodyPr/>
-                    <a:lstStyle/>
-                    <a:p>
-                      <a:r>
-                        <a:rPr lang="en-US" sz="1200" dirty="0"/>
-                        <a:t>$38</a:t>
-                      </a:r>
-                    </a:p>
-                  </a:txBody>
-                  <a:tcPr/>
-                </a:tc>
-                <a:tc>
-                  <a:txBody>
-                    <a:bodyPr/>
-                    <a:lstStyle/>
-                    <a:p>
-                      <a:r>
-                        <a:rPr lang="en-US" sz="1200" dirty="0"/>
-                        <a:t>$201.13</a:t>
-                      </a:r>
-                    </a:p>
-                  </a:txBody>
-                  <a:tcPr/>
-                </a:tc>
-                <a:extLst>
-                  <a:ext uri="{0D108BD9-81ED-4DB2-BD59-A6C34878D82A}">
-                    <a16:rowId xmlns:a16="http://schemas.microsoft.com/office/drawing/2014/main" val="2133921564"/>
-                  </a:ext>
-                </a:extLst>
-              </a:tr>
-            </a:tbl>
-          </a:graphicData>
-        </a:graphic>
-      </p:graphicFrame>
-      <p:sp>
-        <p:nvSpPr>
-          <p:cNvPr id="12" name="Rectangle 11">
-            <a:extLst>
-              <a:ext uri="{FF2B5EF4-FFF2-40B4-BE49-F238E27FC236}">
-                <a16:creationId xmlns:a16="http://schemas.microsoft.com/office/drawing/2014/main" id="{DBE8132A-564F-3D47-8818-C4F904164476}"/>
-              </a:ext>
-            </a:extLst>
-          </p:cNvPr>
-          <p:cNvSpPr/>
-          <p:nvPr/>
-        </p:nvSpPr>
-        <p:spPr>
-          <a:xfrm>
-            <a:off x="787305" y="3957763"/>
-            <a:ext cx="3457998" cy="369332"/>
-          </a:xfrm>
-          <a:prstGeom prst="rect">
-            <a:avLst/>
-          </a:prstGeom>
-        </p:spPr>
-        <p:txBody>
-          <a:bodyPr wrap="none">
-            <a:spAutoFit/>
-          </a:bodyPr>
-          <a:lstStyle/>
-          <a:p>
-            <a:r>
-              <a:rPr lang="en-US" b="1" u="sng" dirty="0"/>
-              <a:t>Donations to losing candidates</a:t>
-            </a:r>
-          </a:p>
-        </p:txBody>
-      </p:sp>
-    </p:spTree>
-    <p:extLst>
-      <p:ext uri="{BB962C8B-B14F-4D97-AF65-F5344CB8AC3E}">
-        <p14:creationId xmlns:p14="http://schemas.microsoft.com/office/powerpoint/2010/main" val="3219115758"/>
-      </p:ext>
-    </p:extLst>
-  </p:cSld>
-  <p:clrMapOvr>
-    <a:masterClrMapping/>
-  </p:clrMapOvr>
-</p:sld>
-</file>
-
-<file path=ppt/slides/slide8.xml><?xml version="1.0" encoding="utf-8"?>
-<p:sld xmlns:a="http://schemas.openxmlformats.org/drawingml/2006/main" xmlns:r="http://schemas.openxmlformats.org/officeDocument/2006/relationships" xmlns:p="http://schemas.openxmlformats.org/presentationml/2006/main">
-  <p:cSld>
-    <p:spTree>
-      <p:nvGrpSpPr>
-        <p:cNvPr id="1" name=""/>
-        <p:cNvGrpSpPr/>
-        <p:nvPr/>
-      </p:nvGrpSpPr>
-      <p:grpSpPr>
-        <a:xfrm>
-          <a:off x="0" y="0"/>
-          <a:ext cx="0" cy="0"/>
-          <a:chOff x="0" y="0"/>
-          <a:chExt cx="0" cy="0"/>
-        </a:xfrm>
-      </p:grpSpPr>
-      <p:sp>
-        <p:nvSpPr>
-          <p:cNvPr id="2" name="Title 1">
-            <a:extLst>
-              <a:ext uri="{FF2B5EF4-FFF2-40B4-BE49-F238E27FC236}">
-                <a16:creationId xmlns:a16="http://schemas.microsoft.com/office/drawing/2014/main" id="{92378798-8F45-8242-9147-3A5DAA7B9E2F}"/>
-              </a:ext>
-            </a:extLst>
-          </p:cNvPr>
-          <p:cNvSpPr>
-            <a:spLocks noGrp="1"/>
-          </p:cNvSpPr>
-          <p:nvPr>
-            <p:ph type="title"/>
-          </p:nvPr>
-        </p:nvSpPr>
-        <p:spPr/>
-        <p:txBody>
-          <a:bodyPr/>
-          <a:lstStyle/>
-          <a:p>
-            <a:r>
-              <a:rPr lang="en-US" dirty="0"/>
-              <a:t>Summary Visualizations</a:t>
-            </a:r>
-          </a:p>
-        </p:txBody>
-      </p:sp>
-      <p:pic>
-        <p:nvPicPr>
-          <p:cNvPr id="5" name="Content Placeholder 4" descr="A screenshot of a cell phone&#10;&#10;Description automatically generated">
-            <a:extLst>
-              <a:ext uri="{FF2B5EF4-FFF2-40B4-BE49-F238E27FC236}">
-                <a16:creationId xmlns:a16="http://schemas.microsoft.com/office/drawing/2014/main" id="{35CEFD97-8DF1-DA47-9076-9D61A15076B9}"/>
-              </a:ext>
-            </a:extLst>
-          </p:cNvPr>
-          <p:cNvPicPr>
-            <a:picLocks noGrp="1" noChangeAspect="1"/>
-          </p:cNvPicPr>
-          <p:nvPr>
-            <p:ph idx="1"/>
-          </p:nvPr>
-        </p:nvPicPr>
-        <p:blipFill>
-          <a:blip r:embed="rId2"/>
-          <a:stretch>
-            <a:fillRect/>
-          </a:stretch>
-        </p:blipFill>
-        <p:spPr>
-          <a:xfrm>
-            <a:off x="555956" y="1460665"/>
-            <a:ext cx="3130977" cy="2593624"/>
-          </a:xfrm>
-        </p:spPr>
-      </p:pic>
-      <p:pic>
-        <p:nvPicPr>
-          <p:cNvPr id="7" name="Picture 6" descr="A screenshot of a cell phone&#10;&#10;Description automatically generated">
-            <a:extLst>
-              <a:ext uri="{FF2B5EF4-FFF2-40B4-BE49-F238E27FC236}">
-                <a16:creationId xmlns:a16="http://schemas.microsoft.com/office/drawing/2014/main" id="{B2B79D21-24D2-E548-B240-D8189EAE36E3}"/>
-              </a:ext>
-            </a:extLst>
-          </p:cNvPr>
-          <p:cNvPicPr>
-            <a:picLocks noChangeAspect="1"/>
-          </p:cNvPicPr>
-          <p:nvPr/>
-        </p:nvPicPr>
-        <p:blipFill>
-          <a:blip r:embed="rId3"/>
-          <a:stretch>
-            <a:fillRect/>
-          </a:stretch>
-        </p:blipFill>
-        <p:spPr>
-          <a:xfrm>
-            <a:off x="679349" y="4054289"/>
-            <a:ext cx="2884189" cy="2452588"/>
-          </a:xfrm>
-          <a:prstGeom prst="rect">
-            <a:avLst/>
-          </a:prstGeom>
-        </p:spPr>
-      </p:pic>
-      <p:pic>
-        <p:nvPicPr>
-          <p:cNvPr id="10" name="Picture 9" descr="A close up of a map&#10;&#10;Description automatically generated">
-            <a:extLst>
-              <a:ext uri="{FF2B5EF4-FFF2-40B4-BE49-F238E27FC236}">
-                <a16:creationId xmlns:a16="http://schemas.microsoft.com/office/drawing/2014/main" id="{68842E2E-43B6-A545-88A2-08999AB7EE19}"/>
-              </a:ext>
-            </a:extLst>
-          </p:cNvPr>
-          <p:cNvPicPr>
-            <a:picLocks noChangeAspect="1"/>
-          </p:cNvPicPr>
-          <p:nvPr/>
-        </p:nvPicPr>
-        <p:blipFill>
-          <a:blip r:embed="rId4"/>
-          <a:stretch>
-            <a:fillRect/>
-          </a:stretch>
-        </p:blipFill>
-        <p:spPr>
-          <a:xfrm>
-            <a:off x="3940467" y="1460665"/>
-            <a:ext cx="5080000" cy="4699000"/>
-          </a:xfrm>
-          <a:prstGeom prst="rect">
-            <a:avLst/>
-          </a:prstGeom>
-        </p:spPr>
-      </p:pic>
-    </p:spTree>
-    <p:extLst>
-      <p:ext uri="{BB962C8B-B14F-4D97-AF65-F5344CB8AC3E}">
-        <p14:creationId xmlns:p14="http://schemas.microsoft.com/office/powerpoint/2010/main" val="3812818127"/>
       </p:ext>
     </p:extLst>
   </p:cSld>

--- a/project_presention.pptx
+++ b/project_presention.pptx
@@ -19638,8 +19638,8 @@
           </p:pic>
         </mc:Fallback>
       </mc:AlternateContent>
-      <mc:AlternateContent xmlns:mc="http://schemas.openxmlformats.org/markup-compatibility/2006">
-        <mc:Choice xmlns:p14="http://schemas.microsoft.com/office/powerpoint/2010/main" Requires="p14">
+      <mc:AlternateContent xmlns:mc="http://schemas.openxmlformats.org/markup-compatibility/2006" xmlns:p14="http://schemas.microsoft.com/office/powerpoint/2010/main">
+        <mc:Choice Requires="p14">
           <p:contentPart p14:bwMode="auto" r:id="rId11">
             <p14:nvContentPartPr>
               <p14:cNvPr id="3" name="Ink 2">
@@ -19658,7 +19658,7 @@
             </p14:xfrm>
           </p:contentPart>
         </mc:Choice>
-        <mc:Fallback>
+        <mc:Fallback xmlns="">
           <p:pic>
             <p:nvPicPr>
               <p:cNvPr id="3" name="Ink 2">
@@ -19689,8 +19689,8 @@
           </p:pic>
         </mc:Fallback>
       </mc:AlternateContent>
-      <mc:AlternateContent xmlns:mc="http://schemas.openxmlformats.org/markup-compatibility/2006">
-        <mc:Choice xmlns:p14="http://schemas.microsoft.com/office/powerpoint/2010/main" Requires="p14">
+      <mc:AlternateContent xmlns:mc="http://schemas.openxmlformats.org/markup-compatibility/2006" xmlns:p14="http://schemas.microsoft.com/office/powerpoint/2010/main">
+        <mc:Choice Requires="p14">
           <p:contentPart p14:bwMode="auto" r:id="rId13">
             <p14:nvContentPartPr>
               <p14:cNvPr id="8" name="Ink 7">
@@ -19709,7 +19709,7 @@
             </p14:xfrm>
           </p:contentPart>
         </mc:Choice>
-        <mc:Fallback>
+        <mc:Fallback xmlns="">
           <p:pic>
             <p:nvPicPr>
               <p:cNvPr id="8" name="Ink 7">
@@ -19740,8 +19740,8 @@
           </p:pic>
         </mc:Fallback>
       </mc:AlternateContent>
-      <mc:AlternateContent xmlns:mc="http://schemas.openxmlformats.org/markup-compatibility/2006">
-        <mc:Choice xmlns:p14="http://schemas.microsoft.com/office/powerpoint/2010/main" Requires="p14">
+      <mc:AlternateContent xmlns:mc="http://schemas.openxmlformats.org/markup-compatibility/2006" xmlns:p14="http://schemas.microsoft.com/office/powerpoint/2010/main">
+        <mc:Choice Requires="p14">
           <p:contentPart p14:bwMode="auto" r:id="rId15">
             <p14:nvContentPartPr>
               <p14:cNvPr id="12" name="Ink 11">
@@ -19760,7 +19760,7 @@
             </p14:xfrm>
           </p:contentPart>
         </mc:Choice>
-        <mc:Fallback>
+        <mc:Fallback xmlns="">
           <p:pic>
             <p:nvPicPr>
               <p:cNvPr id="12" name="Ink 11">
@@ -19791,8 +19791,8 @@
           </p:pic>
         </mc:Fallback>
       </mc:AlternateContent>
-      <mc:AlternateContent xmlns:mc="http://schemas.openxmlformats.org/markup-compatibility/2006">
-        <mc:Choice xmlns:p14="http://schemas.microsoft.com/office/powerpoint/2010/main" Requires="p14">
+      <mc:AlternateContent xmlns:mc="http://schemas.openxmlformats.org/markup-compatibility/2006" xmlns:p14="http://schemas.microsoft.com/office/powerpoint/2010/main">
+        <mc:Choice Requires="p14">
           <p:contentPart p14:bwMode="auto" r:id="rId17">
             <p14:nvContentPartPr>
               <p14:cNvPr id="13" name="Ink 12">
@@ -19811,7 +19811,7 @@
             </p14:xfrm>
           </p:contentPart>
         </mc:Choice>
-        <mc:Fallback>
+        <mc:Fallback xmlns="">
           <p:pic>
             <p:nvPicPr>
               <p:cNvPr id="13" name="Ink 12">
